--- a/models/dissertation-model/modelo-R/dmdu-presentation/poster/Poster_PedroLima_DMDU.pptx
+++ b/models/dissertation-model/modelo-R/dmdu-presentation/poster/Poster_PedroLima_DMDU.pptx
@@ -490,7 +490,7 @@
               <a:pPr>
                 <a:defRPr/>
               </a:pPr>
-              <a:t>05/11/2018</a:t>
+              <a:t>07/11/2018</a:t>
             </a:fld>
             <a:endParaRPr lang="pt-BR" dirty="0"/>
           </a:p>
@@ -4805,313 +4805,6 @@
       </p:grpSpPr>
       <p:sp>
         <p:nvSpPr>
-          <p:cNvPr id="4098" name="Rectangle 4"/>
-          <p:cNvSpPr>
-            <a:spLocks noGrp="1" noChangeArrowheads="1"/>
-          </p:cNvSpPr>
-          <p:nvPr>
-            <p:ph type="title" sz="quarter"/>
-          </p:nvPr>
-        </p:nvSpPr>
-        <p:spPr>
-          <a:xfrm>
-            <a:off x="7853316" y="287641"/>
-            <a:ext cx="18208445" cy="3953273"/>
-          </a:xfrm>
-        </p:spPr>
-        <p:txBody>
-          <a:bodyPr anchor="t"/>
-          <a:lstStyle/>
-          <a:p>
-            <a:pPr eaLnBrk="1" hangingPunct="1"/>
-            <a:r>
-              <a:rPr lang="pt-BR" altLang="pt-BR" sz="6000" b="1" dirty="0" err="1">
-                <a:latin typeface="CMU Sans Serif" panose="02000603000000000000" pitchFamily="2" charset="0"/>
-                <a:ea typeface="CMU Sans Serif" panose="02000603000000000000" pitchFamily="2" charset="0"/>
-                <a:cs typeface="CMU Sans Serif" panose="02000603000000000000" pitchFamily="2" charset="0"/>
-              </a:rPr>
-              <a:t>Strategic</a:t>
-            </a:r>
-            <a:r>
-              <a:rPr lang="pt-BR" altLang="pt-BR" sz="6000" b="1" dirty="0">
-                <a:latin typeface="CMU Sans Serif" panose="02000603000000000000" pitchFamily="2" charset="0"/>
-                <a:ea typeface="CMU Sans Serif" panose="02000603000000000000" pitchFamily="2" charset="0"/>
-                <a:cs typeface="CMU Sans Serif" panose="02000603000000000000" pitchFamily="2" charset="0"/>
-              </a:rPr>
-              <a:t> Decision Making in </a:t>
-            </a:r>
-            <a:r>
-              <a:rPr lang="pt-BR" altLang="pt-BR" sz="6000" b="1" dirty="0" err="1">
-                <a:latin typeface="CMU Sans Serif" panose="02000603000000000000" pitchFamily="2" charset="0"/>
-                <a:ea typeface="CMU Sans Serif" panose="02000603000000000000" pitchFamily="2" charset="0"/>
-                <a:cs typeface="CMU Sans Serif" panose="02000603000000000000" pitchFamily="2" charset="0"/>
-              </a:rPr>
-              <a:t>the</a:t>
-            </a:r>
-            <a:r>
-              <a:rPr lang="pt-BR" altLang="pt-BR" sz="6000" b="1" dirty="0">
-                <a:latin typeface="CMU Sans Serif" panose="02000603000000000000" pitchFamily="2" charset="0"/>
-                <a:ea typeface="CMU Sans Serif" panose="02000603000000000000" pitchFamily="2" charset="0"/>
-                <a:cs typeface="CMU Sans Serif" panose="02000603000000000000" pitchFamily="2" charset="0"/>
-              </a:rPr>
-              <a:t> 3D </a:t>
-            </a:r>
-            <a:r>
-              <a:rPr lang="pt-BR" altLang="pt-BR" sz="6000" b="1" dirty="0" err="1">
-                <a:latin typeface="CMU Sans Serif" panose="02000603000000000000" pitchFamily="2" charset="0"/>
-                <a:ea typeface="CMU Sans Serif" panose="02000603000000000000" pitchFamily="2" charset="0"/>
-                <a:cs typeface="CMU Sans Serif" panose="02000603000000000000" pitchFamily="2" charset="0"/>
-              </a:rPr>
-              <a:t>Printing</a:t>
-            </a:r>
-            <a:r>
-              <a:rPr lang="pt-BR" altLang="pt-BR" sz="6000" b="1" dirty="0">
-                <a:latin typeface="CMU Sans Serif" panose="02000603000000000000" pitchFamily="2" charset="0"/>
-                <a:ea typeface="CMU Sans Serif" panose="02000603000000000000" pitchFamily="2" charset="0"/>
-                <a:cs typeface="CMU Sans Serif" panose="02000603000000000000" pitchFamily="2" charset="0"/>
-              </a:rPr>
-              <a:t> </a:t>
-            </a:r>
-            <a:r>
-              <a:rPr lang="pt-BR" altLang="pt-BR" sz="6000" b="1" dirty="0" err="1">
-                <a:latin typeface="CMU Sans Serif" panose="02000603000000000000" pitchFamily="2" charset="0"/>
-                <a:ea typeface="CMU Sans Serif" panose="02000603000000000000" pitchFamily="2" charset="0"/>
-                <a:cs typeface="CMU Sans Serif" panose="02000603000000000000" pitchFamily="2" charset="0"/>
-              </a:rPr>
-              <a:t>Industry</a:t>
-            </a:r>
-            <a:br>
-              <a:rPr lang="pt-BR" altLang="pt-BR" sz="6000" b="1" dirty="0">
-                <a:latin typeface="CMU Sans Serif" panose="02000603000000000000" pitchFamily="2" charset="0"/>
-                <a:ea typeface="CMU Sans Serif" panose="02000603000000000000" pitchFamily="2" charset="0"/>
-                <a:cs typeface="CMU Sans Serif" panose="02000603000000000000" pitchFamily="2" charset="0"/>
-              </a:rPr>
-            </a:br>
-            <a:r>
-              <a:rPr lang="pt-BR" altLang="pt-BR" sz="6000" b="1" dirty="0">
-                <a:latin typeface="CMU Sans Serif" panose="02000603000000000000" pitchFamily="2" charset="0"/>
-                <a:ea typeface="CMU Sans Serif" panose="02000603000000000000" pitchFamily="2" charset="0"/>
-                <a:cs typeface="CMU Sans Serif" panose="02000603000000000000" pitchFamily="2" charset="0"/>
-              </a:rPr>
-              <a:t>A Robust Decision Making Analysis</a:t>
-            </a:r>
-            <a:br>
-              <a:rPr lang="pt-BR" altLang="pt-BR" sz="800" b="1" dirty="0">
-                <a:latin typeface="CMU Sans Serif" panose="02000603000000000000" pitchFamily="2" charset="0"/>
-                <a:ea typeface="CMU Sans Serif" panose="02000603000000000000" pitchFamily="2" charset="0"/>
-                <a:cs typeface="CMU Sans Serif" panose="02000603000000000000" pitchFamily="2" charset="0"/>
-              </a:rPr>
-            </a:br>
-            <a:br>
-              <a:rPr lang="pt-BR" altLang="pt-BR" sz="800" b="1" dirty="0">
-                <a:latin typeface="CMU Sans Serif" panose="02000603000000000000" pitchFamily="2" charset="0"/>
-                <a:ea typeface="CMU Sans Serif" panose="02000603000000000000" pitchFamily="2" charset="0"/>
-                <a:cs typeface="CMU Sans Serif" panose="02000603000000000000" pitchFamily="2" charset="0"/>
-              </a:rPr>
-            </a:br>
-            <a:br>
-              <a:rPr lang="pt-BR" altLang="pt-BR" sz="800" b="1" dirty="0">
-                <a:latin typeface="CMU Sans Serif" panose="02000603000000000000" pitchFamily="2" charset="0"/>
-                <a:ea typeface="CMU Sans Serif" panose="02000603000000000000" pitchFamily="2" charset="0"/>
-                <a:cs typeface="CMU Sans Serif" panose="02000603000000000000" pitchFamily="2" charset="0"/>
-              </a:rPr>
-            </a:br>
-            <a:r>
-              <a:rPr lang="pt-BR" altLang="pt-BR" sz="4000" dirty="0">
-                <a:solidFill>
-                  <a:schemeClr val="tx1"/>
-                </a:solidFill>
-                <a:latin typeface="CMU Sans Serif" panose="02000603000000000000" pitchFamily="2" charset="0"/>
-                <a:ea typeface="CMU Sans Serif" panose="02000603000000000000" pitchFamily="2" charset="0"/>
-                <a:cs typeface="CMU Sans Serif" panose="02000603000000000000" pitchFamily="2" charset="0"/>
-              </a:rPr>
-              <a:t>Pedro Nascimento de Lima, Daniel Pacheco Lacerda, Maria I. W. M. Morandi</a:t>
-            </a:r>
-            <a:br>
-              <a:rPr lang="pt-BR" altLang="pt-BR" sz="4000" dirty="0">
-                <a:solidFill>
-                  <a:schemeClr val="tx1"/>
-                </a:solidFill>
-                <a:latin typeface="CMU Sans Serif" panose="02000603000000000000" pitchFamily="2" charset="0"/>
-                <a:ea typeface="CMU Sans Serif" panose="02000603000000000000" pitchFamily="2" charset="0"/>
-                <a:cs typeface="CMU Sans Serif" panose="02000603000000000000" pitchFamily="2" charset="0"/>
-              </a:rPr>
-            </a:br>
-            <a:r>
-              <a:rPr lang="pt-BR" altLang="pt-BR" sz="4000" dirty="0">
-                <a:solidFill>
-                  <a:schemeClr val="tx1"/>
-                </a:solidFill>
-                <a:latin typeface="CMU Sans Serif" panose="02000603000000000000" pitchFamily="2" charset="0"/>
-                <a:ea typeface="CMU Sans Serif" panose="02000603000000000000" pitchFamily="2" charset="0"/>
-                <a:cs typeface="CMU Sans Serif" panose="02000603000000000000" pitchFamily="2" charset="0"/>
-              </a:rPr>
-              <a:t>UNISINOS </a:t>
-            </a:r>
-            <a:r>
-              <a:rPr lang="pt-BR" altLang="pt-BR" sz="4000" dirty="0" err="1">
-                <a:solidFill>
-                  <a:schemeClr val="tx1"/>
-                </a:solidFill>
-                <a:latin typeface="CMU Sans Serif" panose="02000603000000000000" pitchFamily="2" charset="0"/>
-                <a:ea typeface="CMU Sans Serif" panose="02000603000000000000" pitchFamily="2" charset="0"/>
-                <a:cs typeface="CMU Sans Serif" panose="02000603000000000000" pitchFamily="2" charset="0"/>
-              </a:rPr>
-              <a:t>University</a:t>
-            </a:r>
-            <a:r>
-              <a:rPr lang="pt-BR" altLang="pt-BR" sz="4000" dirty="0">
-                <a:solidFill>
-                  <a:schemeClr val="tx1"/>
-                </a:solidFill>
-                <a:latin typeface="CMU Sans Serif" panose="02000603000000000000" pitchFamily="2" charset="0"/>
-                <a:ea typeface="CMU Sans Serif" panose="02000603000000000000" pitchFamily="2" charset="0"/>
-                <a:cs typeface="CMU Sans Serif" panose="02000603000000000000" pitchFamily="2" charset="0"/>
-              </a:rPr>
-              <a:t>, GMAP </a:t>
-            </a:r>
-            <a:r>
-              <a:rPr lang="pt-BR" altLang="pt-BR" sz="4000" dirty="0" err="1">
-                <a:solidFill>
-                  <a:schemeClr val="tx1"/>
-                </a:solidFill>
-                <a:latin typeface="CMU Sans Serif" panose="02000603000000000000" pitchFamily="2" charset="0"/>
-                <a:ea typeface="CMU Sans Serif" panose="02000603000000000000" pitchFamily="2" charset="0"/>
-                <a:cs typeface="CMU Sans Serif" panose="02000603000000000000" pitchFamily="2" charset="0"/>
-              </a:rPr>
-              <a:t>Research</a:t>
-            </a:r>
-            <a:r>
-              <a:rPr lang="pt-BR" altLang="pt-BR" sz="4000" dirty="0">
-                <a:solidFill>
-                  <a:schemeClr val="tx1"/>
-                </a:solidFill>
-                <a:latin typeface="CMU Sans Serif" panose="02000603000000000000" pitchFamily="2" charset="0"/>
-                <a:ea typeface="CMU Sans Serif" panose="02000603000000000000" pitchFamily="2" charset="0"/>
-                <a:cs typeface="CMU Sans Serif" panose="02000603000000000000" pitchFamily="2" charset="0"/>
-              </a:rPr>
-              <a:t> </a:t>
-            </a:r>
-            <a:r>
-              <a:rPr lang="pt-BR" altLang="pt-BR" sz="4000" dirty="0" err="1">
-                <a:solidFill>
-                  <a:schemeClr val="tx1"/>
-                </a:solidFill>
-                <a:latin typeface="CMU Sans Serif" panose="02000603000000000000" pitchFamily="2" charset="0"/>
-                <a:ea typeface="CMU Sans Serif" panose="02000603000000000000" pitchFamily="2" charset="0"/>
-                <a:cs typeface="CMU Sans Serif" panose="02000603000000000000" pitchFamily="2" charset="0"/>
-              </a:rPr>
-              <a:t>Group</a:t>
-            </a:r>
-            <a:r>
-              <a:rPr lang="pt-BR" altLang="pt-BR" sz="4000" dirty="0">
-                <a:solidFill>
-                  <a:schemeClr val="tx1"/>
-                </a:solidFill>
-                <a:latin typeface="CMU Sans Serif" panose="02000603000000000000" pitchFamily="2" charset="0"/>
-                <a:ea typeface="CMU Sans Serif" panose="02000603000000000000" pitchFamily="2" charset="0"/>
-                <a:cs typeface="CMU Sans Serif" panose="02000603000000000000" pitchFamily="2" charset="0"/>
-              </a:rPr>
-              <a:t> – www.gmap.unisinos.br</a:t>
-            </a:r>
-            <a:br>
-              <a:rPr lang="pt-BR" altLang="pt-BR" sz="4000" dirty="0">
-                <a:solidFill>
-                  <a:schemeClr val="tx1"/>
-                </a:solidFill>
-                <a:latin typeface="CMU Sans Serif" panose="02000603000000000000" pitchFamily="2" charset="0"/>
-                <a:ea typeface="CMU Sans Serif" panose="02000603000000000000" pitchFamily="2" charset="0"/>
-                <a:cs typeface="CMU Sans Serif" panose="02000603000000000000" pitchFamily="2" charset="0"/>
-              </a:rPr>
-            </a:br>
-            <a:r>
-              <a:rPr lang="pt-BR" altLang="pt-BR" sz="4000" dirty="0">
-                <a:solidFill>
-                  <a:schemeClr val="tx1"/>
-                </a:solidFill>
-                <a:latin typeface="CMU Sans Serif" panose="02000603000000000000" pitchFamily="2" charset="0"/>
-                <a:ea typeface="CMU Sans Serif" panose="02000603000000000000" pitchFamily="2" charset="0"/>
-                <a:cs typeface="CMU Sans Serif" panose="02000603000000000000" pitchFamily="2" charset="0"/>
-              </a:rPr>
-              <a:t>2018 DMDU Society </a:t>
-            </a:r>
-            <a:r>
-              <a:rPr lang="pt-BR" altLang="pt-BR" sz="4000" dirty="0" err="1">
-                <a:solidFill>
-                  <a:schemeClr val="tx1"/>
-                </a:solidFill>
-                <a:latin typeface="CMU Sans Serif" panose="02000603000000000000" pitchFamily="2" charset="0"/>
-                <a:ea typeface="CMU Sans Serif" panose="02000603000000000000" pitchFamily="2" charset="0"/>
-                <a:cs typeface="CMU Sans Serif" panose="02000603000000000000" pitchFamily="2" charset="0"/>
-              </a:rPr>
-              <a:t>Annual</a:t>
-            </a:r>
-            <a:r>
-              <a:rPr lang="pt-BR" altLang="pt-BR" sz="4000" dirty="0">
-                <a:solidFill>
-                  <a:schemeClr val="tx1"/>
-                </a:solidFill>
-                <a:latin typeface="CMU Sans Serif" panose="02000603000000000000" pitchFamily="2" charset="0"/>
-                <a:ea typeface="CMU Sans Serif" panose="02000603000000000000" pitchFamily="2" charset="0"/>
-                <a:cs typeface="CMU Sans Serif" panose="02000603000000000000" pitchFamily="2" charset="0"/>
-              </a:rPr>
-              <a:t> Meeting</a:t>
-            </a:r>
-            <a:endParaRPr lang="pt-BR" altLang="pt-BR" sz="6000" b="1" dirty="0">
-              <a:latin typeface="CMU Sans Serif" panose="02000603000000000000" pitchFamily="2" charset="0"/>
-              <a:ea typeface="CMU Sans Serif" panose="02000603000000000000" pitchFamily="2" charset="0"/>
-              <a:cs typeface="CMU Sans Serif" panose="02000603000000000000" pitchFamily="2" charset="0"/>
-            </a:endParaRPr>
-          </a:p>
-        </p:txBody>
-      </p:sp>
-      <p:sp>
-        <p:nvSpPr>
-          <p:cNvPr id="4102" name="Line 955"/>
-          <p:cNvSpPr>
-            <a:spLocks noChangeShapeType="1"/>
-          </p:cNvSpPr>
-          <p:nvPr/>
-        </p:nvSpPr>
-        <p:spPr bwMode="auto">
-          <a:xfrm>
-            <a:off x="1036743" y="4508087"/>
-            <a:ext cx="30414734" cy="46032"/>
-          </a:xfrm>
-          <a:prstGeom prst="line">
-            <a:avLst/>
-          </a:prstGeom>
-          <a:noFill/>
-          <a:ln w="9525">
-            <a:solidFill>
-              <a:schemeClr val="tx1"/>
-            </a:solidFill>
-            <a:round/>
-            <a:headEnd/>
-            <a:tailEnd/>
-          </a:ln>
-          <a:extLst>
-            <a:ext uri="{909E8E84-426E-40DD-AFC4-6F175D3DCCD1}">
-              <a14:hiddenFill xmlns:a14="http://schemas.microsoft.com/office/drawing/2010/main">
-                <a:noFill/>
-              </a14:hiddenFill>
-            </a:ext>
-          </a:extLst>
-        </p:spPr>
-        <p:txBody>
-          <a:bodyPr/>
-          <a:lstStyle/>
-          <a:p>
-            <a:endParaRPr lang="pt-BR" sz="8499" dirty="0">
-              <a:latin typeface="CMU Sans Serif" panose="02000603000000000000" pitchFamily="2" charset="0"/>
-              <a:ea typeface="CMU Sans Serif" panose="02000603000000000000" pitchFamily="2" charset="0"/>
-              <a:cs typeface="CMU Sans Serif" panose="02000603000000000000" pitchFamily="2" charset="0"/>
-            </a:endParaRPr>
-          </a:p>
-        </p:txBody>
-      </p:sp>
-      <p:sp>
-        <p:nvSpPr>
           <p:cNvPr id="4103" name="Text Box 8"/>
           <p:cNvSpPr txBox="1">
             <a:spLocks noChangeArrowheads="1"/>
@@ -5121,7 +4814,7 @@
         <p:spPr bwMode="auto">
           <a:xfrm>
             <a:off x="981757" y="19414638"/>
-            <a:ext cx="14993872" cy="14730273"/>
+            <a:ext cx="14993872" cy="13930054"/>
           </a:xfrm>
           <a:prstGeom prst="rect">
             <a:avLst/>
@@ -5277,10 +4970,11 @@
             </a:lvl9pPr>
           </a:lstStyle>
           <a:p>
-            <a:pPr marL="571500" indent="-571500" algn="just" eaLnBrk="1" hangingPunct="1">
+            <a:pPr algn="just" eaLnBrk="1" hangingPunct="1">
               <a:spcBef>
                 <a:spcPct val="50000"/>
               </a:spcBef>
+              <a:buNone/>
             </a:pPr>
             <a:r>
               <a:rPr lang="en-US" altLang="pt-BR" sz="4400" b="1" dirty="0">
@@ -5305,22 +4999,15 @@
                 <a:ea typeface="CMU Sans Serif" panose="02000603000000000000" pitchFamily="2" charset="0"/>
                 <a:cs typeface="CMU Sans Serif" panose="02000603000000000000" pitchFamily="2" charset="0"/>
               </a:rPr>
-              <a:t>This study analyzed parametric uncertainty, grouped into these categories:</a:t>
+              <a:t>This study analyzed parametric uncertainty present in the professional AM market, represented by 35 model parameters, including: </a:t>
             </a:r>
-          </a:p>
-          <a:p>
-            <a:pPr marL="1314450" lvl="1" indent="-571500" algn="just" eaLnBrk="1" hangingPunct="1">
-              <a:spcBef>
-                <a:spcPct val="50000"/>
-              </a:spcBef>
-            </a:pPr>
             <a:r>
               <a:rPr lang="en-US" altLang="pt-BR" sz="4000" b="1" dirty="0">
                 <a:latin typeface="CMU Sans Serif" panose="02000603000000000000" pitchFamily="2" charset="0"/>
                 <a:ea typeface="CMU Sans Serif" panose="02000603000000000000" pitchFamily="2" charset="0"/>
                 <a:cs typeface="CMU Sans Serif" panose="02000603000000000000" pitchFamily="2" charset="0"/>
               </a:rPr>
-              <a:t>Diffusion Dynamics parameters</a:t>
+              <a:t>Diffusion Dynamics parameters </a:t>
             </a:r>
             <a:r>
               <a:rPr lang="en-US" altLang="pt-BR" sz="4000" dirty="0">
@@ -5328,22 +5015,15 @@
                 <a:ea typeface="CMU Sans Serif" panose="02000603000000000000" pitchFamily="2" charset="0"/>
                 <a:cs typeface="CMU Sans Serif" panose="02000603000000000000" pitchFamily="2" charset="0"/>
               </a:rPr>
-              <a:t>: how fast and to what extent the industrial grade 3d printing market might grow.</a:t>
+              <a:t>(how fast and to what extent the industrial-grade 3D printing market might grow), (ii) </a:t>
             </a:r>
-          </a:p>
-          <a:p>
-            <a:pPr marL="1314450" lvl="1" indent="-571500" algn="just" eaLnBrk="1" hangingPunct="1">
-              <a:spcBef>
-                <a:spcPct val="50000"/>
-              </a:spcBef>
-            </a:pPr>
             <a:r>
               <a:rPr lang="en-US" altLang="pt-BR" sz="4000" b="1" dirty="0">
                 <a:latin typeface="CMU Sans Serif" panose="02000603000000000000" pitchFamily="2" charset="0"/>
                 <a:ea typeface="CMU Sans Serif" panose="02000603000000000000" pitchFamily="2" charset="0"/>
                 <a:cs typeface="CMU Sans Serif" panose="02000603000000000000" pitchFamily="2" charset="0"/>
               </a:rPr>
-              <a:t>Opponent's Strategy:</a:t>
+              <a:t>Opponent's Strategies</a:t>
             </a:r>
             <a:r>
               <a:rPr lang="en-US" altLang="pt-BR" sz="4000" dirty="0">
@@ -5351,14 +5031,31 @@
                 <a:ea typeface="CMU Sans Serif" panose="02000603000000000000" pitchFamily="2" charset="0"/>
                 <a:cs typeface="CMU Sans Serif" panose="02000603000000000000" pitchFamily="2" charset="0"/>
               </a:rPr>
-              <a:t> The strategy of the opponents players are also defined as uncertain.</a:t>
+              <a:t> (The strategy of the opponents manufacturers are also defined as uncertain), (iii) </a:t>
             </a:r>
-          </a:p>
-          <a:p>
-            <a:pPr marL="571500" indent="-571500" algn="just" eaLnBrk="1" hangingPunct="1">
+            <a:r>
+              <a:rPr lang="en-US" altLang="pt-BR" sz="4000" b="1" dirty="0">
+                <a:latin typeface="CMU Sans Serif" panose="02000603000000000000" pitchFamily="2" charset="0"/>
+                <a:ea typeface="CMU Sans Serif" panose="02000603000000000000" pitchFamily="2" charset="0"/>
+                <a:cs typeface="CMU Sans Serif" panose="02000603000000000000" pitchFamily="2" charset="0"/>
+              </a:rPr>
+              <a:t>Market Share</a:t>
+            </a:r>
+            <a:r>
+              <a:rPr lang="en-US" altLang="pt-BR" sz="4000" dirty="0">
+                <a:latin typeface="CMU Sans Serif" panose="02000603000000000000" pitchFamily="2" charset="0"/>
+                <a:ea typeface="CMU Sans Serif" panose="02000603000000000000" pitchFamily="2" charset="0"/>
+                <a:cs typeface="CMU Sans Serif" panose="02000603000000000000" pitchFamily="2" charset="0"/>
+              </a:rPr>
+              <a:t> (to what extent the market will prioritize 3D printer performance rather than its cost), etc.</a:t>
+            </a:r>
+          </a:p>
+          <a:p>
+            <a:pPr algn="just" eaLnBrk="1" hangingPunct="1">
               <a:spcBef>
                 <a:spcPct val="50000"/>
               </a:spcBef>
+              <a:buNone/>
             </a:pPr>
             <a:r>
               <a:rPr lang="en-US" altLang="pt-BR" sz="4400" b="1" dirty="0">
@@ -5378,18 +5075,27 @@
             </a:r>
           </a:p>
           <a:p>
-            <a:pPr marL="1314450" lvl="1" indent="-571500" algn="just" eaLnBrk="1" hangingPunct="1">
+            <a:pPr algn="just" eaLnBrk="1" hangingPunct="1">
               <a:spcBef>
                 <a:spcPct val="50000"/>
               </a:spcBef>
+              <a:buNone/>
             </a:pPr>
+            <a:r>
+              <a:rPr lang="en-US" altLang="pt-BR" sz="4400" dirty="0">
+                <a:latin typeface="CMU Sans Serif" panose="02000603000000000000" pitchFamily="2" charset="0"/>
+                <a:ea typeface="CMU Sans Serif" panose="02000603000000000000" pitchFamily="2" charset="0"/>
+                <a:cs typeface="CMU Sans Serif" panose="02000603000000000000" pitchFamily="2" charset="0"/>
+              </a:rPr>
+              <a:t>The AM Systems Manufacturer is allowed to use four levers: (i) </a:t>
+            </a:r>
             <a:r>
               <a:rPr lang="en-US" altLang="pt-BR" sz="4000" b="1" dirty="0">
                 <a:latin typeface="CMU Sans Serif" panose="02000603000000000000" pitchFamily="2" charset="0"/>
                 <a:ea typeface="CMU Sans Serif" panose="02000603000000000000" pitchFamily="2" charset="0"/>
                 <a:cs typeface="CMU Sans Serif" panose="02000603000000000000" pitchFamily="2" charset="0"/>
               </a:rPr>
-              <a:t>Pricing and Capacity Strategies</a:t>
+              <a:t>Pricing and Capacity Strategy</a:t>
             </a:r>
             <a:r>
               <a:rPr lang="en-US" altLang="pt-BR" sz="4000" dirty="0">
@@ -5397,59 +5103,63 @@
                 <a:ea typeface="CMU Sans Serif" panose="02000603000000000000" pitchFamily="2" charset="0"/>
                 <a:cs typeface="CMU Sans Serif" panose="02000603000000000000" pitchFamily="2" charset="0"/>
               </a:rPr>
-              <a:t>: Aggressive vs Conservative </a:t>
+              <a:t> (Aggressive vs Conservative); (ii) </a:t>
             </a:r>
-          </a:p>
-          <a:p>
-            <a:pPr marL="1314450" lvl="1" indent="-571500" algn="just" eaLnBrk="1" hangingPunct="1">
-              <a:spcBef>
-                <a:spcPct val="50000"/>
-              </a:spcBef>
-            </a:pPr>
+            <a:r>
+              <a:rPr lang="en-US" altLang="pt-BR" sz="4000" b="1" dirty="0">
+                <a:latin typeface="CMU Sans Serif" panose="02000603000000000000" pitchFamily="2" charset="0"/>
+                <a:ea typeface="CMU Sans Serif" panose="02000603000000000000" pitchFamily="2" charset="0"/>
+                <a:cs typeface="CMU Sans Serif" panose="02000603000000000000" pitchFamily="2" charset="0"/>
+              </a:rPr>
+              <a:t>Target Market Share </a:t>
+            </a:r>
             <a:r>
               <a:rPr lang="en-US" altLang="pt-BR" sz="4000" dirty="0">
                 <a:latin typeface="CMU Sans Serif" panose="02000603000000000000" pitchFamily="2" charset="0"/>
                 <a:ea typeface="CMU Sans Serif" panose="02000603000000000000" pitchFamily="2" charset="0"/>
                 <a:cs typeface="CMU Sans Serif" panose="02000603000000000000" pitchFamily="2" charset="0"/>
               </a:rPr>
-              <a:t>R &amp; D Strategy:</a:t>
+              <a:t>(20%, 30% or 40%), (iii) </a:t>
             </a:r>
-          </a:p>
-          <a:p>
-            <a:pPr marL="571500" indent="-571500" algn="just" eaLnBrk="1" hangingPunct="1">
-              <a:spcBef>
-                <a:spcPct val="50000"/>
-              </a:spcBef>
-            </a:pPr>
             <a:r>
-              <a:rPr lang="en-US" altLang="pt-BR" sz="4400" b="1" dirty="0">
+              <a:rPr lang="en-US" altLang="pt-BR" sz="4000" b="1" dirty="0">
                 <a:latin typeface="CMU Sans Serif" panose="02000603000000000000" pitchFamily="2" charset="0"/>
                 <a:ea typeface="CMU Sans Serif" panose="02000603000000000000" pitchFamily="2" charset="0"/>
                 <a:cs typeface="CMU Sans Serif" panose="02000603000000000000" pitchFamily="2" charset="0"/>
               </a:rPr>
-              <a:t>M – Metrics</a:t>
+              <a:t>R &amp; D Budget </a:t>
             </a:r>
-          </a:p>
-          <a:p>
-            <a:pPr marL="1314450" lvl="1" indent="-571500" algn="just" eaLnBrk="1" hangingPunct="1">
-              <a:spcBef>
-                <a:spcPct val="50000"/>
-              </a:spcBef>
-            </a:pPr>
             <a:r>
               <a:rPr lang="en-US" altLang="pt-BR" sz="4000" dirty="0">
                 <a:latin typeface="CMU Sans Serif" panose="02000603000000000000" pitchFamily="2" charset="0"/>
                 <a:ea typeface="CMU Sans Serif" panose="02000603000000000000" pitchFamily="2" charset="0"/>
                 <a:cs typeface="CMU Sans Serif" panose="02000603000000000000" pitchFamily="2" charset="0"/>
               </a:rPr>
-              <a:t>We use the Net Present Value Regret as the metric to compare different alternatives.</a:t>
+              <a:t>(5%, 10%, 15%), and (iv) </a:t>
             </a:r>
-          </a:p>
-          <a:p>
-            <a:pPr marL="571500" indent="-571500" algn="just" eaLnBrk="1" hangingPunct="1">
+            <a:r>
+              <a:rPr lang="en-US" altLang="pt-BR" sz="4000" b="1" dirty="0">
+                <a:latin typeface="CMU Sans Serif" panose="02000603000000000000" pitchFamily="2" charset="0"/>
+                <a:ea typeface="CMU Sans Serif" panose="02000603000000000000" pitchFamily="2" charset="0"/>
+                <a:cs typeface="CMU Sans Serif" panose="02000603000000000000" pitchFamily="2" charset="0"/>
+              </a:rPr>
+              <a:t>% of Open Source R &amp; D</a:t>
+            </a:r>
+            <a:r>
+              <a:rPr lang="en-US" altLang="pt-BR" sz="4000" dirty="0">
+                <a:latin typeface="CMU Sans Serif" panose="02000603000000000000" pitchFamily="2" charset="0"/>
+                <a:ea typeface="CMU Sans Serif" panose="02000603000000000000" pitchFamily="2" charset="0"/>
+                <a:cs typeface="CMU Sans Serif" panose="02000603000000000000" pitchFamily="2" charset="0"/>
+              </a:rPr>
+              <a:t> (0%, 50%, 90%).</a:t>
+            </a:r>
+          </a:p>
+          <a:p>
+            <a:pPr algn="just" eaLnBrk="1" hangingPunct="1">
               <a:spcBef>
                 <a:spcPct val="50000"/>
               </a:spcBef>
+              <a:buNone/>
             </a:pPr>
             <a:r>
               <a:rPr lang="en-US" altLang="pt-BR" sz="4400" b="1" dirty="0">
@@ -5461,10 +5171,11 @@
             </a:r>
           </a:p>
           <a:p>
-            <a:pPr marL="1314450" lvl="1" indent="-571500" algn="just" eaLnBrk="1" hangingPunct="1">
+            <a:pPr algn="just" eaLnBrk="1" hangingPunct="1">
               <a:spcBef>
                 <a:spcPct val="50000"/>
               </a:spcBef>
+              <a:buNone/>
             </a:pPr>
             <a:r>
               <a:rPr lang="en-US" altLang="pt-BR" sz="4000" dirty="0">
@@ -5472,24 +5183,201 @@
                 <a:ea typeface="CMU Sans Serif" panose="02000603000000000000" pitchFamily="2" charset="0"/>
                 <a:cs typeface="CMU Sans Serif" panose="02000603000000000000" pitchFamily="2" charset="0"/>
               </a:rPr>
-              <a:t>We extended </a:t>
+              <a:t>We extended Sterman et. al (2007) competitive dynamics model, explicitly allowing players to compete by printer performance, through  R &amp; D investments. This figure illustrates the model’s modules and main relationships.</a:t>
             </a:r>
+          </a:p>
+        </p:txBody>
+      </p:sp>
+      <p:sp>
+        <p:nvSpPr>
+          <p:cNvPr id="4098" name="Rectangle 4"/>
+          <p:cNvSpPr>
+            <a:spLocks noGrp="1" noChangeArrowheads="1"/>
+          </p:cNvSpPr>
+          <p:nvPr>
+            <p:ph type="title" sz="quarter"/>
+          </p:nvPr>
+        </p:nvSpPr>
+        <p:spPr>
+          <a:xfrm>
+            <a:off x="7853316" y="287641"/>
+            <a:ext cx="18208445" cy="3953273"/>
+          </a:xfrm>
+        </p:spPr>
+        <p:txBody>
+          <a:bodyPr anchor="t"/>
+          <a:lstStyle/>
+          <a:p>
+            <a:pPr eaLnBrk="1" hangingPunct="1"/>
             <a:r>
-              <a:rPr lang="en-US" altLang="pt-BR" sz="4000" dirty="0" err="1">
+              <a:rPr lang="en-US" altLang="pt-BR" sz="6000" b="1" dirty="0">
                 <a:latin typeface="CMU Sans Serif" panose="02000603000000000000" pitchFamily="2" charset="0"/>
                 <a:ea typeface="CMU Sans Serif" panose="02000603000000000000" pitchFamily="2" charset="0"/>
                 <a:cs typeface="CMU Sans Serif" panose="02000603000000000000" pitchFamily="2" charset="0"/>
               </a:rPr>
-              <a:t>Sterman</a:t>
+              <a:t>Strategic Decision Making in the 3D Printing Industry</a:t>
             </a:r>
-            <a:r>
-              <a:rPr lang="en-US" altLang="pt-BR" sz="4000" dirty="0">
+            <a:br>
+              <a:rPr lang="en-US" altLang="pt-BR" sz="6000" b="1" dirty="0">
                 <a:latin typeface="CMU Sans Serif" panose="02000603000000000000" pitchFamily="2" charset="0"/>
                 <a:ea typeface="CMU Sans Serif" panose="02000603000000000000" pitchFamily="2" charset="0"/>
                 <a:cs typeface="CMU Sans Serif" panose="02000603000000000000" pitchFamily="2" charset="0"/>
               </a:rPr>
-              <a:t> et. al (2007) competitive dynamics model, explicitly allowing players to compete by printer performance, through  R &amp; D investments. This figure illustrates the model’s modules.</a:t>
+            </a:br>
+            <a:r>
+              <a:rPr lang="en-US" altLang="pt-BR" sz="6000" b="1" dirty="0">
+                <a:latin typeface="CMU Sans Serif" panose="02000603000000000000" pitchFamily="2" charset="0"/>
+                <a:ea typeface="CMU Sans Serif" panose="02000603000000000000" pitchFamily="2" charset="0"/>
+                <a:cs typeface="CMU Sans Serif" panose="02000603000000000000" pitchFamily="2" charset="0"/>
+              </a:rPr>
+              <a:t>A Robust Decision Making Analysis</a:t>
             </a:r>
+            <a:br>
+              <a:rPr lang="en-US" altLang="pt-BR" sz="800" b="1" dirty="0">
+                <a:latin typeface="CMU Sans Serif" panose="02000603000000000000" pitchFamily="2" charset="0"/>
+                <a:ea typeface="CMU Sans Serif" panose="02000603000000000000" pitchFamily="2" charset="0"/>
+                <a:cs typeface="CMU Sans Serif" panose="02000603000000000000" pitchFamily="2" charset="0"/>
+              </a:rPr>
+            </a:br>
+            <a:br>
+              <a:rPr lang="en-US" altLang="pt-BR" sz="800" b="1" dirty="0">
+                <a:latin typeface="CMU Sans Serif" panose="02000603000000000000" pitchFamily="2" charset="0"/>
+                <a:ea typeface="CMU Sans Serif" panose="02000603000000000000" pitchFamily="2" charset="0"/>
+                <a:cs typeface="CMU Sans Serif" panose="02000603000000000000" pitchFamily="2" charset="0"/>
+              </a:rPr>
+            </a:br>
+            <a:br>
+              <a:rPr lang="en-US" altLang="pt-BR" sz="800" b="1" dirty="0">
+                <a:latin typeface="CMU Sans Serif" panose="02000603000000000000" pitchFamily="2" charset="0"/>
+                <a:ea typeface="CMU Sans Serif" panose="02000603000000000000" pitchFamily="2" charset="0"/>
+                <a:cs typeface="CMU Sans Serif" panose="02000603000000000000" pitchFamily="2" charset="0"/>
+              </a:rPr>
+            </a:br>
+            <a:r>
+              <a:rPr lang="en-US" altLang="pt-BR" sz="4000" dirty="0">
+                <a:solidFill>
+                  <a:schemeClr val="tx1"/>
+                </a:solidFill>
+                <a:latin typeface="CMU Sans Serif" panose="02000603000000000000" pitchFamily="2" charset="0"/>
+                <a:ea typeface="CMU Sans Serif" panose="02000603000000000000" pitchFamily="2" charset="0"/>
+                <a:cs typeface="CMU Sans Serif" panose="02000603000000000000" pitchFamily="2" charset="0"/>
+              </a:rPr>
+              <a:t>Pedro N. de Lima, Maria I. W. M. Morandi, Daniel P. Lacerda, </a:t>
+            </a:r>
+            <a:br>
+              <a:rPr lang="en-US" altLang="pt-BR" sz="4000" dirty="0">
+                <a:solidFill>
+                  <a:schemeClr val="tx1"/>
+                </a:solidFill>
+                <a:latin typeface="CMU Sans Serif" panose="02000603000000000000" pitchFamily="2" charset="0"/>
+                <a:ea typeface="CMU Sans Serif" panose="02000603000000000000" pitchFamily="2" charset="0"/>
+                <a:cs typeface="CMU Sans Serif" panose="02000603000000000000" pitchFamily="2" charset="0"/>
+              </a:rPr>
+            </a:br>
+            <a:r>
+              <a:rPr lang="en-US" altLang="pt-BR" sz="4000" dirty="0">
+                <a:solidFill>
+                  <a:schemeClr val="tx1"/>
+                </a:solidFill>
+                <a:latin typeface="CMU Sans Serif" panose="02000603000000000000" pitchFamily="2" charset="0"/>
+                <a:ea typeface="CMU Sans Serif" panose="02000603000000000000" pitchFamily="2" charset="0"/>
+                <a:cs typeface="CMU Sans Serif" panose="02000603000000000000" pitchFamily="2" charset="0"/>
+              </a:rPr>
+              <a:t>UNISINOS University, GMAP Research Group – www.gmap.unisinos.br</a:t>
+            </a:r>
+            <a:br>
+              <a:rPr lang="en-US" altLang="pt-BR" sz="4000" dirty="0">
+                <a:solidFill>
+                  <a:schemeClr val="tx1"/>
+                </a:solidFill>
+                <a:latin typeface="CMU Sans Serif" panose="02000603000000000000" pitchFamily="2" charset="0"/>
+                <a:ea typeface="CMU Sans Serif" panose="02000603000000000000" pitchFamily="2" charset="0"/>
+                <a:cs typeface="CMU Sans Serif" panose="02000603000000000000" pitchFamily="2" charset="0"/>
+              </a:rPr>
+            </a:br>
+            <a:r>
+              <a:rPr lang="en-US" altLang="pt-BR" sz="4000" dirty="0">
+                <a:solidFill>
+                  <a:schemeClr val="tx1"/>
+                </a:solidFill>
+                <a:latin typeface="CMU Sans Serif" panose="02000603000000000000" pitchFamily="2" charset="0"/>
+                <a:ea typeface="CMU Sans Serif" panose="02000603000000000000" pitchFamily="2" charset="0"/>
+                <a:cs typeface="CMU Sans Serif" panose="02000603000000000000" pitchFamily="2" charset="0"/>
+              </a:rPr>
+              <a:t>2018 DMDU Society Annual Meeting</a:t>
+            </a:r>
+            <a:r>
+              <a:rPr lang="en-US" altLang="pt-BR" sz="4000">
+                <a:solidFill>
+                  <a:schemeClr val="tx1"/>
+                </a:solidFill>
+                <a:latin typeface="CMU Sans Serif" panose="02000603000000000000" pitchFamily="2" charset="0"/>
+                <a:ea typeface="CMU Sans Serif" panose="02000603000000000000" pitchFamily="2" charset="0"/>
+                <a:cs typeface="CMU Sans Serif" panose="02000603000000000000" pitchFamily="2" charset="0"/>
+              </a:rPr>
+              <a:t>, California</a:t>
+            </a:r>
+            <a:r>
+              <a:rPr lang="en-US" altLang="pt-BR" sz="4000" dirty="0">
+                <a:solidFill>
+                  <a:schemeClr val="tx1"/>
+                </a:solidFill>
+                <a:latin typeface="CMU Sans Serif" panose="02000603000000000000" pitchFamily="2" charset="0"/>
+                <a:ea typeface="CMU Sans Serif" panose="02000603000000000000" pitchFamily="2" charset="0"/>
+                <a:cs typeface="CMU Sans Serif" panose="02000603000000000000" pitchFamily="2" charset="0"/>
+              </a:rPr>
+              <a:t>, US</a:t>
+            </a:r>
+            <a:endParaRPr lang="en-US" altLang="pt-BR" sz="6000" b="1" dirty="0">
+              <a:latin typeface="CMU Sans Serif" panose="02000603000000000000" pitchFamily="2" charset="0"/>
+              <a:ea typeface="CMU Sans Serif" panose="02000603000000000000" pitchFamily="2" charset="0"/>
+              <a:cs typeface="CMU Sans Serif" panose="02000603000000000000" pitchFamily="2" charset="0"/>
+            </a:endParaRPr>
+          </a:p>
+        </p:txBody>
+      </p:sp>
+      <p:sp>
+        <p:nvSpPr>
+          <p:cNvPr id="4102" name="Line 955"/>
+          <p:cNvSpPr>
+            <a:spLocks noChangeShapeType="1"/>
+          </p:cNvSpPr>
+          <p:nvPr/>
+        </p:nvSpPr>
+        <p:spPr bwMode="auto">
+          <a:xfrm>
+            <a:off x="1036743" y="4508087"/>
+            <a:ext cx="30414734" cy="46032"/>
+          </a:xfrm>
+          <a:prstGeom prst="line">
+            <a:avLst/>
+          </a:prstGeom>
+          <a:noFill/>
+          <a:ln w="9525">
+            <a:solidFill>
+              <a:schemeClr val="tx1"/>
+            </a:solidFill>
+            <a:round/>
+            <a:headEnd/>
+            <a:tailEnd/>
+          </a:ln>
+          <a:extLst>
+            <a:ext uri="{909E8E84-426E-40DD-AFC4-6F175D3DCCD1}">
+              <a14:hiddenFill xmlns:a14="http://schemas.microsoft.com/office/drawing/2010/main">
+                <a:noFill/>
+              </a14:hiddenFill>
+            </a:ext>
+          </a:extLst>
+        </p:spPr>
+        <p:txBody>
+          <a:bodyPr/>
+          <a:lstStyle/>
+          <a:p>
+            <a:endParaRPr lang="pt-BR" sz="8499" dirty="0">
+              <a:latin typeface="CMU Sans Serif" panose="02000603000000000000" pitchFamily="2" charset="0"/>
+              <a:ea typeface="CMU Sans Serif" panose="02000603000000000000" pitchFamily="2" charset="0"/>
+              <a:cs typeface="CMU Sans Serif" panose="02000603000000000000" pitchFamily="2" charset="0"/>
+            </a:endParaRPr>
           </a:p>
         </p:txBody>
       </p:sp>
@@ -5503,8 +5391,8 @@
         </p:nvSpPr>
         <p:spPr bwMode="auto">
           <a:xfrm>
-            <a:off x="1097060" y="7008488"/>
-            <a:ext cx="14903395" cy="10575290"/>
+            <a:off x="1097060" y="6802145"/>
+            <a:ext cx="14903395" cy="5496976"/>
           </a:xfrm>
           <a:prstGeom prst="rect">
             <a:avLst/>
@@ -5672,152 +5560,7 @@
                 <a:ea typeface="CMU Sans Serif" panose="02000603000000000000" pitchFamily="2" charset="0"/>
                 <a:cs typeface="CMU Sans Serif" panose="02000603000000000000" pitchFamily="2" charset="0"/>
               </a:rPr>
-              <a:t>3D printing, the manufacturing of parts by adding layers of material is gaining traction for finished parts production in many segments (most notably in the healthcare and aerospace industries).</a:t>
-            </a:r>
-          </a:p>
-          <a:p>
-            <a:pPr algn="just" eaLnBrk="1" hangingPunct="1">
-              <a:spcBef>
-                <a:spcPct val="50000"/>
-              </a:spcBef>
-              <a:buNone/>
-            </a:pPr>
-            <a:r>
-              <a:rPr lang="en-US" altLang="pt-BR" sz="4400" dirty="0">
-                <a:latin typeface="CMU Sans Serif" panose="02000603000000000000" pitchFamily="2" charset="0"/>
-                <a:ea typeface="CMU Sans Serif" panose="02000603000000000000" pitchFamily="2" charset="0"/>
-                <a:cs typeface="CMU Sans Serif" panose="02000603000000000000" pitchFamily="2" charset="0"/>
-              </a:rPr>
-              <a:t>Key Factors driving 3D Printing Growth:</a:t>
-            </a:r>
-          </a:p>
-          <a:p>
-            <a:pPr marL="571500" indent="-571500" algn="just" eaLnBrk="1" hangingPunct="1">
-              <a:spcBef>
-                <a:spcPct val="50000"/>
-              </a:spcBef>
-            </a:pPr>
-            <a:r>
-              <a:rPr lang="en-US" altLang="pt-BR" sz="4400" b="1" dirty="0">
-                <a:latin typeface="CMU Sans Serif" panose="02000603000000000000" pitchFamily="2" charset="0"/>
-                <a:ea typeface="CMU Sans Serif" panose="02000603000000000000" pitchFamily="2" charset="0"/>
-                <a:cs typeface="CMU Sans Serif" panose="02000603000000000000" pitchFamily="2" charset="0"/>
-              </a:rPr>
-              <a:t>R &amp; D and Technology Improvement:</a:t>
-            </a:r>
-            <a:r>
-              <a:rPr lang="en-US" altLang="pt-BR" sz="4400" dirty="0">
-                <a:latin typeface="CMU Sans Serif" panose="02000603000000000000" pitchFamily="2" charset="0"/>
-                <a:ea typeface="CMU Sans Serif" panose="02000603000000000000" pitchFamily="2" charset="0"/>
-                <a:cs typeface="CMU Sans Serif" panose="02000603000000000000" pitchFamily="2" charset="0"/>
-              </a:rPr>
-              <a:t> There are more than XX different printing</a:t>
-            </a:r>
-            <a:endParaRPr lang="en-US" altLang="pt-BR" sz="4400" b="1" dirty="0">
-              <a:latin typeface="CMU Sans Serif" panose="02000603000000000000" pitchFamily="2" charset="0"/>
-              <a:ea typeface="CMU Sans Serif" panose="02000603000000000000" pitchFamily="2" charset="0"/>
-              <a:cs typeface="CMU Sans Serif" panose="02000603000000000000" pitchFamily="2" charset="0"/>
-            </a:endParaRPr>
-          </a:p>
-          <a:p>
-            <a:pPr marL="571500" indent="-571500" algn="just" eaLnBrk="1" hangingPunct="1">
-              <a:spcBef>
-                <a:spcPct val="50000"/>
-              </a:spcBef>
-            </a:pPr>
-            <a:r>
-              <a:rPr lang="en-US" altLang="pt-BR" sz="4400" b="1" dirty="0">
-                <a:latin typeface="CMU Sans Serif" panose="02000603000000000000" pitchFamily="2" charset="0"/>
-                <a:ea typeface="CMU Sans Serif" panose="02000603000000000000" pitchFamily="2" charset="0"/>
-                <a:cs typeface="CMU Sans Serif" panose="02000603000000000000" pitchFamily="2" charset="0"/>
-              </a:rPr>
-              <a:t>Patent Dynamics and Expiration:</a:t>
-            </a:r>
-            <a:r>
-              <a:rPr lang="en-US" altLang="pt-BR" sz="4400" dirty="0">
-                <a:latin typeface="CMU Sans Serif" panose="02000603000000000000" pitchFamily="2" charset="0"/>
-                <a:ea typeface="CMU Sans Serif" panose="02000603000000000000" pitchFamily="2" charset="0"/>
-                <a:cs typeface="CMU Sans Serif" panose="02000603000000000000" pitchFamily="2" charset="0"/>
-              </a:rPr>
-              <a:t> The expiration of key patents open up space for new entrants (ex.: The FDM patent expiration in 2007 and RepRap);</a:t>
-            </a:r>
-          </a:p>
-          <a:p>
-            <a:pPr marL="571500" indent="-571500" algn="just" eaLnBrk="1" hangingPunct="1">
-              <a:spcBef>
-                <a:spcPct val="50000"/>
-              </a:spcBef>
-            </a:pPr>
-            <a:r>
-              <a:rPr lang="en-US" altLang="pt-BR" sz="4400" b="1" dirty="0">
-                <a:latin typeface="CMU Sans Serif" panose="02000603000000000000" pitchFamily="2" charset="0"/>
-                <a:ea typeface="CMU Sans Serif" panose="02000603000000000000" pitchFamily="2" charset="0"/>
-                <a:cs typeface="CMU Sans Serif" panose="02000603000000000000" pitchFamily="2" charset="0"/>
-              </a:rPr>
-              <a:t>Competition and new Entrants:</a:t>
-            </a:r>
-            <a:r>
-              <a:rPr lang="en-US" altLang="pt-BR" sz="4400" dirty="0">
-                <a:latin typeface="CMU Sans Serif" panose="02000603000000000000" pitchFamily="2" charset="0"/>
-                <a:ea typeface="CMU Sans Serif" panose="02000603000000000000" pitchFamily="2" charset="0"/>
-                <a:cs typeface="CMU Sans Serif" panose="02000603000000000000" pitchFamily="2" charset="0"/>
-              </a:rPr>
-              <a:t> </a:t>
-            </a:r>
-          </a:p>
-          <a:p>
-            <a:pPr marL="571500" indent="-571500" algn="just" eaLnBrk="1" hangingPunct="1">
-              <a:spcBef>
-                <a:spcPct val="50000"/>
-              </a:spcBef>
-            </a:pPr>
-            <a:r>
-              <a:rPr lang="en-US" altLang="pt-BR" sz="4400" b="1" dirty="0">
-                <a:latin typeface="CMU Sans Serif" panose="02000603000000000000" pitchFamily="2" charset="0"/>
-                <a:ea typeface="CMU Sans Serif" panose="02000603000000000000" pitchFamily="2" charset="0"/>
-                <a:cs typeface="CMU Sans Serif" panose="02000603000000000000" pitchFamily="2" charset="0"/>
-              </a:rPr>
-              <a:t>Open Source Players:</a:t>
-            </a:r>
-            <a:r>
-              <a:rPr lang="en-US" altLang="pt-BR" sz="4400" dirty="0">
-                <a:latin typeface="CMU Sans Serif" panose="02000603000000000000" pitchFamily="2" charset="0"/>
-                <a:ea typeface="CMU Sans Serif" panose="02000603000000000000" pitchFamily="2" charset="0"/>
-                <a:cs typeface="CMU Sans Serif" panose="02000603000000000000" pitchFamily="2" charset="0"/>
-              </a:rPr>
-              <a:t> The most </a:t>
-            </a:r>
-            <a:r>
-              <a:rPr lang="en-US" altLang="pt-BR" sz="4400" b="1" dirty="0">
-                <a:latin typeface="CMU Sans Serif" panose="02000603000000000000" pitchFamily="2" charset="0"/>
-                <a:ea typeface="CMU Sans Serif" panose="02000603000000000000" pitchFamily="2" charset="0"/>
-                <a:cs typeface="CMU Sans Serif" panose="02000603000000000000" pitchFamily="2" charset="0"/>
-              </a:rPr>
-              <a:t>popular</a:t>
-            </a:r>
-            <a:r>
-              <a:rPr lang="en-US" altLang="pt-BR" sz="4400" dirty="0">
-                <a:latin typeface="CMU Sans Serif" panose="02000603000000000000" pitchFamily="2" charset="0"/>
-                <a:ea typeface="CMU Sans Serif" panose="02000603000000000000" pitchFamily="2" charset="0"/>
-                <a:cs typeface="CMU Sans Serif" panose="02000603000000000000" pitchFamily="2" charset="0"/>
-              </a:rPr>
-              <a:t> 3D printer, according to 3D Hubs, is </a:t>
-            </a:r>
-            <a:r>
-              <a:rPr lang="en-US" altLang="pt-BR" sz="4400" b="1" dirty="0">
-                <a:latin typeface="CMU Sans Serif" panose="02000603000000000000" pitchFamily="2" charset="0"/>
-                <a:ea typeface="CMU Sans Serif" panose="02000603000000000000" pitchFamily="2" charset="0"/>
-                <a:cs typeface="CMU Sans Serif" panose="02000603000000000000" pitchFamily="2" charset="0"/>
-              </a:rPr>
-              <a:t>open source</a:t>
-            </a:r>
-            <a:r>
-              <a:rPr lang="en-US" altLang="pt-BR" sz="4400" dirty="0">
-                <a:latin typeface="CMU Sans Serif" panose="02000603000000000000" pitchFamily="2" charset="0"/>
-                <a:ea typeface="CMU Sans Serif" panose="02000603000000000000" pitchFamily="2" charset="0"/>
-                <a:cs typeface="CMU Sans Serif" panose="02000603000000000000" pitchFamily="2" charset="0"/>
-              </a:rPr>
-              <a:t>.</a:t>
+              <a:t>3D printing, the manufacturing of parts by adding layers of material, is gaining importance not only for prototyping but also for finished parts production. Additive Manufacturing (AM) holds the potential to impact production systems by streamlining supply chains, enabling economic manufacturing of customized parts, and allowing the production of more efficient technical parts with highly complex geometry (e.g.: GE’s fuel nozzles).</a:t>
             </a:r>
           </a:p>
         </p:txBody>
@@ -5842,9 +5585,7 @@
             <a:schemeClr val="accent6"/>
           </a:solidFill>
           <a:ln w="9525">
-            <a:solidFill>
-              <a:srgbClr val="99CCFF"/>
-            </a:solidFill>
+            <a:noFill/>
             <a:miter lim="800000"/>
             <a:headEnd/>
             <a:tailEnd/>
@@ -5988,9 +5729,7 @@
             <a:schemeClr val="accent6"/>
           </a:solidFill>
           <a:ln w="9525">
-            <a:solidFill>
-              <a:srgbClr val="99CCFF"/>
-            </a:solidFill>
+            <a:noFill/>
             <a:miter lim="800000"/>
             <a:headEnd/>
             <a:tailEnd/>
@@ -6077,9 +5816,7 @@
             <a:schemeClr val="accent6"/>
           </a:solidFill>
           <a:ln w="9525">
-            <a:solidFill>
-              <a:srgbClr val="99CCFF"/>
-            </a:solidFill>
+            <a:noFill/>
             <a:miter lim="800000"/>
             <a:headEnd/>
             <a:tailEnd/>
@@ -6140,1553 +5877,12 @@
           </a:lstStyle>
           <a:p>
             <a:r>
-              <a:rPr lang="pt-BR" altLang="pt-BR" dirty="0"/>
-              <a:t> Case </a:t>
+              <a:rPr lang="en-US" altLang="pt-BR" dirty="0"/>
+              <a:t> Case Generation</a:t>
             </a:r>
-            <a:r>
-              <a:rPr lang="pt-BR" altLang="pt-BR" dirty="0" err="1"/>
-              <a:t>Generation</a:t>
-            </a:r>
-            <a:endParaRPr lang="pt-BR" altLang="pt-BR" dirty="0"/>
           </a:p>
         </p:txBody>
       </p:sp>
-      <p:grpSp>
-        <p:nvGrpSpPr>
-          <p:cNvPr id="3" name="Agrupar 2">
-            <a:extLst>
-              <a:ext uri="{FF2B5EF4-FFF2-40B4-BE49-F238E27FC236}">
-                <a16:creationId xmlns:a16="http://schemas.microsoft.com/office/drawing/2014/main" id="{CA3959ED-91BD-464E-B759-2003CCDE4A40}"/>
-              </a:ext>
-            </a:extLst>
-          </p:cNvPr>
-          <p:cNvGrpSpPr/>
-          <p:nvPr/>
-        </p:nvGrpSpPr>
-        <p:grpSpPr>
-          <a:xfrm>
-            <a:off x="1144887" y="34644360"/>
-            <a:ext cx="14500716" cy="7156704"/>
-            <a:chOff x="745700" y="1513416"/>
-            <a:chExt cx="7715200" cy="3939289"/>
-          </a:xfrm>
-        </p:grpSpPr>
-        <p:sp>
-          <p:nvSpPr>
-            <p:cNvPr id="31" name="Retângulo 30">
-              <a:extLst>
-                <a:ext uri="{FF2B5EF4-FFF2-40B4-BE49-F238E27FC236}">
-                  <a16:creationId xmlns:a16="http://schemas.microsoft.com/office/drawing/2014/main" id="{BEB8C666-C260-4F3A-90F5-771161A7ECB8}"/>
-                </a:ext>
-              </a:extLst>
-            </p:cNvPr>
-            <p:cNvSpPr/>
-            <p:nvPr/>
-          </p:nvSpPr>
-          <p:spPr>
-            <a:xfrm>
-              <a:off x="2085979" y="3537747"/>
-              <a:ext cx="1239425" cy="627387"/>
-            </a:xfrm>
-            <a:prstGeom prst="rect">
-              <a:avLst/>
-            </a:prstGeom>
-            <a:ln w="28575" cmpd="dbl">
-              <a:solidFill>
-                <a:schemeClr val="tx1"/>
-              </a:solidFill>
-            </a:ln>
-          </p:spPr>
-          <p:style>
-            <a:lnRef idx="2">
-              <a:schemeClr val="dk1"/>
-            </a:lnRef>
-            <a:fillRef idx="1">
-              <a:schemeClr val="lt1"/>
-            </a:fillRef>
-            <a:effectRef idx="0">
-              <a:schemeClr val="dk1"/>
-            </a:effectRef>
-            <a:fontRef idx="minor">
-              <a:schemeClr val="dk1"/>
-            </a:fontRef>
-          </p:style>
-          <p:txBody>
-            <a:bodyPr rtlCol="0" anchor="t"/>
-            <a:lstStyle/>
-            <a:p>
-              <a:r>
-                <a:rPr lang="en-US" sz="2000">
-                  <a:latin typeface="CMU Sans Serif" panose="02000603000000000000" pitchFamily="2" charset="0"/>
-                  <a:ea typeface="CMU Sans Serif" panose="02000603000000000000" pitchFamily="2" charset="0"/>
-                  <a:cs typeface="CMU Sans Serif" panose="02000603000000000000" pitchFamily="2" charset="0"/>
-                </a:rPr>
-                <a:t>Net Present Value</a:t>
-              </a:r>
-            </a:p>
-            <a:p>
-              <a:r>
-                <a:rPr lang="en-US" sz="1600">
-                  <a:latin typeface="CMU Sans Serif" panose="02000603000000000000" pitchFamily="2" charset="0"/>
-                  <a:ea typeface="CMU Sans Serif" panose="02000603000000000000" pitchFamily="2" charset="0"/>
-                  <a:cs typeface="CMU Sans Serif" panose="02000603000000000000" pitchFamily="2" charset="0"/>
-                </a:rPr>
-                <a:t>f(Production, Costs)</a:t>
-              </a:r>
-            </a:p>
-          </p:txBody>
-        </p:sp>
-        <p:sp>
-          <p:nvSpPr>
-            <p:cNvPr id="32" name="Retângulo 31">
-              <a:extLst>
-                <a:ext uri="{FF2B5EF4-FFF2-40B4-BE49-F238E27FC236}">
-                  <a16:creationId xmlns:a16="http://schemas.microsoft.com/office/drawing/2014/main" id="{2141C1F7-E93A-438D-A10C-2F4238B10F5C}"/>
-                </a:ext>
-              </a:extLst>
-            </p:cNvPr>
-            <p:cNvSpPr/>
-            <p:nvPr/>
-          </p:nvSpPr>
-          <p:spPr>
-            <a:xfrm>
-              <a:off x="3856788" y="4818514"/>
-              <a:ext cx="1239425" cy="627387"/>
-            </a:xfrm>
-            <a:prstGeom prst="rect">
-              <a:avLst/>
-            </a:prstGeom>
-            <a:ln w="28575" cmpd="dbl">
-              <a:solidFill>
-                <a:schemeClr val="tx1"/>
-              </a:solidFill>
-            </a:ln>
-          </p:spPr>
-          <p:style>
-            <a:lnRef idx="2">
-              <a:schemeClr val="dk1"/>
-            </a:lnRef>
-            <a:fillRef idx="1">
-              <a:schemeClr val="lt1"/>
-            </a:fillRef>
-            <a:effectRef idx="0">
-              <a:schemeClr val="dk1"/>
-            </a:effectRef>
-            <a:fontRef idx="minor">
-              <a:schemeClr val="dk1"/>
-            </a:fontRef>
-          </p:style>
-          <p:txBody>
-            <a:bodyPr rtlCol="0" anchor="t"/>
-            <a:lstStyle/>
-            <a:p>
-              <a:r>
-                <a:rPr lang="en-US" sz="2000" dirty="0">
-                  <a:latin typeface="CMU Sans Serif" panose="02000603000000000000" pitchFamily="2" charset="0"/>
-                  <a:ea typeface="CMU Sans Serif" panose="02000603000000000000" pitchFamily="2" charset="0"/>
-                  <a:cs typeface="CMU Sans Serif" panose="02000603000000000000" pitchFamily="2" charset="0"/>
-                </a:rPr>
-                <a:t>Capacity</a:t>
-              </a:r>
-            </a:p>
-            <a:p>
-              <a:r>
-                <a:rPr lang="en-US" sz="1600" dirty="0">
-                  <a:latin typeface="CMU Sans Serif" panose="02000603000000000000" pitchFamily="2" charset="0"/>
-                  <a:ea typeface="CMU Sans Serif" panose="02000603000000000000" pitchFamily="2" charset="0"/>
-                  <a:cs typeface="CMU Sans Serif" panose="02000603000000000000" pitchFamily="2" charset="0"/>
-                </a:rPr>
-                <a:t>f(Capacity Strategy, Sales Forecast)</a:t>
-              </a:r>
-            </a:p>
-          </p:txBody>
-        </p:sp>
-        <p:sp>
-          <p:nvSpPr>
-            <p:cNvPr id="33" name="Retângulo 32">
-              <a:extLst>
-                <a:ext uri="{FF2B5EF4-FFF2-40B4-BE49-F238E27FC236}">
-                  <a16:creationId xmlns:a16="http://schemas.microsoft.com/office/drawing/2014/main" id="{B374218A-112F-4339-BBF4-40562AAC2906}"/>
-                </a:ext>
-              </a:extLst>
-            </p:cNvPr>
-            <p:cNvSpPr/>
-            <p:nvPr/>
-          </p:nvSpPr>
-          <p:spPr>
-            <a:xfrm>
-              <a:off x="3851920" y="2420888"/>
-              <a:ext cx="1239425" cy="570352"/>
-            </a:xfrm>
-            <a:prstGeom prst="rect">
-              <a:avLst/>
-            </a:prstGeom>
-            <a:ln w="28575" cmpd="dbl">
-              <a:solidFill>
-                <a:schemeClr val="tx1"/>
-              </a:solidFill>
-            </a:ln>
-          </p:spPr>
-          <p:style>
-            <a:lnRef idx="2">
-              <a:schemeClr val="dk1"/>
-            </a:lnRef>
-            <a:fillRef idx="1">
-              <a:schemeClr val="lt1"/>
-            </a:fillRef>
-            <a:effectRef idx="0">
-              <a:schemeClr val="dk1"/>
-            </a:effectRef>
-            <a:fontRef idx="minor">
-              <a:schemeClr val="dk1"/>
-            </a:fontRef>
-          </p:style>
-          <p:txBody>
-            <a:bodyPr rtlCol="0" anchor="t"/>
-            <a:lstStyle/>
-            <a:p>
-              <a:r>
-                <a:rPr lang="en-US" sz="2000" dirty="0">
-                  <a:latin typeface="CMU Sans Serif" panose="02000603000000000000" pitchFamily="2" charset="0"/>
-                  <a:ea typeface="CMU Sans Serif" panose="02000603000000000000" pitchFamily="2" charset="0"/>
-                  <a:cs typeface="CMU Sans Serif" panose="02000603000000000000" pitchFamily="2" charset="0"/>
-                </a:rPr>
-                <a:t>Market Share</a:t>
-              </a:r>
-            </a:p>
-            <a:p>
-              <a:r>
-                <a:rPr lang="en-US" sz="1600" dirty="0">
-                  <a:latin typeface="CMU Sans Serif" panose="02000603000000000000" pitchFamily="2" charset="0"/>
-                  <a:ea typeface="CMU Sans Serif" panose="02000603000000000000" pitchFamily="2" charset="0"/>
-                  <a:cs typeface="CMU Sans Serif" panose="02000603000000000000" pitchFamily="2" charset="0"/>
-                </a:rPr>
-                <a:t>f(Price, Delivery Time, Printer Performance, …)</a:t>
-              </a:r>
-            </a:p>
-          </p:txBody>
-        </p:sp>
-        <p:sp>
-          <p:nvSpPr>
-            <p:cNvPr id="34" name="Retângulo 33">
-              <a:extLst>
-                <a:ext uri="{FF2B5EF4-FFF2-40B4-BE49-F238E27FC236}">
-                  <a16:creationId xmlns:a16="http://schemas.microsoft.com/office/drawing/2014/main" id="{9ECD0C94-9C67-4D50-A0AF-FC29055E9D70}"/>
-                </a:ext>
-              </a:extLst>
-            </p:cNvPr>
-            <p:cNvSpPr/>
-            <p:nvPr/>
-          </p:nvSpPr>
-          <p:spPr>
-            <a:xfrm>
-              <a:off x="3851921" y="1513416"/>
-              <a:ext cx="1239425" cy="693217"/>
-            </a:xfrm>
-            <a:prstGeom prst="rect">
-              <a:avLst/>
-            </a:prstGeom>
-            <a:ln w="28575" cmpd="dbl">
-              <a:solidFill>
-                <a:schemeClr val="tx1"/>
-              </a:solidFill>
-            </a:ln>
-          </p:spPr>
-          <p:style>
-            <a:lnRef idx="2">
-              <a:schemeClr val="dk1"/>
-            </a:lnRef>
-            <a:fillRef idx="1">
-              <a:schemeClr val="lt1"/>
-            </a:fillRef>
-            <a:effectRef idx="0">
-              <a:schemeClr val="dk1"/>
-            </a:effectRef>
-            <a:fontRef idx="minor">
-              <a:schemeClr val="dk1"/>
-            </a:fontRef>
-          </p:style>
-          <p:txBody>
-            <a:bodyPr rtlCol="0" anchor="t"/>
-            <a:lstStyle/>
-            <a:p>
-              <a:r>
-                <a:rPr lang="en-US" sz="2000" dirty="0">
-                  <a:latin typeface="CMU Sans Serif" panose="02000603000000000000" pitchFamily="2" charset="0"/>
-                  <a:ea typeface="CMU Sans Serif" panose="02000603000000000000" pitchFamily="2" charset="0"/>
-                  <a:cs typeface="CMU Sans Serif" panose="02000603000000000000" pitchFamily="2" charset="0"/>
-                </a:rPr>
-                <a:t>Price</a:t>
-              </a:r>
-            </a:p>
-            <a:p>
-              <a:r>
-                <a:rPr lang="en-US" sz="1600" dirty="0">
-                  <a:latin typeface="CMU Sans Serif" panose="02000603000000000000" pitchFamily="2" charset="0"/>
-                  <a:ea typeface="CMU Sans Serif" panose="02000603000000000000" pitchFamily="2" charset="0"/>
-                  <a:cs typeface="CMU Sans Serif" panose="02000603000000000000" pitchFamily="2" charset="0"/>
-                </a:rPr>
-                <a:t>f(Costs, Capacity Utilization, Market Share Strategy,…)</a:t>
-              </a:r>
-            </a:p>
-          </p:txBody>
-        </p:sp>
-        <p:sp>
-          <p:nvSpPr>
-            <p:cNvPr id="35" name="Retângulo 34">
-              <a:extLst>
-                <a:ext uri="{FF2B5EF4-FFF2-40B4-BE49-F238E27FC236}">
-                  <a16:creationId xmlns:a16="http://schemas.microsoft.com/office/drawing/2014/main" id="{28E058A7-29E3-4ABF-BE93-AB43D57E5666}"/>
-                </a:ext>
-              </a:extLst>
-            </p:cNvPr>
-            <p:cNvSpPr/>
-            <p:nvPr/>
-          </p:nvSpPr>
-          <p:spPr>
-            <a:xfrm>
-              <a:off x="5493283" y="3785565"/>
-              <a:ext cx="1239425" cy="759138"/>
-            </a:xfrm>
-            <a:prstGeom prst="rect">
-              <a:avLst/>
-            </a:prstGeom>
-            <a:ln w="28575"/>
-          </p:spPr>
-          <p:style>
-            <a:lnRef idx="2">
-              <a:schemeClr val="dk1"/>
-            </a:lnRef>
-            <a:fillRef idx="1">
-              <a:schemeClr val="lt1"/>
-            </a:fillRef>
-            <a:effectRef idx="0">
-              <a:schemeClr val="dk1"/>
-            </a:effectRef>
-            <a:fontRef idx="minor">
-              <a:schemeClr val="dk1"/>
-            </a:fontRef>
-          </p:style>
-          <p:txBody>
-            <a:bodyPr rtlCol="0" anchor="t"/>
-            <a:lstStyle/>
-            <a:p>
-              <a:r>
-                <a:rPr lang="en-US" sz="2000" dirty="0">
-                  <a:latin typeface="CMU Sans Serif" panose="02000603000000000000" pitchFamily="2" charset="0"/>
-                  <a:ea typeface="CMU Sans Serif" panose="02000603000000000000" pitchFamily="2" charset="0"/>
-                  <a:cs typeface="CMU Sans Serif" panose="02000603000000000000" pitchFamily="2" charset="0"/>
-                </a:rPr>
-                <a:t>Product Diffusion</a:t>
-              </a:r>
-            </a:p>
-            <a:p>
-              <a:r>
-                <a:rPr lang="en-US" sz="1600" dirty="0">
-                  <a:latin typeface="CMU Sans Serif" panose="02000603000000000000" pitchFamily="2" charset="0"/>
-                  <a:ea typeface="CMU Sans Serif" panose="02000603000000000000" pitchFamily="2" charset="0"/>
-                  <a:cs typeface="CMU Sans Serif" panose="02000603000000000000" pitchFamily="2" charset="0"/>
-                </a:rPr>
-                <a:t>f(Diffusion Velocity, Global Demand)</a:t>
-              </a:r>
-            </a:p>
-          </p:txBody>
-        </p:sp>
-        <p:sp>
-          <p:nvSpPr>
-            <p:cNvPr id="36" name="Retângulo 35">
-              <a:extLst>
-                <a:ext uri="{FF2B5EF4-FFF2-40B4-BE49-F238E27FC236}">
-                  <a16:creationId xmlns:a16="http://schemas.microsoft.com/office/drawing/2014/main" id="{3DB90674-0B5C-4030-B385-9DA2A0187FD6}"/>
-                </a:ext>
-              </a:extLst>
-            </p:cNvPr>
-            <p:cNvSpPr/>
-            <p:nvPr/>
-          </p:nvSpPr>
-          <p:spPr>
-            <a:xfrm>
-              <a:off x="5493283" y="2793826"/>
-              <a:ext cx="1239425" cy="759138"/>
-            </a:xfrm>
-            <a:prstGeom prst="rect">
-              <a:avLst/>
-            </a:prstGeom>
-            <a:ln w="28575"/>
-          </p:spPr>
-          <p:style>
-            <a:lnRef idx="2">
-              <a:schemeClr val="dk1"/>
-            </a:lnRef>
-            <a:fillRef idx="1">
-              <a:schemeClr val="lt1"/>
-            </a:fillRef>
-            <a:effectRef idx="0">
-              <a:schemeClr val="dk1"/>
-            </a:effectRef>
-            <a:fontRef idx="minor">
-              <a:schemeClr val="dk1"/>
-            </a:fontRef>
-          </p:style>
-          <p:txBody>
-            <a:bodyPr rtlCol="0" anchor="t"/>
-            <a:lstStyle/>
-            <a:p>
-              <a:r>
-                <a:rPr lang="en-US" sz="2000">
-                  <a:latin typeface="CMU Sans Serif" panose="02000603000000000000" pitchFamily="2" charset="0"/>
-                  <a:ea typeface="CMU Sans Serif" panose="02000603000000000000" pitchFamily="2" charset="0"/>
-                  <a:cs typeface="CMU Sans Serif" panose="02000603000000000000" pitchFamily="2" charset="0"/>
-                </a:rPr>
-                <a:t>Global Demand</a:t>
-              </a:r>
-            </a:p>
-            <a:p>
-              <a:r>
-                <a:rPr lang="en-US" sz="1600">
-                  <a:latin typeface="CMU Sans Serif" panose="02000603000000000000" pitchFamily="2" charset="0"/>
-                  <a:ea typeface="CMU Sans Serif" panose="02000603000000000000" pitchFamily="2" charset="0"/>
-                  <a:cs typeface="CMU Sans Serif" panose="02000603000000000000" pitchFamily="2" charset="0"/>
-                </a:rPr>
-                <a:t>f(Price, Market Size, ...</a:t>
-              </a:r>
-              <a:r>
-                <a:rPr lang="en-US" sz="2000">
-                  <a:latin typeface="CMU Sans Serif" panose="02000603000000000000" pitchFamily="2" charset="0"/>
-                  <a:ea typeface="CMU Sans Serif" panose="02000603000000000000" pitchFamily="2" charset="0"/>
-                  <a:cs typeface="CMU Sans Serif" panose="02000603000000000000" pitchFamily="2" charset="0"/>
-                </a:rPr>
-                <a:t>)</a:t>
-              </a:r>
-            </a:p>
-          </p:txBody>
-        </p:sp>
-        <p:sp>
-          <p:nvSpPr>
-            <p:cNvPr id="37" name="Retângulo 36">
-              <a:extLst>
-                <a:ext uri="{FF2B5EF4-FFF2-40B4-BE49-F238E27FC236}">
-                  <a16:creationId xmlns:a16="http://schemas.microsoft.com/office/drawing/2014/main" id="{93BD1754-AEAF-48B3-ACAA-8D9F799EEC1C}"/>
-                </a:ext>
-              </a:extLst>
-            </p:cNvPr>
-            <p:cNvSpPr/>
-            <p:nvPr/>
-          </p:nvSpPr>
-          <p:spPr>
-            <a:xfrm>
-              <a:off x="3856787" y="3561202"/>
-              <a:ext cx="1239425" cy="570352"/>
-            </a:xfrm>
-            <a:prstGeom prst="rect">
-              <a:avLst/>
-            </a:prstGeom>
-            <a:ln w="28575" cmpd="dbl">
-              <a:solidFill>
-                <a:schemeClr val="tx1"/>
-              </a:solidFill>
-            </a:ln>
-          </p:spPr>
-          <p:style>
-            <a:lnRef idx="2">
-              <a:schemeClr val="dk1"/>
-            </a:lnRef>
-            <a:fillRef idx="1">
-              <a:schemeClr val="lt1"/>
-            </a:fillRef>
-            <a:effectRef idx="0">
-              <a:schemeClr val="dk1"/>
-            </a:effectRef>
-            <a:fontRef idx="minor">
-              <a:schemeClr val="dk1"/>
-            </a:fontRef>
-          </p:style>
-          <p:txBody>
-            <a:bodyPr rtlCol="0" anchor="t"/>
-            <a:lstStyle/>
-            <a:p>
-              <a:r>
-                <a:rPr lang="en-US" sz="2000" dirty="0">
-                  <a:latin typeface="CMU Sans Serif" panose="02000603000000000000" pitchFamily="2" charset="0"/>
-                  <a:ea typeface="CMU Sans Serif" panose="02000603000000000000" pitchFamily="2" charset="0"/>
-                  <a:cs typeface="CMU Sans Serif" panose="02000603000000000000" pitchFamily="2" charset="0"/>
-                </a:rPr>
-                <a:t>Production &amp; Shipment</a:t>
-              </a:r>
-            </a:p>
-            <a:p>
-              <a:r>
-                <a:rPr lang="en-US" sz="1600" dirty="0">
-                  <a:latin typeface="CMU Sans Serif" panose="02000603000000000000" pitchFamily="2" charset="0"/>
-                  <a:ea typeface="CMU Sans Serif" panose="02000603000000000000" pitchFamily="2" charset="0"/>
-                  <a:cs typeface="CMU Sans Serif" panose="02000603000000000000" pitchFamily="2" charset="0"/>
-                </a:rPr>
-                <a:t>f(Mkt Share, Capacity)</a:t>
-              </a:r>
-            </a:p>
-          </p:txBody>
-        </p:sp>
-        <p:sp>
-          <p:nvSpPr>
-            <p:cNvPr id="38" name="Retângulo 37">
-              <a:extLst>
-                <a:ext uri="{FF2B5EF4-FFF2-40B4-BE49-F238E27FC236}">
-                  <a16:creationId xmlns:a16="http://schemas.microsoft.com/office/drawing/2014/main" id="{8376A131-82FE-4DC2-A976-608BAA54913B}"/>
-                </a:ext>
-              </a:extLst>
-            </p:cNvPr>
-            <p:cNvSpPr/>
-            <p:nvPr/>
-          </p:nvSpPr>
-          <p:spPr>
-            <a:xfrm>
-              <a:off x="2085979" y="4825318"/>
-              <a:ext cx="1239425" cy="627387"/>
-            </a:xfrm>
-            <a:prstGeom prst="rect">
-              <a:avLst/>
-            </a:prstGeom>
-            <a:ln w="28575" cmpd="dbl">
-              <a:solidFill>
-                <a:schemeClr val="tx1"/>
-              </a:solidFill>
-            </a:ln>
-          </p:spPr>
-          <p:style>
-            <a:lnRef idx="2">
-              <a:schemeClr val="dk1"/>
-            </a:lnRef>
-            <a:fillRef idx="1">
-              <a:schemeClr val="lt1"/>
-            </a:fillRef>
-            <a:effectRef idx="0">
-              <a:schemeClr val="dk1"/>
-            </a:effectRef>
-            <a:fontRef idx="minor">
-              <a:schemeClr val="dk1"/>
-            </a:fontRef>
-          </p:style>
-          <p:txBody>
-            <a:bodyPr rtlCol="0" anchor="t"/>
-            <a:lstStyle/>
-            <a:p>
-              <a:r>
-                <a:rPr lang="en-US" sz="2000">
-                  <a:latin typeface="CMU Sans Serif" panose="02000603000000000000" pitchFamily="2" charset="0"/>
-                  <a:ea typeface="CMU Sans Serif" panose="02000603000000000000" pitchFamily="2" charset="0"/>
-                  <a:cs typeface="CMU Sans Serif" panose="02000603000000000000" pitchFamily="2" charset="0"/>
-                </a:rPr>
-                <a:t>Demand Forecast</a:t>
-              </a:r>
-            </a:p>
-            <a:p>
-              <a:r>
-                <a:rPr lang="en-US" sz="1600">
-                  <a:latin typeface="CMU Sans Serif" panose="02000603000000000000" pitchFamily="2" charset="0"/>
-                  <a:ea typeface="CMU Sans Serif" panose="02000603000000000000" pitchFamily="2" charset="0"/>
-                  <a:cs typeface="CMU Sans Serif" panose="02000603000000000000" pitchFamily="2" charset="0"/>
-                </a:rPr>
-                <a:t>f(Production)</a:t>
-              </a:r>
-            </a:p>
-          </p:txBody>
-        </p:sp>
-        <p:sp>
-          <p:nvSpPr>
-            <p:cNvPr id="39" name="Retângulo 38">
-              <a:extLst>
-                <a:ext uri="{FF2B5EF4-FFF2-40B4-BE49-F238E27FC236}">
-                  <a16:creationId xmlns:a16="http://schemas.microsoft.com/office/drawing/2014/main" id="{CE15756B-0B25-44D5-9043-B19081FFBB8F}"/>
-                </a:ext>
-              </a:extLst>
-            </p:cNvPr>
-            <p:cNvSpPr/>
-            <p:nvPr/>
-          </p:nvSpPr>
-          <p:spPr>
-            <a:xfrm>
-              <a:off x="745700" y="3430396"/>
-              <a:ext cx="1185352" cy="690126"/>
-            </a:xfrm>
-            <a:prstGeom prst="rect">
-              <a:avLst/>
-            </a:prstGeom>
-            <a:ln w="28575" cmpd="dbl">
-              <a:solidFill>
-                <a:schemeClr val="tx1"/>
-              </a:solidFill>
-            </a:ln>
-          </p:spPr>
-          <p:style>
-            <a:lnRef idx="2">
-              <a:schemeClr val="dk1"/>
-            </a:lnRef>
-            <a:fillRef idx="1">
-              <a:schemeClr val="lt1"/>
-            </a:fillRef>
-            <a:effectRef idx="0">
-              <a:schemeClr val="dk1"/>
-            </a:effectRef>
-            <a:fontRef idx="minor">
-              <a:schemeClr val="dk1"/>
-            </a:fontRef>
-          </p:style>
-          <p:txBody>
-            <a:bodyPr rtlCol="0" anchor="t"/>
-            <a:lstStyle/>
-            <a:p>
-              <a:r>
-                <a:rPr lang="en-US" sz="2000">
-                  <a:latin typeface="CMU Sans Serif" panose="02000603000000000000" pitchFamily="2" charset="0"/>
-                  <a:ea typeface="CMU Sans Serif" panose="02000603000000000000" pitchFamily="2" charset="0"/>
-                  <a:cs typeface="CMU Sans Serif" panose="02000603000000000000" pitchFamily="2" charset="0"/>
-                </a:rPr>
-                <a:t>Target Market Share; Market Share Strategy</a:t>
-              </a:r>
-            </a:p>
-          </p:txBody>
-        </p:sp>
-        <p:sp>
-          <p:nvSpPr>
-            <p:cNvPr id="40" name="Retângulo 39">
-              <a:extLst>
-                <a:ext uri="{FF2B5EF4-FFF2-40B4-BE49-F238E27FC236}">
-                  <a16:creationId xmlns:a16="http://schemas.microsoft.com/office/drawing/2014/main" id="{60F6F105-2E35-4E93-A72C-EEEF9048B902}"/>
-                </a:ext>
-              </a:extLst>
-            </p:cNvPr>
-            <p:cNvSpPr/>
-            <p:nvPr/>
-          </p:nvSpPr>
-          <p:spPr>
-            <a:xfrm>
-              <a:off x="2090947" y="2455023"/>
-              <a:ext cx="1239425" cy="627387"/>
-            </a:xfrm>
-            <a:prstGeom prst="rect">
-              <a:avLst/>
-            </a:prstGeom>
-            <a:ln w="28575" cmpd="dbl">
-              <a:solidFill>
-                <a:schemeClr val="tx1"/>
-              </a:solidFill>
-            </a:ln>
-          </p:spPr>
-          <p:style>
-            <a:lnRef idx="2">
-              <a:schemeClr val="dk1"/>
-            </a:lnRef>
-            <a:fillRef idx="1">
-              <a:schemeClr val="lt1"/>
-            </a:fillRef>
-            <a:effectRef idx="0">
-              <a:schemeClr val="dk1"/>
-            </a:effectRef>
-            <a:fontRef idx="minor">
-              <a:schemeClr val="dk1"/>
-            </a:fontRef>
-          </p:style>
-          <p:txBody>
-            <a:bodyPr rtlCol="0" anchor="t"/>
-            <a:lstStyle/>
-            <a:p>
-              <a:r>
-                <a:rPr lang="en-US" sz="2000">
-                  <a:latin typeface="CMU Sans Serif" panose="02000603000000000000" pitchFamily="2" charset="0"/>
-                  <a:ea typeface="CMU Sans Serif" panose="02000603000000000000" pitchFamily="2" charset="0"/>
-                  <a:cs typeface="CMU Sans Serif" panose="02000603000000000000" pitchFamily="2" charset="0"/>
-                </a:rPr>
-                <a:t>Cost</a:t>
-              </a:r>
-            </a:p>
-            <a:p>
-              <a:r>
-                <a:rPr lang="en-US" sz="1400">
-                  <a:latin typeface="CMU Sans Serif" panose="02000603000000000000" pitchFamily="2" charset="0"/>
-                  <a:ea typeface="CMU Sans Serif" panose="02000603000000000000" pitchFamily="2" charset="0"/>
-                  <a:cs typeface="CMU Sans Serif" panose="02000603000000000000" pitchFamily="2" charset="0"/>
-                </a:rPr>
-                <a:t>f(Learning Curve, Minimum Efficient Scale).</a:t>
-              </a:r>
-            </a:p>
-          </p:txBody>
-        </p:sp>
-        <p:cxnSp>
-          <p:nvCxnSpPr>
-            <p:cNvPr id="41" name="Conector: Curvo 17">
-              <a:extLst>
-                <a:ext uri="{FF2B5EF4-FFF2-40B4-BE49-F238E27FC236}">
-                  <a16:creationId xmlns:a16="http://schemas.microsoft.com/office/drawing/2014/main" id="{AC8CB80E-2ED3-4B90-B2FC-D49A8D6C5C7C}"/>
-                </a:ext>
-              </a:extLst>
-            </p:cNvPr>
-            <p:cNvCxnSpPr>
-              <a:cxnSpLocks/>
-              <a:stCxn id="34" idx="3"/>
-              <a:endCxn id="36" idx="0"/>
-            </p:cNvCxnSpPr>
-            <p:nvPr/>
-          </p:nvCxnSpPr>
-          <p:spPr>
-            <a:xfrm>
-              <a:off x="5091346" y="1860025"/>
-              <a:ext cx="1021650" cy="933801"/>
-            </a:xfrm>
-            <a:prstGeom prst="bentConnector2">
-              <a:avLst/>
-            </a:prstGeom>
-            <a:ln w="28575">
-              <a:tailEnd type="triangle"/>
-            </a:ln>
-            <a:effectLst/>
-          </p:spPr>
-          <p:style>
-            <a:lnRef idx="3">
-              <a:schemeClr val="dk1"/>
-            </a:lnRef>
-            <a:fillRef idx="0">
-              <a:schemeClr val="dk1"/>
-            </a:fillRef>
-            <a:effectRef idx="2">
-              <a:schemeClr val="dk1"/>
-            </a:effectRef>
-            <a:fontRef idx="minor">
-              <a:schemeClr val="tx1"/>
-            </a:fontRef>
-          </p:style>
-        </p:cxnSp>
-        <p:cxnSp>
-          <p:nvCxnSpPr>
-            <p:cNvPr id="42" name="Conector: Curvo 41">
-              <a:extLst>
-                <a:ext uri="{FF2B5EF4-FFF2-40B4-BE49-F238E27FC236}">
-                  <a16:creationId xmlns:a16="http://schemas.microsoft.com/office/drawing/2014/main" id="{C74797BE-7C7A-48C8-AF8B-D96296A973CD}"/>
-                </a:ext>
-              </a:extLst>
-            </p:cNvPr>
-            <p:cNvCxnSpPr>
-              <a:cxnSpLocks/>
-            </p:cNvCxnSpPr>
-            <p:nvPr/>
-          </p:nvCxnSpPr>
-          <p:spPr>
-            <a:xfrm flipV="1">
-              <a:off x="4781489" y="4130774"/>
-              <a:ext cx="0" cy="682321"/>
-            </a:xfrm>
-            <a:prstGeom prst="straightConnector1">
-              <a:avLst/>
-            </a:prstGeom>
-            <a:ln w="28575">
-              <a:tailEnd type="triangle"/>
-            </a:ln>
-            <a:effectLst/>
-          </p:spPr>
-          <p:style>
-            <a:lnRef idx="3">
-              <a:schemeClr val="dk1"/>
-            </a:lnRef>
-            <a:fillRef idx="0">
-              <a:schemeClr val="dk1"/>
-            </a:fillRef>
-            <a:effectRef idx="2">
-              <a:schemeClr val="dk1"/>
-            </a:effectRef>
-            <a:fontRef idx="minor">
-              <a:schemeClr val="tx1"/>
-            </a:fontRef>
-          </p:style>
-        </p:cxnSp>
-        <p:cxnSp>
-          <p:nvCxnSpPr>
-            <p:cNvPr id="43" name="Conector: Curvo 42">
-              <a:extLst>
-                <a:ext uri="{FF2B5EF4-FFF2-40B4-BE49-F238E27FC236}">
-                  <a16:creationId xmlns:a16="http://schemas.microsoft.com/office/drawing/2014/main" id="{5922CFA2-9834-447E-8DF1-AEB0E7E4C42B}"/>
-                </a:ext>
-              </a:extLst>
-            </p:cNvPr>
-            <p:cNvCxnSpPr>
-              <a:cxnSpLocks/>
-              <a:stCxn id="34" idx="2"/>
-              <a:endCxn id="33" idx="0"/>
-            </p:cNvCxnSpPr>
-            <p:nvPr/>
-          </p:nvCxnSpPr>
-          <p:spPr>
-            <a:xfrm rot="5400000">
-              <a:off x="4364507" y="2313760"/>
-              <a:ext cx="214255" cy="1"/>
-            </a:xfrm>
-            <a:prstGeom prst="curvedConnector3">
-              <a:avLst>
-                <a:gd name="adj1" fmla="val 50000"/>
-              </a:avLst>
-            </a:prstGeom>
-            <a:ln w="28575">
-              <a:tailEnd type="triangle"/>
-            </a:ln>
-            <a:effectLst/>
-          </p:spPr>
-          <p:style>
-            <a:lnRef idx="3">
-              <a:schemeClr val="dk1"/>
-            </a:lnRef>
-            <a:fillRef idx="0">
-              <a:schemeClr val="dk1"/>
-            </a:fillRef>
-            <a:effectRef idx="2">
-              <a:schemeClr val="dk1"/>
-            </a:effectRef>
-            <a:fontRef idx="minor">
-              <a:schemeClr val="tx1"/>
-            </a:fontRef>
-          </p:style>
-        </p:cxnSp>
-        <p:cxnSp>
-          <p:nvCxnSpPr>
-            <p:cNvPr id="44" name="Conector: Curvo 53">
-              <a:extLst>
-                <a:ext uri="{FF2B5EF4-FFF2-40B4-BE49-F238E27FC236}">
-                  <a16:creationId xmlns:a16="http://schemas.microsoft.com/office/drawing/2014/main" id="{E238D87D-65A9-41D9-80E3-98FA80B9DA76}"/>
-                </a:ext>
-              </a:extLst>
-            </p:cNvPr>
-            <p:cNvCxnSpPr>
-              <a:cxnSpLocks/>
-              <a:stCxn id="40" idx="0"/>
-              <a:endCxn id="34" idx="1"/>
-            </p:cNvCxnSpPr>
-            <p:nvPr/>
-          </p:nvCxnSpPr>
-          <p:spPr>
-            <a:xfrm rot="5400000" flipH="1" flipV="1">
-              <a:off x="2983791" y="1586894"/>
-              <a:ext cx="594998" cy="1141261"/>
-            </a:xfrm>
-            <a:prstGeom prst="bentConnector2">
-              <a:avLst/>
-            </a:prstGeom>
-            <a:ln w="28575">
-              <a:tailEnd type="triangle"/>
-            </a:ln>
-            <a:effectLst/>
-          </p:spPr>
-          <p:style>
-            <a:lnRef idx="3">
-              <a:schemeClr val="dk1"/>
-            </a:lnRef>
-            <a:fillRef idx="0">
-              <a:schemeClr val="dk1"/>
-            </a:fillRef>
-            <a:effectRef idx="2">
-              <a:schemeClr val="dk1"/>
-            </a:effectRef>
-            <a:fontRef idx="minor">
-              <a:schemeClr val="tx1"/>
-            </a:fontRef>
-          </p:style>
-        </p:cxnSp>
-        <p:cxnSp>
-          <p:nvCxnSpPr>
-            <p:cNvPr id="45" name="Conector: Curvo 58">
-              <a:extLst>
-                <a:ext uri="{FF2B5EF4-FFF2-40B4-BE49-F238E27FC236}">
-                  <a16:creationId xmlns:a16="http://schemas.microsoft.com/office/drawing/2014/main" id="{28F6D303-61C8-4A55-873A-E893EB057740}"/>
-                </a:ext>
-              </a:extLst>
-            </p:cNvPr>
-            <p:cNvCxnSpPr>
-              <a:cxnSpLocks/>
-              <a:stCxn id="33" idx="2"/>
-              <a:endCxn id="37" idx="0"/>
-            </p:cNvCxnSpPr>
-            <p:nvPr/>
-          </p:nvCxnSpPr>
-          <p:spPr>
-            <a:xfrm>
-              <a:off x="4471632" y="2991240"/>
-              <a:ext cx="4867" cy="569962"/>
-            </a:xfrm>
-            <a:prstGeom prst="straightConnector1">
-              <a:avLst/>
-            </a:prstGeom>
-            <a:ln w="28575">
-              <a:tailEnd type="triangle"/>
-            </a:ln>
-            <a:effectLst/>
-          </p:spPr>
-          <p:style>
-            <a:lnRef idx="3">
-              <a:schemeClr val="dk1"/>
-            </a:lnRef>
-            <a:fillRef idx="0">
-              <a:schemeClr val="dk1"/>
-            </a:fillRef>
-            <a:effectRef idx="2">
-              <a:schemeClr val="dk1"/>
-            </a:effectRef>
-            <a:fontRef idx="minor">
-              <a:schemeClr val="tx1"/>
-            </a:fontRef>
-          </p:style>
-        </p:cxnSp>
-        <p:cxnSp>
-          <p:nvCxnSpPr>
-            <p:cNvPr id="46" name="Conector: Curvo 65">
-              <a:extLst>
-                <a:ext uri="{FF2B5EF4-FFF2-40B4-BE49-F238E27FC236}">
-                  <a16:creationId xmlns:a16="http://schemas.microsoft.com/office/drawing/2014/main" id="{0D96CEE1-953D-48CC-84F4-406BBFCABEEF}"/>
-                </a:ext>
-              </a:extLst>
-            </p:cNvPr>
-            <p:cNvCxnSpPr>
-              <a:cxnSpLocks/>
-              <a:stCxn id="40" idx="2"/>
-              <a:endCxn id="31" idx="0"/>
-            </p:cNvCxnSpPr>
-            <p:nvPr/>
-          </p:nvCxnSpPr>
-          <p:spPr>
-            <a:xfrm flipH="1">
-              <a:off x="2705691" y="3082410"/>
-              <a:ext cx="4968" cy="455337"/>
-            </a:xfrm>
-            <a:prstGeom prst="straightConnector1">
-              <a:avLst/>
-            </a:prstGeom>
-            <a:ln w="28575">
-              <a:tailEnd type="triangle"/>
-            </a:ln>
-            <a:effectLst/>
-          </p:spPr>
-          <p:style>
-            <a:lnRef idx="3">
-              <a:schemeClr val="dk1"/>
-            </a:lnRef>
-            <a:fillRef idx="0">
-              <a:schemeClr val="dk1"/>
-            </a:fillRef>
-            <a:effectRef idx="2">
-              <a:schemeClr val="dk1"/>
-            </a:effectRef>
-            <a:fontRef idx="minor">
-              <a:schemeClr val="tx1"/>
-            </a:fontRef>
-          </p:style>
-        </p:cxnSp>
-        <p:cxnSp>
-          <p:nvCxnSpPr>
-            <p:cNvPr id="47" name="Conector: Curvo 69">
-              <a:extLst>
-                <a:ext uri="{FF2B5EF4-FFF2-40B4-BE49-F238E27FC236}">
-                  <a16:creationId xmlns:a16="http://schemas.microsoft.com/office/drawing/2014/main" id="{8FAFAD43-F079-4A9D-A43A-51C2425E8382}"/>
-                </a:ext>
-              </a:extLst>
-            </p:cNvPr>
-            <p:cNvCxnSpPr>
-              <a:cxnSpLocks/>
-              <a:stCxn id="37" idx="1"/>
-              <a:endCxn id="40" idx="3"/>
-            </p:cNvCxnSpPr>
-            <p:nvPr/>
-          </p:nvCxnSpPr>
-          <p:spPr>
-            <a:xfrm rot="10800000">
-              <a:off x="3330372" y="2768717"/>
-              <a:ext cx="526415" cy="1077661"/>
-            </a:xfrm>
-            <a:prstGeom prst="bentConnector3">
-              <a:avLst/>
-            </a:prstGeom>
-            <a:ln w="28575">
-              <a:tailEnd type="triangle"/>
-            </a:ln>
-            <a:effectLst/>
-          </p:spPr>
-          <p:style>
-            <a:lnRef idx="3">
-              <a:schemeClr val="dk1"/>
-            </a:lnRef>
-            <a:fillRef idx="0">
-              <a:schemeClr val="dk1"/>
-            </a:fillRef>
-            <a:effectRef idx="2">
-              <a:schemeClr val="dk1"/>
-            </a:effectRef>
-            <a:fontRef idx="minor">
-              <a:schemeClr val="tx1"/>
-            </a:fontRef>
-          </p:style>
-        </p:cxnSp>
-        <p:cxnSp>
-          <p:nvCxnSpPr>
-            <p:cNvPr id="52" name="Conector: Curvo 85">
-              <a:extLst>
-                <a:ext uri="{FF2B5EF4-FFF2-40B4-BE49-F238E27FC236}">
-                  <a16:creationId xmlns:a16="http://schemas.microsoft.com/office/drawing/2014/main" id="{D079BD02-92D8-46E0-934D-7361831C931B}"/>
-                </a:ext>
-              </a:extLst>
-            </p:cNvPr>
-            <p:cNvCxnSpPr>
-              <a:cxnSpLocks/>
-              <a:stCxn id="37" idx="2"/>
-              <a:endCxn id="38" idx="0"/>
-            </p:cNvCxnSpPr>
-            <p:nvPr/>
-          </p:nvCxnSpPr>
-          <p:spPr>
-            <a:xfrm rot="5400000">
-              <a:off x="3244213" y="3593032"/>
-              <a:ext cx="693765" cy="1770808"/>
-            </a:xfrm>
-            <a:prstGeom prst="bentConnector3">
-              <a:avLst>
-                <a:gd name="adj1" fmla="val 50000"/>
-              </a:avLst>
-            </a:prstGeom>
-            <a:ln w="28575">
-              <a:tailEnd type="triangle"/>
-            </a:ln>
-            <a:effectLst/>
-          </p:spPr>
-          <p:style>
-            <a:lnRef idx="3">
-              <a:schemeClr val="dk1"/>
-            </a:lnRef>
-            <a:fillRef idx="0">
-              <a:schemeClr val="dk1"/>
-            </a:fillRef>
-            <a:effectRef idx="2">
-              <a:schemeClr val="dk1"/>
-            </a:effectRef>
-            <a:fontRef idx="minor">
-              <a:schemeClr val="tx1"/>
-            </a:fontRef>
-          </p:style>
-        </p:cxnSp>
-        <p:cxnSp>
-          <p:nvCxnSpPr>
-            <p:cNvPr id="64" name="Conector: Curvo 89">
-              <a:extLst>
-                <a:ext uri="{FF2B5EF4-FFF2-40B4-BE49-F238E27FC236}">
-                  <a16:creationId xmlns:a16="http://schemas.microsoft.com/office/drawing/2014/main" id="{F7390E86-D914-41EF-A779-C7880C55E4AE}"/>
-                </a:ext>
-              </a:extLst>
-            </p:cNvPr>
-            <p:cNvCxnSpPr>
-              <a:cxnSpLocks/>
-              <a:stCxn id="38" idx="3"/>
-              <a:endCxn id="32" idx="1"/>
-            </p:cNvCxnSpPr>
-            <p:nvPr/>
-          </p:nvCxnSpPr>
-          <p:spPr>
-            <a:xfrm flipV="1">
-              <a:off x="3325404" y="5132207"/>
-              <a:ext cx="531384" cy="6804"/>
-            </a:xfrm>
-            <a:prstGeom prst="straightConnector1">
-              <a:avLst/>
-            </a:prstGeom>
-            <a:ln w="28575">
-              <a:tailEnd type="triangle"/>
-            </a:ln>
-            <a:effectLst/>
-          </p:spPr>
-          <p:style>
-            <a:lnRef idx="3">
-              <a:schemeClr val="dk1"/>
-            </a:lnRef>
-            <a:fillRef idx="0">
-              <a:schemeClr val="dk1"/>
-            </a:fillRef>
-            <a:effectRef idx="2">
-              <a:schemeClr val="dk1"/>
-            </a:effectRef>
-            <a:fontRef idx="minor">
-              <a:schemeClr val="tx1"/>
-            </a:fontRef>
-          </p:style>
-        </p:cxnSp>
-        <p:cxnSp>
-          <p:nvCxnSpPr>
-            <p:cNvPr id="65" name="Conector: Curvo 99">
-              <a:extLst>
-                <a:ext uri="{FF2B5EF4-FFF2-40B4-BE49-F238E27FC236}">
-                  <a16:creationId xmlns:a16="http://schemas.microsoft.com/office/drawing/2014/main" id="{9A61A636-337B-4AB6-929E-1E17860E76E2}"/>
-                </a:ext>
-              </a:extLst>
-            </p:cNvPr>
-            <p:cNvCxnSpPr>
-              <a:cxnSpLocks/>
-              <a:stCxn id="32" idx="3"/>
-              <a:endCxn id="33" idx="3"/>
-            </p:cNvCxnSpPr>
-            <p:nvPr/>
-          </p:nvCxnSpPr>
-          <p:spPr>
-            <a:xfrm flipH="1" flipV="1">
-              <a:off x="5091345" y="2706065"/>
-              <a:ext cx="4868" cy="2426143"/>
-            </a:xfrm>
-            <a:prstGeom prst="bentConnector3">
-              <a:avLst>
-                <a:gd name="adj1" fmla="val -39598200"/>
-              </a:avLst>
-            </a:prstGeom>
-            <a:ln w="28575">
-              <a:tailEnd type="triangle"/>
-            </a:ln>
-            <a:effectLst/>
-          </p:spPr>
-          <p:style>
-            <a:lnRef idx="3">
-              <a:schemeClr val="dk1"/>
-            </a:lnRef>
-            <a:fillRef idx="0">
-              <a:schemeClr val="dk1"/>
-            </a:fillRef>
-            <a:effectRef idx="2">
-              <a:schemeClr val="dk1"/>
-            </a:effectRef>
-            <a:fontRef idx="minor">
-              <a:schemeClr val="tx1"/>
-            </a:fontRef>
-          </p:style>
-        </p:cxnSp>
-        <p:cxnSp>
-          <p:nvCxnSpPr>
-            <p:cNvPr id="66" name="Conector: Curvo 106">
-              <a:extLst>
-                <a:ext uri="{FF2B5EF4-FFF2-40B4-BE49-F238E27FC236}">
-                  <a16:creationId xmlns:a16="http://schemas.microsoft.com/office/drawing/2014/main" id="{CEBF7F6A-AC56-45D5-A0A5-0742506ED873}"/>
-                </a:ext>
-              </a:extLst>
-            </p:cNvPr>
-            <p:cNvCxnSpPr>
-              <a:cxnSpLocks/>
-              <a:stCxn id="36" idx="2"/>
-              <a:endCxn id="35" idx="0"/>
-            </p:cNvCxnSpPr>
-            <p:nvPr/>
-          </p:nvCxnSpPr>
-          <p:spPr>
-            <a:xfrm>
-              <a:off x="6112996" y="3552964"/>
-              <a:ext cx="0" cy="232601"/>
-            </a:xfrm>
-            <a:prstGeom prst="straightConnector1">
-              <a:avLst/>
-            </a:prstGeom>
-            <a:ln w="28575">
-              <a:tailEnd type="triangle"/>
-            </a:ln>
-            <a:effectLst/>
-          </p:spPr>
-          <p:style>
-            <a:lnRef idx="3">
-              <a:schemeClr val="dk1"/>
-            </a:lnRef>
-            <a:fillRef idx="0">
-              <a:schemeClr val="dk1"/>
-            </a:fillRef>
-            <a:effectRef idx="2">
-              <a:schemeClr val="dk1"/>
-            </a:effectRef>
-            <a:fontRef idx="minor">
-              <a:schemeClr val="tx1"/>
-            </a:fontRef>
-          </p:style>
-        </p:cxnSp>
-        <p:cxnSp>
-          <p:nvCxnSpPr>
-            <p:cNvPr id="67" name="Conector: Curvo 110">
-              <a:extLst>
-                <a:ext uri="{FF2B5EF4-FFF2-40B4-BE49-F238E27FC236}">
-                  <a16:creationId xmlns:a16="http://schemas.microsoft.com/office/drawing/2014/main" id="{481F006F-949D-4F2A-957B-2866CCE2B554}"/>
-                </a:ext>
-              </a:extLst>
-            </p:cNvPr>
-            <p:cNvCxnSpPr>
-              <a:cxnSpLocks/>
-              <a:stCxn id="35" idx="1"/>
-              <a:endCxn id="37" idx="3"/>
-            </p:cNvCxnSpPr>
-            <p:nvPr/>
-          </p:nvCxnSpPr>
-          <p:spPr>
-            <a:xfrm rot="10800000">
-              <a:off x="5096213" y="3846378"/>
-              <a:ext cx="397071" cy="318756"/>
-            </a:xfrm>
-            <a:prstGeom prst="bentConnector3">
-              <a:avLst>
-                <a:gd name="adj1" fmla="val 50000"/>
-              </a:avLst>
-            </a:prstGeom>
-            <a:ln w="28575">
-              <a:tailEnd type="triangle"/>
-            </a:ln>
-            <a:effectLst/>
-          </p:spPr>
-          <p:style>
-            <a:lnRef idx="3">
-              <a:schemeClr val="dk1"/>
-            </a:lnRef>
-            <a:fillRef idx="0">
-              <a:schemeClr val="dk1"/>
-            </a:fillRef>
-            <a:effectRef idx="2">
-              <a:schemeClr val="dk1"/>
-            </a:effectRef>
-            <a:fontRef idx="minor">
-              <a:schemeClr val="tx1"/>
-            </a:fontRef>
-          </p:style>
-        </p:cxnSp>
-        <p:cxnSp>
-          <p:nvCxnSpPr>
-            <p:cNvPr id="68" name="Conector: Curvo 120">
-              <a:extLst>
-                <a:ext uri="{FF2B5EF4-FFF2-40B4-BE49-F238E27FC236}">
-                  <a16:creationId xmlns:a16="http://schemas.microsoft.com/office/drawing/2014/main" id="{26830E56-05F4-4BB2-9860-072DFF0641A5}"/>
-                </a:ext>
-              </a:extLst>
-            </p:cNvPr>
-            <p:cNvCxnSpPr>
-              <a:cxnSpLocks/>
-              <a:stCxn id="37" idx="1"/>
-              <a:endCxn id="31" idx="3"/>
-            </p:cNvCxnSpPr>
-            <p:nvPr/>
-          </p:nvCxnSpPr>
-          <p:spPr>
-            <a:xfrm flipH="1">
-              <a:off x="3325404" y="3846378"/>
-              <a:ext cx="531383" cy="5063"/>
-            </a:xfrm>
-            <a:prstGeom prst="straightConnector1">
-              <a:avLst/>
-            </a:prstGeom>
-            <a:ln w="28575">
-              <a:tailEnd type="triangle"/>
-            </a:ln>
-            <a:effectLst/>
-          </p:spPr>
-          <p:style>
-            <a:lnRef idx="3">
-              <a:schemeClr val="dk1"/>
-            </a:lnRef>
-            <a:fillRef idx="0">
-              <a:schemeClr val="dk1"/>
-            </a:fillRef>
-            <a:effectRef idx="2">
-              <a:schemeClr val="dk1"/>
-            </a:effectRef>
-            <a:fontRef idx="minor">
-              <a:schemeClr val="tx1"/>
-            </a:fontRef>
-          </p:style>
-        </p:cxnSp>
-        <p:cxnSp>
-          <p:nvCxnSpPr>
-            <p:cNvPr id="69" name="Conector: Curvo 69">
-              <a:extLst>
-                <a:ext uri="{FF2B5EF4-FFF2-40B4-BE49-F238E27FC236}">
-                  <a16:creationId xmlns:a16="http://schemas.microsoft.com/office/drawing/2014/main" id="{AFA1620E-F8D2-4A99-A8F4-1B415409D1D5}"/>
-                </a:ext>
-              </a:extLst>
-            </p:cNvPr>
-            <p:cNvCxnSpPr>
-              <a:cxnSpLocks/>
-              <a:stCxn id="39" idx="0"/>
-              <a:endCxn id="34" idx="0"/>
-            </p:cNvCxnSpPr>
-            <p:nvPr/>
-          </p:nvCxnSpPr>
-          <p:spPr>
-            <a:xfrm rot="5400000" flipH="1" flipV="1">
-              <a:off x="1946515" y="905277"/>
-              <a:ext cx="1916980" cy="3133258"/>
-            </a:xfrm>
-            <a:prstGeom prst="bentConnector3">
-              <a:avLst>
-                <a:gd name="adj1" fmla="val 111925"/>
-              </a:avLst>
-            </a:prstGeom>
-            <a:ln w="28575">
-              <a:tailEnd type="triangle"/>
-            </a:ln>
-            <a:effectLst/>
-          </p:spPr>
-          <p:style>
-            <a:lnRef idx="3">
-              <a:schemeClr val="dk1"/>
-            </a:lnRef>
-            <a:fillRef idx="0">
-              <a:schemeClr val="dk1"/>
-            </a:fillRef>
-            <a:effectRef idx="2">
-              <a:schemeClr val="dk1"/>
-            </a:effectRef>
-            <a:fontRef idx="minor">
-              <a:schemeClr val="tx1"/>
-            </a:fontRef>
-          </p:style>
-        </p:cxnSp>
-        <p:cxnSp>
-          <p:nvCxnSpPr>
-            <p:cNvPr id="70" name="Conector: Curvo 69">
-              <a:extLst>
-                <a:ext uri="{FF2B5EF4-FFF2-40B4-BE49-F238E27FC236}">
-                  <a16:creationId xmlns:a16="http://schemas.microsoft.com/office/drawing/2014/main" id="{F40AF6CD-AC30-4BC3-914D-E7F3E3F9406A}"/>
-                </a:ext>
-              </a:extLst>
-            </p:cNvPr>
-            <p:cNvCxnSpPr>
-              <a:cxnSpLocks/>
-              <a:stCxn id="39" idx="2"/>
-              <a:endCxn id="32" idx="2"/>
-            </p:cNvCxnSpPr>
-            <p:nvPr/>
-          </p:nvCxnSpPr>
-          <p:spPr>
-            <a:xfrm rot="16200000" flipH="1">
-              <a:off x="2244749" y="3214148"/>
-              <a:ext cx="1325379" cy="3138125"/>
-            </a:xfrm>
-            <a:prstGeom prst="bentConnector3">
-              <a:avLst>
-                <a:gd name="adj1" fmla="val 117248"/>
-              </a:avLst>
-            </a:prstGeom>
-            <a:ln w="28575">
-              <a:tailEnd type="triangle"/>
-            </a:ln>
-            <a:effectLst/>
-          </p:spPr>
-          <p:style>
-            <a:lnRef idx="3">
-              <a:schemeClr val="dk1"/>
-            </a:lnRef>
-            <a:fillRef idx="0">
-              <a:schemeClr val="dk1"/>
-            </a:fillRef>
-            <a:effectRef idx="2">
-              <a:schemeClr val="dk1"/>
-            </a:effectRef>
-            <a:fontRef idx="minor">
-              <a:schemeClr val="tx1"/>
-            </a:fontRef>
-          </p:style>
-        </p:cxnSp>
-        <p:sp>
-          <p:nvSpPr>
-            <p:cNvPr id="71" name="Retângulo 70">
-              <a:extLst>
-                <a:ext uri="{FF2B5EF4-FFF2-40B4-BE49-F238E27FC236}">
-                  <a16:creationId xmlns:a16="http://schemas.microsoft.com/office/drawing/2014/main" id="{67C03D74-FAD5-4D1A-BC10-1BF63C79290B}"/>
-                </a:ext>
-              </a:extLst>
-            </p:cNvPr>
-            <p:cNvSpPr/>
-            <p:nvPr/>
-          </p:nvSpPr>
-          <p:spPr>
-            <a:xfrm>
-              <a:off x="7221475" y="3374719"/>
-              <a:ext cx="1239425" cy="570352"/>
-            </a:xfrm>
-            <a:prstGeom prst="rect">
-              <a:avLst/>
-            </a:prstGeom>
-            <a:ln w="28575" cmpd="dbl">
-              <a:solidFill>
-                <a:schemeClr val="tx1"/>
-              </a:solidFill>
-            </a:ln>
-          </p:spPr>
-          <p:style>
-            <a:lnRef idx="2">
-              <a:schemeClr val="dk1"/>
-            </a:lnRef>
-            <a:fillRef idx="1">
-              <a:schemeClr val="lt1"/>
-            </a:fillRef>
-            <a:effectRef idx="0">
-              <a:schemeClr val="dk1"/>
-            </a:effectRef>
-            <a:fontRef idx="minor">
-              <a:schemeClr val="dk1"/>
-            </a:fontRef>
-          </p:style>
-          <p:txBody>
-            <a:bodyPr rtlCol="0" anchor="t"/>
-            <a:lstStyle/>
-            <a:p>
-              <a:r>
-                <a:rPr lang="pt-BR" sz="2000" dirty="0">
-                  <a:solidFill>
-                    <a:schemeClr val="dk1"/>
-                  </a:solidFill>
-                  <a:latin typeface="CMU Sans Serif" panose="02000603000000000000" pitchFamily="2" charset="0"/>
-                  <a:ea typeface="CMU Sans Serif" panose="02000603000000000000" pitchFamily="2" charset="0"/>
-                  <a:cs typeface="CMU Sans Serif" panose="02000603000000000000" pitchFamily="2" charset="0"/>
-                </a:rPr>
-                <a:t>R&amp;D</a:t>
-              </a:r>
-            </a:p>
-            <a:p>
-              <a:r>
-                <a:rPr lang="pt-BR" sz="1600" dirty="0">
-                  <a:solidFill>
-                    <a:schemeClr val="dk1"/>
-                  </a:solidFill>
-                  <a:latin typeface="CMU Sans Serif" panose="02000603000000000000" pitchFamily="2" charset="0"/>
-                  <a:ea typeface="CMU Sans Serif" panose="02000603000000000000" pitchFamily="2" charset="0"/>
-                  <a:cs typeface="CMU Sans Serif" panose="02000603000000000000" pitchFamily="2" charset="0"/>
-                </a:rPr>
-                <a:t>f(</a:t>
-              </a:r>
-              <a:r>
-                <a:rPr lang="pt-BR" sz="1600" dirty="0" err="1">
-                  <a:solidFill>
-                    <a:schemeClr val="dk1"/>
-                  </a:solidFill>
-                  <a:latin typeface="CMU Sans Serif" panose="02000603000000000000" pitchFamily="2" charset="0"/>
-                  <a:ea typeface="CMU Sans Serif" panose="02000603000000000000" pitchFamily="2" charset="0"/>
-                  <a:cs typeface="CMU Sans Serif" panose="02000603000000000000" pitchFamily="2" charset="0"/>
-                </a:rPr>
-                <a:t>Revenue</a:t>
-              </a:r>
-              <a:r>
-                <a:rPr lang="pt-BR" sz="1600" dirty="0">
-                  <a:solidFill>
-                    <a:schemeClr val="dk1"/>
-                  </a:solidFill>
-                  <a:latin typeface="CMU Sans Serif" panose="02000603000000000000" pitchFamily="2" charset="0"/>
-                  <a:ea typeface="CMU Sans Serif" panose="02000603000000000000" pitchFamily="2" charset="0"/>
-                  <a:cs typeface="CMU Sans Serif" panose="02000603000000000000" pitchFamily="2" charset="0"/>
-                </a:rPr>
-                <a:t>, R&amp;D Budget, R&amp;D </a:t>
-              </a:r>
-              <a:r>
-                <a:rPr lang="pt-BR" sz="1600" dirty="0" err="1">
-                  <a:solidFill>
-                    <a:schemeClr val="dk1"/>
-                  </a:solidFill>
-                  <a:latin typeface="CMU Sans Serif" panose="02000603000000000000" pitchFamily="2" charset="0"/>
-                  <a:ea typeface="CMU Sans Serif" panose="02000603000000000000" pitchFamily="2" charset="0"/>
-                  <a:cs typeface="CMU Sans Serif" panose="02000603000000000000" pitchFamily="2" charset="0"/>
-                </a:rPr>
-                <a:t>Strategy</a:t>
-              </a:r>
-              <a:r>
-                <a:rPr lang="pt-BR" sz="1600" dirty="0">
-                  <a:solidFill>
-                    <a:schemeClr val="dk1"/>
-                  </a:solidFill>
-                  <a:latin typeface="CMU Sans Serif" panose="02000603000000000000" pitchFamily="2" charset="0"/>
-                  <a:ea typeface="CMU Sans Serif" panose="02000603000000000000" pitchFamily="2" charset="0"/>
-                  <a:cs typeface="CMU Sans Serif" panose="02000603000000000000" pitchFamily="2" charset="0"/>
-                </a:rPr>
-                <a:t>)</a:t>
-              </a:r>
-            </a:p>
-          </p:txBody>
-        </p:sp>
-        <p:cxnSp>
-          <p:nvCxnSpPr>
-            <p:cNvPr id="72" name="Conector: Curvo 17">
-              <a:extLst>
-                <a:ext uri="{FF2B5EF4-FFF2-40B4-BE49-F238E27FC236}">
-                  <a16:creationId xmlns:a16="http://schemas.microsoft.com/office/drawing/2014/main" id="{68B7F9A6-0A36-4F3A-87B0-8892CB842A19}"/>
-                </a:ext>
-              </a:extLst>
-            </p:cNvPr>
-            <p:cNvCxnSpPr>
-              <a:cxnSpLocks/>
-              <a:stCxn id="71" idx="0"/>
-              <a:endCxn id="33" idx="3"/>
-            </p:cNvCxnSpPr>
-            <p:nvPr/>
-          </p:nvCxnSpPr>
-          <p:spPr>
-            <a:xfrm rot="16200000" flipV="1">
-              <a:off x="6131940" y="1665470"/>
-              <a:ext cx="668655" cy="2749843"/>
-            </a:xfrm>
-            <a:prstGeom prst="bentConnector2">
-              <a:avLst/>
-            </a:prstGeom>
-            <a:ln w="28575">
-              <a:tailEnd type="triangle"/>
-            </a:ln>
-            <a:effectLst/>
-          </p:spPr>
-          <p:style>
-            <a:lnRef idx="3">
-              <a:schemeClr val="dk1"/>
-            </a:lnRef>
-            <a:fillRef idx="0">
-              <a:schemeClr val="dk1"/>
-            </a:fillRef>
-            <a:effectRef idx="2">
-              <a:schemeClr val="dk1"/>
-            </a:effectRef>
-            <a:fontRef idx="minor">
-              <a:schemeClr val="tx1"/>
-            </a:fontRef>
-          </p:style>
-        </p:cxnSp>
-        <p:cxnSp>
-          <p:nvCxnSpPr>
-            <p:cNvPr id="73" name="Conector: Curvo 85">
-              <a:extLst>
-                <a:ext uri="{FF2B5EF4-FFF2-40B4-BE49-F238E27FC236}">
-                  <a16:creationId xmlns:a16="http://schemas.microsoft.com/office/drawing/2014/main" id="{28C9D7AE-3BFA-4F88-BA37-CB4405A6D6BC}"/>
-                </a:ext>
-              </a:extLst>
-            </p:cNvPr>
-            <p:cNvCxnSpPr>
-              <a:cxnSpLocks/>
-              <a:stCxn id="37" idx="2"/>
-              <a:endCxn id="71" idx="2"/>
-            </p:cNvCxnSpPr>
-            <p:nvPr/>
-          </p:nvCxnSpPr>
-          <p:spPr>
-            <a:xfrm rot="5400000" flipH="1" flipV="1">
-              <a:off x="6065602" y="2355969"/>
-              <a:ext cx="186483" cy="3364688"/>
-            </a:xfrm>
-            <a:prstGeom prst="bentConnector3">
-              <a:avLst>
-                <a:gd name="adj1" fmla="val -300245"/>
-              </a:avLst>
-            </a:prstGeom>
-            <a:ln w="28575">
-              <a:tailEnd type="triangle"/>
-            </a:ln>
-            <a:effectLst/>
-          </p:spPr>
-          <p:style>
-            <a:lnRef idx="3">
-              <a:schemeClr val="dk1"/>
-            </a:lnRef>
-            <a:fillRef idx="0">
-              <a:schemeClr val="dk1"/>
-            </a:fillRef>
-            <a:effectRef idx="2">
-              <a:schemeClr val="dk1"/>
-            </a:effectRef>
-            <a:fontRef idx="minor">
-              <a:schemeClr val="tx1"/>
-            </a:fontRef>
-          </p:style>
-        </p:cxnSp>
-      </p:grpSp>
       <p:sp>
         <p:nvSpPr>
           <p:cNvPr id="78" name="Text Box 8">
@@ -7704,7 +5900,7 @@
         <p:spPr bwMode="auto">
           <a:xfrm>
             <a:off x="16756719" y="6667026"/>
-            <a:ext cx="14903395" cy="4481314"/>
+            <a:ext cx="14903395" cy="3804205"/>
           </a:xfrm>
           <a:prstGeom prst="rect">
             <a:avLst/>
@@ -7734,7 +5930,7 @@
           </a:extLst>
         </p:spPr>
         <p:txBody>
-          <a:bodyPr lIns="79333" tIns="39667" rIns="79333" bIns="39667">
+          <a:bodyPr wrap="square" lIns="79333" tIns="39667" rIns="79333" bIns="39667">
             <a:spAutoFit/>
           </a:bodyPr>
           <a:lstStyle>
@@ -7871,7 +6067,7 @@
                 <a:ea typeface="CMU Sans Serif" panose="02000603000000000000" pitchFamily="2" charset="0"/>
                 <a:cs typeface="CMU Sans Serif" panose="02000603000000000000" pitchFamily="2" charset="0"/>
               </a:rPr>
-              <a:t>54 strategies were obtained through a full factorial design of selected levers and their levels.</a:t>
+              <a:t>54 strategies were obtained through a full-factorial design of the levers and their levels.</a:t>
             </a:r>
           </a:p>
           <a:p>
@@ -7886,7 +6082,7 @@
                 <a:ea typeface="CMU Sans Serif" panose="02000603000000000000" pitchFamily="2" charset="0"/>
                 <a:cs typeface="CMU Sans Serif" panose="02000603000000000000" pitchFamily="2" charset="0"/>
               </a:rPr>
-              <a:t>The simulation results database contains 10.800 simulations results, from testing all strategies across 200 scenarios obtained from Latin Hypercube Sampling of the 32 uncertain parameters.</a:t>
+              <a:t>The simulation results database contains 10.800 runs (54 strategies X 200 scenarios obtained from LHS of the 35 uncertain parameters).</a:t>
             </a:r>
           </a:p>
         </p:txBody>
@@ -7917,9 +6113,7 @@
             <a:schemeClr val="accent6"/>
           </a:solidFill>
           <a:ln w="9525">
-            <a:solidFill>
-              <a:srgbClr val="99CCFF"/>
-            </a:solidFill>
+            <a:noFill/>
             <a:miter lim="800000"/>
             <a:headEnd/>
             <a:tailEnd/>
@@ -7980,8 +6174,8 @@
           </a:lstStyle>
           <a:p>
             <a:r>
-              <a:rPr lang="en-US" altLang="pt-BR"/>
-              <a:t>Scenario Discovery – Vulnerability Analysis</a:t>
+              <a:rPr lang="en-US" altLang="pt-BR" dirty="0"/>
+              <a:t>Scenario Discovery and Tradeoff Analysis</a:t>
             </a:r>
           </a:p>
         </p:txBody>
@@ -8002,7 +6196,7 @@
         </p:nvSpPr>
         <p:spPr bwMode="auto">
           <a:xfrm>
-            <a:off x="16681417" y="39113810"/>
+            <a:off x="16681417" y="36616345"/>
             <a:ext cx="14963713" cy="1440000"/>
           </a:xfrm>
           <a:prstGeom prst="rect">
@@ -8012,9 +6206,7 @@
             <a:schemeClr val="accent6"/>
           </a:solidFill>
           <a:ln w="9525">
-            <a:solidFill>
-              <a:srgbClr val="99CCFF"/>
-            </a:solidFill>
+            <a:noFill/>
             <a:miter lim="800000"/>
             <a:headEnd/>
             <a:tailEnd/>
@@ -8075,10 +6267,9 @@
           </a:lstStyle>
           <a:p>
             <a:r>
-              <a:rPr lang="pt-BR" altLang="pt-BR" dirty="0" err="1"/>
+              <a:rPr lang="en-US" altLang="pt-BR" dirty="0"/>
               <a:t>Conclusions</a:t>
             </a:r>
-            <a:endParaRPr lang="pt-BR" altLang="pt-BR" dirty="0"/>
           </a:p>
         </p:txBody>
       </p:sp>
@@ -8110,8 +6301,8 @@
         </p:blipFill>
         <p:spPr>
           <a:xfrm>
-            <a:off x="23353168" y="11297482"/>
-            <a:ext cx="8331427" cy="3240000"/>
+            <a:off x="24902126" y="10927369"/>
+            <a:ext cx="6575514" cy="2557145"/>
           </a:xfrm>
           <a:prstGeom prst="rect">
             <a:avLst/>
@@ -8134,8 +6325,8 @@
         </p:nvSpPr>
         <p:spPr bwMode="auto">
           <a:xfrm>
-            <a:off x="16711575" y="20580854"/>
-            <a:ext cx="14903395" cy="4481314"/>
+            <a:off x="16711576" y="21265844"/>
+            <a:ext cx="8190550" cy="14083942"/>
           </a:xfrm>
           <a:prstGeom prst="rect">
             <a:avLst/>
@@ -8165,7 +6356,7 @@
           </a:extLst>
         </p:spPr>
         <p:txBody>
-          <a:bodyPr lIns="79333" tIns="39667" rIns="79333" bIns="39667">
+          <a:bodyPr wrap="square" lIns="79333" tIns="39667" rIns="79333" bIns="39667">
             <a:spAutoFit/>
           </a:bodyPr>
           <a:lstStyle>
@@ -8291,18 +6482,34 @@
             </a:lvl9pPr>
           </a:lstStyle>
           <a:p>
+            <a:pPr algn="just" eaLnBrk="1" hangingPunct="1">
+              <a:spcBef>
+                <a:spcPct val="50000"/>
+              </a:spcBef>
+              <a:buNone/>
+            </a:pPr>
+            <a:r>
+              <a:rPr lang="en-US" altLang="pt-BR" sz="4400" b="1" dirty="0">
+                <a:latin typeface="CMU Sans Serif" panose="02000603000000000000" pitchFamily="2" charset="0"/>
+                <a:ea typeface="CMU Sans Serif" panose="02000603000000000000" pitchFamily="2" charset="0"/>
+                <a:cs typeface="CMU Sans Serif" panose="02000603000000000000" pitchFamily="2" charset="0"/>
+              </a:rPr>
+              <a:t>Scenario Discovery:</a:t>
+            </a:r>
+          </a:p>
+          <a:p>
             <a:pPr marL="571500" indent="-571500" algn="just" eaLnBrk="1" hangingPunct="1">
               <a:spcBef>
                 <a:spcPct val="50000"/>
               </a:spcBef>
             </a:pPr>
             <a:r>
-              <a:rPr lang="en-US" altLang="pt-BR" sz="4400" dirty="0">
+              <a:rPr lang="en-US" altLang="pt-BR" sz="4000" dirty="0">
                 <a:latin typeface="CMU Sans Serif" panose="02000603000000000000" pitchFamily="2" charset="0"/>
                 <a:ea typeface="CMU Sans Serif" panose="02000603000000000000" pitchFamily="2" charset="0"/>
                 <a:cs typeface="CMU Sans Serif" panose="02000603000000000000" pitchFamily="2" charset="0"/>
               </a:rPr>
-              <a:t>54 strategies were obtained through a full factorial design of selected levers and their levels.</a:t>
+              <a:t>We trained a Random Forest, and employed the Boruta Algorithm to identify the most influential uncertainties that define de circumstances under which strategy 32 might fail ( Regret &gt; 211.9 K USD).</a:t>
             </a:r>
           </a:p>
           <a:p>
@@ -8312,26 +6519,74 @@
               </a:spcBef>
             </a:pPr>
             <a:r>
-              <a:rPr lang="en-US" altLang="pt-BR" sz="4400" dirty="0">
+              <a:rPr lang="en-US" altLang="pt-BR" sz="4000" dirty="0">
                 <a:latin typeface="CMU Sans Serif" panose="02000603000000000000" pitchFamily="2" charset="0"/>
                 <a:ea typeface="CMU Sans Serif" panose="02000603000000000000" pitchFamily="2" charset="0"/>
                 <a:cs typeface="CMU Sans Serif" panose="02000603000000000000" pitchFamily="2" charset="0"/>
               </a:rPr>
-              <a:t>The simulation results database contains 10.800 simulations results, from testing all strategies across 200 scenarios obtained from Latin Hypercube Sampling of the 32 uncertain parameters.</a:t>
+              <a:t>PRIM also found a high-regret region where the strategy failed on 82,1 % of the futures simulated.</a:t>
+            </a:r>
+          </a:p>
+          <a:p>
+            <a:pPr algn="just" eaLnBrk="1" hangingPunct="1">
+              <a:spcBef>
+                <a:spcPct val="50000"/>
+              </a:spcBef>
+              <a:buNone/>
+            </a:pPr>
+            <a:r>
+              <a:rPr lang="en-US" altLang="pt-BR" sz="4400" b="1" dirty="0">
+                <a:latin typeface="CMU Sans Serif" panose="02000603000000000000" pitchFamily="2" charset="0"/>
+                <a:ea typeface="CMU Sans Serif" panose="02000603000000000000" pitchFamily="2" charset="0"/>
+                <a:cs typeface="CMU Sans Serif" panose="02000603000000000000" pitchFamily="2" charset="0"/>
+              </a:rPr>
+              <a:t>Tradeoff Analysis:</a:t>
+            </a:r>
+          </a:p>
+          <a:p>
+            <a:pPr marL="571500" indent="-571500" algn="just" eaLnBrk="1" hangingPunct="1">
+              <a:spcBef>
+                <a:spcPct val="50000"/>
+              </a:spcBef>
+            </a:pPr>
+            <a:r>
+              <a:rPr lang="en-US" altLang="pt-BR" sz="4000" dirty="0">
+                <a:latin typeface="CMU Sans Serif" panose="02000603000000000000" pitchFamily="2" charset="0"/>
+                <a:ea typeface="CMU Sans Serif" panose="02000603000000000000" pitchFamily="2" charset="0"/>
+                <a:cs typeface="CMU Sans Serif" panose="02000603000000000000" pitchFamily="2" charset="0"/>
+              </a:rPr>
+              <a:t>Tradeoff analysis lends no support for Open R &amp; D or Conservative Strategies, as the tradeoff frontier is dominated by closed-source, less-aggressive strategies.</a:t>
+            </a:r>
+          </a:p>
+          <a:p>
+            <a:pPr marL="571500" indent="-571500" algn="just" eaLnBrk="1" hangingPunct="1">
+              <a:spcBef>
+                <a:spcPct val="50000"/>
+              </a:spcBef>
+            </a:pPr>
+            <a:r>
+              <a:rPr lang="en-US" altLang="pt-BR" sz="4000" dirty="0">
+                <a:latin typeface="CMU Sans Serif" panose="02000603000000000000" pitchFamily="2" charset="0"/>
+                <a:ea typeface="CMU Sans Serif" panose="02000603000000000000" pitchFamily="2" charset="0"/>
+                <a:cs typeface="CMU Sans Serif" panose="02000603000000000000" pitchFamily="2" charset="0"/>
+              </a:rPr>
+              <a:t>Strategies 25 and 19 still use an aggressive heuristic but have less ambitious target market share.</a:t>
             </a:r>
           </a:p>
         </p:txBody>
       </p:sp>
       <p:pic>
         <p:nvPicPr>
-          <p:cNvPr id="82" name="Imagem 81">
+          <p:cNvPr id="4" name="Imagem 3" descr="Uma imagem contendo texto, mapa&#10;&#10;Descrição gerada automaticamente">
             <a:extLst>
               <a:ext uri="{FF2B5EF4-FFF2-40B4-BE49-F238E27FC236}">
-                <a16:creationId xmlns:a16="http://schemas.microsoft.com/office/drawing/2014/main" id="{1EF6584E-E682-4E2F-BB55-BC3870E91E05}"/>
+                <a16:creationId xmlns:a16="http://schemas.microsoft.com/office/drawing/2014/main" id="{781ED909-3535-4264-8415-F4BB6BA1E00A}"/>
               </a:ext>
             </a:extLst>
           </p:cNvPr>
-          <p:cNvPicPr/>
+          <p:cNvPicPr>
+            <a:picLocks noChangeAspect="1"/>
+          </p:cNvPicPr>
           <p:nvPr/>
         </p:nvPicPr>
         <p:blipFill>
@@ -8342,15 +6597,38 @@
               </a:ext>
             </a:extLst>
           </a:blip>
-          <a:srcRect/>
           <a:stretch>
             <a:fillRect/>
           </a:stretch>
         </p:blipFill>
+        <p:spPr>
+          <a:xfrm>
+            <a:off x="25111872" y="14483924"/>
+            <a:ext cx="6426172" cy="3266415"/>
+          </a:xfrm>
+          <a:prstGeom prst="rect">
+            <a:avLst/>
+          </a:prstGeom>
+        </p:spPr>
+      </p:pic>
+      <p:sp>
+        <p:nvSpPr>
+          <p:cNvPr id="48" name="Text Box 8">
+            <a:extLst>
+              <a:ext uri="{FF2B5EF4-FFF2-40B4-BE49-F238E27FC236}">
+                <a16:creationId xmlns:a16="http://schemas.microsoft.com/office/drawing/2014/main" id="{563C5895-956C-41EE-AAB0-90B37186769C}"/>
+              </a:ext>
+            </a:extLst>
+          </p:cNvPr>
+          <p:cNvSpPr txBox="1">
+            <a:spLocks noChangeArrowheads="1"/>
+          </p:cNvSpPr>
+          <p:nvPr/>
+        </p:nvSpPr>
         <p:spPr bwMode="auto">
           <a:xfrm>
-            <a:off x="25310455" y="15150928"/>
-            <a:ext cx="5760085" cy="2557145"/>
+            <a:off x="16756719" y="10843834"/>
+            <a:ext cx="7690432" cy="8082299"/>
           </a:xfrm>
           <a:prstGeom prst="rect">
             <a:avLst/>
@@ -8359,21 +6637,463 @@
           <a:ln>
             <a:noFill/>
           </a:ln>
+          <a:extLst>
+            <a:ext uri="{909E8E84-426E-40DD-AFC4-6F175D3DCCD1}">
+              <a14:hiddenFill xmlns:a14="http://schemas.microsoft.com/office/drawing/2010/main">
+                <a:solidFill>
+                  <a:srgbClr val="FFFFFF"/>
+                </a:solidFill>
+              </a14:hiddenFill>
+            </a:ext>
+            <a:ext uri="{91240B29-F687-4F45-9708-019B960494DF}">
+              <a14:hiddenLine xmlns:a14="http://schemas.microsoft.com/office/drawing/2010/main" w="9525">
+                <a:solidFill>
+                  <a:srgbClr val="000000"/>
+                </a:solidFill>
+                <a:miter lim="800000"/>
+                <a:headEnd/>
+                <a:tailEnd/>
+              </a14:hiddenLine>
+            </a:ext>
+          </a:extLst>
         </p:spPr>
-      </p:pic>
-      <p:pic>
-        <p:nvPicPr>
-          <p:cNvPr id="83" name="Imagem 82">
+        <p:txBody>
+          <a:bodyPr wrap="square" lIns="79333" tIns="39667" rIns="79333" bIns="39667">
+            <a:spAutoFit/>
+          </a:bodyPr>
+          <a:lstStyle>
+            <a:lvl1pPr defTabSz="4319588">
+              <a:spcBef>
+                <a:spcPct val="20000"/>
+              </a:spcBef>
+              <a:buChar char="•"/>
+              <a:defRPr sz="15100">
+                <a:solidFill>
+                  <a:schemeClr val="tx1"/>
+                </a:solidFill>
+                <a:latin typeface="Arial" panose="020B0604020202020204" pitchFamily="34" charset="0"/>
+              </a:defRPr>
+            </a:lvl1pPr>
+            <a:lvl2pPr marL="742950" indent="-285750" defTabSz="4319588">
+              <a:spcBef>
+                <a:spcPct val="20000"/>
+              </a:spcBef>
+              <a:buChar char="–"/>
+              <a:defRPr sz="13200">
+                <a:solidFill>
+                  <a:schemeClr val="tx1"/>
+                </a:solidFill>
+                <a:latin typeface="Arial" panose="020B0604020202020204" pitchFamily="34" charset="0"/>
+              </a:defRPr>
+            </a:lvl2pPr>
+            <a:lvl3pPr marL="1143000" indent="-228600" defTabSz="4319588">
+              <a:spcBef>
+                <a:spcPct val="20000"/>
+              </a:spcBef>
+              <a:buChar char="•"/>
+              <a:defRPr sz="11400">
+                <a:solidFill>
+                  <a:schemeClr val="tx1"/>
+                </a:solidFill>
+                <a:latin typeface="Arial" panose="020B0604020202020204" pitchFamily="34" charset="0"/>
+              </a:defRPr>
+            </a:lvl3pPr>
+            <a:lvl4pPr marL="1600200" indent="-228600" defTabSz="4319588">
+              <a:spcBef>
+                <a:spcPct val="20000"/>
+              </a:spcBef>
+              <a:buChar char="–"/>
+              <a:defRPr sz="9500">
+                <a:solidFill>
+                  <a:schemeClr val="tx1"/>
+                </a:solidFill>
+                <a:latin typeface="Arial" panose="020B0604020202020204" pitchFamily="34" charset="0"/>
+              </a:defRPr>
+            </a:lvl4pPr>
+            <a:lvl5pPr marL="2057400" indent="-228600" defTabSz="4319588">
+              <a:spcBef>
+                <a:spcPct val="20000"/>
+              </a:spcBef>
+              <a:buChar char="»"/>
+              <a:defRPr sz="9500">
+                <a:solidFill>
+                  <a:schemeClr val="tx1"/>
+                </a:solidFill>
+                <a:latin typeface="Arial" panose="020B0604020202020204" pitchFamily="34" charset="0"/>
+              </a:defRPr>
+            </a:lvl5pPr>
+            <a:lvl6pPr marL="2514600" indent="-228600" defTabSz="4319588" eaLnBrk="0" fontAlgn="base" hangingPunct="0">
+              <a:spcBef>
+                <a:spcPct val="20000"/>
+              </a:spcBef>
+              <a:spcAft>
+                <a:spcPct val="0"/>
+              </a:spcAft>
+              <a:buChar char="»"/>
+              <a:defRPr sz="9500">
+                <a:solidFill>
+                  <a:schemeClr val="tx1"/>
+                </a:solidFill>
+                <a:latin typeface="Arial" panose="020B0604020202020204" pitchFamily="34" charset="0"/>
+              </a:defRPr>
+            </a:lvl6pPr>
+            <a:lvl7pPr marL="2971800" indent="-228600" defTabSz="4319588" eaLnBrk="0" fontAlgn="base" hangingPunct="0">
+              <a:spcBef>
+                <a:spcPct val="20000"/>
+              </a:spcBef>
+              <a:spcAft>
+                <a:spcPct val="0"/>
+              </a:spcAft>
+              <a:buChar char="»"/>
+              <a:defRPr sz="9500">
+                <a:solidFill>
+                  <a:schemeClr val="tx1"/>
+                </a:solidFill>
+                <a:latin typeface="Arial" panose="020B0604020202020204" pitchFamily="34" charset="0"/>
+              </a:defRPr>
+            </a:lvl7pPr>
+            <a:lvl8pPr marL="3429000" indent="-228600" defTabSz="4319588" eaLnBrk="0" fontAlgn="base" hangingPunct="0">
+              <a:spcBef>
+                <a:spcPct val="20000"/>
+              </a:spcBef>
+              <a:spcAft>
+                <a:spcPct val="0"/>
+              </a:spcAft>
+              <a:buChar char="»"/>
+              <a:defRPr sz="9500">
+                <a:solidFill>
+                  <a:schemeClr val="tx1"/>
+                </a:solidFill>
+                <a:latin typeface="Arial" panose="020B0604020202020204" pitchFamily="34" charset="0"/>
+              </a:defRPr>
+            </a:lvl8pPr>
+            <a:lvl9pPr marL="3886200" indent="-228600" defTabSz="4319588" eaLnBrk="0" fontAlgn="base" hangingPunct="0">
+              <a:spcBef>
+                <a:spcPct val="20000"/>
+              </a:spcBef>
+              <a:spcAft>
+                <a:spcPct val="0"/>
+              </a:spcAft>
+              <a:buChar char="»"/>
+              <a:defRPr sz="9500">
+                <a:solidFill>
+                  <a:schemeClr val="tx1"/>
+                </a:solidFill>
+                <a:latin typeface="Arial" panose="020B0604020202020204" pitchFamily="34" charset="0"/>
+              </a:defRPr>
+            </a:lvl9pPr>
+          </a:lstStyle>
+          <a:p>
+            <a:pPr marL="571500" indent="-571500" algn="just" eaLnBrk="1" hangingPunct="1">
+              <a:spcBef>
+                <a:spcPct val="50000"/>
+              </a:spcBef>
+            </a:pPr>
+            <a:r>
+              <a:rPr lang="en-US" altLang="pt-BR" sz="4000" dirty="0">
+                <a:latin typeface="CMU Sans Serif" panose="02000603000000000000" pitchFamily="2" charset="0"/>
+                <a:ea typeface="CMU Sans Serif" panose="02000603000000000000" pitchFamily="2" charset="0"/>
+                <a:cs typeface="CMU Sans Serif" panose="02000603000000000000" pitchFamily="2" charset="0"/>
+              </a:rPr>
+              <a:t>Aggressive, Closed Source Strategies dominated their counterparts.</a:t>
+            </a:r>
+          </a:p>
+          <a:p>
+            <a:pPr marL="571500" indent="-571500" algn="just" eaLnBrk="1" hangingPunct="1">
+              <a:spcBef>
+                <a:spcPct val="50000"/>
+              </a:spcBef>
+            </a:pPr>
+            <a:r>
+              <a:rPr lang="en-US" altLang="pt-BR" sz="4000" dirty="0">
+                <a:latin typeface="CMU Sans Serif" panose="02000603000000000000" pitchFamily="2" charset="0"/>
+                <a:ea typeface="CMU Sans Serif" panose="02000603000000000000" pitchFamily="2" charset="0"/>
+                <a:cs typeface="CMU Sans Serif" panose="02000603000000000000" pitchFamily="2" charset="0"/>
+              </a:rPr>
+              <a:t>The strategy with the least 75 percentile Regret was selected for vulnerability analysis.</a:t>
+            </a:r>
+          </a:p>
+          <a:p>
+            <a:pPr marL="571500" indent="-571500" algn="just" eaLnBrk="1" hangingPunct="1">
+              <a:spcBef>
+                <a:spcPct val="50000"/>
+              </a:spcBef>
+            </a:pPr>
+            <a:r>
+              <a:rPr lang="en-US" altLang="pt-BR" sz="4000" dirty="0">
+                <a:latin typeface="CMU Sans Serif" panose="02000603000000000000" pitchFamily="2" charset="0"/>
+                <a:ea typeface="CMU Sans Serif" panose="02000603000000000000" pitchFamily="2" charset="0"/>
+                <a:cs typeface="CMU Sans Serif" panose="02000603000000000000" pitchFamily="2" charset="0"/>
+              </a:rPr>
+              <a:t>Under this strategy, the player chooses to price aggressively with a high target market share (40 %), invest less in R &amp; D (5%) with a closed source strategy.</a:t>
+            </a:r>
+          </a:p>
+        </p:txBody>
+      </p:sp>
+      <p:sp>
+        <p:nvSpPr>
+          <p:cNvPr id="49" name="Text Box 8">
             <a:extLst>
               <a:ext uri="{FF2B5EF4-FFF2-40B4-BE49-F238E27FC236}">
-                <a16:creationId xmlns:a16="http://schemas.microsoft.com/office/drawing/2014/main" id="{19EEFD27-CD2C-49B5-8C01-6F88E3672487}"/>
+                <a16:creationId xmlns:a16="http://schemas.microsoft.com/office/drawing/2014/main" id="{E9C6900A-95E2-490F-A5CA-730DF7662080}"/>
               </a:ext>
             </a:extLst>
           </p:cNvPr>
-          <p:cNvPicPr/>
+          <p:cNvSpPr txBox="1">
+            <a:spLocks noChangeArrowheads="1"/>
+          </p:cNvSpPr>
+          <p:nvPr/>
+        </p:nvSpPr>
+        <p:spPr bwMode="auto">
+          <a:xfrm>
+            <a:off x="1295591" y="12628937"/>
+            <a:ext cx="9127228" cy="4512091"/>
+          </a:xfrm>
+          <a:prstGeom prst="rect">
+            <a:avLst/>
+          </a:prstGeom>
+          <a:noFill/>
+          <a:ln>
+            <a:noFill/>
+          </a:ln>
+          <a:extLst>
+            <a:ext uri="{909E8E84-426E-40DD-AFC4-6F175D3DCCD1}">
+              <a14:hiddenFill xmlns:a14="http://schemas.microsoft.com/office/drawing/2010/main">
+                <a:solidFill>
+                  <a:srgbClr val="FFFFFF"/>
+                </a:solidFill>
+              </a14:hiddenFill>
+            </a:ext>
+            <a:ext uri="{91240B29-F687-4F45-9708-019B960494DF}">
+              <a14:hiddenLine xmlns:a14="http://schemas.microsoft.com/office/drawing/2010/main" w="9525">
+                <a:solidFill>
+                  <a:srgbClr val="000000"/>
+                </a:solidFill>
+                <a:miter lim="800000"/>
+                <a:headEnd/>
+                <a:tailEnd/>
+              </a14:hiddenLine>
+            </a:ext>
+          </a:extLst>
+        </p:spPr>
+        <p:txBody>
+          <a:bodyPr wrap="square" lIns="79333" tIns="39667" rIns="79333" bIns="39667">
+            <a:spAutoFit/>
+          </a:bodyPr>
+          <a:lstStyle>
+            <a:lvl1pPr defTabSz="4319588">
+              <a:spcBef>
+                <a:spcPct val="20000"/>
+              </a:spcBef>
+              <a:buChar char="•"/>
+              <a:defRPr sz="15100">
+                <a:solidFill>
+                  <a:schemeClr val="tx1"/>
+                </a:solidFill>
+                <a:latin typeface="Arial" panose="020B0604020202020204" pitchFamily="34" charset="0"/>
+              </a:defRPr>
+            </a:lvl1pPr>
+            <a:lvl2pPr marL="742950" indent="-285750" defTabSz="4319588">
+              <a:spcBef>
+                <a:spcPct val="20000"/>
+              </a:spcBef>
+              <a:buChar char="–"/>
+              <a:defRPr sz="13200">
+                <a:solidFill>
+                  <a:schemeClr val="tx1"/>
+                </a:solidFill>
+                <a:latin typeface="Arial" panose="020B0604020202020204" pitchFamily="34" charset="0"/>
+              </a:defRPr>
+            </a:lvl2pPr>
+            <a:lvl3pPr marL="1143000" indent="-228600" defTabSz="4319588">
+              <a:spcBef>
+                <a:spcPct val="20000"/>
+              </a:spcBef>
+              <a:buChar char="•"/>
+              <a:defRPr sz="11400">
+                <a:solidFill>
+                  <a:schemeClr val="tx1"/>
+                </a:solidFill>
+                <a:latin typeface="Arial" panose="020B0604020202020204" pitchFamily="34" charset="0"/>
+              </a:defRPr>
+            </a:lvl3pPr>
+            <a:lvl4pPr marL="1600200" indent="-228600" defTabSz="4319588">
+              <a:spcBef>
+                <a:spcPct val="20000"/>
+              </a:spcBef>
+              <a:buChar char="–"/>
+              <a:defRPr sz="9500">
+                <a:solidFill>
+                  <a:schemeClr val="tx1"/>
+                </a:solidFill>
+                <a:latin typeface="Arial" panose="020B0604020202020204" pitchFamily="34" charset="0"/>
+              </a:defRPr>
+            </a:lvl4pPr>
+            <a:lvl5pPr marL="2057400" indent="-228600" defTabSz="4319588">
+              <a:spcBef>
+                <a:spcPct val="20000"/>
+              </a:spcBef>
+              <a:buChar char="»"/>
+              <a:defRPr sz="9500">
+                <a:solidFill>
+                  <a:schemeClr val="tx1"/>
+                </a:solidFill>
+                <a:latin typeface="Arial" panose="020B0604020202020204" pitchFamily="34" charset="0"/>
+              </a:defRPr>
+            </a:lvl5pPr>
+            <a:lvl6pPr marL="2514600" indent="-228600" defTabSz="4319588" eaLnBrk="0" fontAlgn="base" hangingPunct="0">
+              <a:spcBef>
+                <a:spcPct val="20000"/>
+              </a:spcBef>
+              <a:spcAft>
+                <a:spcPct val="0"/>
+              </a:spcAft>
+              <a:buChar char="»"/>
+              <a:defRPr sz="9500">
+                <a:solidFill>
+                  <a:schemeClr val="tx1"/>
+                </a:solidFill>
+                <a:latin typeface="Arial" panose="020B0604020202020204" pitchFamily="34" charset="0"/>
+              </a:defRPr>
+            </a:lvl6pPr>
+            <a:lvl7pPr marL="2971800" indent="-228600" defTabSz="4319588" eaLnBrk="0" fontAlgn="base" hangingPunct="0">
+              <a:spcBef>
+                <a:spcPct val="20000"/>
+              </a:spcBef>
+              <a:spcAft>
+                <a:spcPct val="0"/>
+              </a:spcAft>
+              <a:buChar char="»"/>
+              <a:defRPr sz="9500">
+                <a:solidFill>
+                  <a:schemeClr val="tx1"/>
+                </a:solidFill>
+                <a:latin typeface="Arial" panose="020B0604020202020204" pitchFamily="34" charset="0"/>
+              </a:defRPr>
+            </a:lvl7pPr>
+            <a:lvl8pPr marL="3429000" indent="-228600" defTabSz="4319588" eaLnBrk="0" fontAlgn="base" hangingPunct="0">
+              <a:spcBef>
+                <a:spcPct val="20000"/>
+              </a:spcBef>
+              <a:spcAft>
+                <a:spcPct val="0"/>
+              </a:spcAft>
+              <a:buChar char="»"/>
+              <a:defRPr sz="9500">
+                <a:solidFill>
+                  <a:schemeClr val="tx1"/>
+                </a:solidFill>
+                <a:latin typeface="Arial" panose="020B0604020202020204" pitchFamily="34" charset="0"/>
+              </a:defRPr>
+            </a:lvl8pPr>
+            <a:lvl9pPr marL="3886200" indent="-228600" defTabSz="4319588" eaLnBrk="0" fontAlgn="base" hangingPunct="0">
+              <a:spcBef>
+                <a:spcPct val="20000"/>
+              </a:spcBef>
+              <a:spcAft>
+                <a:spcPct val="0"/>
+              </a:spcAft>
+              <a:buChar char="»"/>
+              <a:defRPr sz="9500">
+                <a:solidFill>
+                  <a:schemeClr val="tx1"/>
+                </a:solidFill>
+                <a:latin typeface="Arial" panose="020B0604020202020204" pitchFamily="34" charset="0"/>
+              </a:defRPr>
+            </a:lvl9pPr>
+          </a:lstStyle>
+          <a:p>
+            <a:pPr marL="571500" indent="-571500" algn="just" eaLnBrk="1" hangingPunct="1">
+              <a:spcBef>
+                <a:spcPct val="50000"/>
+              </a:spcBef>
+            </a:pPr>
+            <a:r>
+              <a:rPr lang="en-US" altLang="pt-BR" sz="3200" b="1" dirty="0">
+                <a:latin typeface="CMU Sans Serif" panose="02000603000000000000" pitchFamily="2" charset="0"/>
+                <a:ea typeface="CMU Sans Serif" panose="02000603000000000000" pitchFamily="2" charset="0"/>
+                <a:cs typeface="CMU Sans Serif" panose="02000603000000000000" pitchFamily="2" charset="0"/>
+              </a:rPr>
+              <a:t>Key Factors challenging Professional AM Systems Manufacturers’ Strategy:</a:t>
+            </a:r>
+          </a:p>
+          <a:p>
+            <a:pPr marL="1314450" lvl="1" indent="-571500" algn="just" eaLnBrk="1" hangingPunct="1">
+              <a:spcBef>
+                <a:spcPct val="50000"/>
+              </a:spcBef>
+            </a:pPr>
+            <a:r>
+              <a:rPr lang="en-US" altLang="pt-BR" sz="3200" dirty="0">
+                <a:latin typeface="CMU Sans Serif" panose="02000603000000000000" pitchFamily="2" charset="0"/>
+                <a:ea typeface="CMU Sans Serif" panose="02000603000000000000" pitchFamily="2" charset="0"/>
+                <a:cs typeface="CMU Sans Serif" panose="02000603000000000000" pitchFamily="2" charset="0"/>
+              </a:rPr>
+              <a:t>Pace of R &amp; D and Tech. Improvement;</a:t>
+            </a:r>
+          </a:p>
+          <a:p>
+            <a:pPr marL="1314450" lvl="1" indent="-571500" algn="just" eaLnBrk="1" hangingPunct="1">
+              <a:spcBef>
+                <a:spcPct val="50000"/>
+              </a:spcBef>
+            </a:pPr>
+            <a:r>
+              <a:rPr lang="en-US" altLang="pt-BR" sz="3200" dirty="0">
+                <a:latin typeface="CMU Sans Serif" panose="02000603000000000000" pitchFamily="2" charset="0"/>
+                <a:ea typeface="CMU Sans Serif" panose="02000603000000000000" pitchFamily="2" charset="0"/>
+                <a:cs typeface="CMU Sans Serif" panose="02000603000000000000" pitchFamily="2" charset="0"/>
+              </a:rPr>
+              <a:t>Patent Dynamics and Expiration (e.g.: FDM in 2009);</a:t>
+            </a:r>
+          </a:p>
+          <a:p>
+            <a:pPr marL="1314450" lvl="1" indent="-571500" algn="just" eaLnBrk="1" hangingPunct="1">
+              <a:spcBef>
+                <a:spcPct val="50000"/>
+              </a:spcBef>
+            </a:pPr>
+            <a:r>
+              <a:rPr lang="en-US" altLang="pt-BR" sz="3200" dirty="0">
+                <a:latin typeface="CMU Sans Serif" panose="02000603000000000000" pitchFamily="2" charset="0"/>
+                <a:ea typeface="CMU Sans Serif" panose="02000603000000000000" pitchFamily="2" charset="0"/>
+                <a:cs typeface="CMU Sans Serif" panose="02000603000000000000" pitchFamily="2" charset="0"/>
+              </a:rPr>
+              <a:t>Open Source Players;</a:t>
+            </a:r>
+          </a:p>
+          <a:p>
+            <a:pPr marL="1314450" lvl="1" indent="-571500" algn="just" eaLnBrk="1" hangingPunct="1">
+              <a:spcBef>
+                <a:spcPct val="50000"/>
+              </a:spcBef>
+            </a:pPr>
+            <a:r>
+              <a:rPr lang="en-US" altLang="pt-BR" sz="3200" dirty="0">
+                <a:latin typeface="CMU Sans Serif" panose="02000603000000000000" pitchFamily="2" charset="0"/>
+                <a:ea typeface="CMU Sans Serif" panose="02000603000000000000" pitchFamily="2" charset="0"/>
+                <a:cs typeface="CMU Sans Serif" panose="02000603000000000000" pitchFamily="2" charset="0"/>
+              </a:rPr>
+              <a:t>Competition and new Entrants. </a:t>
+            </a:r>
+          </a:p>
+        </p:txBody>
+      </p:sp>
+      <p:pic>
+        <p:nvPicPr>
+          <p:cNvPr id="5" name="Imagem 4" descr="Uma imagem contendo interior&#10;&#10;Descrição gerada automaticamente">
+            <a:extLst>
+              <a:ext uri="{FF2B5EF4-FFF2-40B4-BE49-F238E27FC236}">
+                <a16:creationId xmlns:a16="http://schemas.microsoft.com/office/drawing/2014/main" id="{D77CC5B7-196F-4ACF-8154-BB42877BA314}"/>
+              </a:ext>
+            </a:extLst>
+          </p:cNvPr>
+          <p:cNvPicPr>
+            <a:picLocks noChangeAspect="1"/>
+          </p:cNvPicPr>
           <p:nvPr/>
         </p:nvPicPr>
-        <p:blipFill rotWithShape="1">
+        <p:blipFill>
           <a:blip r:embed="rId5">
             <a:extLst>
               <a:ext uri="{28A0092B-C50C-407E-A947-70E740481C1C}">
@@ -8381,128 +7101,5835 @@
               </a:ext>
             </a:extLst>
           </a:blip>
-          <a:srcRect b="50658"/>
-          <a:stretch/>
+          <a:stretch>
+            <a:fillRect/>
+          </a:stretch>
         </p:blipFill>
+        <p:spPr>
+          <a:xfrm>
+            <a:off x="28314545" y="39216699"/>
+            <a:ext cx="2857500" cy="2857500"/>
+          </a:xfrm>
+          <a:prstGeom prst="rect">
+            <a:avLst/>
+          </a:prstGeom>
+        </p:spPr>
+      </p:pic>
+      <p:sp>
+        <p:nvSpPr>
+          <p:cNvPr id="6" name="Retângulo 5">
+            <a:extLst>
+              <a:ext uri="{FF2B5EF4-FFF2-40B4-BE49-F238E27FC236}">
+                <a16:creationId xmlns:a16="http://schemas.microsoft.com/office/drawing/2014/main" id="{98451078-93AA-4D5F-B69E-E5B9383F991E}"/>
+              </a:ext>
+            </a:extLst>
+          </p:cNvPr>
+          <p:cNvSpPr/>
+          <p:nvPr/>
+        </p:nvSpPr>
+        <p:spPr>
+          <a:xfrm>
+            <a:off x="27841460" y="41958701"/>
+            <a:ext cx="3803670" cy="523220"/>
+          </a:xfrm>
+          <a:prstGeom prst="rect">
+            <a:avLst/>
+          </a:prstGeom>
+        </p:spPr>
+        <p:txBody>
+          <a:bodyPr wrap="none">
+            <a:spAutoFit/>
+          </a:bodyPr>
+          <a:lstStyle/>
+          <a:p>
+            <a:pPr algn="ctr"/>
+            <a:r>
+              <a:rPr lang="pt-BR" sz="2800" u="sng" dirty="0">
+                <a:latin typeface="CMU Sans Serif" panose="02000603000000000000" pitchFamily="2" charset="0"/>
+                <a:ea typeface="CMU Sans Serif" panose="02000603000000000000" pitchFamily="2" charset="0"/>
+                <a:cs typeface="CMU Sans Serif" panose="02000603000000000000" pitchFamily="2" charset="0"/>
+              </a:rPr>
+              <a:t>www.pedronl.com/post</a:t>
+            </a:r>
+          </a:p>
+        </p:txBody>
+      </p:sp>
+      <p:grpSp>
+        <p:nvGrpSpPr>
+          <p:cNvPr id="4148" name="Agrupar 4147">
+            <a:extLst>
+              <a:ext uri="{FF2B5EF4-FFF2-40B4-BE49-F238E27FC236}">
+                <a16:creationId xmlns:a16="http://schemas.microsoft.com/office/drawing/2014/main" id="{B0F5C1EF-6391-48EB-B043-554060FA4240}"/>
+              </a:ext>
+            </a:extLst>
+          </p:cNvPr>
+          <p:cNvGrpSpPr/>
+          <p:nvPr/>
+        </p:nvGrpSpPr>
+        <p:grpSpPr>
+          <a:xfrm>
+            <a:off x="1294154" y="33430474"/>
+            <a:ext cx="14686525" cy="6856269"/>
+            <a:chOff x="1294154" y="32966049"/>
+            <a:chExt cx="14686525" cy="6856269"/>
+          </a:xfrm>
+        </p:grpSpPr>
+        <p:sp>
+          <p:nvSpPr>
+            <p:cNvPr id="31" name="Retângulo 30">
+              <a:extLst>
+                <a:ext uri="{FF2B5EF4-FFF2-40B4-BE49-F238E27FC236}">
+                  <a16:creationId xmlns:a16="http://schemas.microsoft.com/office/drawing/2014/main" id="{BEB8C666-C260-4F3A-90F5-771161A7ECB8}"/>
+                </a:ext>
+              </a:extLst>
+            </p:cNvPr>
+            <p:cNvSpPr/>
+            <p:nvPr/>
+          </p:nvSpPr>
+          <p:spPr>
+            <a:xfrm>
+              <a:off x="4328242" y="36704854"/>
+              <a:ext cx="2340000" cy="1080000"/>
+            </a:xfrm>
+            <a:prstGeom prst="rect">
+              <a:avLst/>
+            </a:prstGeom>
+            <a:ln w="28575" cmpd="sng">
+              <a:solidFill>
+                <a:schemeClr val="tx1"/>
+              </a:solidFill>
+              <a:prstDash val="dash"/>
+            </a:ln>
+          </p:spPr>
+          <p:style>
+            <a:lnRef idx="2">
+              <a:schemeClr val="dk1"/>
+            </a:lnRef>
+            <a:fillRef idx="1">
+              <a:schemeClr val="lt1"/>
+            </a:fillRef>
+            <a:effectRef idx="0">
+              <a:schemeClr val="dk1"/>
+            </a:effectRef>
+            <a:fontRef idx="minor">
+              <a:schemeClr val="dk1"/>
+            </a:fontRef>
+          </p:style>
+          <p:txBody>
+            <a:bodyPr rtlCol="0" anchor="t"/>
+            <a:lstStyle/>
+            <a:p>
+              <a:r>
+                <a:rPr lang="en-US" sz="2000" dirty="0">
+                  <a:latin typeface="CMU Sans Serif" panose="02000603000000000000" pitchFamily="2" charset="0"/>
+                  <a:ea typeface="CMU Sans Serif" panose="02000603000000000000" pitchFamily="2" charset="0"/>
+                  <a:cs typeface="CMU Sans Serif" panose="02000603000000000000" pitchFamily="2" charset="0"/>
+                </a:rPr>
+                <a:t>Net Present Value</a:t>
+              </a:r>
+            </a:p>
+            <a:p>
+              <a:r>
+                <a:rPr lang="en-US" sz="1600" dirty="0">
+                  <a:latin typeface="CMU Sans Serif" panose="02000603000000000000" pitchFamily="2" charset="0"/>
+                  <a:ea typeface="CMU Sans Serif" panose="02000603000000000000" pitchFamily="2" charset="0"/>
+                  <a:cs typeface="CMU Sans Serif" panose="02000603000000000000" pitchFamily="2" charset="0"/>
+                </a:rPr>
+                <a:t>f(Production, Costs)</a:t>
+              </a:r>
+            </a:p>
+          </p:txBody>
+        </p:sp>
+        <p:sp>
+          <p:nvSpPr>
+            <p:cNvPr id="32" name="Retângulo 31">
+              <a:extLst>
+                <a:ext uri="{FF2B5EF4-FFF2-40B4-BE49-F238E27FC236}">
+                  <a16:creationId xmlns:a16="http://schemas.microsoft.com/office/drawing/2014/main" id="{2141C1F7-E93A-438D-A10C-2F4238B10F5C}"/>
+                </a:ext>
+              </a:extLst>
+            </p:cNvPr>
+            <p:cNvSpPr/>
+            <p:nvPr/>
+          </p:nvSpPr>
+          <p:spPr>
+            <a:xfrm>
+              <a:off x="7342453" y="38729956"/>
+              <a:ext cx="2340000" cy="1080000"/>
+            </a:xfrm>
+            <a:prstGeom prst="rect">
+              <a:avLst/>
+            </a:prstGeom>
+            <a:ln w="28575" cmpd="sng">
+              <a:solidFill>
+                <a:schemeClr val="tx1"/>
+              </a:solidFill>
+              <a:prstDash val="dash"/>
+            </a:ln>
+          </p:spPr>
+          <p:style>
+            <a:lnRef idx="2">
+              <a:schemeClr val="dk1"/>
+            </a:lnRef>
+            <a:fillRef idx="1">
+              <a:schemeClr val="lt1"/>
+            </a:fillRef>
+            <a:effectRef idx="0">
+              <a:schemeClr val="dk1"/>
+            </a:effectRef>
+            <a:fontRef idx="minor">
+              <a:schemeClr val="dk1"/>
+            </a:fontRef>
+          </p:style>
+          <p:txBody>
+            <a:bodyPr rtlCol="0" anchor="t"/>
+            <a:lstStyle/>
+            <a:p>
+              <a:r>
+                <a:rPr lang="en-US" sz="2000" dirty="0">
+                  <a:latin typeface="CMU Sans Serif" panose="02000603000000000000" pitchFamily="2" charset="0"/>
+                  <a:ea typeface="CMU Sans Serif" panose="02000603000000000000" pitchFamily="2" charset="0"/>
+                  <a:cs typeface="CMU Sans Serif" panose="02000603000000000000" pitchFamily="2" charset="0"/>
+                </a:rPr>
+                <a:t>Capacity</a:t>
+              </a:r>
+            </a:p>
+            <a:p>
+              <a:r>
+                <a:rPr lang="en-US" sz="1600" dirty="0">
+                  <a:latin typeface="CMU Sans Serif" panose="02000603000000000000" pitchFamily="2" charset="0"/>
+                  <a:ea typeface="CMU Sans Serif" panose="02000603000000000000" pitchFamily="2" charset="0"/>
+                  <a:cs typeface="CMU Sans Serif" panose="02000603000000000000" pitchFamily="2" charset="0"/>
+                </a:rPr>
+                <a:t>f(Target Market Share, Sales Forecast)</a:t>
+              </a:r>
+            </a:p>
+          </p:txBody>
+        </p:sp>
+        <p:sp>
+          <p:nvSpPr>
+            <p:cNvPr id="33" name="Retângulo 32">
+              <a:extLst>
+                <a:ext uri="{FF2B5EF4-FFF2-40B4-BE49-F238E27FC236}">
+                  <a16:creationId xmlns:a16="http://schemas.microsoft.com/office/drawing/2014/main" id="{B374218A-112F-4339-BBF4-40562AAC2906}"/>
+                </a:ext>
+              </a:extLst>
+            </p:cNvPr>
+            <p:cNvSpPr/>
+            <p:nvPr/>
+          </p:nvSpPr>
+          <p:spPr>
+            <a:xfrm>
+              <a:off x="7342453" y="34690300"/>
+              <a:ext cx="2340000" cy="1080000"/>
+            </a:xfrm>
+            <a:prstGeom prst="rect">
+              <a:avLst/>
+            </a:prstGeom>
+            <a:ln w="28575" cmpd="sng">
+              <a:solidFill>
+                <a:schemeClr val="tx1"/>
+              </a:solidFill>
+              <a:prstDash val="dash"/>
+            </a:ln>
+          </p:spPr>
+          <p:style>
+            <a:lnRef idx="2">
+              <a:schemeClr val="dk1"/>
+            </a:lnRef>
+            <a:fillRef idx="1">
+              <a:schemeClr val="lt1"/>
+            </a:fillRef>
+            <a:effectRef idx="0">
+              <a:schemeClr val="dk1"/>
+            </a:effectRef>
+            <a:fontRef idx="minor">
+              <a:schemeClr val="dk1"/>
+            </a:fontRef>
+          </p:style>
+          <p:txBody>
+            <a:bodyPr rtlCol="0" anchor="t"/>
+            <a:lstStyle/>
+            <a:p>
+              <a:r>
+                <a:rPr lang="en-US" sz="2000" dirty="0">
+                  <a:latin typeface="CMU Sans Serif" panose="02000603000000000000" pitchFamily="2" charset="0"/>
+                  <a:ea typeface="CMU Sans Serif" panose="02000603000000000000" pitchFamily="2" charset="0"/>
+                  <a:cs typeface="CMU Sans Serif" panose="02000603000000000000" pitchFamily="2" charset="0"/>
+                </a:rPr>
+                <a:t>Market Share</a:t>
+              </a:r>
+            </a:p>
+            <a:p>
+              <a:r>
+                <a:rPr lang="en-US" sz="1600" dirty="0">
+                  <a:latin typeface="CMU Sans Serif" panose="02000603000000000000" pitchFamily="2" charset="0"/>
+                  <a:ea typeface="CMU Sans Serif" panose="02000603000000000000" pitchFamily="2" charset="0"/>
+                  <a:cs typeface="CMU Sans Serif" panose="02000603000000000000" pitchFamily="2" charset="0"/>
+                </a:rPr>
+                <a:t>f(Price, Delivery Time, Printer Performance, …)</a:t>
+              </a:r>
+            </a:p>
+          </p:txBody>
+        </p:sp>
+        <p:sp>
+          <p:nvSpPr>
+            <p:cNvPr id="34" name="Retângulo 33">
+              <a:extLst>
+                <a:ext uri="{FF2B5EF4-FFF2-40B4-BE49-F238E27FC236}">
+                  <a16:creationId xmlns:a16="http://schemas.microsoft.com/office/drawing/2014/main" id="{9ECD0C94-9C67-4D50-A0AF-FC29055E9D70}"/>
+                </a:ext>
+              </a:extLst>
+            </p:cNvPr>
+            <p:cNvSpPr/>
+            <p:nvPr/>
+          </p:nvSpPr>
+          <p:spPr>
+            <a:xfrm>
+              <a:off x="7342453" y="32966049"/>
+              <a:ext cx="2340000" cy="1080000"/>
+            </a:xfrm>
+            <a:prstGeom prst="rect">
+              <a:avLst/>
+            </a:prstGeom>
+            <a:ln w="28575" cmpd="sng">
+              <a:solidFill>
+                <a:schemeClr val="tx1"/>
+              </a:solidFill>
+              <a:prstDash val="dash"/>
+            </a:ln>
+          </p:spPr>
+          <p:style>
+            <a:lnRef idx="2">
+              <a:schemeClr val="dk1"/>
+            </a:lnRef>
+            <a:fillRef idx="1">
+              <a:schemeClr val="lt1"/>
+            </a:fillRef>
+            <a:effectRef idx="0">
+              <a:schemeClr val="dk1"/>
+            </a:effectRef>
+            <a:fontRef idx="minor">
+              <a:schemeClr val="dk1"/>
+            </a:fontRef>
+          </p:style>
+          <p:txBody>
+            <a:bodyPr rtlCol="0" anchor="t"/>
+            <a:lstStyle/>
+            <a:p>
+              <a:r>
+                <a:rPr lang="en-US" sz="2000" dirty="0">
+                  <a:latin typeface="CMU Sans Serif" panose="02000603000000000000" pitchFamily="2" charset="0"/>
+                  <a:ea typeface="CMU Sans Serif" panose="02000603000000000000" pitchFamily="2" charset="0"/>
+                  <a:cs typeface="CMU Sans Serif" panose="02000603000000000000" pitchFamily="2" charset="0"/>
+                </a:rPr>
+                <a:t>Price</a:t>
+              </a:r>
+            </a:p>
+            <a:p>
+              <a:r>
+                <a:rPr lang="en-US" sz="1600" dirty="0">
+                  <a:latin typeface="CMU Sans Serif" panose="02000603000000000000" pitchFamily="2" charset="0"/>
+                  <a:ea typeface="CMU Sans Serif" panose="02000603000000000000" pitchFamily="2" charset="0"/>
+                  <a:cs typeface="CMU Sans Serif" panose="02000603000000000000" pitchFamily="2" charset="0"/>
+                </a:rPr>
+                <a:t>f(Costs, Capacity Utilization, Market Share Strategy,…)</a:t>
+              </a:r>
+            </a:p>
+          </p:txBody>
+        </p:sp>
+        <p:sp>
+          <p:nvSpPr>
+            <p:cNvPr id="35" name="Retângulo 34">
+              <a:extLst>
+                <a:ext uri="{FF2B5EF4-FFF2-40B4-BE49-F238E27FC236}">
+                  <a16:creationId xmlns:a16="http://schemas.microsoft.com/office/drawing/2014/main" id="{28E058A7-29E3-4ABF-BE93-AB43D57E5666}"/>
+                </a:ext>
+              </a:extLst>
+            </p:cNvPr>
+            <p:cNvSpPr/>
+            <p:nvPr/>
+          </p:nvSpPr>
+          <p:spPr>
+            <a:xfrm>
+              <a:off x="10396418" y="36704854"/>
+              <a:ext cx="2340000" cy="1080000"/>
+            </a:xfrm>
+            <a:prstGeom prst="rect">
+              <a:avLst/>
+            </a:prstGeom>
+            <a:ln w="28575"/>
+          </p:spPr>
+          <p:style>
+            <a:lnRef idx="2">
+              <a:schemeClr val="dk1"/>
+            </a:lnRef>
+            <a:fillRef idx="1">
+              <a:schemeClr val="lt1"/>
+            </a:fillRef>
+            <a:effectRef idx="0">
+              <a:schemeClr val="dk1"/>
+            </a:effectRef>
+            <a:fontRef idx="minor">
+              <a:schemeClr val="dk1"/>
+            </a:fontRef>
+          </p:style>
+          <p:txBody>
+            <a:bodyPr rtlCol="0" anchor="t"/>
+            <a:lstStyle/>
+            <a:p>
+              <a:r>
+                <a:rPr lang="en-US" sz="2000" dirty="0">
+                  <a:latin typeface="CMU Sans Serif" panose="02000603000000000000" pitchFamily="2" charset="0"/>
+                  <a:ea typeface="CMU Sans Serif" panose="02000603000000000000" pitchFamily="2" charset="0"/>
+                  <a:cs typeface="CMU Sans Serif" panose="02000603000000000000" pitchFamily="2" charset="0"/>
+                </a:rPr>
+                <a:t>Product Diffusion</a:t>
+              </a:r>
+            </a:p>
+            <a:p>
+              <a:r>
+                <a:rPr lang="en-US" sz="1600" dirty="0">
+                  <a:latin typeface="CMU Sans Serif" panose="02000603000000000000" pitchFamily="2" charset="0"/>
+                  <a:ea typeface="CMU Sans Serif" panose="02000603000000000000" pitchFamily="2" charset="0"/>
+                  <a:cs typeface="CMU Sans Serif" panose="02000603000000000000" pitchFamily="2" charset="0"/>
+                </a:rPr>
+                <a:t>f(Diffusion Velocity, Global Demand)</a:t>
+              </a:r>
+            </a:p>
+          </p:txBody>
+        </p:sp>
+        <p:sp>
+          <p:nvSpPr>
+            <p:cNvPr id="36" name="Retângulo 35">
+              <a:extLst>
+                <a:ext uri="{FF2B5EF4-FFF2-40B4-BE49-F238E27FC236}">
+                  <a16:creationId xmlns:a16="http://schemas.microsoft.com/office/drawing/2014/main" id="{3DB90674-0B5C-4030-B385-9DA2A0187FD6}"/>
+                </a:ext>
+              </a:extLst>
+            </p:cNvPr>
+            <p:cNvSpPr/>
+            <p:nvPr/>
+          </p:nvSpPr>
+          <p:spPr>
+            <a:xfrm>
+              <a:off x="10422819" y="32966049"/>
+              <a:ext cx="2340000" cy="1080000"/>
+            </a:xfrm>
+            <a:prstGeom prst="rect">
+              <a:avLst/>
+            </a:prstGeom>
+            <a:ln w="28575"/>
+          </p:spPr>
+          <p:style>
+            <a:lnRef idx="2">
+              <a:schemeClr val="dk1"/>
+            </a:lnRef>
+            <a:fillRef idx="1">
+              <a:schemeClr val="lt1"/>
+            </a:fillRef>
+            <a:effectRef idx="0">
+              <a:schemeClr val="dk1"/>
+            </a:effectRef>
+            <a:fontRef idx="minor">
+              <a:schemeClr val="dk1"/>
+            </a:fontRef>
+          </p:style>
+          <p:txBody>
+            <a:bodyPr rtlCol="0" anchor="t"/>
+            <a:lstStyle/>
+            <a:p>
+              <a:r>
+                <a:rPr lang="en-US" sz="2000" dirty="0">
+                  <a:latin typeface="CMU Sans Serif" panose="02000603000000000000" pitchFamily="2" charset="0"/>
+                  <a:ea typeface="CMU Sans Serif" panose="02000603000000000000" pitchFamily="2" charset="0"/>
+                  <a:cs typeface="CMU Sans Serif" panose="02000603000000000000" pitchFamily="2" charset="0"/>
+                </a:rPr>
+                <a:t>Global Demand</a:t>
+              </a:r>
+            </a:p>
+            <a:p>
+              <a:r>
+                <a:rPr lang="en-US" sz="1600" dirty="0">
+                  <a:latin typeface="CMU Sans Serif" panose="02000603000000000000" pitchFamily="2" charset="0"/>
+                  <a:ea typeface="CMU Sans Serif" panose="02000603000000000000" pitchFamily="2" charset="0"/>
+                  <a:cs typeface="CMU Sans Serif" panose="02000603000000000000" pitchFamily="2" charset="0"/>
+                </a:rPr>
+                <a:t>f(Price, Market Size, ...</a:t>
+              </a:r>
+              <a:r>
+                <a:rPr lang="en-US" sz="2000" dirty="0">
+                  <a:latin typeface="CMU Sans Serif" panose="02000603000000000000" pitchFamily="2" charset="0"/>
+                  <a:ea typeface="CMU Sans Serif" panose="02000603000000000000" pitchFamily="2" charset="0"/>
+                  <a:cs typeface="CMU Sans Serif" panose="02000603000000000000" pitchFamily="2" charset="0"/>
+                </a:rPr>
+                <a:t>)</a:t>
+              </a:r>
+            </a:p>
+          </p:txBody>
+        </p:sp>
+        <p:sp>
+          <p:nvSpPr>
+            <p:cNvPr id="37" name="Retângulo 36">
+              <a:extLst>
+                <a:ext uri="{FF2B5EF4-FFF2-40B4-BE49-F238E27FC236}">
+                  <a16:creationId xmlns:a16="http://schemas.microsoft.com/office/drawing/2014/main" id="{93BD1754-AEAF-48B3-ACAA-8D9F799EEC1C}"/>
+                </a:ext>
+              </a:extLst>
+            </p:cNvPr>
+            <p:cNvSpPr/>
+            <p:nvPr/>
+          </p:nvSpPr>
+          <p:spPr>
+            <a:xfrm>
+              <a:off x="7362330" y="36704853"/>
+              <a:ext cx="2340000" cy="1080000"/>
+            </a:xfrm>
+            <a:prstGeom prst="rect">
+              <a:avLst/>
+            </a:prstGeom>
+            <a:ln w="28575" cmpd="sng">
+              <a:solidFill>
+                <a:schemeClr val="tx1"/>
+              </a:solidFill>
+              <a:prstDash val="dash"/>
+            </a:ln>
+          </p:spPr>
+          <p:style>
+            <a:lnRef idx="2">
+              <a:schemeClr val="dk1"/>
+            </a:lnRef>
+            <a:fillRef idx="1">
+              <a:schemeClr val="lt1"/>
+            </a:fillRef>
+            <a:effectRef idx="0">
+              <a:schemeClr val="dk1"/>
+            </a:effectRef>
+            <a:fontRef idx="minor">
+              <a:schemeClr val="dk1"/>
+            </a:fontRef>
+          </p:style>
+          <p:txBody>
+            <a:bodyPr rtlCol="0" anchor="t"/>
+            <a:lstStyle/>
+            <a:p>
+              <a:r>
+                <a:rPr lang="en-US" sz="2000" dirty="0">
+                  <a:latin typeface="CMU Sans Serif" panose="02000603000000000000" pitchFamily="2" charset="0"/>
+                  <a:ea typeface="CMU Sans Serif" panose="02000603000000000000" pitchFamily="2" charset="0"/>
+                  <a:cs typeface="CMU Sans Serif" panose="02000603000000000000" pitchFamily="2" charset="0"/>
+                </a:rPr>
+                <a:t>Production &amp; Shipment</a:t>
+              </a:r>
+            </a:p>
+            <a:p>
+              <a:r>
+                <a:rPr lang="en-US" sz="1600" dirty="0">
+                  <a:latin typeface="CMU Sans Serif" panose="02000603000000000000" pitchFamily="2" charset="0"/>
+                  <a:ea typeface="CMU Sans Serif" panose="02000603000000000000" pitchFamily="2" charset="0"/>
+                  <a:cs typeface="CMU Sans Serif" panose="02000603000000000000" pitchFamily="2" charset="0"/>
+                </a:rPr>
+                <a:t>f(Mkt Share, Capacity)</a:t>
+              </a:r>
+            </a:p>
+          </p:txBody>
+        </p:sp>
+        <p:sp>
+          <p:nvSpPr>
+            <p:cNvPr id="38" name="Retângulo 37">
+              <a:extLst>
+                <a:ext uri="{FF2B5EF4-FFF2-40B4-BE49-F238E27FC236}">
+                  <a16:creationId xmlns:a16="http://schemas.microsoft.com/office/drawing/2014/main" id="{8376A131-82FE-4DC2-A976-608BAA54913B}"/>
+                </a:ext>
+              </a:extLst>
+            </p:cNvPr>
+            <p:cNvSpPr/>
+            <p:nvPr/>
+          </p:nvSpPr>
+          <p:spPr>
+            <a:xfrm>
+              <a:off x="4328242" y="38742318"/>
+              <a:ext cx="2340000" cy="1080000"/>
+            </a:xfrm>
+            <a:prstGeom prst="rect">
+              <a:avLst/>
+            </a:prstGeom>
+            <a:ln w="28575" cmpd="sng">
+              <a:solidFill>
+                <a:schemeClr val="tx1"/>
+              </a:solidFill>
+              <a:prstDash val="dash"/>
+            </a:ln>
+          </p:spPr>
+          <p:style>
+            <a:lnRef idx="2">
+              <a:schemeClr val="dk1"/>
+            </a:lnRef>
+            <a:fillRef idx="1">
+              <a:schemeClr val="lt1"/>
+            </a:fillRef>
+            <a:effectRef idx="0">
+              <a:schemeClr val="dk1"/>
+            </a:effectRef>
+            <a:fontRef idx="minor">
+              <a:schemeClr val="dk1"/>
+            </a:fontRef>
+          </p:style>
+          <p:txBody>
+            <a:bodyPr rtlCol="0" anchor="t"/>
+            <a:lstStyle/>
+            <a:p>
+              <a:r>
+                <a:rPr lang="en-US" sz="2000" dirty="0">
+                  <a:latin typeface="CMU Sans Serif" panose="02000603000000000000" pitchFamily="2" charset="0"/>
+                  <a:ea typeface="CMU Sans Serif" panose="02000603000000000000" pitchFamily="2" charset="0"/>
+                  <a:cs typeface="CMU Sans Serif" panose="02000603000000000000" pitchFamily="2" charset="0"/>
+                </a:rPr>
+                <a:t>Demand Forecast</a:t>
+              </a:r>
+            </a:p>
+            <a:p>
+              <a:r>
+                <a:rPr lang="en-US" sz="1600" dirty="0">
+                  <a:latin typeface="CMU Sans Serif" panose="02000603000000000000" pitchFamily="2" charset="0"/>
+                  <a:ea typeface="CMU Sans Serif" panose="02000603000000000000" pitchFamily="2" charset="0"/>
+                  <a:cs typeface="CMU Sans Serif" panose="02000603000000000000" pitchFamily="2" charset="0"/>
+                </a:rPr>
+                <a:t>f(Production)</a:t>
+              </a:r>
+            </a:p>
+          </p:txBody>
+        </p:sp>
+        <p:sp>
+          <p:nvSpPr>
+            <p:cNvPr id="39" name="Retângulo 38">
+              <a:extLst>
+                <a:ext uri="{FF2B5EF4-FFF2-40B4-BE49-F238E27FC236}">
+                  <a16:creationId xmlns:a16="http://schemas.microsoft.com/office/drawing/2014/main" id="{CE15756B-0B25-44D5-9043-B19081FFBB8F}"/>
+                </a:ext>
+              </a:extLst>
+            </p:cNvPr>
+            <p:cNvSpPr/>
+            <p:nvPr/>
+          </p:nvSpPr>
+          <p:spPr>
+            <a:xfrm>
+              <a:off x="1294154" y="36704854"/>
+              <a:ext cx="2340000" cy="1080000"/>
+            </a:xfrm>
+            <a:prstGeom prst="rect">
+              <a:avLst/>
+            </a:prstGeom>
+            <a:ln w="28575" cmpd="sng">
+              <a:solidFill>
+                <a:schemeClr val="tx1"/>
+              </a:solidFill>
+              <a:prstDash val="dash"/>
+            </a:ln>
+          </p:spPr>
+          <p:style>
+            <a:lnRef idx="2">
+              <a:schemeClr val="dk1"/>
+            </a:lnRef>
+            <a:fillRef idx="1">
+              <a:schemeClr val="lt1"/>
+            </a:fillRef>
+            <a:effectRef idx="0">
+              <a:schemeClr val="dk1"/>
+            </a:effectRef>
+            <a:fontRef idx="minor">
+              <a:schemeClr val="dk1"/>
+            </a:fontRef>
+          </p:style>
+          <p:txBody>
+            <a:bodyPr rtlCol="0" anchor="t"/>
+            <a:lstStyle/>
+            <a:p>
+              <a:r>
+                <a:rPr lang="en-US" sz="2000" dirty="0">
+                  <a:latin typeface="CMU Sans Serif" panose="02000603000000000000" pitchFamily="2" charset="0"/>
+                  <a:ea typeface="CMU Sans Serif" panose="02000603000000000000" pitchFamily="2" charset="0"/>
+                  <a:cs typeface="CMU Sans Serif" panose="02000603000000000000" pitchFamily="2" charset="0"/>
+                </a:rPr>
+                <a:t>Target Market Share; Market Share Strategy</a:t>
+              </a:r>
+            </a:p>
+          </p:txBody>
+        </p:sp>
+        <p:sp>
+          <p:nvSpPr>
+            <p:cNvPr id="40" name="Retângulo 39">
+              <a:extLst>
+                <a:ext uri="{FF2B5EF4-FFF2-40B4-BE49-F238E27FC236}">
+                  <a16:creationId xmlns:a16="http://schemas.microsoft.com/office/drawing/2014/main" id="{60F6F105-2E35-4E93-A72C-EEEF9048B902}"/>
+                </a:ext>
+              </a:extLst>
+            </p:cNvPr>
+            <p:cNvSpPr/>
+            <p:nvPr/>
+          </p:nvSpPr>
+          <p:spPr>
+            <a:xfrm>
+              <a:off x="4328242" y="34752316"/>
+              <a:ext cx="2340000" cy="1080000"/>
+            </a:xfrm>
+            <a:prstGeom prst="rect">
+              <a:avLst/>
+            </a:prstGeom>
+            <a:ln w="28575" cmpd="sng">
+              <a:solidFill>
+                <a:schemeClr val="tx1"/>
+              </a:solidFill>
+              <a:prstDash val="dash"/>
+            </a:ln>
+          </p:spPr>
+          <p:style>
+            <a:lnRef idx="2">
+              <a:schemeClr val="dk1"/>
+            </a:lnRef>
+            <a:fillRef idx="1">
+              <a:schemeClr val="lt1"/>
+            </a:fillRef>
+            <a:effectRef idx="0">
+              <a:schemeClr val="dk1"/>
+            </a:effectRef>
+            <a:fontRef idx="minor">
+              <a:schemeClr val="dk1"/>
+            </a:fontRef>
+          </p:style>
+          <p:txBody>
+            <a:bodyPr rtlCol="0" anchor="t"/>
+            <a:lstStyle/>
+            <a:p>
+              <a:r>
+                <a:rPr lang="en-US" sz="2000" dirty="0">
+                  <a:latin typeface="CMU Sans Serif" panose="02000603000000000000" pitchFamily="2" charset="0"/>
+                  <a:ea typeface="CMU Sans Serif" panose="02000603000000000000" pitchFamily="2" charset="0"/>
+                  <a:cs typeface="CMU Sans Serif" panose="02000603000000000000" pitchFamily="2" charset="0"/>
+                </a:rPr>
+                <a:t>Costs</a:t>
+              </a:r>
+            </a:p>
+            <a:p>
+              <a:r>
+                <a:rPr lang="en-US" sz="1400" dirty="0">
+                  <a:latin typeface="CMU Sans Serif" panose="02000603000000000000" pitchFamily="2" charset="0"/>
+                  <a:ea typeface="CMU Sans Serif" panose="02000603000000000000" pitchFamily="2" charset="0"/>
+                  <a:cs typeface="CMU Sans Serif" panose="02000603000000000000" pitchFamily="2" charset="0"/>
+                </a:rPr>
+                <a:t>f(Learning Curve, Minimum Efficient Scale, R&amp;D Spending).</a:t>
+              </a:r>
+            </a:p>
+          </p:txBody>
+        </p:sp>
+        <p:cxnSp>
+          <p:nvCxnSpPr>
+            <p:cNvPr id="41" name="Conector: Curvo 17">
+              <a:extLst>
+                <a:ext uri="{FF2B5EF4-FFF2-40B4-BE49-F238E27FC236}">
+                  <a16:creationId xmlns:a16="http://schemas.microsoft.com/office/drawing/2014/main" id="{AC8CB80E-2ED3-4B90-B2FC-D49A8D6C5C7C}"/>
+                </a:ext>
+              </a:extLst>
+            </p:cNvPr>
+            <p:cNvCxnSpPr>
+              <a:cxnSpLocks/>
+              <a:stCxn id="34" idx="3"/>
+              <a:endCxn id="36" idx="1"/>
+            </p:cNvCxnSpPr>
+            <p:nvPr/>
+          </p:nvCxnSpPr>
+          <p:spPr>
+            <a:xfrm>
+              <a:off x="9682453" y="33506049"/>
+              <a:ext cx="740366" cy="0"/>
+            </a:xfrm>
+            <a:prstGeom prst="straightConnector1">
+              <a:avLst/>
+            </a:prstGeom>
+            <a:ln w="28575">
+              <a:tailEnd type="triangle"/>
+            </a:ln>
+            <a:effectLst/>
+          </p:spPr>
+          <p:style>
+            <a:lnRef idx="3">
+              <a:schemeClr val="dk1"/>
+            </a:lnRef>
+            <a:fillRef idx="0">
+              <a:schemeClr val="dk1"/>
+            </a:fillRef>
+            <a:effectRef idx="2">
+              <a:schemeClr val="dk1"/>
+            </a:effectRef>
+            <a:fontRef idx="minor">
+              <a:schemeClr val="tx1"/>
+            </a:fontRef>
+          </p:style>
+        </p:cxnSp>
+        <p:cxnSp>
+          <p:nvCxnSpPr>
+            <p:cNvPr id="42" name="Conector: Curvo 41">
+              <a:extLst>
+                <a:ext uri="{FF2B5EF4-FFF2-40B4-BE49-F238E27FC236}">
+                  <a16:creationId xmlns:a16="http://schemas.microsoft.com/office/drawing/2014/main" id="{C74797BE-7C7A-48C8-AF8B-D96296A973CD}"/>
+                </a:ext>
+              </a:extLst>
+            </p:cNvPr>
+            <p:cNvCxnSpPr>
+              <a:cxnSpLocks/>
+            </p:cNvCxnSpPr>
+            <p:nvPr/>
+          </p:nvCxnSpPr>
+          <p:spPr>
+            <a:xfrm flipV="1">
+              <a:off x="9085003" y="37784852"/>
+              <a:ext cx="0" cy="945104"/>
+            </a:xfrm>
+            <a:prstGeom prst="straightConnector1">
+              <a:avLst/>
+            </a:prstGeom>
+            <a:ln w="28575">
+              <a:tailEnd type="triangle"/>
+            </a:ln>
+            <a:effectLst/>
+          </p:spPr>
+          <p:style>
+            <a:lnRef idx="3">
+              <a:schemeClr val="dk1"/>
+            </a:lnRef>
+            <a:fillRef idx="0">
+              <a:schemeClr val="dk1"/>
+            </a:fillRef>
+            <a:effectRef idx="2">
+              <a:schemeClr val="dk1"/>
+            </a:effectRef>
+            <a:fontRef idx="minor">
+              <a:schemeClr val="tx1"/>
+            </a:fontRef>
+          </p:style>
+        </p:cxnSp>
+        <p:cxnSp>
+          <p:nvCxnSpPr>
+            <p:cNvPr id="43" name="Conector: Curvo 42">
+              <a:extLst>
+                <a:ext uri="{FF2B5EF4-FFF2-40B4-BE49-F238E27FC236}">
+                  <a16:creationId xmlns:a16="http://schemas.microsoft.com/office/drawing/2014/main" id="{5922CFA2-9834-447E-8DF1-AEB0E7E4C42B}"/>
+                </a:ext>
+              </a:extLst>
+            </p:cNvPr>
+            <p:cNvCxnSpPr>
+              <a:cxnSpLocks/>
+              <a:stCxn id="34" idx="2"/>
+              <a:endCxn id="33" idx="0"/>
+            </p:cNvCxnSpPr>
+            <p:nvPr/>
+          </p:nvCxnSpPr>
+          <p:spPr>
+            <a:xfrm>
+              <a:off x="8512453" y="34046049"/>
+              <a:ext cx="0" cy="644251"/>
+            </a:xfrm>
+            <a:prstGeom prst="straightConnector1">
+              <a:avLst/>
+            </a:prstGeom>
+            <a:ln w="28575">
+              <a:tailEnd type="triangle"/>
+            </a:ln>
+            <a:effectLst/>
+          </p:spPr>
+          <p:style>
+            <a:lnRef idx="3">
+              <a:schemeClr val="dk1"/>
+            </a:lnRef>
+            <a:fillRef idx="0">
+              <a:schemeClr val="dk1"/>
+            </a:fillRef>
+            <a:effectRef idx="2">
+              <a:schemeClr val="dk1"/>
+            </a:effectRef>
+            <a:fontRef idx="minor">
+              <a:schemeClr val="tx1"/>
+            </a:fontRef>
+          </p:style>
+        </p:cxnSp>
+        <p:cxnSp>
+          <p:nvCxnSpPr>
+            <p:cNvPr id="44" name="Conector: Curvo 53">
+              <a:extLst>
+                <a:ext uri="{FF2B5EF4-FFF2-40B4-BE49-F238E27FC236}">
+                  <a16:creationId xmlns:a16="http://schemas.microsoft.com/office/drawing/2014/main" id="{E238D87D-65A9-41D9-80E3-98FA80B9DA76}"/>
+                </a:ext>
+              </a:extLst>
+            </p:cNvPr>
+            <p:cNvCxnSpPr>
+              <a:cxnSpLocks/>
+              <a:stCxn id="40" idx="0"/>
+              <a:endCxn id="34" idx="1"/>
+            </p:cNvCxnSpPr>
+            <p:nvPr/>
+          </p:nvCxnSpPr>
+          <p:spPr>
+            <a:xfrm rot="5400000" flipH="1" flipV="1">
+              <a:off x="5797214" y="33207078"/>
+              <a:ext cx="1246267" cy="1844211"/>
+            </a:xfrm>
+            <a:prstGeom prst="bentConnector2">
+              <a:avLst/>
+            </a:prstGeom>
+            <a:ln w="28575">
+              <a:tailEnd type="triangle"/>
+            </a:ln>
+            <a:effectLst/>
+          </p:spPr>
+          <p:style>
+            <a:lnRef idx="3">
+              <a:schemeClr val="dk1"/>
+            </a:lnRef>
+            <a:fillRef idx="0">
+              <a:schemeClr val="dk1"/>
+            </a:fillRef>
+            <a:effectRef idx="2">
+              <a:schemeClr val="dk1"/>
+            </a:effectRef>
+            <a:fontRef idx="minor">
+              <a:schemeClr val="tx1"/>
+            </a:fontRef>
+          </p:style>
+        </p:cxnSp>
+        <p:cxnSp>
+          <p:nvCxnSpPr>
+            <p:cNvPr id="45" name="Conector: Curvo 58">
+              <a:extLst>
+                <a:ext uri="{FF2B5EF4-FFF2-40B4-BE49-F238E27FC236}">
+                  <a16:creationId xmlns:a16="http://schemas.microsoft.com/office/drawing/2014/main" id="{28F6D303-61C8-4A55-873A-E893EB057740}"/>
+                </a:ext>
+              </a:extLst>
+            </p:cNvPr>
+            <p:cNvCxnSpPr>
+              <a:cxnSpLocks/>
+              <a:stCxn id="33" idx="2"/>
+              <a:endCxn id="37" idx="0"/>
+            </p:cNvCxnSpPr>
+            <p:nvPr/>
+          </p:nvCxnSpPr>
+          <p:spPr>
+            <a:xfrm>
+              <a:off x="8512453" y="35770300"/>
+              <a:ext cx="19877" cy="934553"/>
+            </a:xfrm>
+            <a:prstGeom prst="straightConnector1">
+              <a:avLst/>
+            </a:prstGeom>
+            <a:ln w="28575">
+              <a:tailEnd type="triangle"/>
+            </a:ln>
+            <a:effectLst/>
+          </p:spPr>
+          <p:style>
+            <a:lnRef idx="3">
+              <a:schemeClr val="dk1"/>
+            </a:lnRef>
+            <a:fillRef idx="0">
+              <a:schemeClr val="dk1"/>
+            </a:fillRef>
+            <a:effectRef idx="2">
+              <a:schemeClr val="dk1"/>
+            </a:effectRef>
+            <a:fontRef idx="minor">
+              <a:schemeClr val="tx1"/>
+            </a:fontRef>
+          </p:style>
+        </p:cxnSp>
+        <p:cxnSp>
+          <p:nvCxnSpPr>
+            <p:cNvPr id="46" name="Conector: Curvo 65">
+              <a:extLst>
+                <a:ext uri="{FF2B5EF4-FFF2-40B4-BE49-F238E27FC236}">
+                  <a16:creationId xmlns:a16="http://schemas.microsoft.com/office/drawing/2014/main" id="{0D96CEE1-953D-48CC-84F4-406BBFCABEEF}"/>
+                </a:ext>
+              </a:extLst>
+            </p:cNvPr>
+            <p:cNvCxnSpPr>
+              <a:cxnSpLocks/>
+              <a:stCxn id="40" idx="2"/>
+              <a:endCxn id="31" idx="0"/>
+            </p:cNvCxnSpPr>
+            <p:nvPr/>
+          </p:nvCxnSpPr>
+          <p:spPr>
+            <a:xfrm>
+              <a:off x="5498242" y="35832316"/>
+              <a:ext cx="0" cy="872538"/>
+            </a:xfrm>
+            <a:prstGeom prst="straightConnector1">
+              <a:avLst/>
+            </a:prstGeom>
+            <a:ln w="28575">
+              <a:tailEnd type="triangle"/>
+            </a:ln>
+            <a:effectLst/>
+          </p:spPr>
+          <p:style>
+            <a:lnRef idx="3">
+              <a:schemeClr val="dk1"/>
+            </a:lnRef>
+            <a:fillRef idx="0">
+              <a:schemeClr val="dk1"/>
+            </a:fillRef>
+            <a:effectRef idx="2">
+              <a:schemeClr val="dk1"/>
+            </a:effectRef>
+            <a:fontRef idx="minor">
+              <a:schemeClr val="tx1"/>
+            </a:fontRef>
+          </p:style>
+        </p:cxnSp>
+        <p:cxnSp>
+          <p:nvCxnSpPr>
+            <p:cNvPr id="47" name="Conector: Curvo 69">
+              <a:extLst>
+                <a:ext uri="{FF2B5EF4-FFF2-40B4-BE49-F238E27FC236}">
+                  <a16:creationId xmlns:a16="http://schemas.microsoft.com/office/drawing/2014/main" id="{8FAFAD43-F079-4A9D-A43A-51C2425E8382}"/>
+                </a:ext>
+              </a:extLst>
+            </p:cNvPr>
+            <p:cNvCxnSpPr>
+              <a:cxnSpLocks/>
+              <a:stCxn id="37" idx="1"/>
+              <a:endCxn id="40" idx="3"/>
+            </p:cNvCxnSpPr>
+            <p:nvPr/>
+          </p:nvCxnSpPr>
+          <p:spPr>
+            <a:xfrm rot="10800000">
+              <a:off x="6668242" y="35292317"/>
+              <a:ext cx="694088" cy="1952537"/>
+            </a:xfrm>
+            <a:prstGeom prst="bentConnector3">
+              <a:avLst/>
+            </a:prstGeom>
+            <a:ln w="28575">
+              <a:tailEnd type="triangle"/>
+            </a:ln>
+            <a:effectLst/>
+          </p:spPr>
+          <p:style>
+            <a:lnRef idx="3">
+              <a:schemeClr val="dk1"/>
+            </a:lnRef>
+            <a:fillRef idx="0">
+              <a:schemeClr val="dk1"/>
+            </a:fillRef>
+            <a:effectRef idx="2">
+              <a:schemeClr val="dk1"/>
+            </a:effectRef>
+            <a:fontRef idx="minor">
+              <a:schemeClr val="tx1"/>
+            </a:fontRef>
+          </p:style>
+        </p:cxnSp>
+        <p:cxnSp>
+          <p:nvCxnSpPr>
+            <p:cNvPr id="52" name="Conector: Curvo 85">
+              <a:extLst>
+                <a:ext uri="{FF2B5EF4-FFF2-40B4-BE49-F238E27FC236}">
+                  <a16:creationId xmlns:a16="http://schemas.microsoft.com/office/drawing/2014/main" id="{D079BD02-92D8-46E0-934D-7361831C931B}"/>
+                </a:ext>
+              </a:extLst>
+            </p:cNvPr>
+            <p:cNvCxnSpPr>
+              <a:cxnSpLocks/>
+              <a:stCxn id="37" idx="2"/>
+              <a:endCxn id="38" idx="0"/>
+            </p:cNvCxnSpPr>
+            <p:nvPr/>
+          </p:nvCxnSpPr>
+          <p:spPr>
+            <a:xfrm rot="5400000">
+              <a:off x="6536554" y="36746541"/>
+              <a:ext cx="957465" cy="3034088"/>
+            </a:xfrm>
+            <a:prstGeom prst="bentConnector3">
+              <a:avLst>
+                <a:gd name="adj1" fmla="val 50000"/>
+              </a:avLst>
+            </a:prstGeom>
+            <a:ln w="28575">
+              <a:tailEnd type="triangle"/>
+            </a:ln>
+            <a:effectLst/>
+          </p:spPr>
+          <p:style>
+            <a:lnRef idx="3">
+              <a:schemeClr val="dk1"/>
+            </a:lnRef>
+            <a:fillRef idx="0">
+              <a:schemeClr val="dk1"/>
+            </a:fillRef>
+            <a:effectRef idx="2">
+              <a:schemeClr val="dk1"/>
+            </a:effectRef>
+            <a:fontRef idx="minor">
+              <a:schemeClr val="tx1"/>
+            </a:fontRef>
+          </p:style>
+        </p:cxnSp>
+        <p:cxnSp>
+          <p:nvCxnSpPr>
+            <p:cNvPr id="64" name="Conector: Curvo 89">
+              <a:extLst>
+                <a:ext uri="{FF2B5EF4-FFF2-40B4-BE49-F238E27FC236}">
+                  <a16:creationId xmlns:a16="http://schemas.microsoft.com/office/drawing/2014/main" id="{F7390E86-D914-41EF-A779-C7880C55E4AE}"/>
+                </a:ext>
+              </a:extLst>
+            </p:cNvPr>
+            <p:cNvCxnSpPr>
+              <a:cxnSpLocks/>
+              <a:stCxn id="38" idx="3"/>
+              <a:endCxn id="32" idx="1"/>
+            </p:cNvCxnSpPr>
+            <p:nvPr/>
+          </p:nvCxnSpPr>
+          <p:spPr>
+            <a:xfrm flipV="1">
+              <a:off x="6668242" y="39269956"/>
+              <a:ext cx="674211" cy="12362"/>
+            </a:xfrm>
+            <a:prstGeom prst="straightConnector1">
+              <a:avLst/>
+            </a:prstGeom>
+            <a:ln w="28575">
+              <a:tailEnd type="triangle"/>
+            </a:ln>
+            <a:effectLst/>
+          </p:spPr>
+          <p:style>
+            <a:lnRef idx="3">
+              <a:schemeClr val="dk1"/>
+            </a:lnRef>
+            <a:fillRef idx="0">
+              <a:schemeClr val="dk1"/>
+            </a:fillRef>
+            <a:effectRef idx="2">
+              <a:schemeClr val="dk1"/>
+            </a:effectRef>
+            <a:fontRef idx="minor">
+              <a:schemeClr val="tx1"/>
+            </a:fontRef>
+          </p:style>
+        </p:cxnSp>
+        <p:cxnSp>
+          <p:nvCxnSpPr>
+            <p:cNvPr id="65" name="Conector: Curvo 99">
+              <a:extLst>
+                <a:ext uri="{FF2B5EF4-FFF2-40B4-BE49-F238E27FC236}">
+                  <a16:creationId xmlns:a16="http://schemas.microsoft.com/office/drawing/2014/main" id="{9A61A636-337B-4AB6-929E-1E17860E76E2}"/>
+                </a:ext>
+              </a:extLst>
+            </p:cNvPr>
+            <p:cNvCxnSpPr>
+              <a:cxnSpLocks/>
+              <a:stCxn id="32" idx="3"/>
+              <a:endCxn id="33" idx="3"/>
+            </p:cNvCxnSpPr>
+            <p:nvPr/>
+          </p:nvCxnSpPr>
+          <p:spPr>
+            <a:xfrm flipV="1">
+              <a:off x="9682453" y="35230300"/>
+              <a:ext cx="12700" cy="4039656"/>
+            </a:xfrm>
+            <a:prstGeom prst="bentConnector3">
+              <a:avLst>
+                <a:gd name="adj1" fmla="val 1800000"/>
+              </a:avLst>
+            </a:prstGeom>
+            <a:ln w="28575">
+              <a:tailEnd type="triangle"/>
+            </a:ln>
+            <a:effectLst/>
+          </p:spPr>
+          <p:style>
+            <a:lnRef idx="3">
+              <a:schemeClr val="dk1"/>
+            </a:lnRef>
+            <a:fillRef idx="0">
+              <a:schemeClr val="dk1"/>
+            </a:fillRef>
+            <a:effectRef idx="2">
+              <a:schemeClr val="dk1"/>
+            </a:effectRef>
+            <a:fontRef idx="minor">
+              <a:schemeClr val="tx1"/>
+            </a:fontRef>
+          </p:style>
+        </p:cxnSp>
+        <p:cxnSp>
+          <p:nvCxnSpPr>
+            <p:cNvPr id="66" name="Conector: Curvo 106">
+              <a:extLst>
+                <a:ext uri="{FF2B5EF4-FFF2-40B4-BE49-F238E27FC236}">
+                  <a16:creationId xmlns:a16="http://schemas.microsoft.com/office/drawing/2014/main" id="{CEBF7F6A-AC56-45D5-A0A5-0742506ED873}"/>
+                </a:ext>
+              </a:extLst>
+            </p:cNvPr>
+            <p:cNvCxnSpPr>
+              <a:cxnSpLocks/>
+              <a:stCxn id="36" idx="2"/>
+              <a:endCxn id="35" idx="0"/>
+            </p:cNvCxnSpPr>
+            <p:nvPr/>
+          </p:nvCxnSpPr>
+          <p:spPr>
+            <a:xfrm flipH="1">
+              <a:off x="11566418" y="34046049"/>
+              <a:ext cx="26401" cy="2658805"/>
+            </a:xfrm>
+            <a:prstGeom prst="straightConnector1">
+              <a:avLst/>
+            </a:prstGeom>
+            <a:ln w="28575">
+              <a:tailEnd type="triangle"/>
+            </a:ln>
+            <a:effectLst/>
+          </p:spPr>
+          <p:style>
+            <a:lnRef idx="3">
+              <a:schemeClr val="dk1"/>
+            </a:lnRef>
+            <a:fillRef idx="0">
+              <a:schemeClr val="dk1"/>
+            </a:fillRef>
+            <a:effectRef idx="2">
+              <a:schemeClr val="dk1"/>
+            </a:effectRef>
+            <a:fontRef idx="minor">
+              <a:schemeClr val="tx1"/>
+            </a:fontRef>
+          </p:style>
+        </p:cxnSp>
+        <p:cxnSp>
+          <p:nvCxnSpPr>
+            <p:cNvPr id="67" name="Conector: Curvo 110">
+              <a:extLst>
+                <a:ext uri="{FF2B5EF4-FFF2-40B4-BE49-F238E27FC236}">
+                  <a16:creationId xmlns:a16="http://schemas.microsoft.com/office/drawing/2014/main" id="{481F006F-949D-4F2A-957B-2866CCE2B554}"/>
+                </a:ext>
+              </a:extLst>
+            </p:cNvPr>
+            <p:cNvCxnSpPr>
+              <a:cxnSpLocks/>
+              <a:stCxn id="35" idx="1"/>
+              <a:endCxn id="37" idx="3"/>
+            </p:cNvCxnSpPr>
+            <p:nvPr/>
+          </p:nvCxnSpPr>
+          <p:spPr>
+            <a:xfrm rot="10800000">
+              <a:off x="9702330" y="37244854"/>
+              <a:ext cx="694088" cy="1"/>
+            </a:xfrm>
+            <a:prstGeom prst="bentConnector3">
+              <a:avLst>
+                <a:gd name="adj1" fmla="val 50000"/>
+              </a:avLst>
+            </a:prstGeom>
+            <a:ln w="28575">
+              <a:tailEnd type="triangle"/>
+            </a:ln>
+            <a:effectLst/>
+          </p:spPr>
+          <p:style>
+            <a:lnRef idx="3">
+              <a:schemeClr val="dk1"/>
+            </a:lnRef>
+            <a:fillRef idx="0">
+              <a:schemeClr val="dk1"/>
+            </a:fillRef>
+            <a:effectRef idx="2">
+              <a:schemeClr val="dk1"/>
+            </a:effectRef>
+            <a:fontRef idx="minor">
+              <a:schemeClr val="tx1"/>
+            </a:fontRef>
+          </p:style>
+        </p:cxnSp>
+        <p:cxnSp>
+          <p:nvCxnSpPr>
+            <p:cNvPr id="68" name="Conector: Curvo 120">
+              <a:extLst>
+                <a:ext uri="{FF2B5EF4-FFF2-40B4-BE49-F238E27FC236}">
+                  <a16:creationId xmlns:a16="http://schemas.microsoft.com/office/drawing/2014/main" id="{26830E56-05F4-4BB2-9860-072DFF0641A5}"/>
+                </a:ext>
+              </a:extLst>
+            </p:cNvPr>
+            <p:cNvCxnSpPr>
+              <a:cxnSpLocks/>
+              <a:stCxn id="37" idx="1"/>
+              <a:endCxn id="31" idx="3"/>
+            </p:cNvCxnSpPr>
+            <p:nvPr/>
+          </p:nvCxnSpPr>
+          <p:spPr>
+            <a:xfrm flipH="1">
+              <a:off x="6668242" y="37244853"/>
+              <a:ext cx="694088" cy="1"/>
+            </a:xfrm>
+            <a:prstGeom prst="straightConnector1">
+              <a:avLst/>
+            </a:prstGeom>
+            <a:ln w="28575">
+              <a:tailEnd type="triangle"/>
+            </a:ln>
+            <a:effectLst/>
+          </p:spPr>
+          <p:style>
+            <a:lnRef idx="3">
+              <a:schemeClr val="dk1"/>
+            </a:lnRef>
+            <a:fillRef idx="0">
+              <a:schemeClr val="dk1"/>
+            </a:fillRef>
+            <a:effectRef idx="2">
+              <a:schemeClr val="dk1"/>
+            </a:effectRef>
+            <a:fontRef idx="minor">
+              <a:schemeClr val="tx1"/>
+            </a:fontRef>
+          </p:style>
+        </p:cxnSp>
+        <p:cxnSp>
+          <p:nvCxnSpPr>
+            <p:cNvPr id="69" name="Conector: Curvo 69">
+              <a:extLst>
+                <a:ext uri="{FF2B5EF4-FFF2-40B4-BE49-F238E27FC236}">
+                  <a16:creationId xmlns:a16="http://schemas.microsoft.com/office/drawing/2014/main" id="{AFA1620E-F8D2-4A99-A8F4-1B415409D1D5}"/>
+                </a:ext>
+              </a:extLst>
+            </p:cNvPr>
+            <p:cNvCxnSpPr>
+              <a:cxnSpLocks/>
+              <a:stCxn id="39" idx="0"/>
+              <a:endCxn id="34" idx="0"/>
+            </p:cNvCxnSpPr>
+            <p:nvPr/>
+          </p:nvCxnSpPr>
+          <p:spPr>
+            <a:xfrm rot="5400000" flipH="1" flipV="1">
+              <a:off x="3618901" y="31811303"/>
+              <a:ext cx="3738805" cy="6048299"/>
+            </a:xfrm>
+            <a:prstGeom prst="bentConnector3">
+              <a:avLst>
+                <a:gd name="adj1" fmla="val 106114"/>
+              </a:avLst>
+            </a:prstGeom>
+            <a:ln w="28575">
+              <a:tailEnd type="triangle"/>
+            </a:ln>
+            <a:effectLst/>
+          </p:spPr>
+          <p:style>
+            <a:lnRef idx="3">
+              <a:schemeClr val="dk1"/>
+            </a:lnRef>
+            <a:fillRef idx="0">
+              <a:schemeClr val="dk1"/>
+            </a:fillRef>
+            <a:effectRef idx="2">
+              <a:schemeClr val="dk1"/>
+            </a:effectRef>
+            <a:fontRef idx="minor">
+              <a:schemeClr val="tx1"/>
+            </a:fontRef>
+          </p:style>
+        </p:cxnSp>
+        <p:cxnSp>
+          <p:nvCxnSpPr>
+            <p:cNvPr id="70" name="Conector: Curvo 69">
+              <a:extLst>
+                <a:ext uri="{FF2B5EF4-FFF2-40B4-BE49-F238E27FC236}">
+                  <a16:creationId xmlns:a16="http://schemas.microsoft.com/office/drawing/2014/main" id="{F40AF6CD-AC30-4BC3-914D-E7F3E3F9406A}"/>
+                </a:ext>
+              </a:extLst>
+            </p:cNvPr>
+            <p:cNvCxnSpPr>
+              <a:cxnSpLocks/>
+              <a:stCxn id="39" idx="2"/>
+              <a:endCxn id="32" idx="2"/>
+            </p:cNvCxnSpPr>
+            <p:nvPr/>
+          </p:nvCxnSpPr>
+          <p:spPr>
+            <a:xfrm rot="16200000" flipH="1">
+              <a:off x="4475752" y="35773255"/>
+              <a:ext cx="2025102" cy="6048299"/>
+            </a:xfrm>
+            <a:prstGeom prst="bentConnector3">
+              <a:avLst>
+                <a:gd name="adj1" fmla="val 111288"/>
+              </a:avLst>
+            </a:prstGeom>
+            <a:ln w="28575">
+              <a:tailEnd type="triangle"/>
+            </a:ln>
+            <a:effectLst/>
+          </p:spPr>
+          <p:style>
+            <a:lnRef idx="3">
+              <a:schemeClr val="dk1"/>
+            </a:lnRef>
+            <a:fillRef idx="0">
+              <a:schemeClr val="dk1"/>
+            </a:fillRef>
+            <a:effectRef idx="2">
+              <a:schemeClr val="dk1"/>
+            </a:effectRef>
+            <a:fontRef idx="minor">
+              <a:schemeClr val="tx1"/>
+            </a:fontRef>
+          </p:style>
+        </p:cxnSp>
+        <p:sp>
+          <p:nvSpPr>
+            <p:cNvPr id="71" name="Retângulo 70">
+              <a:extLst>
+                <a:ext uri="{FF2B5EF4-FFF2-40B4-BE49-F238E27FC236}">
+                  <a16:creationId xmlns:a16="http://schemas.microsoft.com/office/drawing/2014/main" id="{67C03D74-FAD5-4D1A-BC10-1BF63C79290B}"/>
+                </a:ext>
+              </a:extLst>
+            </p:cNvPr>
+            <p:cNvSpPr/>
+            <p:nvPr/>
+          </p:nvSpPr>
+          <p:spPr>
+            <a:xfrm>
+              <a:off x="13430507" y="36686355"/>
+              <a:ext cx="2340000" cy="1080000"/>
+            </a:xfrm>
+            <a:prstGeom prst="rect">
+              <a:avLst/>
+            </a:prstGeom>
+            <a:ln w="28575" cmpd="sng">
+              <a:solidFill>
+                <a:schemeClr val="tx1"/>
+              </a:solidFill>
+              <a:prstDash val="dash"/>
+            </a:ln>
+          </p:spPr>
+          <p:style>
+            <a:lnRef idx="2">
+              <a:schemeClr val="dk1"/>
+            </a:lnRef>
+            <a:fillRef idx="1">
+              <a:schemeClr val="lt1"/>
+            </a:fillRef>
+            <a:effectRef idx="0">
+              <a:schemeClr val="dk1"/>
+            </a:effectRef>
+            <a:fontRef idx="minor">
+              <a:schemeClr val="dk1"/>
+            </a:fontRef>
+          </p:style>
+          <p:txBody>
+            <a:bodyPr rtlCol="0" anchor="t"/>
+            <a:lstStyle/>
+            <a:p>
+              <a:r>
+                <a:rPr lang="en-US" sz="2000">
+                  <a:solidFill>
+                    <a:schemeClr val="dk1"/>
+                  </a:solidFill>
+                  <a:latin typeface="CMU Sans Serif" panose="02000603000000000000" pitchFamily="2" charset="0"/>
+                  <a:ea typeface="CMU Sans Serif" panose="02000603000000000000" pitchFamily="2" charset="0"/>
+                  <a:cs typeface="CMU Sans Serif" panose="02000603000000000000" pitchFamily="2" charset="0"/>
+                </a:rPr>
+                <a:t>R&amp;D</a:t>
+              </a:r>
+            </a:p>
+            <a:p>
+              <a:r>
+                <a:rPr lang="en-US" sz="1600">
+                  <a:solidFill>
+                    <a:schemeClr val="dk1"/>
+                  </a:solidFill>
+                  <a:latin typeface="CMU Sans Serif" panose="02000603000000000000" pitchFamily="2" charset="0"/>
+                  <a:ea typeface="CMU Sans Serif" panose="02000603000000000000" pitchFamily="2" charset="0"/>
+                  <a:cs typeface="CMU Sans Serif" panose="02000603000000000000" pitchFamily="2" charset="0"/>
+                </a:rPr>
+                <a:t>f(Revenue, R&amp;D Budget, R&amp;D Strategy)</a:t>
+              </a:r>
+            </a:p>
+          </p:txBody>
+        </p:sp>
+        <p:cxnSp>
+          <p:nvCxnSpPr>
+            <p:cNvPr id="72" name="Conector: Curvo 17">
+              <a:extLst>
+                <a:ext uri="{FF2B5EF4-FFF2-40B4-BE49-F238E27FC236}">
+                  <a16:creationId xmlns:a16="http://schemas.microsoft.com/office/drawing/2014/main" id="{68B7F9A6-0A36-4F3A-87B0-8892CB842A19}"/>
+                </a:ext>
+              </a:extLst>
+            </p:cNvPr>
+            <p:cNvCxnSpPr>
+              <a:cxnSpLocks/>
+              <a:stCxn id="71" idx="0"/>
+              <a:endCxn id="33" idx="3"/>
+            </p:cNvCxnSpPr>
+            <p:nvPr/>
+          </p:nvCxnSpPr>
+          <p:spPr>
+            <a:xfrm rot="16200000" flipV="1">
+              <a:off x="11413453" y="33499301"/>
+              <a:ext cx="1456055" cy="4918054"/>
+            </a:xfrm>
+            <a:prstGeom prst="bentConnector2">
+              <a:avLst/>
+            </a:prstGeom>
+            <a:ln w="28575">
+              <a:tailEnd type="triangle"/>
+            </a:ln>
+            <a:effectLst/>
+          </p:spPr>
+          <p:style>
+            <a:lnRef idx="3">
+              <a:schemeClr val="dk1"/>
+            </a:lnRef>
+            <a:fillRef idx="0">
+              <a:schemeClr val="dk1"/>
+            </a:fillRef>
+            <a:effectRef idx="2">
+              <a:schemeClr val="dk1"/>
+            </a:effectRef>
+            <a:fontRef idx="minor">
+              <a:schemeClr val="tx1"/>
+            </a:fontRef>
+          </p:style>
+        </p:cxnSp>
+        <p:cxnSp>
+          <p:nvCxnSpPr>
+            <p:cNvPr id="73" name="Conector: Curvo 85">
+              <a:extLst>
+                <a:ext uri="{FF2B5EF4-FFF2-40B4-BE49-F238E27FC236}">
+                  <a16:creationId xmlns:a16="http://schemas.microsoft.com/office/drawing/2014/main" id="{28C9D7AE-3BFA-4F88-BA37-CB4405A6D6BC}"/>
+                </a:ext>
+              </a:extLst>
+            </p:cNvPr>
+            <p:cNvCxnSpPr>
+              <a:cxnSpLocks/>
+              <a:stCxn id="37" idx="2"/>
+              <a:endCxn id="71" idx="2"/>
+            </p:cNvCxnSpPr>
+            <p:nvPr/>
+          </p:nvCxnSpPr>
+          <p:spPr>
+            <a:xfrm rot="5400000" flipH="1" flipV="1">
+              <a:off x="11557169" y="34741515"/>
+              <a:ext cx="18498" cy="6068177"/>
+            </a:xfrm>
+            <a:prstGeom prst="bentConnector3">
+              <a:avLst>
+                <a:gd name="adj1" fmla="val -1235809"/>
+              </a:avLst>
+            </a:prstGeom>
+            <a:ln w="28575">
+              <a:tailEnd type="triangle"/>
+            </a:ln>
+            <a:effectLst/>
+          </p:spPr>
+          <p:style>
+            <a:lnRef idx="3">
+              <a:schemeClr val="dk1"/>
+            </a:lnRef>
+            <a:fillRef idx="0">
+              <a:schemeClr val="dk1"/>
+            </a:fillRef>
+            <a:effectRef idx="2">
+              <a:schemeClr val="dk1"/>
+            </a:effectRef>
+            <a:fontRef idx="minor">
+              <a:schemeClr val="tx1"/>
+            </a:fontRef>
+          </p:style>
+        </p:cxnSp>
+        <p:sp>
+          <p:nvSpPr>
+            <p:cNvPr id="55" name="Retângulo 54">
+              <a:extLst>
+                <a:ext uri="{FF2B5EF4-FFF2-40B4-BE49-F238E27FC236}">
+                  <a16:creationId xmlns:a16="http://schemas.microsoft.com/office/drawing/2014/main" id="{35936D22-066C-4D19-ABD7-5BDE41CF3322}"/>
+                </a:ext>
+              </a:extLst>
+            </p:cNvPr>
+            <p:cNvSpPr/>
+            <p:nvPr/>
+          </p:nvSpPr>
+          <p:spPr>
+            <a:xfrm>
+              <a:off x="13641081" y="32971731"/>
+              <a:ext cx="2329499" cy="629701"/>
+            </a:xfrm>
+            <a:prstGeom prst="rect">
+              <a:avLst/>
+            </a:prstGeom>
+            <a:ln w="28575" cmpd="sng">
+              <a:solidFill>
+                <a:schemeClr val="tx1"/>
+              </a:solidFill>
+              <a:prstDash val="dash"/>
+            </a:ln>
+          </p:spPr>
+          <p:style>
+            <a:lnRef idx="2">
+              <a:schemeClr val="dk1"/>
+            </a:lnRef>
+            <a:fillRef idx="1">
+              <a:schemeClr val="lt1"/>
+            </a:fillRef>
+            <a:effectRef idx="0">
+              <a:schemeClr val="dk1"/>
+            </a:effectRef>
+            <a:fontRef idx="minor">
+              <a:schemeClr val="dk1"/>
+            </a:fontRef>
+          </p:style>
+          <p:txBody>
+            <a:bodyPr rtlCol="0" anchor="t"/>
+            <a:lstStyle/>
+            <a:p>
+              <a:r>
+                <a:rPr lang="en-US" sz="1600" dirty="0">
+                  <a:latin typeface="CMU Sans Serif" panose="02000603000000000000" pitchFamily="2" charset="0"/>
+                  <a:ea typeface="CMU Sans Serif" panose="02000603000000000000" pitchFamily="2" charset="0"/>
+                  <a:cs typeface="CMU Sans Serif" panose="02000603000000000000" pitchFamily="2" charset="0"/>
+                </a:rPr>
+                <a:t>Modules Disaggregated by Player</a:t>
+              </a:r>
+              <a:endParaRPr lang="en-US" sz="1200" dirty="0">
+                <a:latin typeface="CMU Sans Serif" panose="02000603000000000000" pitchFamily="2" charset="0"/>
+                <a:ea typeface="CMU Sans Serif" panose="02000603000000000000" pitchFamily="2" charset="0"/>
+                <a:cs typeface="CMU Sans Serif" panose="02000603000000000000" pitchFamily="2" charset="0"/>
+              </a:endParaRPr>
+            </a:p>
+          </p:txBody>
+        </p:sp>
+        <p:sp>
+          <p:nvSpPr>
+            <p:cNvPr id="58" name="Retângulo 57">
+              <a:extLst>
+                <a:ext uri="{FF2B5EF4-FFF2-40B4-BE49-F238E27FC236}">
+                  <a16:creationId xmlns:a16="http://schemas.microsoft.com/office/drawing/2014/main" id="{A4DD576C-41E7-4456-A9A3-9C5408B1EE6B}"/>
+                </a:ext>
+              </a:extLst>
+            </p:cNvPr>
+            <p:cNvSpPr/>
+            <p:nvPr/>
+          </p:nvSpPr>
+          <p:spPr>
+            <a:xfrm>
+              <a:off x="13651180" y="33799851"/>
+              <a:ext cx="2329499" cy="655325"/>
+            </a:xfrm>
+            <a:prstGeom prst="rect">
+              <a:avLst/>
+            </a:prstGeom>
+            <a:ln w="28575"/>
+          </p:spPr>
+          <p:style>
+            <a:lnRef idx="2">
+              <a:schemeClr val="dk1"/>
+            </a:lnRef>
+            <a:fillRef idx="1">
+              <a:schemeClr val="lt1"/>
+            </a:fillRef>
+            <a:effectRef idx="0">
+              <a:schemeClr val="dk1"/>
+            </a:effectRef>
+            <a:fontRef idx="minor">
+              <a:schemeClr val="dk1"/>
+            </a:fontRef>
+          </p:style>
+          <p:txBody>
+            <a:bodyPr rtlCol="0" anchor="t"/>
+            <a:lstStyle/>
+            <a:p>
+              <a:r>
+                <a:rPr lang="en-US" sz="1600" dirty="0">
+                  <a:latin typeface="CMU Sans Serif" panose="02000603000000000000" pitchFamily="2" charset="0"/>
+                  <a:ea typeface="CMU Sans Serif" panose="02000603000000000000" pitchFamily="2" charset="0"/>
+                  <a:cs typeface="CMU Sans Serif" panose="02000603000000000000" pitchFamily="2" charset="0"/>
+                </a:rPr>
+                <a:t>Modules not Disaggregated by Player</a:t>
+              </a:r>
+            </a:p>
+          </p:txBody>
+        </p:sp>
+      </p:grpSp>
+      <p:sp>
+        <p:nvSpPr>
+          <p:cNvPr id="118" name="Text Box 8">
+            <a:extLst>
+              <a:ext uri="{FF2B5EF4-FFF2-40B4-BE49-F238E27FC236}">
+                <a16:creationId xmlns:a16="http://schemas.microsoft.com/office/drawing/2014/main" id="{0A29E300-9A62-46E9-9921-5671A196D9BA}"/>
+              </a:ext>
+            </a:extLst>
+          </p:cNvPr>
+          <p:cNvSpPr txBox="1">
+            <a:spLocks noChangeArrowheads="1"/>
+          </p:cNvSpPr>
+          <p:nvPr/>
+        </p:nvSpPr>
         <p:spPr bwMode="auto">
           <a:xfrm>
-            <a:off x="25525186" y="21420280"/>
-            <a:ext cx="5450205" cy="4032448"/>
+            <a:off x="1036743" y="40645449"/>
+            <a:ext cx="14733764" cy="2296100"/>
           </a:xfrm>
           <a:prstGeom prst="rect">
             <a:avLst/>
           </a:prstGeom>
           <a:noFill/>
+          <a:ln>
+            <a:noFill/>
+          </a:ln>
+          <a:extLst>
+            <a:ext uri="{909E8E84-426E-40DD-AFC4-6F175D3DCCD1}">
+              <a14:hiddenFill xmlns:a14="http://schemas.microsoft.com/office/drawing/2010/main">
+                <a:solidFill>
+                  <a:srgbClr val="FFFFFF"/>
+                </a:solidFill>
+              </a14:hiddenFill>
+            </a:ext>
+            <a:ext uri="{91240B29-F687-4F45-9708-019B960494DF}">
+              <a14:hiddenLine xmlns:a14="http://schemas.microsoft.com/office/drawing/2010/main" w="9525">
+                <a:solidFill>
+                  <a:srgbClr val="000000"/>
+                </a:solidFill>
+                <a:miter lim="800000"/>
+                <a:headEnd/>
+                <a:tailEnd/>
+              </a14:hiddenLine>
+            </a:ext>
+          </a:extLst>
         </p:spPr>
-      </p:pic>
-      <p:pic>
-        <p:nvPicPr>
-          <p:cNvPr id="84" name="Imagem 83">
+        <p:txBody>
+          <a:bodyPr wrap="square" lIns="79333" tIns="39667" rIns="79333" bIns="39667">
+            <a:spAutoFit/>
+          </a:bodyPr>
+          <a:lstStyle>
+            <a:lvl1pPr defTabSz="4319588">
+              <a:spcBef>
+                <a:spcPct val="20000"/>
+              </a:spcBef>
+              <a:buChar char="•"/>
+              <a:defRPr sz="15100">
+                <a:solidFill>
+                  <a:schemeClr val="tx1"/>
+                </a:solidFill>
+                <a:latin typeface="Arial" panose="020B0604020202020204" pitchFamily="34" charset="0"/>
+              </a:defRPr>
+            </a:lvl1pPr>
+            <a:lvl2pPr marL="742950" indent="-285750" defTabSz="4319588">
+              <a:spcBef>
+                <a:spcPct val="20000"/>
+              </a:spcBef>
+              <a:buChar char="–"/>
+              <a:defRPr sz="13200">
+                <a:solidFill>
+                  <a:schemeClr val="tx1"/>
+                </a:solidFill>
+                <a:latin typeface="Arial" panose="020B0604020202020204" pitchFamily="34" charset="0"/>
+              </a:defRPr>
+            </a:lvl2pPr>
+            <a:lvl3pPr marL="1143000" indent="-228600" defTabSz="4319588">
+              <a:spcBef>
+                <a:spcPct val="20000"/>
+              </a:spcBef>
+              <a:buChar char="•"/>
+              <a:defRPr sz="11400">
+                <a:solidFill>
+                  <a:schemeClr val="tx1"/>
+                </a:solidFill>
+                <a:latin typeface="Arial" panose="020B0604020202020204" pitchFamily="34" charset="0"/>
+              </a:defRPr>
+            </a:lvl3pPr>
+            <a:lvl4pPr marL="1600200" indent="-228600" defTabSz="4319588">
+              <a:spcBef>
+                <a:spcPct val="20000"/>
+              </a:spcBef>
+              <a:buChar char="–"/>
+              <a:defRPr sz="9500">
+                <a:solidFill>
+                  <a:schemeClr val="tx1"/>
+                </a:solidFill>
+                <a:latin typeface="Arial" panose="020B0604020202020204" pitchFamily="34" charset="0"/>
+              </a:defRPr>
+            </a:lvl4pPr>
+            <a:lvl5pPr marL="2057400" indent="-228600" defTabSz="4319588">
+              <a:spcBef>
+                <a:spcPct val="20000"/>
+              </a:spcBef>
+              <a:buChar char="»"/>
+              <a:defRPr sz="9500">
+                <a:solidFill>
+                  <a:schemeClr val="tx1"/>
+                </a:solidFill>
+                <a:latin typeface="Arial" panose="020B0604020202020204" pitchFamily="34" charset="0"/>
+              </a:defRPr>
+            </a:lvl5pPr>
+            <a:lvl6pPr marL="2514600" indent="-228600" defTabSz="4319588" eaLnBrk="0" fontAlgn="base" hangingPunct="0">
+              <a:spcBef>
+                <a:spcPct val="20000"/>
+              </a:spcBef>
+              <a:spcAft>
+                <a:spcPct val="0"/>
+              </a:spcAft>
+              <a:buChar char="»"/>
+              <a:defRPr sz="9500">
+                <a:solidFill>
+                  <a:schemeClr val="tx1"/>
+                </a:solidFill>
+                <a:latin typeface="Arial" panose="020B0604020202020204" pitchFamily="34" charset="0"/>
+              </a:defRPr>
+            </a:lvl6pPr>
+            <a:lvl7pPr marL="2971800" indent="-228600" defTabSz="4319588" eaLnBrk="0" fontAlgn="base" hangingPunct="0">
+              <a:spcBef>
+                <a:spcPct val="20000"/>
+              </a:spcBef>
+              <a:spcAft>
+                <a:spcPct val="0"/>
+              </a:spcAft>
+              <a:buChar char="»"/>
+              <a:defRPr sz="9500">
+                <a:solidFill>
+                  <a:schemeClr val="tx1"/>
+                </a:solidFill>
+                <a:latin typeface="Arial" panose="020B0604020202020204" pitchFamily="34" charset="0"/>
+              </a:defRPr>
+            </a:lvl7pPr>
+            <a:lvl8pPr marL="3429000" indent="-228600" defTabSz="4319588" eaLnBrk="0" fontAlgn="base" hangingPunct="0">
+              <a:spcBef>
+                <a:spcPct val="20000"/>
+              </a:spcBef>
+              <a:spcAft>
+                <a:spcPct val="0"/>
+              </a:spcAft>
+              <a:buChar char="»"/>
+              <a:defRPr sz="9500">
+                <a:solidFill>
+                  <a:schemeClr val="tx1"/>
+                </a:solidFill>
+                <a:latin typeface="Arial" panose="020B0604020202020204" pitchFamily="34" charset="0"/>
+              </a:defRPr>
+            </a:lvl8pPr>
+            <a:lvl9pPr marL="3886200" indent="-228600" defTabSz="4319588" eaLnBrk="0" fontAlgn="base" hangingPunct="0">
+              <a:spcBef>
+                <a:spcPct val="20000"/>
+              </a:spcBef>
+              <a:spcAft>
+                <a:spcPct val="0"/>
+              </a:spcAft>
+              <a:buChar char="»"/>
+              <a:defRPr sz="9500">
+                <a:solidFill>
+                  <a:schemeClr val="tx1"/>
+                </a:solidFill>
+                <a:latin typeface="Arial" panose="020B0604020202020204" pitchFamily="34" charset="0"/>
+              </a:defRPr>
+            </a:lvl9pPr>
+          </a:lstStyle>
+          <a:p>
+            <a:pPr algn="just" eaLnBrk="1" hangingPunct="1">
+              <a:spcBef>
+                <a:spcPct val="50000"/>
+              </a:spcBef>
+              <a:buNone/>
+            </a:pPr>
+            <a:r>
+              <a:rPr lang="en-US" altLang="pt-BR" sz="4400" b="1" dirty="0">
+                <a:latin typeface="CMU Sans Serif" panose="02000603000000000000" pitchFamily="2" charset="0"/>
+                <a:ea typeface="CMU Sans Serif" panose="02000603000000000000" pitchFamily="2" charset="0"/>
+                <a:cs typeface="CMU Sans Serif" panose="02000603000000000000" pitchFamily="2" charset="0"/>
+              </a:rPr>
+              <a:t>M – Metrics</a:t>
+            </a:r>
+          </a:p>
+          <a:p>
+            <a:pPr algn="just" eaLnBrk="1" hangingPunct="1">
+              <a:spcBef>
+                <a:spcPct val="50000"/>
+              </a:spcBef>
+              <a:buNone/>
+            </a:pPr>
+            <a:r>
+              <a:rPr lang="en-US" altLang="pt-BR" sz="4000" dirty="0">
+                <a:latin typeface="CMU Sans Serif" panose="02000603000000000000" pitchFamily="2" charset="0"/>
+                <a:ea typeface="CMU Sans Serif" panose="02000603000000000000" pitchFamily="2" charset="0"/>
+                <a:cs typeface="CMU Sans Serif" panose="02000603000000000000" pitchFamily="2" charset="0"/>
+              </a:rPr>
+              <a:t>We use the Absolute Regret of the Player’s 1 Net Present Value as the metric to compare different alternatives.</a:t>
+            </a:r>
+          </a:p>
+        </p:txBody>
+      </p:sp>
+      <p:sp>
+        <p:nvSpPr>
+          <p:cNvPr id="123" name="Retângulo 122">
             <a:extLst>
               <a:ext uri="{FF2B5EF4-FFF2-40B4-BE49-F238E27FC236}">
-                <a16:creationId xmlns:a16="http://schemas.microsoft.com/office/drawing/2014/main" id="{5731603A-8041-47B1-9ACF-C3FFBF5F2AFA}"/>
+                <a16:creationId xmlns:a16="http://schemas.microsoft.com/office/drawing/2014/main" id="{84E4558E-2010-4D95-B9A0-7427682F2203}"/>
               </a:ext>
             </a:extLst>
           </p:cNvPr>
-          <p:cNvPicPr/>
+          <p:cNvSpPr/>
+          <p:nvPr/>
+        </p:nvSpPr>
+        <p:spPr>
+          <a:xfrm>
+            <a:off x="27841650" y="38464081"/>
+            <a:ext cx="3792983" cy="954107"/>
+          </a:xfrm>
+          <a:prstGeom prst="rect">
+            <a:avLst/>
+          </a:prstGeom>
+        </p:spPr>
+        <p:txBody>
+          <a:bodyPr wrap="square">
+            <a:spAutoFit/>
+          </a:bodyPr>
+          <a:lstStyle/>
+          <a:p>
+            <a:pPr algn="ctr"/>
+            <a:r>
+              <a:rPr lang="en-US" sz="2800" dirty="0">
+                <a:latin typeface="CMU Sans Serif" panose="02000603000000000000" pitchFamily="2" charset="0"/>
+                <a:ea typeface="CMU Sans Serif" panose="02000603000000000000" pitchFamily="2" charset="0"/>
+                <a:cs typeface="CMU Sans Serif" panose="02000603000000000000" pitchFamily="2" charset="0"/>
+              </a:rPr>
+              <a:t>Slides and full master’s thesis at:</a:t>
+            </a:r>
+          </a:p>
+        </p:txBody>
+      </p:sp>
+      <p:grpSp>
+        <p:nvGrpSpPr>
+          <p:cNvPr id="124" name="Agrupar 123">
+            <a:extLst>
+              <a:ext uri="{FF2B5EF4-FFF2-40B4-BE49-F238E27FC236}">
+                <a16:creationId xmlns:a16="http://schemas.microsoft.com/office/drawing/2014/main" id="{E74FE4D6-33A1-4975-9418-06B7A0BC75B8}"/>
+              </a:ext>
+            </a:extLst>
+          </p:cNvPr>
+          <p:cNvGrpSpPr/>
+          <p:nvPr/>
+        </p:nvGrpSpPr>
+        <p:grpSpPr>
+          <a:xfrm>
+            <a:off x="25627033" y="21127345"/>
+            <a:ext cx="5759450" cy="3352089"/>
+            <a:chOff x="0" y="2613849"/>
+            <a:chExt cx="5759450" cy="3352089"/>
+          </a:xfrm>
+        </p:grpSpPr>
+        <p:pic>
+          <p:nvPicPr>
+            <p:cNvPr id="125" name="Imagem 124">
+              <a:extLst>
+                <a:ext uri="{FF2B5EF4-FFF2-40B4-BE49-F238E27FC236}">
+                  <a16:creationId xmlns:a16="http://schemas.microsoft.com/office/drawing/2014/main" id="{ED4D11E6-913E-4389-BFFE-07E54F0AE506}"/>
+                </a:ext>
+              </a:extLst>
+            </p:cNvPr>
+            <p:cNvPicPr>
+              <a:picLocks noChangeAspect="1"/>
+            </p:cNvPicPr>
+            <p:nvPr/>
+          </p:nvPicPr>
+          <p:blipFill>
+            <a:blip r:embed="rId6" cstate="print">
+              <a:extLst>
+                <a:ext uri="{28A0092B-C50C-407E-A947-70E740481C1C}">
+                  <a14:useLocalDpi xmlns:a14="http://schemas.microsoft.com/office/drawing/2010/main" val="0"/>
+                </a:ext>
+              </a:extLst>
+            </a:blip>
+            <a:stretch>
+              <a:fillRect/>
+            </a:stretch>
+          </p:blipFill>
+          <p:spPr>
+            <a:xfrm>
+              <a:off x="0" y="2674824"/>
+              <a:ext cx="5759450" cy="3291114"/>
+            </a:xfrm>
+            <a:prstGeom prst="rect">
+              <a:avLst/>
+            </a:prstGeom>
+          </p:spPr>
+        </p:pic>
+        <p:cxnSp>
+          <p:nvCxnSpPr>
+            <p:cNvPr id="126" name="Conector de Seta Reta 125">
+              <a:extLst>
+                <a:ext uri="{FF2B5EF4-FFF2-40B4-BE49-F238E27FC236}">
+                  <a16:creationId xmlns:a16="http://schemas.microsoft.com/office/drawing/2014/main" id="{D846AF3D-E7BC-4852-BD77-D3018E6D8C9E}"/>
+                </a:ext>
+              </a:extLst>
+            </p:cNvPr>
+            <p:cNvCxnSpPr/>
+            <p:nvPr/>
+          </p:nvCxnSpPr>
+          <p:spPr>
+            <a:xfrm>
+              <a:off x="1007517" y="4320381"/>
+              <a:ext cx="360040" cy="216024"/>
+            </a:xfrm>
+            <a:prstGeom prst="straightConnector1">
+              <a:avLst/>
+            </a:prstGeom>
+            <a:ln>
+              <a:tailEnd type="triangle"/>
+            </a:ln>
+          </p:spPr>
+          <p:style>
+            <a:lnRef idx="1">
+              <a:schemeClr val="dk1"/>
+            </a:lnRef>
+            <a:fillRef idx="0">
+              <a:schemeClr val="dk1"/>
+            </a:fillRef>
+            <a:effectRef idx="0">
+              <a:schemeClr val="dk1"/>
+            </a:effectRef>
+            <a:fontRef idx="minor">
+              <a:schemeClr val="tx1"/>
+            </a:fontRef>
+          </p:style>
+        </p:cxnSp>
+        <p:cxnSp>
+          <p:nvCxnSpPr>
+            <p:cNvPr id="127" name="Conector de Seta Reta 126">
+              <a:extLst>
+                <a:ext uri="{FF2B5EF4-FFF2-40B4-BE49-F238E27FC236}">
+                  <a16:creationId xmlns:a16="http://schemas.microsoft.com/office/drawing/2014/main" id="{70265479-CF47-4341-A76A-CFCE229C6BEB}"/>
+                </a:ext>
+              </a:extLst>
+            </p:cNvPr>
+            <p:cNvCxnSpPr>
+              <a:cxnSpLocks/>
+            </p:cNvCxnSpPr>
+            <p:nvPr/>
+          </p:nvCxnSpPr>
+          <p:spPr>
+            <a:xfrm>
+              <a:off x="1655589" y="3587446"/>
+              <a:ext cx="288032" cy="476845"/>
+            </a:xfrm>
+            <a:prstGeom prst="straightConnector1">
+              <a:avLst/>
+            </a:prstGeom>
+            <a:ln>
+              <a:tailEnd type="triangle"/>
+            </a:ln>
+          </p:spPr>
+          <p:style>
+            <a:lnRef idx="1">
+              <a:schemeClr val="dk1"/>
+            </a:lnRef>
+            <a:fillRef idx="0">
+              <a:schemeClr val="dk1"/>
+            </a:fillRef>
+            <a:effectRef idx="0">
+              <a:schemeClr val="dk1"/>
+            </a:effectRef>
+            <a:fontRef idx="minor">
+              <a:schemeClr val="tx1"/>
+            </a:fontRef>
+          </p:style>
+        </p:cxnSp>
+        <p:cxnSp>
+          <p:nvCxnSpPr>
+            <p:cNvPr id="128" name="Conector de Seta Reta 127">
+              <a:extLst>
+                <a:ext uri="{FF2B5EF4-FFF2-40B4-BE49-F238E27FC236}">
+                  <a16:creationId xmlns:a16="http://schemas.microsoft.com/office/drawing/2014/main" id="{CCDB5D23-038A-4ADE-8723-3BDB83A91F91}"/>
+                </a:ext>
+              </a:extLst>
+            </p:cNvPr>
+            <p:cNvCxnSpPr>
+              <a:cxnSpLocks/>
+            </p:cNvCxnSpPr>
+            <p:nvPr/>
+          </p:nvCxnSpPr>
+          <p:spPr>
+            <a:xfrm>
+              <a:off x="2591693" y="3384277"/>
+              <a:ext cx="0" cy="594509"/>
+            </a:xfrm>
+            <a:prstGeom prst="straightConnector1">
+              <a:avLst/>
+            </a:prstGeom>
+            <a:ln>
+              <a:tailEnd type="triangle"/>
+            </a:ln>
+          </p:spPr>
+          <p:style>
+            <a:lnRef idx="1">
+              <a:schemeClr val="dk1"/>
+            </a:lnRef>
+            <a:fillRef idx="0">
+              <a:schemeClr val="dk1"/>
+            </a:fillRef>
+            <a:effectRef idx="0">
+              <a:schemeClr val="dk1"/>
+            </a:effectRef>
+            <a:fontRef idx="minor">
+              <a:schemeClr val="tx1"/>
+            </a:fontRef>
+          </p:style>
+        </p:cxnSp>
+        <p:cxnSp>
+          <p:nvCxnSpPr>
+            <p:cNvPr id="129" name="Conector de Seta Reta 128">
+              <a:extLst>
+                <a:ext uri="{FF2B5EF4-FFF2-40B4-BE49-F238E27FC236}">
+                  <a16:creationId xmlns:a16="http://schemas.microsoft.com/office/drawing/2014/main" id="{6A70A826-65A6-49B0-B17C-FBE2AC328CCF}"/>
+                </a:ext>
+              </a:extLst>
+            </p:cNvPr>
+            <p:cNvCxnSpPr/>
+            <p:nvPr/>
+          </p:nvCxnSpPr>
+          <p:spPr>
+            <a:xfrm>
+              <a:off x="3743821" y="4320381"/>
+              <a:ext cx="360040" cy="216024"/>
+            </a:xfrm>
+            <a:prstGeom prst="straightConnector1">
+              <a:avLst/>
+            </a:prstGeom>
+            <a:ln>
+              <a:tailEnd type="triangle"/>
+            </a:ln>
+          </p:spPr>
+          <p:style>
+            <a:lnRef idx="1">
+              <a:schemeClr val="dk1"/>
+            </a:lnRef>
+            <a:fillRef idx="0">
+              <a:schemeClr val="dk1"/>
+            </a:fillRef>
+            <a:effectRef idx="0">
+              <a:schemeClr val="dk1"/>
+            </a:effectRef>
+            <a:fontRef idx="minor">
+              <a:schemeClr val="tx1"/>
+            </a:fontRef>
+          </p:style>
+        </p:cxnSp>
+        <p:cxnSp>
+          <p:nvCxnSpPr>
+            <p:cNvPr id="130" name="Conector de Seta Reta 129">
+              <a:extLst>
+                <a:ext uri="{FF2B5EF4-FFF2-40B4-BE49-F238E27FC236}">
+                  <a16:creationId xmlns:a16="http://schemas.microsoft.com/office/drawing/2014/main" id="{759FE2E2-6270-4B8A-A21D-3AE765AD2127}"/>
+                </a:ext>
+              </a:extLst>
+            </p:cNvPr>
+            <p:cNvCxnSpPr>
+              <a:cxnSpLocks/>
+            </p:cNvCxnSpPr>
+            <p:nvPr/>
+          </p:nvCxnSpPr>
+          <p:spPr>
+            <a:xfrm>
+              <a:off x="4109427" y="3447137"/>
+              <a:ext cx="288032" cy="476845"/>
+            </a:xfrm>
+            <a:prstGeom prst="straightConnector1">
+              <a:avLst/>
+            </a:prstGeom>
+            <a:ln>
+              <a:tailEnd type="triangle"/>
+            </a:ln>
+          </p:spPr>
+          <p:style>
+            <a:lnRef idx="1">
+              <a:schemeClr val="dk1"/>
+            </a:lnRef>
+            <a:fillRef idx="0">
+              <a:schemeClr val="dk1"/>
+            </a:fillRef>
+            <a:effectRef idx="0">
+              <a:schemeClr val="dk1"/>
+            </a:effectRef>
+            <a:fontRef idx="minor">
+              <a:schemeClr val="tx1"/>
+            </a:fontRef>
+          </p:style>
+        </p:cxnSp>
+        <p:cxnSp>
+          <p:nvCxnSpPr>
+            <p:cNvPr id="131" name="Conector de Seta Reta 130">
+              <a:extLst>
+                <a:ext uri="{FF2B5EF4-FFF2-40B4-BE49-F238E27FC236}">
+                  <a16:creationId xmlns:a16="http://schemas.microsoft.com/office/drawing/2014/main" id="{D122F44E-DB77-48EA-9D01-18B0FD29F01C}"/>
+                </a:ext>
+              </a:extLst>
+            </p:cNvPr>
+            <p:cNvCxnSpPr>
+              <a:cxnSpLocks/>
+            </p:cNvCxnSpPr>
+            <p:nvPr/>
+          </p:nvCxnSpPr>
+          <p:spPr>
+            <a:xfrm>
+              <a:off x="5400005" y="3329473"/>
+              <a:ext cx="0" cy="594509"/>
+            </a:xfrm>
+            <a:prstGeom prst="straightConnector1">
+              <a:avLst/>
+            </a:prstGeom>
+            <a:ln>
+              <a:tailEnd type="triangle"/>
+            </a:ln>
+          </p:spPr>
+          <p:style>
+            <a:lnRef idx="1">
+              <a:schemeClr val="dk1"/>
+            </a:lnRef>
+            <a:fillRef idx="0">
+              <a:schemeClr val="dk1"/>
+            </a:fillRef>
+            <a:effectRef idx="0">
+              <a:schemeClr val="dk1"/>
+            </a:effectRef>
+            <a:fontRef idx="minor">
+              <a:schemeClr val="tx1"/>
+            </a:fontRef>
+          </p:style>
+        </p:cxnSp>
+        <p:sp>
+          <p:nvSpPr>
+            <p:cNvPr id="132" name="CaixaDeTexto 131">
+              <a:extLst>
+                <a:ext uri="{FF2B5EF4-FFF2-40B4-BE49-F238E27FC236}">
+                  <a16:creationId xmlns:a16="http://schemas.microsoft.com/office/drawing/2014/main" id="{C9B839E7-04F8-4A33-AB8C-AC32E12BC718}"/>
+                </a:ext>
+              </a:extLst>
+            </p:cNvPr>
+            <p:cNvSpPr txBox="1"/>
+            <p:nvPr/>
+          </p:nvSpPr>
+          <p:spPr>
+            <a:xfrm>
+              <a:off x="359445" y="2613849"/>
+              <a:ext cx="2376265" cy="276999"/>
+            </a:xfrm>
+            <a:prstGeom prst="rect">
+              <a:avLst/>
+            </a:prstGeom>
+            <a:solidFill>
+              <a:schemeClr val="bg1"/>
+            </a:solidFill>
+          </p:spPr>
+          <p:txBody>
+            <a:bodyPr wrap="square" rtlCol="0">
+              <a:spAutoFit/>
+            </a:bodyPr>
+            <a:lstStyle/>
+            <a:p>
+              <a:r>
+                <a:rPr lang="en-US" sz="1200">
+                  <a:latin typeface="CMU Sans Serif" panose="02000603000000000000" pitchFamily="2" charset="0"/>
+                  <a:ea typeface="CMU Sans Serif" panose="02000603000000000000" pitchFamily="2" charset="0"/>
+                  <a:cs typeface="CMU Sans Serif" panose="02000603000000000000" pitchFamily="2" charset="0"/>
+                </a:rPr>
+                <a:t>Random Forest - PDP</a:t>
+              </a:r>
+            </a:p>
+          </p:txBody>
+        </p:sp>
+        <p:sp>
+          <p:nvSpPr>
+            <p:cNvPr id="133" name="CaixaDeTexto 132">
+              <a:extLst>
+                <a:ext uri="{FF2B5EF4-FFF2-40B4-BE49-F238E27FC236}">
+                  <a16:creationId xmlns:a16="http://schemas.microsoft.com/office/drawing/2014/main" id="{EA405185-A7E8-460A-9A21-E4BA0175A573}"/>
+                </a:ext>
+              </a:extLst>
+            </p:cNvPr>
+            <p:cNvSpPr txBox="1"/>
+            <p:nvPr/>
+          </p:nvSpPr>
+          <p:spPr>
+            <a:xfrm>
+              <a:off x="3311773" y="2616049"/>
+              <a:ext cx="2376265" cy="276999"/>
+            </a:xfrm>
+            <a:prstGeom prst="rect">
+              <a:avLst/>
+            </a:prstGeom>
+            <a:solidFill>
+              <a:schemeClr val="bg1"/>
+            </a:solidFill>
+          </p:spPr>
+          <p:txBody>
+            <a:bodyPr wrap="square" rtlCol="0">
+              <a:spAutoFit/>
+            </a:bodyPr>
+            <a:lstStyle/>
+            <a:p>
+              <a:r>
+                <a:rPr lang="en-US" sz="1200">
+                  <a:latin typeface="CMU Sans Serif" panose="02000603000000000000" pitchFamily="2" charset="0"/>
+                  <a:ea typeface="CMU Sans Serif" panose="02000603000000000000" pitchFamily="2" charset="0"/>
+                  <a:cs typeface="CMU Sans Serif" panose="02000603000000000000" pitchFamily="2" charset="0"/>
+                </a:rPr>
+                <a:t>Simulation Results (strat. 31)</a:t>
+              </a:r>
+            </a:p>
+          </p:txBody>
+        </p:sp>
+        <p:sp>
+          <p:nvSpPr>
+            <p:cNvPr id="134" name="CaixaDeTexto 133">
+              <a:extLst>
+                <a:ext uri="{FF2B5EF4-FFF2-40B4-BE49-F238E27FC236}">
+                  <a16:creationId xmlns:a16="http://schemas.microsoft.com/office/drawing/2014/main" id="{D5FA08C8-0D9A-48D4-9D33-6CB229942856}"/>
+                </a:ext>
+              </a:extLst>
+            </p:cNvPr>
+            <p:cNvSpPr txBox="1"/>
+            <p:nvPr/>
+          </p:nvSpPr>
+          <p:spPr>
+            <a:xfrm rot="16200000">
+              <a:off x="1804061" y="3663482"/>
+              <a:ext cx="2376265" cy="276999"/>
+            </a:xfrm>
+            <a:prstGeom prst="rect">
+              <a:avLst/>
+            </a:prstGeom>
+            <a:solidFill>
+              <a:schemeClr val="bg1"/>
+            </a:solidFill>
+          </p:spPr>
+          <p:txBody>
+            <a:bodyPr wrap="square" rtlCol="0">
+              <a:spAutoFit/>
+            </a:bodyPr>
+            <a:lstStyle/>
+            <a:p>
+              <a:endParaRPr lang="pt-BR" sz="1200" dirty="0">
+                <a:latin typeface="CMU Sans Serif" panose="02000603000000000000" pitchFamily="2" charset="0"/>
+                <a:ea typeface="CMU Sans Serif" panose="02000603000000000000" pitchFamily="2" charset="0"/>
+                <a:cs typeface="CMU Sans Serif" panose="02000603000000000000" pitchFamily="2" charset="0"/>
+              </a:endParaRPr>
+            </a:p>
+          </p:txBody>
+        </p:sp>
+        <p:sp>
+          <p:nvSpPr>
+            <p:cNvPr id="135" name="CaixaDeTexto 134">
+              <a:extLst>
+                <a:ext uri="{FF2B5EF4-FFF2-40B4-BE49-F238E27FC236}">
+                  <a16:creationId xmlns:a16="http://schemas.microsoft.com/office/drawing/2014/main" id="{01A70111-68EB-41F9-B6E5-908AF380F0BF}"/>
+                </a:ext>
+              </a:extLst>
+            </p:cNvPr>
+            <p:cNvSpPr txBox="1"/>
+            <p:nvPr/>
+          </p:nvSpPr>
+          <p:spPr>
+            <a:xfrm rot="16200000">
+              <a:off x="-1032947" y="3709357"/>
+              <a:ext cx="2315290" cy="246221"/>
+            </a:xfrm>
+            <a:prstGeom prst="rect">
+              <a:avLst/>
+            </a:prstGeom>
+            <a:solidFill>
+              <a:schemeClr val="bg1"/>
+            </a:solidFill>
+          </p:spPr>
+          <p:txBody>
+            <a:bodyPr wrap="square" rtlCol="0">
+              <a:spAutoFit/>
+            </a:bodyPr>
+            <a:lstStyle/>
+            <a:p>
+              <a:r>
+                <a:rPr lang="en-US" sz="1000">
+                  <a:latin typeface="CMU Sans Serif" panose="02000603000000000000" pitchFamily="2" charset="0"/>
+                  <a:ea typeface="CMU Sans Serif" panose="02000603000000000000" pitchFamily="2" charset="0"/>
+                  <a:cs typeface="CMU Sans Serif" panose="02000603000000000000" pitchFamily="2" charset="0"/>
+                </a:rPr>
+                <a:t>P2 – Agressive         P2 - Conservative</a:t>
+              </a:r>
+            </a:p>
+          </p:txBody>
+        </p:sp>
+        <p:sp>
+          <p:nvSpPr>
+            <p:cNvPr id="136" name="CaixaDeTexto 135">
+              <a:extLst>
+                <a:ext uri="{FF2B5EF4-FFF2-40B4-BE49-F238E27FC236}">
+                  <a16:creationId xmlns:a16="http://schemas.microsoft.com/office/drawing/2014/main" id="{8628E0EC-B2DC-4080-8E2E-8F2FDF2D6BF7}"/>
+                </a:ext>
+              </a:extLst>
+            </p:cNvPr>
+            <p:cNvSpPr txBox="1"/>
+            <p:nvPr/>
+          </p:nvSpPr>
+          <p:spPr>
+            <a:xfrm>
+              <a:off x="359445" y="5184477"/>
+              <a:ext cx="2376265" cy="276999"/>
+            </a:xfrm>
+            <a:prstGeom prst="rect">
+              <a:avLst/>
+            </a:prstGeom>
+            <a:solidFill>
+              <a:schemeClr val="bg1"/>
+            </a:solidFill>
+          </p:spPr>
+          <p:txBody>
+            <a:bodyPr wrap="square" rtlCol="0">
+              <a:spAutoFit/>
+            </a:bodyPr>
+            <a:lstStyle/>
+            <a:p>
+              <a:pPr algn="ctr"/>
+              <a:r>
+                <a:rPr lang="en-US" sz="1200" dirty="0">
+                  <a:latin typeface="CMU Sans Serif" panose="02000603000000000000" pitchFamily="2" charset="0"/>
+                  <a:ea typeface="CMU Sans Serif" panose="02000603000000000000" pitchFamily="2" charset="0"/>
+                  <a:cs typeface="CMU Sans Serif" panose="02000603000000000000" pitchFamily="2" charset="0"/>
+                </a:rPr>
+                <a:t>Reference Market Size</a:t>
+              </a:r>
+            </a:p>
+          </p:txBody>
+        </p:sp>
+        <p:sp>
+          <p:nvSpPr>
+            <p:cNvPr id="137" name="CaixaDeTexto 136">
+              <a:extLst>
+                <a:ext uri="{FF2B5EF4-FFF2-40B4-BE49-F238E27FC236}">
+                  <a16:creationId xmlns:a16="http://schemas.microsoft.com/office/drawing/2014/main" id="{6114AEE1-B479-4E61-B249-EE2361671582}"/>
+                </a:ext>
+              </a:extLst>
+            </p:cNvPr>
+            <p:cNvSpPr txBox="1"/>
+            <p:nvPr/>
+          </p:nvSpPr>
+          <p:spPr>
+            <a:xfrm>
+              <a:off x="3311772" y="5309642"/>
+              <a:ext cx="2376265" cy="276999"/>
+            </a:xfrm>
+            <a:prstGeom prst="rect">
+              <a:avLst/>
+            </a:prstGeom>
+            <a:solidFill>
+              <a:schemeClr val="bg1"/>
+            </a:solidFill>
+          </p:spPr>
+          <p:txBody>
+            <a:bodyPr wrap="square" rtlCol="0">
+              <a:spAutoFit/>
+            </a:bodyPr>
+            <a:lstStyle/>
+            <a:p>
+              <a:pPr algn="ctr"/>
+              <a:r>
+                <a:rPr lang="en-US" sz="1200" dirty="0">
+                  <a:latin typeface="CMU Sans Serif" panose="02000603000000000000" pitchFamily="2" charset="0"/>
+                  <a:ea typeface="CMU Sans Serif" panose="02000603000000000000" pitchFamily="2" charset="0"/>
+                  <a:cs typeface="CMU Sans Serif" panose="02000603000000000000" pitchFamily="2" charset="0"/>
+                </a:rPr>
+                <a:t>Reference Market Size</a:t>
+              </a:r>
+            </a:p>
+          </p:txBody>
+        </p:sp>
+        <p:sp>
+          <p:nvSpPr>
+            <p:cNvPr id="138" name="CaixaDeTexto 137">
+              <a:extLst>
+                <a:ext uri="{FF2B5EF4-FFF2-40B4-BE49-F238E27FC236}">
+                  <a16:creationId xmlns:a16="http://schemas.microsoft.com/office/drawing/2014/main" id="{177FF8A2-27D1-4A94-81E1-323BFE2ED4E7}"/>
+                </a:ext>
+              </a:extLst>
+            </p:cNvPr>
+            <p:cNvSpPr txBox="1"/>
+            <p:nvPr/>
+          </p:nvSpPr>
+          <p:spPr>
+            <a:xfrm>
+              <a:off x="3370807" y="5625006"/>
+              <a:ext cx="1368153" cy="276999"/>
+            </a:xfrm>
+            <a:prstGeom prst="rect">
+              <a:avLst/>
+            </a:prstGeom>
+            <a:solidFill>
+              <a:schemeClr val="bg1"/>
+            </a:solidFill>
+          </p:spPr>
+          <p:txBody>
+            <a:bodyPr wrap="square" rtlCol="0">
+              <a:spAutoFit/>
+            </a:bodyPr>
+            <a:lstStyle/>
+            <a:p>
+              <a:pPr algn="ctr"/>
+              <a:r>
+                <a:rPr lang="en-US" sz="1200" dirty="0">
+                  <a:latin typeface="CMU Sans Serif" panose="02000603000000000000" pitchFamily="2" charset="0"/>
+                  <a:ea typeface="CMU Sans Serif" panose="02000603000000000000" pitchFamily="2" charset="0"/>
+                  <a:cs typeface="CMU Sans Serif" panose="02000603000000000000" pitchFamily="2" charset="0"/>
+                </a:rPr>
+                <a:t>Strat. Fails</a:t>
+              </a:r>
+            </a:p>
+          </p:txBody>
+        </p:sp>
+        <p:sp>
+          <p:nvSpPr>
+            <p:cNvPr id="139" name="CaixaDeTexto 138">
+              <a:extLst>
+                <a:ext uri="{FF2B5EF4-FFF2-40B4-BE49-F238E27FC236}">
+                  <a16:creationId xmlns:a16="http://schemas.microsoft.com/office/drawing/2014/main" id="{4DF34784-FF95-4759-BB11-52B3B55BE667}"/>
+                </a:ext>
+              </a:extLst>
+            </p:cNvPr>
+            <p:cNvSpPr txBox="1"/>
+            <p:nvPr/>
+          </p:nvSpPr>
+          <p:spPr>
+            <a:xfrm>
+              <a:off x="494099" y="5425758"/>
+              <a:ext cx="1026835" cy="461665"/>
+            </a:xfrm>
+            <a:prstGeom prst="rect">
+              <a:avLst/>
+            </a:prstGeom>
+            <a:solidFill>
+              <a:schemeClr val="bg1"/>
+            </a:solidFill>
+          </p:spPr>
+          <p:txBody>
+            <a:bodyPr wrap="square" rtlCol="0">
+              <a:spAutoFit/>
+            </a:bodyPr>
+            <a:lstStyle/>
+            <a:p>
+              <a:r>
+                <a:rPr lang="en-US" sz="1200" dirty="0">
+                  <a:latin typeface="CMU Sans Serif" panose="02000603000000000000" pitchFamily="2" charset="0"/>
+                  <a:ea typeface="CMU Sans Serif" panose="02000603000000000000" pitchFamily="2" charset="0"/>
+                  <a:cs typeface="CMU Sans Serif" panose="02000603000000000000" pitchFamily="2" charset="0"/>
+                </a:rPr>
+                <a:t>Partial Dependence</a:t>
+              </a:r>
+            </a:p>
+          </p:txBody>
+        </p:sp>
+      </p:grpSp>
+      <p:graphicFrame>
+        <p:nvGraphicFramePr>
+          <p:cNvPr id="140" name="Tabela 139">
+            <a:extLst>
+              <a:ext uri="{FF2B5EF4-FFF2-40B4-BE49-F238E27FC236}">
+                <a16:creationId xmlns:a16="http://schemas.microsoft.com/office/drawing/2014/main" id="{F67D4DFE-BF4E-46D2-8D44-DC15CB505539}"/>
+              </a:ext>
+            </a:extLst>
+          </p:cNvPr>
+          <p:cNvGraphicFramePr>
+            <a:graphicFrameLocks noGrp="1"/>
+          </p:cNvGraphicFramePr>
+          <p:nvPr>
+            <p:extLst>
+              <p:ext uri="{D42A27DB-BD31-4B8C-83A1-F6EECF244321}">
+                <p14:modId xmlns:p14="http://schemas.microsoft.com/office/powerpoint/2010/main" val="2683773534"/>
+              </p:ext>
+            </p:extLst>
+          </p:nvPr>
+        </p:nvGraphicFramePr>
+        <p:xfrm>
+          <a:off x="25780427" y="24949152"/>
+          <a:ext cx="5400600" cy="3329580"/>
+        </p:xfrm>
+        <a:graphic>
+          <a:graphicData uri="http://schemas.openxmlformats.org/drawingml/2006/table">
+            <a:tbl>
+              <a:tblPr firstRow="1" bandRow="1">
+                <a:tableStyleId>{5940675A-B579-460E-94D1-54222C63F5DA}</a:tableStyleId>
+              </a:tblPr>
+              <a:tblGrid>
+                <a:gridCol w="1908212">
+                  <a:extLst>
+                    <a:ext uri="{9D8B030D-6E8A-4147-A177-3AD203B41FA5}">
+                      <a16:colId xmlns:a16="http://schemas.microsoft.com/office/drawing/2014/main" val="4202968456"/>
+                    </a:ext>
+                  </a:extLst>
+                </a:gridCol>
+                <a:gridCol w="3492388">
+                  <a:extLst>
+                    <a:ext uri="{9D8B030D-6E8A-4147-A177-3AD203B41FA5}">
+                      <a16:colId xmlns:a16="http://schemas.microsoft.com/office/drawing/2014/main" val="1938842175"/>
+                    </a:ext>
+                  </a:extLst>
+                </a:gridCol>
+              </a:tblGrid>
+              <a:tr h="276310">
+                <a:tc gridSpan="2">
+                  <a:txBody>
+                    <a:bodyPr/>
+                    <a:lstStyle/>
+                    <a:p>
+                      <a:pPr algn="ctr"/>
+                      <a:r>
+                        <a:rPr lang="en-US" sz="1100" b="1" noProof="0" dirty="0">
+                          <a:latin typeface="CMU Sans Serif" panose="02000603000000000000" pitchFamily="2" charset="0"/>
+                          <a:ea typeface="CMU Sans Serif" panose="02000603000000000000" pitchFamily="2" charset="0"/>
+                          <a:cs typeface="CMU Sans Serif" panose="02000603000000000000" pitchFamily="2" charset="0"/>
+                        </a:rPr>
+                        <a:t>PRIM Results – Conditions under Which Strategy 31 fails</a:t>
+                      </a:r>
+                    </a:p>
+                  </a:txBody>
+                  <a:tcPr anchor="b">
+                    <a:lnL w="12700" cmpd="sng">
+                      <a:noFill/>
+                    </a:lnL>
+                    <a:lnR w="12700" cmpd="sng">
+                      <a:noFill/>
+                    </a:lnR>
+                    <a:lnT w="12700" cmpd="sng">
+                      <a:noFill/>
+                    </a:lnT>
+                    <a:lnB w="12700" cmpd="sng">
+                      <a:noFill/>
+                    </a:lnB>
+                    <a:lnTlToBr w="12700" cmpd="sng">
+                      <a:noFill/>
+                      <a:prstDash val="solid"/>
+                    </a:lnTlToBr>
+                    <a:lnBlToTr w="12700" cmpd="sng">
+                      <a:noFill/>
+                      <a:prstDash val="solid"/>
+                    </a:lnBlToTr>
+                  </a:tcPr>
+                </a:tc>
+                <a:tc hMerge="1">
+                  <a:txBody>
+                    <a:bodyPr/>
+                    <a:lstStyle/>
+                    <a:p>
+                      <a:pPr algn="ctr"/>
+                      <a:endParaRPr lang="pt-BR" sz="1100" b="1" dirty="0">
+                        <a:latin typeface="CMU Sans Serif" panose="02000603000000000000" pitchFamily="2" charset="0"/>
+                        <a:ea typeface="CMU Sans Serif" panose="02000603000000000000" pitchFamily="2" charset="0"/>
+                        <a:cs typeface="CMU Sans Serif" panose="02000603000000000000" pitchFamily="2" charset="0"/>
+                      </a:endParaRPr>
+                    </a:p>
+                  </a:txBody>
+                  <a:tcPr anchor="b">
+                    <a:lnL w="12700" cmpd="sng">
+                      <a:noFill/>
+                    </a:lnL>
+                    <a:lnR w="12700" cmpd="sng">
+                      <a:noFill/>
+                    </a:lnR>
+                    <a:lnT w="12700" cmpd="sng">
+                      <a:noFill/>
+                    </a:lnT>
+                    <a:lnB w="12700" cmpd="sng">
+                      <a:noFill/>
+                    </a:lnB>
+                    <a:lnTlToBr w="12700" cmpd="sng">
+                      <a:noFill/>
+                      <a:prstDash val="solid"/>
+                    </a:lnTlToBr>
+                    <a:lnBlToTr w="12700" cmpd="sng">
+                      <a:noFill/>
+                      <a:prstDash val="solid"/>
+                    </a:lnBlToTr>
+                  </a:tcPr>
+                </a:tc>
+                <a:extLst>
+                  <a:ext uri="{0D108BD9-81ED-4DB2-BD59-A6C34878D82A}">
+                    <a16:rowId xmlns:a16="http://schemas.microsoft.com/office/drawing/2014/main" val="3108911947"/>
+                  </a:ext>
+                </a:extLst>
+              </a:tr>
+              <a:tr h="276310">
+                <a:tc>
+                  <a:txBody>
+                    <a:bodyPr/>
+                    <a:lstStyle/>
+                    <a:p>
+                      <a:pPr algn="r"/>
+                      <a:r>
+                        <a:rPr lang="pt-BR" sz="1100" b="1" dirty="0">
+                          <a:latin typeface="CMU Sans Serif" panose="02000603000000000000" pitchFamily="2" charset="0"/>
+                          <a:ea typeface="CMU Sans Serif" panose="02000603000000000000" pitchFamily="2" charset="0"/>
+                          <a:cs typeface="CMU Sans Serif" panose="02000603000000000000" pitchFamily="2" charset="0"/>
+                        </a:rPr>
+                        <a:t>Uncertainty</a:t>
+                      </a:r>
+                    </a:p>
+                  </a:txBody>
+                  <a:tcPr anchor="b">
+                    <a:lnL w="12700" cmpd="sng">
+                      <a:noFill/>
+                    </a:lnL>
+                    <a:lnR w="12700" cmpd="sng">
+                      <a:noFill/>
+                    </a:lnR>
+                    <a:lnT w="12700" cmpd="sng">
+                      <a:noFill/>
+                    </a:lnT>
+                    <a:lnB w="12700" cmpd="sng">
+                      <a:noFill/>
+                    </a:lnB>
+                    <a:lnTlToBr w="12700" cmpd="sng">
+                      <a:noFill/>
+                      <a:prstDash val="solid"/>
+                    </a:lnTlToBr>
+                    <a:lnBlToTr w="12700" cmpd="sng">
+                      <a:noFill/>
+                      <a:prstDash val="solid"/>
+                    </a:lnBlToTr>
+                  </a:tcPr>
+                </a:tc>
+                <a:tc>
+                  <a:txBody>
+                    <a:bodyPr/>
+                    <a:lstStyle/>
+                    <a:p>
+                      <a:pPr algn="ctr"/>
+                      <a:r>
+                        <a:rPr lang="en-US" sz="1100" b="1" noProof="0" dirty="0">
+                          <a:latin typeface="CMU Sans Serif" panose="02000603000000000000" pitchFamily="2" charset="0"/>
+                          <a:ea typeface="CMU Sans Serif" panose="02000603000000000000" pitchFamily="2" charset="0"/>
+                          <a:cs typeface="CMU Sans Serif" panose="02000603000000000000" pitchFamily="2" charset="0"/>
+                        </a:rPr>
+                        <a:t>Vulnerability</a:t>
+                      </a:r>
+                      <a:r>
+                        <a:rPr lang="pt-BR" sz="1100" b="1" dirty="0">
+                          <a:latin typeface="CMU Sans Serif" panose="02000603000000000000" pitchFamily="2" charset="0"/>
+                          <a:ea typeface="CMU Sans Serif" panose="02000603000000000000" pitchFamily="2" charset="0"/>
+                          <a:cs typeface="CMU Sans Serif" panose="02000603000000000000" pitchFamily="2" charset="0"/>
+                        </a:rPr>
+                        <a:t> Range</a:t>
+                      </a:r>
+                    </a:p>
+                  </a:txBody>
+                  <a:tcPr anchor="b">
+                    <a:lnL w="12700" cmpd="sng">
+                      <a:noFill/>
+                    </a:lnL>
+                    <a:lnR w="12700" cmpd="sng">
+                      <a:noFill/>
+                    </a:lnR>
+                    <a:lnT w="12700" cmpd="sng">
+                      <a:noFill/>
+                    </a:lnT>
+                    <a:lnB w="12700" cmpd="sng">
+                      <a:noFill/>
+                    </a:lnB>
+                    <a:lnTlToBr w="12700" cmpd="sng">
+                      <a:noFill/>
+                      <a:prstDash val="solid"/>
+                    </a:lnTlToBr>
+                    <a:lnBlToTr w="12700" cmpd="sng">
+                      <a:noFill/>
+                      <a:prstDash val="solid"/>
+                    </a:lnBlToTr>
+                  </a:tcPr>
+                </a:tc>
+                <a:extLst>
+                  <a:ext uri="{0D108BD9-81ED-4DB2-BD59-A6C34878D82A}">
+                    <a16:rowId xmlns:a16="http://schemas.microsoft.com/office/drawing/2014/main" val="145143281"/>
+                  </a:ext>
+                </a:extLst>
+              </a:tr>
+              <a:tr h="252000">
+                <a:tc rowSpan="2">
+                  <a:txBody>
+                    <a:bodyPr/>
+                    <a:lstStyle/>
+                    <a:p>
+                      <a:pPr algn="r"/>
+                      <a:r>
+                        <a:rPr lang="en-US" sz="900" noProof="0" dirty="0">
+                          <a:latin typeface="CMU Sans Serif" panose="02000603000000000000" pitchFamily="2" charset="0"/>
+                          <a:ea typeface="CMU Sans Serif" panose="02000603000000000000" pitchFamily="2" charset="0"/>
+                          <a:cs typeface="CMU Sans Serif" panose="02000603000000000000" pitchFamily="2" charset="0"/>
+                        </a:rPr>
+                        <a:t>Reference Market Size</a:t>
+                      </a:r>
+                    </a:p>
+                  </a:txBody>
+                  <a:tcPr anchor="ctr">
+                    <a:lnL w="12700" cmpd="sng">
+                      <a:noFill/>
+                    </a:lnL>
+                    <a:lnR w="12700" cmpd="sng">
+                      <a:noFill/>
+                    </a:lnR>
+                    <a:lnT w="12700" cmpd="sng">
+                      <a:noFill/>
+                    </a:lnT>
+                    <a:lnB w="12700" cmpd="sng">
+                      <a:noFill/>
+                    </a:lnB>
+                    <a:lnTlToBr w="12700" cmpd="sng">
+                      <a:noFill/>
+                      <a:prstDash val="solid"/>
+                    </a:lnTlToBr>
+                    <a:lnBlToTr w="12700" cmpd="sng">
+                      <a:noFill/>
+                      <a:prstDash val="solid"/>
+                    </a:lnBlToTr>
+                  </a:tcPr>
+                </a:tc>
+                <a:tc>
+                  <a:txBody>
+                    <a:bodyPr/>
+                    <a:lstStyle/>
+                    <a:p>
+                      <a:pPr algn="l"/>
+                      <a:r>
+                        <a:rPr lang="pt-BR" sz="800" dirty="0">
+                          <a:solidFill>
+                            <a:schemeClr val="bg1">
+                              <a:lumMod val="50000"/>
+                            </a:schemeClr>
+                          </a:solidFill>
+                          <a:latin typeface="CMU Sans Serif" panose="02000603000000000000" pitchFamily="2" charset="0"/>
+                          <a:ea typeface="CMU Sans Serif" panose="02000603000000000000" pitchFamily="2" charset="0"/>
+                          <a:cs typeface="CMU Sans Serif" panose="02000603000000000000" pitchFamily="2" charset="0"/>
+                        </a:rPr>
+                        <a:t>25K                                                                                       100K</a:t>
+                      </a:r>
+                    </a:p>
+                  </a:txBody>
+                  <a:tcPr anchor="b">
+                    <a:lnL w="12700" cmpd="sng">
+                      <a:noFill/>
+                    </a:lnL>
+                    <a:lnR w="12700" cmpd="sng">
+                      <a:noFill/>
+                    </a:lnR>
+                    <a:lnT w="12700" cmpd="sng">
+                      <a:noFill/>
+                    </a:lnT>
+                    <a:lnB w="12700" cap="flat" cmpd="sng" algn="ctr">
+                      <a:solidFill>
+                        <a:schemeClr val="bg1">
+                          <a:lumMod val="75000"/>
+                        </a:schemeClr>
+                      </a:solidFill>
+                      <a:prstDash val="solid"/>
+                      <a:round/>
+                      <a:headEnd type="none" w="med" len="med"/>
+                      <a:tailEnd type="none" w="med" len="med"/>
+                    </a:lnB>
+                    <a:lnTlToBr w="12700" cmpd="sng">
+                      <a:noFill/>
+                      <a:prstDash val="solid"/>
+                    </a:lnTlToBr>
+                    <a:lnBlToTr w="12700" cmpd="sng">
+                      <a:noFill/>
+                      <a:prstDash val="solid"/>
+                    </a:lnBlToTr>
+                  </a:tcPr>
+                </a:tc>
+                <a:extLst>
+                  <a:ext uri="{0D108BD9-81ED-4DB2-BD59-A6C34878D82A}">
+                    <a16:rowId xmlns:a16="http://schemas.microsoft.com/office/drawing/2014/main" val="1941192736"/>
+                  </a:ext>
+                </a:extLst>
+              </a:tr>
+              <a:tr h="252000">
+                <a:tc vMerge="1">
+                  <a:txBody>
+                    <a:bodyPr/>
+                    <a:lstStyle/>
+                    <a:p>
+                      <a:endParaRPr lang="pt-BR"/>
+                    </a:p>
+                  </a:txBody>
+                  <a:tcPr/>
+                </a:tc>
+                <a:tc>
+                  <a:txBody>
+                    <a:bodyPr/>
+                    <a:lstStyle/>
+                    <a:p>
+                      <a:pPr algn="l"/>
+                      <a:r>
+                        <a:rPr lang="pt-BR" sz="800" dirty="0">
+                          <a:latin typeface="CMU Sans Serif" panose="02000603000000000000" pitchFamily="2" charset="0"/>
+                          <a:ea typeface="CMU Sans Serif" panose="02000603000000000000" pitchFamily="2" charset="0"/>
+                          <a:cs typeface="CMU Sans Serif" panose="02000603000000000000" pitchFamily="2" charset="0"/>
+                        </a:rPr>
+                        <a:t>                                         58K                                              100K</a:t>
+                      </a:r>
+                    </a:p>
+                  </a:txBody>
+                  <a:tcPr>
+                    <a:lnL w="12700" cmpd="sng">
+                      <a:noFill/>
+                    </a:lnL>
+                    <a:lnR w="12700" cmpd="sng">
+                      <a:noFill/>
+                    </a:lnR>
+                    <a:lnT w="12700" cap="flat" cmpd="sng" algn="ctr">
+                      <a:solidFill>
+                        <a:schemeClr val="bg1">
+                          <a:lumMod val="75000"/>
+                        </a:schemeClr>
+                      </a:solidFill>
+                      <a:prstDash val="solid"/>
+                      <a:round/>
+                      <a:headEnd type="none" w="med" len="med"/>
+                      <a:tailEnd type="none" w="med" len="med"/>
+                    </a:lnT>
+                    <a:lnB w="12700" cmpd="sng">
+                      <a:noFill/>
+                    </a:lnB>
+                    <a:lnTlToBr w="12700" cmpd="sng">
+                      <a:noFill/>
+                      <a:prstDash val="solid"/>
+                    </a:lnTlToBr>
+                    <a:lnBlToTr w="12700" cmpd="sng">
+                      <a:noFill/>
+                      <a:prstDash val="solid"/>
+                    </a:lnBlToTr>
+                  </a:tcPr>
+                </a:tc>
+                <a:extLst>
+                  <a:ext uri="{0D108BD9-81ED-4DB2-BD59-A6C34878D82A}">
+                    <a16:rowId xmlns:a16="http://schemas.microsoft.com/office/drawing/2014/main" val="1639889444"/>
+                  </a:ext>
+                </a:extLst>
+              </a:tr>
+              <a:tr h="252000">
+                <a:tc rowSpan="2">
+                  <a:txBody>
+                    <a:bodyPr/>
+                    <a:lstStyle/>
+                    <a:p>
+                      <a:pPr algn="r"/>
+                      <a:r>
+                        <a:rPr lang="en-US" sz="900" noProof="0" dirty="0">
+                          <a:latin typeface="CMU Sans Serif" panose="02000603000000000000" pitchFamily="2" charset="0"/>
+                          <a:ea typeface="CMU Sans Serif" panose="02000603000000000000" pitchFamily="2" charset="0"/>
+                          <a:cs typeface="CMU Sans Serif" panose="02000603000000000000" pitchFamily="2" charset="0"/>
+                        </a:rPr>
+                        <a:t>Capacity Utilization %</a:t>
+                      </a:r>
+                    </a:p>
+                  </a:txBody>
+                  <a:tcPr anchor="ctr">
+                    <a:lnL w="12700" cmpd="sng">
+                      <a:noFill/>
+                    </a:lnL>
+                    <a:lnR w="12700" cmpd="sng">
+                      <a:noFill/>
+                    </a:lnR>
+                    <a:lnT w="12700" cmpd="sng">
+                      <a:noFill/>
+                    </a:lnT>
+                    <a:lnB w="12700" cmpd="sng">
+                      <a:noFill/>
+                    </a:lnB>
+                    <a:lnTlToBr w="12700" cmpd="sng">
+                      <a:noFill/>
+                      <a:prstDash val="solid"/>
+                    </a:lnTlToBr>
+                    <a:lnBlToTr w="12700" cmpd="sng">
+                      <a:noFill/>
+                      <a:prstDash val="solid"/>
+                    </a:lnBlToTr>
+                  </a:tcPr>
+                </a:tc>
+                <a:tc>
+                  <a:txBody>
+                    <a:bodyPr/>
+                    <a:lstStyle/>
+                    <a:p>
+                      <a:pPr algn="l"/>
+                      <a:r>
+                        <a:rPr lang="pt-BR" sz="800" dirty="0">
+                          <a:solidFill>
+                            <a:schemeClr val="bg1">
+                              <a:lumMod val="50000"/>
+                            </a:schemeClr>
+                          </a:solidFill>
+                          <a:latin typeface="CMU Sans Serif" panose="02000603000000000000" pitchFamily="2" charset="0"/>
+                          <a:ea typeface="CMU Sans Serif" panose="02000603000000000000" pitchFamily="2" charset="0"/>
+                          <a:cs typeface="CMU Sans Serif" panose="02000603000000000000" pitchFamily="2" charset="0"/>
+                        </a:rPr>
+                        <a:t>0,6                                                                                             1</a:t>
+                      </a:r>
+                    </a:p>
+                  </a:txBody>
+                  <a:tcPr anchor="b">
+                    <a:lnL w="12700" cmpd="sng">
+                      <a:noFill/>
+                    </a:lnL>
+                    <a:lnR w="12700" cmpd="sng">
+                      <a:noFill/>
+                    </a:lnR>
+                    <a:lnT w="12700" cmpd="sng">
+                      <a:noFill/>
+                    </a:lnT>
+                    <a:lnB w="12700" cap="flat" cmpd="sng" algn="ctr">
+                      <a:solidFill>
+                        <a:schemeClr val="bg1">
+                          <a:lumMod val="75000"/>
+                        </a:schemeClr>
+                      </a:solidFill>
+                      <a:prstDash val="solid"/>
+                      <a:round/>
+                      <a:headEnd type="none" w="med" len="med"/>
+                      <a:tailEnd type="none" w="med" len="med"/>
+                    </a:lnB>
+                    <a:lnTlToBr w="12700" cmpd="sng">
+                      <a:noFill/>
+                      <a:prstDash val="solid"/>
+                    </a:lnTlToBr>
+                    <a:lnBlToTr w="12700" cmpd="sng">
+                      <a:noFill/>
+                      <a:prstDash val="solid"/>
+                    </a:lnBlToTr>
+                  </a:tcPr>
+                </a:tc>
+                <a:extLst>
+                  <a:ext uri="{0D108BD9-81ED-4DB2-BD59-A6C34878D82A}">
+                    <a16:rowId xmlns:a16="http://schemas.microsoft.com/office/drawing/2014/main" val="1642731224"/>
+                  </a:ext>
+                </a:extLst>
+              </a:tr>
+              <a:tr h="252000">
+                <a:tc vMerge="1">
+                  <a:txBody>
+                    <a:bodyPr/>
+                    <a:lstStyle/>
+                    <a:p>
+                      <a:endParaRPr lang="pt-BR"/>
+                    </a:p>
+                  </a:txBody>
+                  <a:tcPr/>
+                </a:tc>
+                <a:tc>
+                  <a:txBody>
+                    <a:bodyPr/>
+                    <a:lstStyle/>
+                    <a:p>
+                      <a:pPr algn="l"/>
+                      <a:r>
+                        <a:rPr lang="pt-BR" sz="800" dirty="0">
+                          <a:latin typeface="CMU Sans Serif" panose="02000603000000000000" pitchFamily="2" charset="0"/>
+                          <a:ea typeface="CMU Sans Serif" panose="02000603000000000000" pitchFamily="2" charset="0"/>
+                          <a:cs typeface="CMU Sans Serif" panose="02000603000000000000" pitchFamily="2" charset="0"/>
+                        </a:rPr>
+                        <a:t>0,626                                                0,864</a:t>
+                      </a:r>
+                    </a:p>
+                  </a:txBody>
+                  <a:tcPr>
+                    <a:lnL w="12700" cmpd="sng">
+                      <a:noFill/>
+                    </a:lnL>
+                    <a:lnR w="12700" cmpd="sng">
+                      <a:noFill/>
+                    </a:lnR>
+                    <a:lnT w="12700" cap="flat" cmpd="sng" algn="ctr">
+                      <a:solidFill>
+                        <a:schemeClr val="bg1">
+                          <a:lumMod val="75000"/>
+                        </a:schemeClr>
+                      </a:solidFill>
+                      <a:prstDash val="solid"/>
+                      <a:round/>
+                      <a:headEnd type="none" w="med" len="med"/>
+                      <a:tailEnd type="none" w="med" len="med"/>
+                    </a:lnT>
+                    <a:lnB w="12700" cmpd="sng">
+                      <a:noFill/>
+                    </a:lnB>
+                    <a:lnTlToBr w="12700" cmpd="sng">
+                      <a:noFill/>
+                      <a:prstDash val="solid"/>
+                    </a:lnTlToBr>
+                    <a:lnBlToTr w="12700" cmpd="sng">
+                      <a:noFill/>
+                      <a:prstDash val="solid"/>
+                    </a:lnBlToTr>
+                  </a:tcPr>
+                </a:tc>
+                <a:extLst>
+                  <a:ext uri="{0D108BD9-81ED-4DB2-BD59-A6C34878D82A}">
+                    <a16:rowId xmlns:a16="http://schemas.microsoft.com/office/drawing/2014/main" val="1361060795"/>
+                  </a:ext>
+                </a:extLst>
+              </a:tr>
+              <a:tr h="252000">
+                <a:tc rowSpan="2">
+                  <a:txBody>
+                    <a:bodyPr/>
+                    <a:lstStyle/>
+                    <a:p>
+                      <a:pPr algn="r"/>
+                      <a:r>
+                        <a:rPr lang="en-US" sz="900" dirty="0">
+                          <a:latin typeface="CMU Sans Serif" panose="02000603000000000000" pitchFamily="2" charset="0"/>
+                          <a:ea typeface="CMU Sans Serif" panose="02000603000000000000" pitchFamily="2" charset="0"/>
+                          <a:cs typeface="CMU Sans Serif" panose="02000603000000000000" pitchFamily="2" charset="0"/>
+                        </a:rPr>
+                        <a:t>Player 2 Desired Market Share</a:t>
+                      </a:r>
+                    </a:p>
+                  </a:txBody>
+                  <a:tcPr anchor="ctr">
+                    <a:lnL w="12700" cmpd="sng">
+                      <a:noFill/>
+                    </a:lnL>
+                    <a:lnR w="12700" cmpd="sng">
+                      <a:noFill/>
+                    </a:lnR>
+                    <a:lnT w="12700" cmpd="sng">
+                      <a:noFill/>
+                    </a:lnT>
+                    <a:lnB w="12700" cmpd="sng">
+                      <a:noFill/>
+                    </a:lnB>
+                    <a:lnTlToBr w="12700" cmpd="sng">
+                      <a:noFill/>
+                      <a:prstDash val="solid"/>
+                    </a:lnTlToBr>
+                    <a:lnBlToTr w="12700" cmpd="sng">
+                      <a:noFill/>
+                      <a:prstDash val="solid"/>
+                    </a:lnBlToTr>
+                  </a:tcPr>
+                </a:tc>
+                <a:tc>
+                  <a:txBody>
+                    <a:bodyPr/>
+                    <a:lstStyle/>
+                    <a:p>
+                      <a:pPr marL="0" marR="0" lvl="0" indent="0" algn="l" defTabSz="575981" rtl="0" eaLnBrk="1" fontAlgn="auto" latinLnBrk="0" hangingPunct="1">
+                        <a:lnSpc>
+                          <a:spcPct val="100000"/>
+                        </a:lnSpc>
+                        <a:spcBef>
+                          <a:spcPts val="0"/>
+                        </a:spcBef>
+                        <a:spcAft>
+                          <a:spcPts val="0"/>
+                        </a:spcAft>
+                        <a:buClrTx/>
+                        <a:buSzTx/>
+                        <a:buFontTx/>
+                        <a:buNone/>
+                        <a:tabLst/>
+                        <a:defRPr/>
+                      </a:pPr>
+                      <a:r>
+                        <a:rPr lang="pt-BR" sz="800" dirty="0">
+                          <a:solidFill>
+                            <a:schemeClr val="bg1">
+                              <a:lumMod val="50000"/>
+                            </a:schemeClr>
+                          </a:solidFill>
+                          <a:latin typeface="CMU Sans Serif" panose="02000603000000000000" pitchFamily="2" charset="0"/>
+                          <a:ea typeface="CMU Sans Serif" panose="02000603000000000000" pitchFamily="2" charset="0"/>
+                          <a:cs typeface="CMU Sans Serif" panose="02000603000000000000" pitchFamily="2" charset="0"/>
+                        </a:rPr>
+                        <a:t>0,29                                                                                        0,58</a:t>
+                      </a:r>
+                    </a:p>
+                  </a:txBody>
+                  <a:tcPr anchor="b">
+                    <a:lnL w="12700" cmpd="sng">
+                      <a:noFill/>
+                    </a:lnL>
+                    <a:lnR w="12700" cmpd="sng">
+                      <a:noFill/>
+                    </a:lnR>
+                    <a:lnT w="12700" cmpd="sng">
+                      <a:noFill/>
+                    </a:lnT>
+                    <a:lnB w="12700" cap="flat" cmpd="sng" algn="ctr">
+                      <a:solidFill>
+                        <a:schemeClr val="bg1">
+                          <a:lumMod val="75000"/>
+                        </a:schemeClr>
+                      </a:solidFill>
+                      <a:prstDash val="solid"/>
+                      <a:round/>
+                      <a:headEnd type="none" w="med" len="med"/>
+                      <a:tailEnd type="none" w="med" len="med"/>
+                    </a:lnB>
+                    <a:lnTlToBr w="12700" cmpd="sng">
+                      <a:noFill/>
+                      <a:prstDash val="solid"/>
+                    </a:lnTlToBr>
+                    <a:lnBlToTr w="12700" cmpd="sng">
+                      <a:noFill/>
+                      <a:prstDash val="solid"/>
+                    </a:lnBlToTr>
+                  </a:tcPr>
+                </a:tc>
+                <a:extLst>
+                  <a:ext uri="{0D108BD9-81ED-4DB2-BD59-A6C34878D82A}">
+                    <a16:rowId xmlns:a16="http://schemas.microsoft.com/office/drawing/2014/main" val="1404429461"/>
+                  </a:ext>
+                </a:extLst>
+              </a:tr>
+              <a:tr h="252000">
+                <a:tc vMerge="1">
+                  <a:txBody>
+                    <a:bodyPr/>
+                    <a:lstStyle/>
+                    <a:p>
+                      <a:endParaRPr lang="pt-BR"/>
+                    </a:p>
+                  </a:txBody>
+                  <a:tcPr/>
+                </a:tc>
+                <a:tc>
+                  <a:txBody>
+                    <a:bodyPr/>
+                    <a:lstStyle/>
+                    <a:p>
+                      <a:pPr marL="0" marR="0" lvl="0" indent="0" algn="l" defTabSz="575981" rtl="0" eaLnBrk="1" fontAlgn="auto" latinLnBrk="0" hangingPunct="1">
+                        <a:lnSpc>
+                          <a:spcPct val="100000"/>
+                        </a:lnSpc>
+                        <a:spcBef>
+                          <a:spcPts val="0"/>
+                        </a:spcBef>
+                        <a:spcAft>
+                          <a:spcPts val="0"/>
+                        </a:spcAft>
+                        <a:buClrTx/>
+                        <a:buSzTx/>
+                        <a:buFontTx/>
+                        <a:buNone/>
+                        <a:tabLst/>
+                        <a:defRPr/>
+                      </a:pPr>
+                      <a:r>
+                        <a:rPr lang="pt-BR" sz="800" dirty="0">
+                          <a:latin typeface="CMU Sans Serif" panose="02000603000000000000" pitchFamily="2" charset="0"/>
+                          <a:ea typeface="CMU Sans Serif" panose="02000603000000000000" pitchFamily="2" charset="0"/>
+                          <a:cs typeface="CMU Sans Serif" panose="02000603000000000000" pitchFamily="2" charset="0"/>
+                        </a:rPr>
+                        <a:t>      0,325                                                                0,528</a:t>
+                      </a:r>
+                    </a:p>
+                  </a:txBody>
+                  <a:tcPr>
+                    <a:lnL w="12700" cmpd="sng">
+                      <a:noFill/>
+                    </a:lnL>
+                    <a:lnR w="12700" cmpd="sng">
+                      <a:noFill/>
+                    </a:lnR>
+                    <a:lnT w="12700" cap="flat" cmpd="sng" algn="ctr">
+                      <a:solidFill>
+                        <a:schemeClr val="bg1">
+                          <a:lumMod val="75000"/>
+                        </a:schemeClr>
+                      </a:solidFill>
+                      <a:prstDash val="solid"/>
+                      <a:round/>
+                      <a:headEnd type="none" w="med" len="med"/>
+                      <a:tailEnd type="none" w="med" len="med"/>
+                    </a:lnT>
+                    <a:lnB w="12700" cmpd="sng">
+                      <a:noFill/>
+                    </a:lnB>
+                    <a:lnTlToBr w="12700" cmpd="sng">
+                      <a:noFill/>
+                      <a:prstDash val="solid"/>
+                    </a:lnTlToBr>
+                    <a:lnBlToTr w="12700" cmpd="sng">
+                      <a:noFill/>
+                      <a:prstDash val="solid"/>
+                    </a:lnBlToTr>
+                  </a:tcPr>
+                </a:tc>
+                <a:extLst>
+                  <a:ext uri="{0D108BD9-81ED-4DB2-BD59-A6C34878D82A}">
+                    <a16:rowId xmlns:a16="http://schemas.microsoft.com/office/drawing/2014/main" val="3494853704"/>
+                  </a:ext>
+                </a:extLst>
+              </a:tr>
+              <a:tr h="252000">
+                <a:tc rowSpan="2">
+                  <a:txBody>
+                    <a:bodyPr/>
+                    <a:lstStyle/>
+                    <a:p>
+                      <a:pPr algn="r"/>
+                      <a:r>
+                        <a:rPr lang="en-US" sz="900" noProof="0" dirty="0">
+                          <a:latin typeface="CMU Sans Serif" panose="02000603000000000000" pitchFamily="2" charset="0"/>
+                          <a:ea typeface="CMU Sans Serif" panose="02000603000000000000" pitchFamily="2" charset="0"/>
+                          <a:cs typeface="CMU Sans Serif" panose="02000603000000000000" pitchFamily="2" charset="0"/>
+                        </a:rPr>
+                        <a:t>Player 4 Capacity Strategy</a:t>
+                      </a:r>
+                    </a:p>
+                  </a:txBody>
+                  <a:tcPr anchor="ctr">
+                    <a:lnL w="12700" cmpd="sng">
+                      <a:noFill/>
+                    </a:lnL>
+                    <a:lnR w="12700" cmpd="sng">
+                      <a:noFill/>
+                    </a:lnR>
+                    <a:lnT w="12700" cmpd="sng">
+                      <a:noFill/>
+                    </a:lnT>
+                    <a:lnB w="12700" cmpd="sng">
+                      <a:noFill/>
+                    </a:lnB>
+                    <a:lnTlToBr w="12700" cmpd="sng">
+                      <a:noFill/>
+                      <a:prstDash val="solid"/>
+                    </a:lnTlToBr>
+                    <a:lnBlToTr w="12700" cmpd="sng">
+                      <a:noFill/>
+                      <a:prstDash val="solid"/>
+                    </a:lnBlToTr>
+                  </a:tcPr>
+                </a:tc>
+                <a:tc>
+                  <a:txBody>
+                    <a:bodyPr/>
+                    <a:lstStyle/>
+                    <a:p>
+                      <a:pPr marL="0" marR="0" lvl="0" indent="0" algn="l" defTabSz="575981" rtl="0" eaLnBrk="1" fontAlgn="auto" latinLnBrk="0" hangingPunct="1">
+                        <a:lnSpc>
+                          <a:spcPct val="100000"/>
+                        </a:lnSpc>
+                        <a:spcBef>
+                          <a:spcPts val="0"/>
+                        </a:spcBef>
+                        <a:spcAft>
+                          <a:spcPts val="0"/>
+                        </a:spcAft>
+                        <a:buClrTx/>
+                        <a:buSzTx/>
+                        <a:buFontTx/>
+                        <a:buNone/>
+                        <a:tabLst/>
+                        <a:defRPr/>
+                      </a:pPr>
+                      <a:r>
+                        <a:rPr lang="pt-BR" sz="800" dirty="0">
+                          <a:solidFill>
+                            <a:schemeClr val="bg1">
+                              <a:lumMod val="50000"/>
+                            </a:schemeClr>
+                          </a:solidFill>
+                          <a:latin typeface="CMU Sans Serif" panose="02000603000000000000" pitchFamily="2" charset="0"/>
+                          <a:ea typeface="CMU Sans Serif" panose="02000603000000000000" pitchFamily="2" charset="0"/>
+                          <a:cs typeface="CMU Sans Serif" panose="02000603000000000000" pitchFamily="2" charset="0"/>
+                        </a:rPr>
+                        <a:t>0,5                                                                                           2,5</a:t>
+                      </a:r>
+                    </a:p>
+                  </a:txBody>
+                  <a:tcPr anchor="b">
+                    <a:lnL w="12700" cmpd="sng">
+                      <a:noFill/>
+                    </a:lnL>
+                    <a:lnR w="12700" cmpd="sng">
+                      <a:noFill/>
+                    </a:lnR>
+                    <a:lnT w="12700" cmpd="sng">
+                      <a:noFill/>
+                    </a:lnT>
+                    <a:lnB w="12700" cap="flat" cmpd="sng" algn="ctr">
+                      <a:solidFill>
+                        <a:schemeClr val="bg1">
+                          <a:lumMod val="75000"/>
+                        </a:schemeClr>
+                      </a:solidFill>
+                      <a:prstDash val="solid"/>
+                      <a:round/>
+                      <a:headEnd type="none" w="med" len="med"/>
+                      <a:tailEnd type="none" w="med" len="med"/>
+                    </a:lnB>
+                    <a:lnTlToBr w="12700" cmpd="sng">
+                      <a:noFill/>
+                      <a:prstDash val="solid"/>
+                    </a:lnTlToBr>
+                    <a:lnBlToTr w="12700" cmpd="sng">
+                      <a:noFill/>
+                      <a:prstDash val="solid"/>
+                    </a:lnBlToTr>
+                  </a:tcPr>
+                </a:tc>
+                <a:extLst>
+                  <a:ext uri="{0D108BD9-81ED-4DB2-BD59-A6C34878D82A}">
+                    <a16:rowId xmlns:a16="http://schemas.microsoft.com/office/drawing/2014/main" val="2654987933"/>
+                  </a:ext>
+                </a:extLst>
+              </a:tr>
+              <a:tr h="252000">
+                <a:tc vMerge="1">
+                  <a:txBody>
+                    <a:bodyPr/>
+                    <a:lstStyle/>
+                    <a:p>
+                      <a:endParaRPr lang="pt-BR"/>
+                    </a:p>
+                  </a:txBody>
+                  <a:tcPr/>
+                </a:tc>
+                <a:tc>
+                  <a:txBody>
+                    <a:bodyPr/>
+                    <a:lstStyle/>
+                    <a:p>
+                      <a:pPr marL="0" marR="0" lvl="0" indent="0" algn="l" defTabSz="575981" rtl="0" eaLnBrk="1" fontAlgn="auto" latinLnBrk="0" hangingPunct="1">
+                        <a:lnSpc>
+                          <a:spcPct val="100000"/>
+                        </a:lnSpc>
+                        <a:spcBef>
+                          <a:spcPts val="0"/>
+                        </a:spcBef>
+                        <a:spcAft>
+                          <a:spcPts val="0"/>
+                        </a:spcAft>
+                        <a:buClrTx/>
+                        <a:buSzTx/>
+                        <a:buFontTx/>
+                        <a:buNone/>
+                        <a:tabLst/>
+                        <a:defRPr/>
+                      </a:pPr>
+                      <a:r>
+                        <a:rPr lang="pt-BR" sz="800" dirty="0">
+                          <a:latin typeface="CMU Sans Serif" panose="02000603000000000000" pitchFamily="2" charset="0"/>
+                          <a:ea typeface="CMU Sans Serif" panose="02000603000000000000" pitchFamily="2" charset="0"/>
+                          <a:cs typeface="CMU Sans Serif" panose="02000603000000000000" pitchFamily="2" charset="0"/>
+                        </a:rPr>
+                        <a:t>0,611                                                                      2,14</a:t>
+                      </a:r>
+                    </a:p>
+                  </a:txBody>
+                  <a:tcPr anchor="ctr">
+                    <a:lnL w="12700" cmpd="sng">
+                      <a:noFill/>
+                    </a:lnL>
+                    <a:lnR w="12700" cmpd="sng">
+                      <a:noFill/>
+                    </a:lnR>
+                    <a:lnT w="12700" cap="flat" cmpd="sng" algn="ctr">
+                      <a:solidFill>
+                        <a:schemeClr val="bg1">
+                          <a:lumMod val="75000"/>
+                        </a:schemeClr>
+                      </a:solidFill>
+                      <a:prstDash val="solid"/>
+                      <a:round/>
+                      <a:headEnd type="none" w="med" len="med"/>
+                      <a:tailEnd type="none" w="med" len="med"/>
+                    </a:lnT>
+                    <a:lnB w="12700" cmpd="sng">
+                      <a:noFill/>
+                    </a:lnB>
+                    <a:lnTlToBr w="12700" cmpd="sng">
+                      <a:noFill/>
+                      <a:prstDash val="solid"/>
+                    </a:lnTlToBr>
+                    <a:lnBlToTr w="12700" cmpd="sng">
+                      <a:noFill/>
+                      <a:prstDash val="solid"/>
+                    </a:lnBlToTr>
+                  </a:tcPr>
+                </a:tc>
+                <a:extLst>
+                  <a:ext uri="{0D108BD9-81ED-4DB2-BD59-A6C34878D82A}">
+                    <a16:rowId xmlns:a16="http://schemas.microsoft.com/office/drawing/2014/main" val="2962924277"/>
+                  </a:ext>
+                </a:extLst>
+              </a:tr>
+              <a:tr h="252000">
+                <a:tc rowSpan="2">
+                  <a:txBody>
+                    <a:bodyPr/>
+                    <a:lstStyle/>
+                    <a:p>
+                      <a:pPr algn="r"/>
+                      <a:r>
+                        <a:rPr lang="en-US" sz="900" noProof="0" dirty="0">
+                          <a:latin typeface="CMU Sans Serif" panose="02000603000000000000" pitchFamily="2" charset="0"/>
+                          <a:ea typeface="CMU Sans Serif" panose="02000603000000000000" pitchFamily="2" charset="0"/>
+                          <a:cs typeface="CMU Sans Serif" panose="02000603000000000000" pitchFamily="2" charset="0"/>
+                        </a:rPr>
+                        <a:t>Market Share Sensitivity to Price</a:t>
+                      </a:r>
+                    </a:p>
+                  </a:txBody>
+                  <a:tcPr anchor="ctr">
+                    <a:lnL w="12700" cmpd="sng">
+                      <a:noFill/>
+                    </a:lnL>
+                    <a:lnR w="12700" cmpd="sng">
+                      <a:noFill/>
+                    </a:lnR>
+                    <a:lnT w="12700" cmpd="sng">
+                      <a:noFill/>
+                    </a:lnT>
+                    <a:lnB w="12700" cmpd="sng">
+                      <a:noFill/>
+                    </a:lnB>
+                    <a:lnTlToBr w="12700" cmpd="sng">
+                      <a:noFill/>
+                      <a:prstDash val="solid"/>
+                    </a:lnTlToBr>
+                    <a:lnBlToTr w="12700" cmpd="sng">
+                      <a:noFill/>
+                      <a:prstDash val="solid"/>
+                    </a:lnBlToTr>
+                  </a:tcPr>
+                </a:tc>
+                <a:tc>
+                  <a:txBody>
+                    <a:bodyPr/>
+                    <a:lstStyle/>
+                    <a:p>
+                      <a:pPr marL="0" marR="0" lvl="0" indent="0" algn="l" defTabSz="575981" rtl="0" eaLnBrk="1" fontAlgn="auto" latinLnBrk="0" hangingPunct="1">
+                        <a:lnSpc>
+                          <a:spcPct val="100000"/>
+                        </a:lnSpc>
+                        <a:spcBef>
+                          <a:spcPts val="0"/>
+                        </a:spcBef>
+                        <a:spcAft>
+                          <a:spcPts val="0"/>
+                        </a:spcAft>
+                        <a:buClrTx/>
+                        <a:buSzTx/>
+                        <a:buFontTx/>
+                        <a:buNone/>
+                        <a:tabLst/>
+                        <a:defRPr/>
+                      </a:pPr>
+                      <a:r>
+                        <a:rPr lang="pt-BR" sz="800" dirty="0">
+                          <a:solidFill>
+                            <a:schemeClr val="bg1">
+                              <a:lumMod val="50000"/>
+                            </a:schemeClr>
+                          </a:solidFill>
+                          <a:latin typeface="CMU Sans Serif" panose="02000603000000000000" pitchFamily="2" charset="0"/>
+                          <a:ea typeface="CMU Sans Serif" panose="02000603000000000000" pitchFamily="2" charset="0"/>
+                          <a:cs typeface="CMU Sans Serif" panose="02000603000000000000" pitchFamily="2" charset="0"/>
+                        </a:rPr>
+                        <a:t>-12                                                                                            -4</a:t>
+                      </a:r>
+                    </a:p>
+                  </a:txBody>
+                  <a:tcPr anchor="b">
+                    <a:lnL w="12700" cmpd="sng">
+                      <a:noFill/>
+                    </a:lnL>
+                    <a:lnR w="12700" cmpd="sng">
+                      <a:noFill/>
+                    </a:lnR>
+                    <a:lnT w="12700" cmpd="sng">
+                      <a:noFill/>
+                    </a:lnT>
+                    <a:lnB w="12700" cap="flat" cmpd="sng" algn="ctr">
+                      <a:solidFill>
+                        <a:schemeClr val="bg1">
+                          <a:lumMod val="75000"/>
+                        </a:schemeClr>
+                      </a:solidFill>
+                      <a:prstDash val="solid"/>
+                      <a:round/>
+                      <a:headEnd type="none" w="med" len="med"/>
+                      <a:tailEnd type="none" w="med" len="med"/>
+                    </a:lnB>
+                    <a:lnTlToBr w="12700" cmpd="sng">
+                      <a:noFill/>
+                      <a:prstDash val="solid"/>
+                    </a:lnTlToBr>
+                    <a:lnBlToTr w="12700" cmpd="sng">
+                      <a:noFill/>
+                      <a:prstDash val="solid"/>
+                    </a:lnBlToTr>
+                  </a:tcPr>
+                </a:tc>
+                <a:extLst>
+                  <a:ext uri="{0D108BD9-81ED-4DB2-BD59-A6C34878D82A}">
+                    <a16:rowId xmlns:a16="http://schemas.microsoft.com/office/drawing/2014/main" val="2429684244"/>
+                  </a:ext>
+                </a:extLst>
+              </a:tr>
+              <a:tr h="252000">
+                <a:tc vMerge="1">
+                  <a:txBody>
+                    <a:bodyPr/>
+                    <a:lstStyle/>
+                    <a:p>
+                      <a:endParaRPr lang="pt-BR"/>
+                    </a:p>
+                  </a:txBody>
+                  <a:tcPr/>
+                </a:tc>
+                <a:tc>
+                  <a:txBody>
+                    <a:bodyPr/>
+                    <a:lstStyle/>
+                    <a:p>
+                      <a:pPr marL="0" marR="0" lvl="0" indent="0" algn="l" defTabSz="575981" rtl="0" eaLnBrk="1" fontAlgn="auto" latinLnBrk="0" hangingPunct="1">
+                        <a:lnSpc>
+                          <a:spcPct val="100000"/>
+                        </a:lnSpc>
+                        <a:spcBef>
+                          <a:spcPts val="0"/>
+                        </a:spcBef>
+                        <a:spcAft>
+                          <a:spcPts val="0"/>
+                        </a:spcAft>
+                        <a:buClrTx/>
+                        <a:buSzTx/>
+                        <a:buFontTx/>
+                        <a:buNone/>
+                        <a:tabLst/>
+                        <a:defRPr/>
+                      </a:pPr>
+                      <a:r>
+                        <a:rPr lang="pt-BR" sz="800" dirty="0">
+                          <a:latin typeface="CMU Sans Serif" panose="02000603000000000000" pitchFamily="2" charset="0"/>
+                          <a:ea typeface="CMU Sans Serif" panose="02000603000000000000" pitchFamily="2" charset="0"/>
+                          <a:cs typeface="CMU Sans Serif" panose="02000603000000000000" pitchFamily="2" charset="0"/>
+                        </a:rPr>
+                        <a:t> -11,3                                                                                     -4,01</a:t>
+                      </a:r>
+                    </a:p>
+                  </a:txBody>
+                  <a:tcPr>
+                    <a:lnL w="12700" cmpd="sng">
+                      <a:noFill/>
+                    </a:lnL>
+                    <a:lnR w="12700" cmpd="sng">
+                      <a:noFill/>
+                    </a:lnR>
+                    <a:lnT w="12700" cap="flat" cmpd="sng" algn="ctr">
+                      <a:solidFill>
+                        <a:schemeClr val="bg1">
+                          <a:lumMod val="75000"/>
+                        </a:schemeClr>
+                      </a:solidFill>
+                      <a:prstDash val="solid"/>
+                      <a:round/>
+                      <a:headEnd type="none" w="med" len="med"/>
+                      <a:tailEnd type="none" w="med" len="med"/>
+                    </a:lnT>
+                    <a:lnB w="12700" cap="flat" cmpd="sng" algn="ctr">
+                      <a:noFill/>
+                      <a:prstDash val="solid"/>
+                      <a:round/>
+                      <a:headEnd type="none" w="med" len="med"/>
+                      <a:tailEnd type="none" w="med" len="med"/>
+                    </a:lnB>
+                    <a:lnTlToBr w="12700" cmpd="sng">
+                      <a:noFill/>
+                      <a:prstDash val="solid"/>
+                    </a:lnTlToBr>
+                    <a:lnBlToTr w="12700" cmpd="sng">
+                      <a:noFill/>
+                      <a:prstDash val="solid"/>
+                    </a:lnBlToTr>
+                  </a:tcPr>
+                </a:tc>
+                <a:extLst>
+                  <a:ext uri="{0D108BD9-81ED-4DB2-BD59-A6C34878D82A}">
+                    <a16:rowId xmlns:a16="http://schemas.microsoft.com/office/drawing/2014/main" val="2989534437"/>
+                  </a:ext>
+                </a:extLst>
+              </a:tr>
+              <a:tr h="256960">
+                <a:tc gridSpan="2">
+                  <a:txBody>
+                    <a:bodyPr/>
+                    <a:lstStyle/>
+                    <a:p>
+                      <a:pPr algn="ctr"/>
+                      <a:r>
+                        <a:rPr lang="en-US" sz="900" noProof="0" dirty="0">
+                          <a:latin typeface="CMU Sans Serif" panose="02000603000000000000" pitchFamily="2" charset="0"/>
+                          <a:ea typeface="CMU Sans Serif" panose="02000603000000000000" pitchFamily="2" charset="0"/>
+                          <a:cs typeface="CMU Sans Serif" panose="02000603000000000000" pitchFamily="2" charset="0"/>
+                        </a:rPr>
+                        <a:t>Coverage: 46%, Density: 82,6%, Mass: 14 %</a:t>
+                      </a:r>
+                    </a:p>
+                  </a:txBody>
+                  <a:tcPr anchor="ctr">
+                    <a:lnL w="12700" cmpd="sng">
+                      <a:noFill/>
+                    </a:lnL>
+                    <a:lnR w="12700" cmpd="sng">
+                      <a:noFill/>
+                    </a:lnR>
+                    <a:lnT w="12700" cmpd="sng">
+                      <a:noFill/>
+                    </a:lnT>
+                    <a:lnB w="12700" cmpd="sng">
+                      <a:noFill/>
+                    </a:lnB>
+                    <a:lnTlToBr w="12700" cmpd="sng">
+                      <a:noFill/>
+                      <a:prstDash val="solid"/>
+                    </a:lnTlToBr>
+                    <a:lnBlToTr w="12700" cmpd="sng">
+                      <a:noFill/>
+                      <a:prstDash val="solid"/>
+                    </a:lnBlToTr>
+                  </a:tcPr>
+                </a:tc>
+                <a:tc hMerge="1">
+                  <a:txBody>
+                    <a:bodyPr/>
+                    <a:lstStyle/>
+                    <a:p>
+                      <a:pPr marL="0" marR="0" lvl="0" indent="0" algn="l" defTabSz="575981" rtl="0" eaLnBrk="1" fontAlgn="auto" latinLnBrk="0" hangingPunct="1">
+                        <a:lnSpc>
+                          <a:spcPct val="100000"/>
+                        </a:lnSpc>
+                        <a:spcBef>
+                          <a:spcPts val="0"/>
+                        </a:spcBef>
+                        <a:spcAft>
+                          <a:spcPts val="0"/>
+                        </a:spcAft>
+                        <a:buClrTx/>
+                        <a:buSzTx/>
+                        <a:buFontTx/>
+                        <a:buNone/>
+                        <a:tabLst/>
+                        <a:defRPr/>
+                      </a:pPr>
+                      <a:endParaRPr lang="pt-BR" sz="1100" dirty="0">
+                        <a:latin typeface="Times New Roman" panose="02020603050405020304" pitchFamily="18" charset="0"/>
+                        <a:cs typeface="Times New Roman" panose="02020603050405020304" pitchFamily="18" charset="0"/>
+                      </a:endParaRPr>
+                    </a:p>
+                  </a:txBody>
+                  <a:tcPr>
+                    <a:lnL w="12700" cmpd="sng">
+                      <a:noFill/>
+                    </a:lnL>
+                    <a:lnR w="12700" cmpd="sng">
+                      <a:noFill/>
+                    </a:lnR>
+                    <a:lnT w="12700" cap="flat" cmpd="sng" algn="ctr">
+                      <a:solidFill>
+                        <a:schemeClr val="bg1">
+                          <a:lumMod val="75000"/>
+                        </a:schemeClr>
+                      </a:solidFill>
+                      <a:prstDash val="solid"/>
+                      <a:round/>
+                      <a:headEnd type="none" w="med" len="med"/>
+                      <a:tailEnd type="none" w="med" len="med"/>
+                    </a:lnT>
+                    <a:lnB w="12700" cmpd="sng">
+                      <a:noFill/>
+                    </a:lnB>
+                    <a:lnTlToBr w="12700" cmpd="sng">
+                      <a:noFill/>
+                      <a:prstDash val="solid"/>
+                    </a:lnTlToBr>
+                    <a:lnBlToTr w="12700" cmpd="sng">
+                      <a:noFill/>
+                      <a:prstDash val="solid"/>
+                    </a:lnBlToTr>
+                  </a:tcPr>
+                </a:tc>
+                <a:extLst>
+                  <a:ext uri="{0D108BD9-81ED-4DB2-BD59-A6C34878D82A}">
+                    <a16:rowId xmlns:a16="http://schemas.microsoft.com/office/drawing/2014/main" val="1770878923"/>
+                  </a:ext>
+                </a:extLst>
+              </a:tr>
+            </a:tbl>
+          </a:graphicData>
+        </a:graphic>
+      </p:graphicFrame>
+      <p:cxnSp>
+        <p:nvCxnSpPr>
+          <p:cNvPr id="141" name="Conector de Seta Reta 140">
+            <a:extLst>
+              <a:ext uri="{FF2B5EF4-FFF2-40B4-BE49-F238E27FC236}">
+                <a16:creationId xmlns:a16="http://schemas.microsoft.com/office/drawing/2014/main" id="{BDEF37A2-59B3-425C-9498-9853DD4A6C99}"/>
+              </a:ext>
+            </a:extLst>
+          </p:cNvPr>
+          <p:cNvCxnSpPr>
+            <a:cxnSpLocks/>
+          </p:cNvCxnSpPr>
+          <p:nvPr/>
+        </p:nvCxnSpPr>
+        <p:spPr>
+          <a:xfrm>
+            <a:off x="29200807" y="25746766"/>
+            <a:ext cx="1980220" cy="0"/>
+          </a:xfrm>
+          <a:prstGeom prst="straightConnector1">
+            <a:avLst/>
+          </a:prstGeom>
+          <a:ln>
+            <a:headEnd type="diamond"/>
+            <a:tailEnd type="diamond"/>
+          </a:ln>
+        </p:spPr>
+        <p:style>
+          <a:lnRef idx="2">
+            <a:schemeClr val="dk1"/>
+          </a:lnRef>
+          <a:fillRef idx="0">
+            <a:schemeClr val="dk1"/>
+          </a:fillRef>
+          <a:effectRef idx="1">
+            <a:schemeClr val="dk1"/>
+          </a:effectRef>
+          <a:fontRef idx="minor">
+            <a:schemeClr val="tx1"/>
+          </a:fontRef>
+        </p:style>
+      </p:cxnSp>
+      <p:cxnSp>
+        <p:nvCxnSpPr>
+          <p:cNvPr id="142" name="Conector de Seta Reta 141">
+            <a:extLst>
+              <a:ext uri="{FF2B5EF4-FFF2-40B4-BE49-F238E27FC236}">
+                <a16:creationId xmlns:a16="http://schemas.microsoft.com/office/drawing/2014/main" id="{DA07658F-F418-49D5-A587-ECD7A6780F9A}"/>
+              </a:ext>
+            </a:extLst>
+          </p:cNvPr>
+          <p:cNvCxnSpPr>
+            <a:cxnSpLocks/>
+          </p:cNvCxnSpPr>
+          <p:nvPr/>
+        </p:nvCxnSpPr>
+        <p:spPr>
+          <a:xfrm>
+            <a:off x="27832655" y="26269874"/>
+            <a:ext cx="2088232" cy="0"/>
+          </a:xfrm>
+          <a:prstGeom prst="straightConnector1">
+            <a:avLst/>
+          </a:prstGeom>
+          <a:ln>
+            <a:headEnd type="diamond"/>
+            <a:tailEnd type="diamond"/>
+          </a:ln>
+        </p:spPr>
+        <p:style>
+          <a:lnRef idx="2">
+            <a:schemeClr val="dk1"/>
+          </a:lnRef>
+          <a:fillRef idx="0">
+            <a:schemeClr val="dk1"/>
+          </a:fillRef>
+          <a:effectRef idx="1">
+            <a:schemeClr val="dk1"/>
+          </a:effectRef>
+          <a:fontRef idx="minor">
+            <a:schemeClr val="tx1"/>
+          </a:fontRef>
+        </p:style>
+      </p:cxnSp>
+      <p:cxnSp>
+        <p:nvCxnSpPr>
+          <p:cNvPr id="143" name="Conector de Seta Reta 142">
+            <a:extLst>
+              <a:ext uri="{FF2B5EF4-FFF2-40B4-BE49-F238E27FC236}">
+                <a16:creationId xmlns:a16="http://schemas.microsoft.com/office/drawing/2014/main" id="{C97E02D7-7DD0-461C-A75F-1B463251B89D}"/>
+              </a:ext>
+            </a:extLst>
+          </p:cNvPr>
+          <p:cNvCxnSpPr>
+            <a:cxnSpLocks/>
+          </p:cNvCxnSpPr>
+          <p:nvPr/>
+        </p:nvCxnSpPr>
+        <p:spPr>
+          <a:xfrm>
+            <a:off x="28048679" y="26771545"/>
+            <a:ext cx="2448272" cy="0"/>
+          </a:xfrm>
+          <a:prstGeom prst="straightConnector1">
+            <a:avLst/>
+          </a:prstGeom>
+          <a:ln>
+            <a:headEnd type="diamond"/>
+            <a:tailEnd type="diamond"/>
+          </a:ln>
+        </p:spPr>
+        <p:style>
+          <a:lnRef idx="2">
+            <a:schemeClr val="dk1"/>
+          </a:lnRef>
+          <a:fillRef idx="0">
+            <a:schemeClr val="dk1"/>
+          </a:fillRef>
+          <a:effectRef idx="1">
+            <a:schemeClr val="dk1"/>
+          </a:effectRef>
+          <a:fontRef idx="minor">
+            <a:schemeClr val="tx1"/>
+          </a:fontRef>
+        </p:style>
+      </p:cxnSp>
+      <p:cxnSp>
+        <p:nvCxnSpPr>
+          <p:cNvPr id="144" name="Conector de Seta Reta 143">
+            <a:extLst>
+              <a:ext uri="{FF2B5EF4-FFF2-40B4-BE49-F238E27FC236}">
+                <a16:creationId xmlns:a16="http://schemas.microsoft.com/office/drawing/2014/main" id="{4CEA666B-6AB8-44CA-8AFD-F01CF90D7F73}"/>
+              </a:ext>
+            </a:extLst>
+          </p:cNvPr>
+          <p:cNvCxnSpPr>
+            <a:cxnSpLocks/>
+          </p:cNvCxnSpPr>
+          <p:nvPr/>
+        </p:nvCxnSpPr>
+        <p:spPr>
+          <a:xfrm>
+            <a:off x="27832655" y="27271410"/>
+            <a:ext cx="2671261" cy="0"/>
+          </a:xfrm>
+          <a:prstGeom prst="straightConnector1">
+            <a:avLst/>
+          </a:prstGeom>
+          <a:ln>
+            <a:headEnd type="diamond"/>
+            <a:tailEnd type="diamond"/>
+          </a:ln>
+        </p:spPr>
+        <p:style>
+          <a:lnRef idx="2">
+            <a:schemeClr val="dk1"/>
+          </a:lnRef>
+          <a:fillRef idx="0">
+            <a:schemeClr val="dk1"/>
+          </a:fillRef>
+          <a:effectRef idx="1">
+            <a:schemeClr val="dk1"/>
+          </a:effectRef>
+          <a:fontRef idx="minor">
+            <a:schemeClr val="tx1"/>
+          </a:fontRef>
+        </p:style>
+      </p:cxnSp>
+      <p:cxnSp>
+        <p:nvCxnSpPr>
+          <p:cNvPr id="145" name="Conector de Seta Reta 144">
+            <a:extLst>
+              <a:ext uri="{FF2B5EF4-FFF2-40B4-BE49-F238E27FC236}">
+                <a16:creationId xmlns:a16="http://schemas.microsoft.com/office/drawing/2014/main" id="{F7F934CB-099B-4E1C-89A4-8516A909C21A}"/>
+              </a:ext>
+            </a:extLst>
+          </p:cNvPr>
+          <p:cNvCxnSpPr>
+            <a:cxnSpLocks/>
+          </p:cNvCxnSpPr>
+          <p:nvPr/>
+        </p:nvCxnSpPr>
+        <p:spPr>
+          <a:xfrm>
+            <a:off x="27937184" y="27777647"/>
+            <a:ext cx="3207839" cy="0"/>
+          </a:xfrm>
+          <a:prstGeom prst="straightConnector1">
+            <a:avLst/>
+          </a:prstGeom>
+          <a:ln>
+            <a:headEnd type="diamond"/>
+            <a:tailEnd type="diamond"/>
+          </a:ln>
+        </p:spPr>
+        <p:style>
+          <a:lnRef idx="2">
+            <a:schemeClr val="dk1"/>
+          </a:lnRef>
+          <a:fillRef idx="0">
+            <a:schemeClr val="dk1"/>
+          </a:fillRef>
+          <a:effectRef idx="1">
+            <a:schemeClr val="dk1"/>
+          </a:effectRef>
+          <a:fontRef idx="minor">
+            <a:schemeClr val="tx1"/>
+          </a:fontRef>
+        </p:style>
+      </p:cxnSp>
+      <p:pic>
+        <p:nvPicPr>
+          <p:cNvPr id="4136" name="Imagem 4135">
+            <a:extLst>
+              <a:ext uri="{FF2B5EF4-FFF2-40B4-BE49-F238E27FC236}">
+                <a16:creationId xmlns:a16="http://schemas.microsoft.com/office/drawing/2014/main" id="{97D0CF35-C84C-41AE-92D3-B6BDDD1FBE98}"/>
+              </a:ext>
+            </a:extLst>
+          </p:cNvPr>
+          <p:cNvPicPr>
+            <a:picLocks noChangeAspect="1"/>
+          </p:cNvPicPr>
           <p:nvPr/>
         </p:nvPicPr>
         <p:blipFill>
-          <a:blip r:embed="rId6">
+          <a:blip r:embed="rId7" cstate="print">
             <a:extLst>
               <a:ext uri="{28A0092B-C50C-407E-A947-70E740481C1C}">
                 <a14:useLocalDpi xmlns:a14="http://schemas.microsoft.com/office/drawing/2010/main" val="0"/>
               </a:ext>
             </a:extLst>
           </a:blip>
-          <a:srcRect/>
           <a:stretch>
             <a:fillRect/>
           </a:stretch>
         </p:blipFill>
-        <p:spPr bwMode="auto">
+        <p:spPr>
           <a:xfrm>
-            <a:off x="25310455" y="25881004"/>
-            <a:ext cx="5761355" cy="3291840"/>
+            <a:off x="27776795" y="828848"/>
+            <a:ext cx="3121158" cy="1091186"/>
           </a:xfrm>
           <a:prstGeom prst="rect">
             <a:avLst/>
           </a:prstGeom>
-          <a:noFill/>
         </p:spPr>
       </p:pic>
       <p:pic>
         <p:nvPicPr>
-          <p:cNvPr id="86" name="Imagem 85">
+          <p:cNvPr id="4138" name="Imagem 4137">
             <a:extLst>
               <a:ext uri="{FF2B5EF4-FFF2-40B4-BE49-F238E27FC236}">
-                <a16:creationId xmlns:a16="http://schemas.microsoft.com/office/drawing/2014/main" id="{35F473FE-8529-4D7F-9FCD-05B6A445298E}"/>
+                <a16:creationId xmlns:a16="http://schemas.microsoft.com/office/drawing/2014/main" id="{DDEE1DF5-0935-41D1-A652-1915A8BC22E9}"/>
               </a:ext>
             </a:extLst>
           </p:cNvPr>
-          <p:cNvPicPr/>
+          <p:cNvPicPr>
+            <a:picLocks noChangeAspect="1"/>
+          </p:cNvPicPr>
           <p:nvPr/>
         </p:nvPicPr>
-        <p:blipFill>
-          <a:blip r:embed="rId7">
+        <p:blipFill rotWithShape="1">
+          <a:blip r:embed="rId8" cstate="print">
             <a:extLst>
               <a:ext uri="{28A0092B-C50C-407E-A947-70E740481C1C}">
                 <a14:useLocalDpi xmlns:a14="http://schemas.microsoft.com/office/drawing/2010/main" val="0"/>
               </a:ext>
             </a:extLst>
           </a:blip>
-          <a:srcRect/>
-          <a:stretch>
-            <a:fillRect/>
-          </a:stretch>
+          <a:srcRect l="9422" t="3074" r="62216" b="51009"/>
+          <a:stretch/>
         </p:blipFill>
-        <p:spPr bwMode="auto">
+        <p:spPr>
           <a:xfrm>
-            <a:off x="22697551" y="29991680"/>
-            <a:ext cx="8851900" cy="4420235"/>
+            <a:off x="27619155" y="2046566"/>
+            <a:ext cx="1640714" cy="1778695"/>
           </a:xfrm>
           <a:prstGeom prst="rect">
             <a:avLst/>
           </a:prstGeom>
-          <a:noFill/>
         </p:spPr>
       </p:pic>
       <p:pic>
         <p:nvPicPr>
-          <p:cNvPr id="87" name="Imagem 86">
+          <p:cNvPr id="4140" name="Imagem 4139" descr="Uma imagem contendo gráficos vetoriais&#10;&#10;Descrição gerada automaticamente">
             <a:extLst>
               <a:ext uri="{FF2B5EF4-FFF2-40B4-BE49-F238E27FC236}">
-                <a16:creationId xmlns:a16="http://schemas.microsoft.com/office/drawing/2014/main" id="{A43CE5D7-B5F0-4ADD-B38B-8A72E228A602}"/>
+                <a16:creationId xmlns:a16="http://schemas.microsoft.com/office/drawing/2014/main" id="{2ACC01BB-AABE-4AAA-B9D4-09824470E024}"/>
               </a:ext>
             </a:extLst>
           </p:cNvPr>
-          <p:cNvPicPr/>
+          <p:cNvPicPr>
+            <a:picLocks noChangeAspect="1"/>
+          </p:cNvPicPr>
           <p:nvPr/>
         </p:nvPicPr>
         <p:blipFill>
-          <a:blip r:embed="rId8">
+          <a:blip r:embed="rId9" cstate="print">
             <a:extLst>
               <a:ext uri="{28A0092B-C50C-407E-A947-70E740481C1C}">
                 <a14:useLocalDpi xmlns:a14="http://schemas.microsoft.com/office/drawing/2010/main" val="0"/>
               </a:ext>
             </a:extLst>
           </a:blip>
-          <a:srcRect/>
           <a:stretch>
             <a:fillRect/>
           </a:stretch>
         </p:blipFill>
+        <p:spPr>
+          <a:xfrm>
+            <a:off x="29421593" y="2477664"/>
+            <a:ext cx="1641750" cy="1149225"/>
+          </a:xfrm>
+          <a:prstGeom prst="rect">
+            <a:avLst/>
+          </a:prstGeom>
+        </p:spPr>
+      </p:pic>
+      <p:grpSp>
+        <p:nvGrpSpPr>
+          <p:cNvPr id="194" name="Agrupar 193">
+            <a:extLst>
+              <a:ext uri="{FF2B5EF4-FFF2-40B4-BE49-F238E27FC236}">
+                <a16:creationId xmlns:a16="http://schemas.microsoft.com/office/drawing/2014/main" id="{E8ECE444-35EC-4C2B-A02E-202348163E9D}"/>
+              </a:ext>
+            </a:extLst>
+          </p:cNvPr>
+          <p:cNvGrpSpPr/>
+          <p:nvPr/>
+        </p:nvGrpSpPr>
+        <p:grpSpPr>
+          <a:xfrm>
+            <a:off x="25635693" y="32668571"/>
+            <a:ext cx="5788651" cy="3362716"/>
+            <a:chOff x="-29201" y="2674824"/>
+            <a:chExt cx="5788651" cy="3362716"/>
+          </a:xfrm>
+        </p:grpSpPr>
+        <p:pic>
+          <p:nvPicPr>
+            <p:cNvPr id="195" name="Imagem 194">
+              <a:extLst>
+                <a:ext uri="{FF2B5EF4-FFF2-40B4-BE49-F238E27FC236}">
+                  <a16:creationId xmlns:a16="http://schemas.microsoft.com/office/drawing/2014/main" id="{DC33863B-8E31-4DC5-BA21-6FA86605B8E6}"/>
+                </a:ext>
+              </a:extLst>
+            </p:cNvPr>
+            <p:cNvPicPr>
+              <a:picLocks noChangeAspect="1"/>
+            </p:cNvPicPr>
+            <p:nvPr/>
+          </p:nvPicPr>
+          <p:blipFill>
+            <a:blip r:embed="rId10" cstate="print">
+              <a:extLst>
+                <a:ext uri="{28A0092B-C50C-407E-A947-70E740481C1C}">
+                  <a14:useLocalDpi xmlns:a14="http://schemas.microsoft.com/office/drawing/2010/main" val="0"/>
+                </a:ext>
+              </a:extLst>
+            </a:blip>
+            <a:stretch>
+              <a:fillRect/>
+            </a:stretch>
+          </p:blipFill>
+          <p:spPr>
+            <a:xfrm>
+              <a:off x="0" y="2674824"/>
+              <a:ext cx="5759450" cy="3291114"/>
+            </a:xfrm>
+            <a:prstGeom prst="rect">
+              <a:avLst/>
+            </a:prstGeom>
+          </p:spPr>
+        </p:pic>
+        <p:cxnSp>
+          <p:nvCxnSpPr>
+            <p:cNvPr id="196" name="Conector reto 195">
+              <a:extLst>
+                <a:ext uri="{FF2B5EF4-FFF2-40B4-BE49-F238E27FC236}">
+                  <a16:creationId xmlns:a16="http://schemas.microsoft.com/office/drawing/2014/main" id="{C8186305-4704-442C-AFBD-4C11FF71BEB6}"/>
+                </a:ext>
+              </a:extLst>
+            </p:cNvPr>
+            <p:cNvCxnSpPr>
+              <a:cxnSpLocks/>
+            </p:cNvCxnSpPr>
+            <p:nvPr/>
+          </p:nvCxnSpPr>
+          <p:spPr>
+            <a:xfrm flipV="1">
+              <a:off x="1909713" y="2736205"/>
+              <a:ext cx="0" cy="2880320"/>
+            </a:xfrm>
+            <a:prstGeom prst="line">
+              <a:avLst/>
+            </a:prstGeom>
+            <a:noFill/>
+            <a:ln w="9525" cap="flat" cmpd="sng" algn="ctr">
+              <a:solidFill>
+                <a:sysClr val="windowText" lastClr="000000">
+                  <a:lumMod val="50000"/>
+                  <a:lumOff val="50000"/>
+                </a:sysClr>
+              </a:solidFill>
+              <a:prstDash val="solid"/>
+            </a:ln>
+            <a:effectLst/>
+          </p:spPr>
+        </p:cxnSp>
+        <p:cxnSp>
+          <p:nvCxnSpPr>
+            <p:cNvPr id="197" name="Conector reto 196">
+              <a:extLst>
+                <a:ext uri="{FF2B5EF4-FFF2-40B4-BE49-F238E27FC236}">
+                  <a16:creationId xmlns:a16="http://schemas.microsoft.com/office/drawing/2014/main" id="{7BEFB1B4-FEF1-47A9-8D5B-47CAB982BF29}"/>
+                </a:ext>
+              </a:extLst>
+            </p:cNvPr>
+            <p:cNvCxnSpPr>
+              <a:cxnSpLocks/>
+            </p:cNvCxnSpPr>
+            <p:nvPr/>
+          </p:nvCxnSpPr>
+          <p:spPr>
+            <a:xfrm flipV="1">
+              <a:off x="2692276" y="2736205"/>
+              <a:ext cx="0" cy="2880320"/>
+            </a:xfrm>
+            <a:prstGeom prst="line">
+              <a:avLst/>
+            </a:prstGeom>
+            <a:noFill/>
+            <a:ln w="9525" cap="flat" cmpd="sng" algn="ctr">
+              <a:solidFill>
+                <a:sysClr val="windowText" lastClr="000000">
+                  <a:lumMod val="50000"/>
+                  <a:lumOff val="50000"/>
+                </a:sysClr>
+              </a:solidFill>
+              <a:prstDash val="solid"/>
+            </a:ln>
+            <a:effectLst/>
+          </p:spPr>
+        </p:cxnSp>
+        <p:sp>
+          <p:nvSpPr>
+            <p:cNvPr id="198" name="CaixaDeTexto 197">
+              <a:extLst>
+                <a:ext uri="{FF2B5EF4-FFF2-40B4-BE49-F238E27FC236}">
+                  <a16:creationId xmlns:a16="http://schemas.microsoft.com/office/drawing/2014/main" id="{54B65610-9013-4AC9-A189-A11BE92C0DE7}"/>
+                </a:ext>
+              </a:extLst>
+            </p:cNvPr>
+            <p:cNvSpPr txBox="1"/>
+            <p:nvPr/>
+          </p:nvSpPr>
+          <p:spPr>
+            <a:xfrm>
+              <a:off x="847521" y="2920122"/>
+              <a:ext cx="811767" cy="523220"/>
+            </a:xfrm>
+            <a:prstGeom prst="rect">
+              <a:avLst/>
+            </a:prstGeom>
+            <a:gradFill rotWithShape="1">
+              <a:gsLst>
+                <a:gs pos="0">
+                  <a:srgbClr val="4F81BD">
+                    <a:shade val="51000"/>
+                    <a:satMod val="130000"/>
+                  </a:srgbClr>
+                </a:gs>
+                <a:gs pos="80000">
+                  <a:srgbClr val="4F81BD">
+                    <a:shade val="93000"/>
+                    <a:satMod val="130000"/>
+                  </a:srgbClr>
+                </a:gs>
+                <a:gs pos="100000">
+                  <a:srgbClr val="4F81BD">
+                    <a:shade val="94000"/>
+                    <a:satMod val="135000"/>
+                  </a:srgbClr>
+                </a:gs>
+              </a:gsLst>
+              <a:lin ang="16200000" scaled="0"/>
+            </a:gradFill>
+            <a:ln w="9525" cap="flat" cmpd="sng" algn="ctr">
+              <a:solidFill>
+                <a:srgbClr val="4F81BD">
+                  <a:shade val="95000"/>
+                  <a:satMod val="105000"/>
+                </a:srgbClr>
+              </a:solidFill>
+              <a:prstDash val="solid"/>
+            </a:ln>
+            <a:effectLst>
+              <a:outerShdw blurRad="40000" dist="23000" dir="5400000" rotWithShape="0">
+                <a:srgbClr val="000000">
+                  <a:alpha val="35000"/>
+                </a:srgbClr>
+              </a:outerShdw>
+            </a:effectLst>
+          </p:spPr>
+          <p:txBody>
+            <a:bodyPr wrap="square" rtlCol="0">
+              <a:spAutoFit/>
+            </a:bodyPr>
+            <a:lstStyle/>
+            <a:p>
+              <a:pPr marL="0" marR="0" lvl="0" indent="0" algn="ctr" defTabSz="914400" eaLnBrk="1" fontAlgn="auto" latinLnBrk="0" hangingPunct="1">
+                <a:lnSpc>
+                  <a:spcPct val="100000"/>
+                </a:lnSpc>
+                <a:spcBef>
+                  <a:spcPts val="0"/>
+                </a:spcBef>
+                <a:spcAft>
+                  <a:spcPts val="0"/>
+                </a:spcAft>
+                <a:buClrTx/>
+                <a:buSzTx/>
+                <a:buFontTx/>
+                <a:buNone/>
+                <a:tabLst/>
+                <a:defRPr/>
+              </a:pPr>
+              <a:r>
+                <a:rPr kumimoji="0" lang="pt-BR" sz="1600" b="0" i="0" u="none" strike="noStrike" kern="0" cap="none" spc="0" normalizeH="0" baseline="0" noProof="0" dirty="0">
+                  <a:ln>
+                    <a:noFill/>
+                  </a:ln>
+                  <a:solidFill>
+                    <a:prstClr val="white"/>
+                  </a:solidFill>
+                  <a:effectLst/>
+                  <a:uLnTx/>
+                  <a:uFillTx/>
+                  <a:latin typeface="CMU Sans Serif" panose="02000603000000000000" pitchFamily="2" charset="0"/>
+                  <a:ea typeface="CMU Sans Serif" panose="02000603000000000000" pitchFamily="2" charset="0"/>
+                  <a:cs typeface="CMU Sans Serif" panose="02000603000000000000" pitchFamily="2" charset="0"/>
+                </a:rPr>
+                <a:t>S 31 </a:t>
+              </a:r>
+            </a:p>
+            <a:p>
+              <a:pPr marL="0" marR="0" lvl="0" indent="0" algn="ctr" defTabSz="914400" eaLnBrk="1" fontAlgn="auto" latinLnBrk="0" hangingPunct="1">
+                <a:lnSpc>
+                  <a:spcPct val="100000"/>
+                </a:lnSpc>
+                <a:spcBef>
+                  <a:spcPts val="0"/>
+                </a:spcBef>
+                <a:spcAft>
+                  <a:spcPts val="0"/>
+                </a:spcAft>
+                <a:buClrTx/>
+                <a:buSzTx/>
+                <a:buFontTx/>
+                <a:buNone/>
+                <a:tabLst/>
+                <a:defRPr/>
+              </a:pPr>
+              <a:r>
+                <a:rPr kumimoji="0" lang="pt-BR" sz="1200" b="0" i="0" u="none" strike="noStrike" kern="0" cap="none" spc="0" normalizeH="0" baseline="0" noProof="0" dirty="0">
+                  <a:ln>
+                    <a:noFill/>
+                  </a:ln>
+                  <a:solidFill>
+                    <a:prstClr val="white"/>
+                  </a:solidFill>
+                  <a:effectLst/>
+                  <a:uLnTx/>
+                  <a:uFillTx/>
+                  <a:latin typeface="CMU Sans Serif" panose="02000603000000000000" pitchFamily="2" charset="0"/>
+                  <a:ea typeface="CMU Sans Serif" panose="02000603000000000000" pitchFamily="2" charset="0"/>
+                  <a:cs typeface="CMU Sans Serif" panose="02000603000000000000" pitchFamily="2" charset="0"/>
+                </a:rPr>
+                <a:t>TM: 40%</a:t>
+              </a:r>
+            </a:p>
+          </p:txBody>
+        </p:sp>
+        <p:cxnSp>
+          <p:nvCxnSpPr>
+            <p:cNvPr id="199" name="Conector de Seta Reta 198">
+              <a:extLst>
+                <a:ext uri="{FF2B5EF4-FFF2-40B4-BE49-F238E27FC236}">
+                  <a16:creationId xmlns:a16="http://schemas.microsoft.com/office/drawing/2014/main" id="{22FAC6C2-DD6B-41D4-B8E1-9CC4542198E3}"/>
+                </a:ext>
+              </a:extLst>
+            </p:cNvPr>
+            <p:cNvCxnSpPr>
+              <a:cxnSpLocks/>
+              <a:stCxn id="198" idx="2"/>
+            </p:cNvCxnSpPr>
+            <p:nvPr/>
+          </p:nvCxnSpPr>
+          <p:spPr>
+            <a:xfrm>
+              <a:off x="1253405" y="3443342"/>
+              <a:ext cx="0" cy="1957159"/>
+            </a:xfrm>
+            <a:prstGeom prst="straightConnector1">
+              <a:avLst/>
+            </a:prstGeom>
+            <a:noFill/>
+            <a:ln w="9525" cap="flat" cmpd="sng" algn="ctr">
+              <a:solidFill>
+                <a:sysClr val="windowText" lastClr="000000">
+                  <a:lumMod val="50000"/>
+                  <a:lumOff val="50000"/>
+                </a:sysClr>
+              </a:solidFill>
+              <a:prstDash val="solid"/>
+              <a:tailEnd type="triangle"/>
+            </a:ln>
+            <a:effectLst/>
+          </p:spPr>
+        </p:cxnSp>
+        <p:sp>
+          <p:nvSpPr>
+            <p:cNvPr id="200" name="CaixaDeTexto 199">
+              <a:extLst>
+                <a:ext uri="{FF2B5EF4-FFF2-40B4-BE49-F238E27FC236}">
+                  <a16:creationId xmlns:a16="http://schemas.microsoft.com/office/drawing/2014/main" id="{4E87B768-BF44-44A8-85F0-92EF7A825171}"/>
+                </a:ext>
+              </a:extLst>
+            </p:cNvPr>
+            <p:cNvSpPr txBox="1"/>
+            <p:nvPr/>
+          </p:nvSpPr>
+          <p:spPr>
+            <a:xfrm>
+              <a:off x="1362715" y="5760541"/>
+              <a:ext cx="3245202" cy="276999"/>
+            </a:xfrm>
+            <a:prstGeom prst="rect">
+              <a:avLst/>
+            </a:prstGeom>
+            <a:solidFill>
+              <a:sysClr val="window" lastClr="FFFFFF"/>
+            </a:solidFill>
+          </p:spPr>
+          <p:txBody>
+            <a:bodyPr wrap="square" rtlCol="0">
+              <a:spAutoFit/>
+            </a:bodyPr>
+            <a:lstStyle/>
+            <a:p>
+              <a:pPr marL="0" marR="0" lvl="0" indent="0" algn="ctr" defTabSz="914400" eaLnBrk="1" fontAlgn="auto" latinLnBrk="0" hangingPunct="1">
+                <a:lnSpc>
+                  <a:spcPct val="100000"/>
+                </a:lnSpc>
+                <a:spcBef>
+                  <a:spcPts val="0"/>
+                </a:spcBef>
+                <a:spcAft>
+                  <a:spcPts val="0"/>
+                </a:spcAft>
+                <a:buClrTx/>
+                <a:buSzTx/>
+                <a:buFontTx/>
+                <a:buNone/>
+                <a:tabLst/>
+                <a:defRPr/>
+              </a:pPr>
+              <a:r>
+                <a:rPr kumimoji="0" lang="en-US" sz="1200" b="0" i="0" u="none" strike="noStrike" kern="0" cap="none" spc="0" normalizeH="0" baseline="0" noProof="0" dirty="0">
+                  <a:ln>
+                    <a:noFill/>
+                  </a:ln>
+                  <a:solidFill>
+                    <a:prstClr val="black"/>
+                  </a:solidFill>
+                  <a:effectLst/>
+                  <a:uLnTx/>
+                  <a:uFillTx/>
+                  <a:latin typeface="CMU Sans Serif" panose="02000603000000000000" pitchFamily="2" charset="0"/>
+                  <a:ea typeface="CMU Sans Serif" panose="02000603000000000000" pitchFamily="2" charset="0"/>
+                  <a:cs typeface="CMU Sans Serif" panose="02000603000000000000" pitchFamily="2" charset="0"/>
+                </a:rPr>
+                <a:t>Odds of High Regret Scenario</a:t>
+              </a:r>
+            </a:p>
+          </p:txBody>
+        </p:sp>
+        <p:sp>
+          <p:nvSpPr>
+            <p:cNvPr id="201" name="CaixaDeTexto 200">
+              <a:extLst>
+                <a:ext uri="{FF2B5EF4-FFF2-40B4-BE49-F238E27FC236}">
+                  <a16:creationId xmlns:a16="http://schemas.microsoft.com/office/drawing/2014/main" id="{E0C6D344-0142-416A-92B8-19AC649C0199}"/>
+                </a:ext>
+              </a:extLst>
+            </p:cNvPr>
+            <p:cNvSpPr txBox="1"/>
+            <p:nvPr/>
+          </p:nvSpPr>
+          <p:spPr>
+            <a:xfrm rot="16200000">
+              <a:off x="-1234036" y="4168068"/>
+              <a:ext cx="2686669" cy="276999"/>
+            </a:xfrm>
+            <a:prstGeom prst="rect">
+              <a:avLst/>
+            </a:prstGeom>
+            <a:solidFill>
+              <a:sysClr val="window" lastClr="FFFFFF"/>
+            </a:solidFill>
+          </p:spPr>
+          <p:txBody>
+            <a:bodyPr wrap="square" rtlCol="0">
+              <a:spAutoFit/>
+            </a:bodyPr>
+            <a:lstStyle/>
+            <a:p>
+              <a:pPr marL="0" marR="0" lvl="0" indent="0" algn="ctr" defTabSz="914400" eaLnBrk="1" fontAlgn="auto" latinLnBrk="0" hangingPunct="1">
+                <a:lnSpc>
+                  <a:spcPct val="100000"/>
+                </a:lnSpc>
+                <a:spcBef>
+                  <a:spcPts val="0"/>
+                </a:spcBef>
+                <a:spcAft>
+                  <a:spcPts val="0"/>
+                </a:spcAft>
+                <a:buClrTx/>
+                <a:buSzTx/>
+                <a:buFontTx/>
+                <a:buNone/>
+                <a:tabLst/>
+                <a:defRPr/>
+              </a:pPr>
+              <a:r>
+                <a:rPr kumimoji="0" lang="en-US" sz="1200" b="0" i="0" u="none" strike="noStrike" kern="0" cap="none" spc="0" normalizeH="0" baseline="0" noProof="0" dirty="0">
+                  <a:ln>
+                    <a:noFill/>
+                  </a:ln>
+                  <a:solidFill>
+                    <a:prstClr val="black"/>
+                  </a:solidFill>
+                  <a:effectLst/>
+                  <a:uLnTx/>
+                  <a:uFillTx/>
+                  <a:latin typeface="CMU Sans Serif" panose="02000603000000000000" pitchFamily="2" charset="0"/>
+                  <a:ea typeface="CMU Sans Serif" panose="02000603000000000000" pitchFamily="2" charset="0"/>
+                  <a:cs typeface="CMU Sans Serif" panose="02000603000000000000" pitchFamily="2" charset="0"/>
+                </a:rPr>
+                <a:t>Expected Regret</a:t>
+              </a:r>
+            </a:p>
+          </p:txBody>
+        </p:sp>
+        <p:sp>
+          <p:nvSpPr>
+            <p:cNvPr id="202" name="CaixaDeTexto 201">
+              <a:extLst>
+                <a:ext uri="{FF2B5EF4-FFF2-40B4-BE49-F238E27FC236}">
+                  <a16:creationId xmlns:a16="http://schemas.microsoft.com/office/drawing/2014/main" id="{4EE69714-2858-4034-AEBF-EB5B8A314CB7}"/>
+                </a:ext>
+              </a:extLst>
+            </p:cNvPr>
+            <p:cNvSpPr txBox="1"/>
+            <p:nvPr/>
+          </p:nvSpPr>
+          <p:spPr>
+            <a:xfrm>
+              <a:off x="1909711" y="2920122"/>
+              <a:ext cx="811767" cy="523220"/>
+            </a:xfrm>
+            <a:prstGeom prst="rect">
+              <a:avLst/>
+            </a:prstGeom>
+            <a:gradFill rotWithShape="1">
+              <a:gsLst>
+                <a:gs pos="0">
+                  <a:srgbClr val="4F81BD">
+                    <a:shade val="51000"/>
+                    <a:satMod val="130000"/>
+                  </a:srgbClr>
+                </a:gs>
+                <a:gs pos="80000">
+                  <a:srgbClr val="4F81BD">
+                    <a:shade val="93000"/>
+                    <a:satMod val="130000"/>
+                  </a:srgbClr>
+                </a:gs>
+                <a:gs pos="100000">
+                  <a:srgbClr val="4F81BD">
+                    <a:shade val="94000"/>
+                    <a:satMod val="135000"/>
+                  </a:srgbClr>
+                </a:gs>
+              </a:gsLst>
+              <a:lin ang="16200000" scaled="0"/>
+            </a:gradFill>
+            <a:ln w="9525" cap="flat" cmpd="sng" algn="ctr">
+              <a:solidFill>
+                <a:srgbClr val="4F81BD">
+                  <a:shade val="95000"/>
+                  <a:satMod val="105000"/>
+                </a:srgbClr>
+              </a:solidFill>
+              <a:prstDash val="solid"/>
+            </a:ln>
+            <a:effectLst>
+              <a:outerShdw blurRad="40000" dist="23000" dir="5400000" rotWithShape="0">
+                <a:srgbClr val="000000">
+                  <a:alpha val="35000"/>
+                </a:srgbClr>
+              </a:outerShdw>
+            </a:effectLst>
+          </p:spPr>
+          <p:txBody>
+            <a:bodyPr wrap="square" rtlCol="0">
+              <a:spAutoFit/>
+            </a:bodyPr>
+            <a:lstStyle/>
+            <a:p>
+              <a:pPr marL="0" marR="0" lvl="0" indent="0" algn="ctr" defTabSz="914400" eaLnBrk="1" fontAlgn="auto" latinLnBrk="0" hangingPunct="1">
+                <a:lnSpc>
+                  <a:spcPct val="100000"/>
+                </a:lnSpc>
+                <a:spcBef>
+                  <a:spcPts val="0"/>
+                </a:spcBef>
+                <a:spcAft>
+                  <a:spcPts val="0"/>
+                </a:spcAft>
+                <a:buClrTx/>
+                <a:buSzTx/>
+                <a:buFontTx/>
+                <a:buNone/>
+                <a:tabLst/>
+                <a:defRPr/>
+              </a:pPr>
+              <a:r>
+                <a:rPr kumimoji="0" lang="pt-BR" sz="1600" b="0" i="0" u="none" strike="noStrike" kern="0" cap="none" spc="0" normalizeH="0" baseline="0" noProof="0" dirty="0">
+                  <a:ln>
+                    <a:noFill/>
+                  </a:ln>
+                  <a:solidFill>
+                    <a:prstClr val="white"/>
+                  </a:solidFill>
+                  <a:effectLst/>
+                  <a:uLnTx/>
+                  <a:uFillTx/>
+                  <a:latin typeface="CMU Sans Serif" panose="02000603000000000000" pitchFamily="2" charset="0"/>
+                  <a:ea typeface="CMU Sans Serif" panose="02000603000000000000" pitchFamily="2" charset="0"/>
+                  <a:cs typeface="CMU Sans Serif" panose="02000603000000000000" pitchFamily="2" charset="0"/>
+                </a:rPr>
+                <a:t>S 25 </a:t>
+              </a:r>
+            </a:p>
+            <a:p>
+              <a:pPr marL="0" marR="0" lvl="0" indent="0" algn="ctr" defTabSz="914400" eaLnBrk="1" fontAlgn="auto" latinLnBrk="0" hangingPunct="1">
+                <a:lnSpc>
+                  <a:spcPct val="100000"/>
+                </a:lnSpc>
+                <a:spcBef>
+                  <a:spcPts val="0"/>
+                </a:spcBef>
+                <a:spcAft>
+                  <a:spcPts val="0"/>
+                </a:spcAft>
+                <a:buClrTx/>
+                <a:buSzTx/>
+                <a:buFontTx/>
+                <a:buNone/>
+                <a:tabLst/>
+                <a:defRPr/>
+              </a:pPr>
+              <a:r>
+                <a:rPr kumimoji="0" lang="pt-BR" sz="1200" b="0" i="0" u="none" strike="noStrike" kern="0" cap="none" spc="0" normalizeH="0" baseline="0" noProof="0" dirty="0">
+                  <a:ln>
+                    <a:noFill/>
+                  </a:ln>
+                  <a:solidFill>
+                    <a:prstClr val="white"/>
+                  </a:solidFill>
+                  <a:effectLst/>
+                  <a:uLnTx/>
+                  <a:uFillTx/>
+                  <a:latin typeface="CMU Sans Serif" panose="02000603000000000000" pitchFamily="2" charset="0"/>
+                  <a:ea typeface="CMU Sans Serif" panose="02000603000000000000" pitchFamily="2" charset="0"/>
+                  <a:cs typeface="CMU Sans Serif" panose="02000603000000000000" pitchFamily="2" charset="0"/>
+                </a:rPr>
+                <a:t>TM: 30%</a:t>
+              </a:r>
+            </a:p>
+          </p:txBody>
+        </p:sp>
+        <p:cxnSp>
+          <p:nvCxnSpPr>
+            <p:cNvPr id="203" name="Conector de Seta Reta 202">
+              <a:extLst>
+                <a:ext uri="{FF2B5EF4-FFF2-40B4-BE49-F238E27FC236}">
+                  <a16:creationId xmlns:a16="http://schemas.microsoft.com/office/drawing/2014/main" id="{79D404A2-7491-48E9-BE61-EBAF656B32F1}"/>
+                </a:ext>
+              </a:extLst>
+            </p:cNvPr>
+            <p:cNvCxnSpPr>
+              <a:cxnSpLocks/>
+              <a:stCxn id="202" idx="2"/>
+            </p:cNvCxnSpPr>
+            <p:nvPr/>
+          </p:nvCxnSpPr>
+          <p:spPr>
+            <a:xfrm>
+              <a:off x="2315595" y="3443342"/>
+              <a:ext cx="0" cy="1597119"/>
+            </a:xfrm>
+            <a:prstGeom prst="straightConnector1">
+              <a:avLst/>
+            </a:prstGeom>
+            <a:noFill/>
+            <a:ln w="9525" cap="flat" cmpd="sng" algn="ctr">
+              <a:solidFill>
+                <a:sysClr val="windowText" lastClr="000000">
+                  <a:lumMod val="50000"/>
+                  <a:lumOff val="50000"/>
+                </a:sysClr>
+              </a:solidFill>
+              <a:prstDash val="solid"/>
+              <a:tailEnd type="triangle"/>
+            </a:ln>
+            <a:effectLst/>
+          </p:spPr>
+        </p:cxnSp>
+        <p:sp>
+          <p:nvSpPr>
+            <p:cNvPr id="204" name="CaixaDeTexto 203">
+              <a:extLst>
+                <a:ext uri="{FF2B5EF4-FFF2-40B4-BE49-F238E27FC236}">
+                  <a16:creationId xmlns:a16="http://schemas.microsoft.com/office/drawing/2014/main" id="{366E2D91-FD15-4026-B192-43CD671AC632}"/>
+                </a:ext>
+              </a:extLst>
+            </p:cNvPr>
+            <p:cNvSpPr txBox="1"/>
+            <p:nvPr/>
+          </p:nvSpPr>
+          <p:spPr>
+            <a:xfrm>
+              <a:off x="3323623" y="2920122"/>
+              <a:ext cx="811767" cy="523220"/>
+            </a:xfrm>
+            <a:prstGeom prst="rect">
+              <a:avLst/>
+            </a:prstGeom>
+            <a:gradFill rotWithShape="1">
+              <a:gsLst>
+                <a:gs pos="0">
+                  <a:srgbClr val="4F81BD">
+                    <a:shade val="51000"/>
+                    <a:satMod val="130000"/>
+                  </a:srgbClr>
+                </a:gs>
+                <a:gs pos="80000">
+                  <a:srgbClr val="4F81BD">
+                    <a:shade val="93000"/>
+                    <a:satMod val="130000"/>
+                  </a:srgbClr>
+                </a:gs>
+                <a:gs pos="100000">
+                  <a:srgbClr val="4F81BD">
+                    <a:shade val="94000"/>
+                    <a:satMod val="135000"/>
+                  </a:srgbClr>
+                </a:gs>
+              </a:gsLst>
+              <a:lin ang="16200000" scaled="0"/>
+            </a:gradFill>
+            <a:ln w="9525" cap="flat" cmpd="sng" algn="ctr">
+              <a:solidFill>
+                <a:srgbClr val="4F81BD">
+                  <a:shade val="95000"/>
+                  <a:satMod val="105000"/>
+                </a:srgbClr>
+              </a:solidFill>
+              <a:prstDash val="solid"/>
+            </a:ln>
+            <a:effectLst>
+              <a:outerShdw blurRad="40000" dist="23000" dir="5400000" rotWithShape="0">
+                <a:srgbClr val="000000">
+                  <a:alpha val="35000"/>
+                </a:srgbClr>
+              </a:outerShdw>
+            </a:effectLst>
+          </p:spPr>
+          <p:txBody>
+            <a:bodyPr wrap="square" rtlCol="0">
+              <a:spAutoFit/>
+            </a:bodyPr>
+            <a:lstStyle/>
+            <a:p>
+              <a:pPr marL="0" marR="0" lvl="0" indent="0" algn="ctr" defTabSz="914400" eaLnBrk="1" fontAlgn="auto" latinLnBrk="0" hangingPunct="1">
+                <a:lnSpc>
+                  <a:spcPct val="100000"/>
+                </a:lnSpc>
+                <a:spcBef>
+                  <a:spcPts val="0"/>
+                </a:spcBef>
+                <a:spcAft>
+                  <a:spcPts val="0"/>
+                </a:spcAft>
+                <a:buClrTx/>
+                <a:buSzTx/>
+                <a:buFontTx/>
+                <a:buNone/>
+                <a:tabLst/>
+                <a:defRPr/>
+              </a:pPr>
+              <a:r>
+                <a:rPr kumimoji="0" lang="pt-BR" sz="1600" b="0" i="0" u="none" strike="noStrike" kern="0" cap="none" spc="0" normalizeH="0" baseline="0" noProof="0" dirty="0">
+                  <a:ln>
+                    <a:noFill/>
+                  </a:ln>
+                  <a:solidFill>
+                    <a:prstClr val="white"/>
+                  </a:solidFill>
+                  <a:effectLst/>
+                  <a:uLnTx/>
+                  <a:uFillTx/>
+                  <a:latin typeface="CMU Sans Serif" panose="02000603000000000000" pitchFamily="2" charset="0"/>
+                  <a:ea typeface="CMU Sans Serif" panose="02000603000000000000" pitchFamily="2" charset="0"/>
+                  <a:cs typeface="CMU Sans Serif" panose="02000603000000000000" pitchFamily="2" charset="0"/>
+                </a:rPr>
+                <a:t>S 19 </a:t>
+              </a:r>
+            </a:p>
+            <a:p>
+              <a:pPr marL="0" marR="0" lvl="0" indent="0" algn="ctr" defTabSz="914400" eaLnBrk="1" fontAlgn="auto" latinLnBrk="0" hangingPunct="1">
+                <a:lnSpc>
+                  <a:spcPct val="100000"/>
+                </a:lnSpc>
+                <a:spcBef>
+                  <a:spcPts val="0"/>
+                </a:spcBef>
+                <a:spcAft>
+                  <a:spcPts val="0"/>
+                </a:spcAft>
+                <a:buClrTx/>
+                <a:buSzTx/>
+                <a:buFontTx/>
+                <a:buNone/>
+                <a:tabLst/>
+                <a:defRPr/>
+              </a:pPr>
+              <a:r>
+                <a:rPr kumimoji="0" lang="pt-BR" sz="1200" b="0" i="0" u="none" strike="noStrike" kern="0" cap="none" spc="0" normalizeH="0" baseline="0" noProof="0" dirty="0">
+                  <a:ln>
+                    <a:noFill/>
+                  </a:ln>
+                  <a:solidFill>
+                    <a:prstClr val="white"/>
+                  </a:solidFill>
+                  <a:effectLst/>
+                  <a:uLnTx/>
+                  <a:uFillTx/>
+                  <a:latin typeface="CMU Sans Serif" panose="02000603000000000000" pitchFamily="2" charset="0"/>
+                  <a:ea typeface="CMU Sans Serif" panose="02000603000000000000" pitchFamily="2" charset="0"/>
+                  <a:cs typeface="CMU Sans Serif" panose="02000603000000000000" pitchFamily="2" charset="0"/>
+                </a:rPr>
+                <a:t>TM: 20%</a:t>
+              </a:r>
+            </a:p>
+          </p:txBody>
+        </p:sp>
+        <p:cxnSp>
+          <p:nvCxnSpPr>
+            <p:cNvPr id="205" name="Conector de Seta Reta 204">
+              <a:extLst>
+                <a:ext uri="{FF2B5EF4-FFF2-40B4-BE49-F238E27FC236}">
+                  <a16:creationId xmlns:a16="http://schemas.microsoft.com/office/drawing/2014/main" id="{D1A399AA-DD70-4E06-9E54-2C19F03636E6}"/>
+                </a:ext>
+              </a:extLst>
+            </p:cNvPr>
+            <p:cNvCxnSpPr>
+              <a:cxnSpLocks/>
+              <a:stCxn id="204" idx="2"/>
+            </p:cNvCxnSpPr>
+            <p:nvPr/>
+          </p:nvCxnSpPr>
+          <p:spPr>
+            <a:xfrm>
+              <a:off x="3729507" y="3443342"/>
+              <a:ext cx="0" cy="1525111"/>
+            </a:xfrm>
+            <a:prstGeom prst="straightConnector1">
+              <a:avLst/>
+            </a:prstGeom>
+            <a:noFill/>
+            <a:ln w="9525" cap="flat" cmpd="sng" algn="ctr">
+              <a:solidFill>
+                <a:sysClr val="windowText" lastClr="000000">
+                  <a:lumMod val="50000"/>
+                  <a:lumOff val="50000"/>
+                </a:sysClr>
+              </a:solidFill>
+              <a:prstDash val="solid"/>
+              <a:tailEnd type="triangle"/>
+            </a:ln>
+            <a:effectLst/>
+          </p:spPr>
+        </p:cxnSp>
+        <p:sp>
+          <p:nvSpPr>
+            <p:cNvPr id="206" name="CaixaDeTexto 205">
+              <a:extLst>
+                <a:ext uri="{FF2B5EF4-FFF2-40B4-BE49-F238E27FC236}">
+                  <a16:creationId xmlns:a16="http://schemas.microsoft.com/office/drawing/2014/main" id="{BCC81D22-B153-4DFF-97FA-718575129C8C}"/>
+                </a:ext>
+              </a:extLst>
+            </p:cNvPr>
+            <p:cNvSpPr txBox="1"/>
+            <p:nvPr/>
+          </p:nvSpPr>
+          <p:spPr>
+            <a:xfrm>
+              <a:off x="1367557" y="5750320"/>
+              <a:ext cx="3245202" cy="276999"/>
+            </a:xfrm>
+            <a:prstGeom prst="rect">
+              <a:avLst/>
+            </a:prstGeom>
+            <a:solidFill>
+              <a:sysClr val="window" lastClr="FFFFFF"/>
+            </a:solidFill>
+          </p:spPr>
+          <p:txBody>
+            <a:bodyPr wrap="square" rtlCol="0">
+              <a:spAutoFit/>
+            </a:bodyPr>
+            <a:lstStyle/>
+            <a:p>
+              <a:pPr marL="0" marR="0" lvl="0" indent="0" algn="ctr" defTabSz="914400" eaLnBrk="1" fontAlgn="auto" latinLnBrk="0" hangingPunct="1">
+                <a:lnSpc>
+                  <a:spcPct val="100000"/>
+                </a:lnSpc>
+                <a:spcBef>
+                  <a:spcPts val="0"/>
+                </a:spcBef>
+                <a:spcAft>
+                  <a:spcPts val="0"/>
+                </a:spcAft>
+                <a:buClrTx/>
+                <a:buSzTx/>
+                <a:buFontTx/>
+                <a:buNone/>
+                <a:tabLst/>
+                <a:defRPr/>
+              </a:pPr>
+              <a:r>
+                <a:rPr kumimoji="0" lang="en-US" sz="1200" b="0" i="0" u="none" strike="noStrike" kern="0" cap="none" spc="0" normalizeH="0" baseline="0" noProof="0" dirty="0">
+                  <a:ln>
+                    <a:noFill/>
+                  </a:ln>
+                  <a:solidFill>
+                    <a:prstClr val="black"/>
+                  </a:solidFill>
+                  <a:effectLst/>
+                  <a:uLnTx/>
+                  <a:uFillTx/>
+                  <a:latin typeface="CMU Sans Serif" panose="02000603000000000000" pitchFamily="2" charset="0"/>
+                  <a:ea typeface="CMU Sans Serif" panose="02000603000000000000" pitchFamily="2" charset="0"/>
+                  <a:cs typeface="CMU Sans Serif" panose="02000603000000000000" pitchFamily="2" charset="0"/>
+                </a:rPr>
+                <a:t>Odds of High Regret Scenario</a:t>
+              </a:r>
+            </a:p>
+          </p:txBody>
+        </p:sp>
+        <p:sp>
+          <p:nvSpPr>
+            <p:cNvPr id="207" name="CaixaDeTexto 206">
+              <a:extLst>
+                <a:ext uri="{FF2B5EF4-FFF2-40B4-BE49-F238E27FC236}">
+                  <a16:creationId xmlns:a16="http://schemas.microsoft.com/office/drawing/2014/main" id="{79970238-A7FC-48F0-9142-1C884C636F7F}"/>
+                </a:ext>
+              </a:extLst>
+            </p:cNvPr>
+            <p:cNvSpPr txBox="1"/>
+            <p:nvPr/>
+          </p:nvSpPr>
+          <p:spPr>
+            <a:xfrm>
+              <a:off x="4957511" y="3384277"/>
+              <a:ext cx="776876" cy="276999"/>
+            </a:xfrm>
+            <a:prstGeom prst="rect">
+              <a:avLst/>
+            </a:prstGeom>
+            <a:solidFill>
+              <a:sysClr val="window" lastClr="FFFFFF"/>
+            </a:solidFill>
+          </p:spPr>
+          <p:txBody>
+            <a:bodyPr wrap="square" rtlCol="0">
+              <a:spAutoFit/>
+            </a:bodyPr>
+            <a:lstStyle/>
+            <a:p>
+              <a:pPr marL="0" marR="0" lvl="0" indent="0" algn="ctr" defTabSz="914400" eaLnBrk="1" fontAlgn="auto" latinLnBrk="0" hangingPunct="1">
+                <a:lnSpc>
+                  <a:spcPct val="100000"/>
+                </a:lnSpc>
+                <a:spcBef>
+                  <a:spcPts val="0"/>
+                </a:spcBef>
+                <a:spcAft>
+                  <a:spcPts val="0"/>
+                </a:spcAft>
+                <a:buClrTx/>
+                <a:buSzTx/>
+                <a:buFontTx/>
+                <a:buNone/>
+                <a:tabLst/>
+                <a:defRPr/>
+              </a:pPr>
+              <a:r>
+                <a:rPr kumimoji="0" lang="en-US" sz="1200" b="0" i="0" u="none" strike="noStrike" kern="0" cap="none" spc="0" normalizeH="0" baseline="0" noProof="0">
+                  <a:ln>
+                    <a:noFill/>
+                  </a:ln>
+                  <a:solidFill>
+                    <a:prstClr val="black"/>
+                  </a:solidFill>
+                  <a:effectLst/>
+                  <a:uLnTx/>
+                  <a:uFillTx/>
+                  <a:latin typeface="CMU Sans Serif" panose="02000603000000000000" pitchFamily="2" charset="0"/>
+                  <a:ea typeface="CMU Sans Serif" panose="02000603000000000000" pitchFamily="2" charset="0"/>
+                  <a:cs typeface="CMU Sans Serif" panose="02000603000000000000" pitchFamily="2" charset="0"/>
+                </a:rPr>
+                <a:t>Strategy</a:t>
+              </a:r>
+              <a:endParaRPr kumimoji="0" lang="en-US" sz="1200" b="0" i="0" u="none" strike="noStrike" kern="0" cap="none" spc="0" normalizeH="0" baseline="0" noProof="0" dirty="0">
+                <a:ln>
+                  <a:noFill/>
+                </a:ln>
+                <a:solidFill>
+                  <a:prstClr val="black"/>
+                </a:solidFill>
+                <a:effectLst/>
+                <a:uLnTx/>
+                <a:uFillTx/>
+                <a:latin typeface="CMU Sans Serif" panose="02000603000000000000" pitchFamily="2" charset="0"/>
+                <a:ea typeface="CMU Sans Serif" panose="02000603000000000000" pitchFamily="2" charset="0"/>
+                <a:cs typeface="CMU Sans Serif" panose="02000603000000000000" pitchFamily="2" charset="0"/>
+              </a:endParaRPr>
+            </a:p>
+          </p:txBody>
+        </p:sp>
+      </p:grpSp>
+      <p:grpSp>
+        <p:nvGrpSpPr>
+          <p:cNvPr id="4141" name="Agrupar 4140">
+            <a:extLst>
+              <a:ext uri="{FF2B5EF4-FFF2-40B4-BE49-F238E27FC236}">
+                <a16:creationId xmlns:a16="http://schemas.microsoft.com/office/drawing/2014/main" id="{997077CE-9BF4-40DB-A827-B86EF76A581E}"/>
+              </a:ext>
+            </a:extLst>
+          </p:cNvPr>
+          <p:cNvGrpSpPr/>
+          <p:nvPr/>
+        </p:nvGrpSpPr>
+        <p:grpSpPr>
+          <a:xfrm>
+            <a:off x="25696158" y="28886361"/>
+            <a:ext cx="5929445" cy="3162809"/>
+            <a:chOff x="25916944" y="29992099"/>
+            <a:chExt cx="5929445" cy="3162809"/>
+          </a:xfrm>
+        </p:grpSpPr>
+        <p:pic>
+          <p:nvPicPr>
+            <p:cNvPr id="209" name="Imagem 208" descr="Uma imagem contendo captura de tela&#10;&#10;Descrição gerada automaticamente">
+              <a:extLst>
+                <a:ext uri="{FF2B5EF4-FFF2-40B4-BE49-F238E27FC236}">
+                  <a16:creationId xmlns:a16="http://schemas.microsoft.com/office/drawing/2014/main" id="{7C5ABF45-D605-4F5F-8996-097F6A8E2883}"/>
+                </a:ext>
+              </a:extLst>
+            </p:cNvPr>
+            <p:cNvPicPr>
+              <a:picLocks noChangeAspect="1"/>
+            </p:cNvPicPr>
+            <p:nvPr/>
+          </p:nvPicPr>
+          <p:blipFill>
+            <a:blip r:embed="rId11">
+              <a:extLst>
+                <a:ext uri="{28A0092B-C50C-407E-A947-70E740481C1C}">
+                  <a14:useLocalDpi xmlns:a14="http://schemas.microsoft.com/office/drawing/2010/main" val="0"/>
+                </a:ext>
+              </a:extLst>
+            </a:blip>
+            <a:stretch>
+              <a:fillRect/>
+            </a:stretch>
+          </p:blipFill>
+          <p:spPr>
+            <a:xfrm>
+              <a:off x="26010456" y="30066043"/>
+              <a:ext cx="5759450" cy="2876449"/>
+            </a:xfrm>
+            <a:prstGeom prst="rect">
+              <a:avLst/>
+            </a:prstGeom>
+          </p:spPr>
+        </p:pic>
+        <p:cxnSp>
+          <p:nvCxnSpPr>
+            <p:cNvPr id="210" name="Conector de Seta Reta 209">
+              <a:extLst>
+                <a:ext uri="{FF2B5EF4-FFF2-40B4-BE49-F238E27FC236}">
+                  <a16:creationId xmlns:a16="http://schemas.microsoft.com/office/drawing/2014/main" id="{33FDB033-A9A3-4911-B753-3D08836F6F55}"/>
+                </a:ext>
+              </a:extLst>
+            </p:cNvPr>
+            <p:cNvCxnSpPr>
+              <a:cxnSpLocks/>
+            </p:cNvCxnSpPr>
+            <p:nvPr/>
+          </p:nvCxnSpPr>
+          <p:spPr>
+            <a:xfrm flipH="1">
+              <a:off x="26729941" y="31216235"/>
+              <a:ext cx="216024" cy="288032"/>
+            </a:xfrm>
+            <a:prstGeom prst="straightConnector1">
+              <a:avLst/>
+            </a:prstGeom>
+            <a:ln>
+              <a:tailEnd type="triangle"/>
+            </a:ln>
+          </p:spPr>
+          <p:style>
+            <a:lnRef idx="1">
+              <a:schemeClr val="dk1"/>
+            </a:lnRef>
+            <a:fillRef idx="0">
+              <a:schemeClr val="dk1"/>
+            </a:fillRef>
+            <a:effectRef idx="0">
+              <a:schemeClr val="dk1"/>
+            </a:effectRef>
+            <a:fontRef idx="minor">
+              <a:schemeClr val="tx1"/>
+            </a:fontRef>
+          </p:style>
+        </p:cxnSp>
+        <p:cxnSp>
+          <p:nvCxnSpPr>
+            <p:cNvPr id="211" name="Conector de Seta Reta 210">
+              <a:extLst>
+                <a:ext uri="{FF2B5EF4-FFF2-40B4-BE49-F238E27FC236}">
+                  <a16:creationId xmlns:a16="http://schemas.microsoft.com/office/drawing/2014/main" id="{18BDBCC9-3798-4F1E-B8EE-C46174B38CE1}"/>
+                </a:ext>
+              </a:extLst>
+            </p:cNvPr>
+            <p:cNvCxnSpPr>
+              <a:cxnSpLocks/>
+            </p:cNvCxnSpPr>
+            <p:nvPr/>
+          </p:nvCxnSpPr>
+          <p:spPr>
+            <a:xfrm flipH="1">
+              <a:off x="27017973" y="32080331"/>
+              <a:ext cx="216024" cy="288032"/>
+            </a:xfrm>
+            <a:prstGeom prst="straightConnector1">
+              <a:avLst/>
+            </a:prstGeom>
+            <a:ln>
+              <a:tailEnd type="triangle"/>
+            </a:ln>
+          </p:spPr>
+          <p:style>
+            <a:lnRef idx="1">
+              <a:schemeClr val="dk1"/>
+            </a:lnRef>
+            <a:fillRef idx="0">
+              <a:schemeClr val="dk1"/>
+            </a:fillRef>
+            <a:effectRef idx="0">
+              <a:schemeClr val="dk1"/>
+            </a:effectRef>
+            <a:fontRef idx="minor">
+              <a:schemeClr val="tx1"/>
+            </a:fontRef>
+          </p:style>
+        </p:cxnSp>
+        <p:cxnSp>
+          <p:nvCxnSpPr>
+            <p:cNvPr id="212" name="Conector de Seta Reta 211">
+              <a:extLst>
+                <a:ext uri="{FF2B5EF4-FFF2-40B4-BE49-F238E27FC236}">
+                  <a16:creationId xmlns:a16="http://schemas.microsoft.com/office/drawing/2014/main" id="{078B5534-EE84-454A-911E-33EC93195A52}"/>
+                </a:ext>
+              </a:extLst>
+            </p:cNvPr>
+            <p:cNvCxnSpPr>
+              <a:cxnSpLocks/>
+            </p:cNvCxnSpPr>
+            <p:nvPr/>
+          </p:nvCxnSpPr>
+          <p:spPr>
+            <a:xfrm flipH="1">
+              <a:off x="27306005" y="32152339"/>
+              <a:ext cx="216024" cy="288032"/>
+            </a:xfrm>
+            <a:prstGeom prst="straightConnector1">
+              <a:avLst/>
+            </a:prstGeom>
+            <a:ln>
+              <a:tailEnd type="triangle"/>
+            </a:ln>
+          </p:spPr>
+          <p:style>
+            <a:lnRef idx="1">
+              <a:schemeClr val="dk1"/>
+            </a:lnRef>
+            <a:fillRef idx="0">
+              <a:schemeClr val="dk1"/>
+            </a:fillRef>
+            <a:effectRef idx="0">
+              <a:schemeClr val="dk1"/>
+            </a:effectRef>
+            <a:fontRef idx="minor">
+              <a:schemeClr val="tx1"/>
+            </a:fontRef>
+          </p:style>
+        </p:cxnSp>
+        <p:cxnSp>
+          <p:nvCxnSpPr>
+            <p:cNvPr id="213" name="Conector de Seta Reta 212">
+              <a:extLst>
+                <a:ext uri="{FF2B5EF4-FFF2-40B4-BE49-F238E27FC236}">
+                  <a16:creationId xmlns:a16="http://schemas.microsoft.com/office/drawing/2014/main" id="{95E6D602-A996-4E7F-A049-83073AE18CD8}"/>
+                </a:ext>
+              </a:extLst>
+            </p:cNvPr>
+            <p:cNvCxnSpPr>
+              <a:cxnSpLocks/>
+            </p:cNvCxnSpPr>
+            <p:nvPr/>
+          </p:nvCxnSpPr>
+          <p:spPr>
+            <a:xfrm flipH="1">
+              <a:off x="27738053" y="32117880"/>
+              <a:ext cx="216024" cy="288032"/>
+            </a:xfrm>
+            <a:prstGeom prst="straightConnector1">
+              <a:avLst/>
+            </a:prstGeom>
+            <a:ln>
+              <a:tailEnd type="triangle"/>
+            </a:ln>
+          </p:spPr>
+          <p:style>
+            <a:lnRef idx="1">
+              <a:schemeClr val="dk1"/>
+            </a:lnRef>
+            <a:fillRef idx="0">
+              <a:schemeClr val="dk1"/>
+            </a:fillRef>
+            <a:effectRef idx="0">
+              <a:schemeClr val="dk1"/>
+            </a:effectRef>
+            <a:fontRef idx="minor">
+              <a:schemeClr val="tx1"/>
+            </a:fontRef>
+          </p:style>
+        </p:cxnSp>
+        <p:sp>
+          <p:nvSpPr>
+            <p:cNvPr id="214" name="CaixaDeTexto 213">
+              <a:extLst>
+                <a:ext uri="{FF2B5EF4-FFF2-40B4-BE49-F238E27FC236}">
+                  <a16:creationId xmlns:a16="http://schemas.microsoft.com/office/drawing/2014/main" id="{3D43DF08-ECD4-43EA-839F-C40A6621DF1B}"/>
+                </a:ext>
+              </a:extLst>
+            </p:cNvPr>
+            <p:cNvSpPr txBox="1"/>
+            <p:nvPr/>
+          </p:nvSpPr>
+          <p:spPr>
+            <a:xfrm>
+              <a:off x="26958883" y="32774082"/>
+              <a:ext cx="3162809" cy="260597"/>
+            </a:xfrm>
+            <a:prstGeom prst="rect">
+              <a:avLst/>
+            </a:prstGeom>
+            <a:solidFill>
+              <a:schemeClr val="bg1"/>
+            </a:solidFill>
+          </p:spPr>
+          <p:txBody>
+            <a:bodyPr wrap="square" rtlCol="0">
+              <a:spAutoFit/>
+            </a:bodyPr>
+            <a:lstStyle/>
+            <a:p>
+              <a:pPr algn="ctr"/>
+              <a:r>
+                <a:rPr lang="en-US" sz="1100" dirty="0">
+                  <a:latin typeface="CMU Sans Serif" panose="02000603000000000000" pitchFamily="2" charset="0"/>
+                  <a:ea typeface="CMU Sans Serif" panose="02000603000000000000" pitchFamily="2" charset="0"/>
+                  <a:cs typeface="CMU Sans Serif" panose="02000603000000000000" pitchFamily="2" charset="0"/>
+                </a:rPr>
+                <a:t>75th percentile Regret over all futures</a:t>
+              </a:r>
+            </a:p>
+          </p:txBody>
+        </p:sp>
+        <p:sp>
+          <p:nvSpPr>
+            <p:cNvPr id="215" name="CaixaDeTexto 214">
+              <a:extLst>
+                <a:ext uri="{FF2B5EF4-FFF2-40B4-BE49-F238E27FC236}">
+                  <a16:creationId xmlns:a16="http://schemas.microsoft.com/office/drawing/2014/main" id="{8F5D5999-A0D1-4D41-AD0A-43590683B483}"/>
+                </a:ext>
+              </a:extLst>
+            </p:cNvPr>
+            <p:cNvSpPr txBox="1"/>
+            <p:nvPr/>
+          </p:nvSpPr>
+          <p:spPr>
+            <a:xfrm rot="16200000">
+              <a:off x="24465838" y="31443205"/>
+              <a:ext cx="3162809" cy="260597"/>
+            </a:xfrm>
+            <a:prstGeom prst="rect">
+              <a:avLst/>
+            </a:prstGeom>
+            <a:solidFill>
+              <a:schemeClr val="bg1"/>
+            </a:solidFill>
+          </p:spPr>
+          <p:txBody>
+            <a:bodyPr wrap="square" rtlCol="0">
+              <a:spAutoFit/>
+            </a:bodyPr>
+            <a:lstStyle/>
+            <a:p>
+              <a:pPr algn="ctr"/>
+              <a:r>
+                <a:rPr lang="en-US" sz="1100" dirty="0">
+                  <a:latin typeface="CMU Sans Serif" panose="02000603000000000000" pitchFamily="2" charset="0"/>
+                  <a:ea typeface="CMU Sans Serif" panose="02000603000000000000" pitchFamily="2" charset="0"/>
+                  <a:cs typeface="CMU Sans Serif" panose="02000603000000000000" pitchFamily="2" charset="0"/>
+                </a:rPr>
+                <a:t>75th percentile Regret over high-regret scenario</a:t>
+              </a:r>
+            </a:p>
+          </p:txBody>
+        </p:sp>
+        <p:sp>
+          <p:nvSpPr>
+            <p:cNvPr id="216" name="CaixaDeTexto 215">
+              <a:extLst>
+                <a:ext uri="{FF2B5EF4-FFF2-40B4-BE49-F238E27FC236}">
+                  <a16:creationId xmlns:a16="http://schemas.microsoft.com/office/drawing/2014/main" id="{6D4F82CA-FBE7-498F-AE9E-CA3339A0676C}"/>
+                </a:ext>
+              </a:extLst>
+            </p:cNvPr>
+            <p:cNvSpPr txBox="1"/>
+            <p:nvPr/>
+          </p:nvSpPr>
+          <p:spPr>
+            <a:xfrm>
+              <a:off x="30838621" y="30781416"/>
+              <a:ext cx="1007768" cy="261610"/>
+            </a:xfrm>
+            <a:prstGeom prst="rect">
+              <a:avLst/>
+            </a:prstGeom>
+            <a:solidFill>
+              <a:schemeClr val="bg1"/>
+            </a:solidFill>
+          </p:spPr>
+          <p:txBody>
+            <a:bodyPr wrap="square" rtlCol="0">
+              <a:spAutoFit/>
+            </a:bodyPr>
+            <a:lstStyle/>
+            <a:p>
+              <a:pPr algn="ctr"/>
+              <a:r>
+                <a:rPr lang="en-US" sz="1100" dirty="0">
+                  <a:latin typeface="CMU Sans Serif" panose="02000603000000000000" pitchFamily="2" charset="0"/>
+                  <a:ea typeface="CMU Sans Serif" panose="02000603000000000000" pitchFamily="2" charset="0"/>
+                  <a:cs typeface="CMU Sans Serif" panose="02000603000000000000" pitchFamily="2" charset="0"/>
+                </a:rPr>
+                <a:t>Open R&amp;D %</a:t>
+              </a:r>
+            </a:p>
+          </p:txBody>
+        </p:sp>
+      </p:grpSp>
+      <p:sp>
+        <p:nvSpPr>
+          <p:cNvPr id="217" name="Text Box 8">
+            <a:extLst>
+              <a:ext uri="{FF2B5EF4-FFF2-40B4-BE49-F238E27FC236}">
+                <a16:creationId xmlns:a16="http://schemas.microsoft.com/office/drawing/2014/main" id="{4E4BF7E0-2741-4D43-A56D-9E93ABD96B7C}"/>
+              </a:ext>
+            </a:extLst>
+          </p:cNvPr>
+          <p:cNvSpPr txBox="1">
+            <a:spLocks noChangeArrowheads="1"/>
+          </p:cNvSpPr>
+          <p:nvPr/>
+        </p:nvSpPr>
         <p:spPr bwMode="auto">
           <a:xfrm>
-            <a:off x="25369610" y="35019839"/>
-            <a:ext cx="5761355" cy="3291840"/>
+            <a:off x="16679981" y="38487582"/>
+            <a:ext cx="10464563" cy="3773427"/>
           </a:xfrm>
           <a:prstGeom prst="rect">
             <a:avLst/>
           </a:prstGeom>
           <a:noFill/>
+          <a:ln>
+            <a:noFill/>
+          </a:ln>
+          <a:extLst>
+            <a:ext uri="{909E8E84-426E-40DD-AFC4-6F175D3DCCD1}">
+              <a14:hiddenFill xmlns:a14="http://schemas.microsoft.com/office/drawing/2010/main">
+                <a:solidFill>
+                  <a:srgbClr val="FFFFFF"/>
+                </a:solidFill>
+              </a14:hiddenFill>
+            </a:ext>
+            <a:ext uri="{91240B29-F687-4F45-9708-019B960494DF}">
+              <a14:hiddenLine xmlns:a14="http://schemas.microsoft.com/office/drawing/2010/main" w="9525">
+                <a:solidFill>
+                  <a:srgbClr val="000000"/>
+                </a:solidFill>
+                <a:miter lim="800000"/>
+                <a:headEnd/>
+                <a:tailEnd/>
+              </a14:hiddenLine>
+            </a:ext>
+          </a:extLst>
+        </p:spPr>
+        <p:txBody>
+          <a:bodyPr wrap="square" lIns="79333" tIns="39667" rIns="79333" bIns="39667">
+            <a:spAutoFit/>
+          </a:bodyPr>
+          <a:lstStyle>
+            <a:lvl1pPr defTabSz="4319588">
+              <a:spcBef>
+                <a:spcPct val="20000"/>
+              </a:spcBef>
+              <a:buChar char="•"/>
+              <a:defRPr sz="15100">
+                <a:solidFill>
+                  <a:schemeClr val="tx1"/>
+                </a:solidFill>
+                <a:latin typeface="Arial" panose="020B0604020202020204" pitchFamily="34" charset="0"/>
+              </a:defRPr>
+            </a:lvl1pPr>
+            <a:lvl2pPr marL="742950" indent="-285750" defTabSz="4319588">
+              <a:spcBef>
+                <a:spcPct val="20000"/>
+              </a:spcBef>
+              <a:buChar char="–"/>
+              <a:defRPr sz="13200">
+                <a:solidFill>
+                  <a:schemeClr val="tx1"/>
+                </a:solidFill>
+                <a:latin typeface="Arial" panose="020B0604020202020204" pitchFamily="34" charset="0"/>
+              </a:defRPr>
+            </a:lvl2pPr>
+            <a:lvl3pPr marL="1143000" indent="-228600" defTabSz="4319588">
+              <a:spcBef>
+                <a:spcPct val="20000"/>
+              </a:spcBef>
+              <a:buChar char="•"/>
+              <a:defRPr sz="11400">
+                <a:solidFill>
+                  <a:schemeClr val="tx1"/>
+                </a:solidFill>
+                <a:latin typeface="Arial" panose="020B0604020202020204" pitchFamily="34" charset="0"/>
+              </a:defRPr>
+            </a:lvl3pPr>
+            <a:lvl4pPr marL="1600200" indent="-228600" defTabSz="4319588">
+              <a:spcBef>
+                <a:spcPct val="20000"/>
+              </a:spcBef>
+              <a:buChar char="–"/>
+              <a:defRPr sz="9500">
+                <a:solidFill>
+                  <a:schemeClr val="tx1"/>
+                </a:solidFill>
+                <a:latin typeface="Arial" panose="020B0604020202020204" pitchFamily="34" charset="0"/>
+              </a:defRPr>
+            </a:lvl4pPr>
+            <a:lvl5pPr marL="2057400" indent="-228600" defTabSz="4319588">
+              <a:spcBef>
+                <a:spcPct val="20000"/>
+              </a:spcBef>
+              <a:buChar char="»"/>
+              <a:defRPr sz="9500">
+                <a:solidFill>
+                  <a:schemeClr val="tx1"/>
+                </a:solidFill>
+                <a:latin typeface="Arial" panose="020B0604020202020204" pitchFamily="34" charset="0"/>
+              </a:defRPr>
+            </a:lvl5pPr>
+            <a:lvl6pPr marL="2514600" indent="-228600" defTabSz="4319588" eaLnBrk="0" fontAlgn="base" hangingPunct="0">
+              <a:spcBef>
+                <a:spcPct val="20000"/>
+              </a:spcBef>
+              <a:spcAft>
+                <a:spcPct val="0"/>
+              </a:spcAft>
+              <a:buChar char="»"/>
+              <a:defRPr sz="9500">
+                <a:solidFill>
+                  <a:schemeClr val="tx1"/>
+                </a:solidFill>
+                <a:latin typeface="Arial" panose="020B0604020202020204" pitchFamily="34" charset="0"/>
+              </a:defRPr>
+            </a:lvl6pPr>
+            <a:lvl7pPr marL="2971800" indent="-228600" defTabSz="4319588" eaLnBrk="0" fontAlgn="base" hangingPunct="0">
+              <a:spcBef>
+                <a:spcPct val="20000"/>
+              </a:spcBef>
+              <a:spcAft>
+                <a:spcPct val="0"/>
+              </a:spcAft>
+              <a:buChar char="»"/>
+              <a:defRPr sz="9500">
+                <a:solidFill>
+                  <a:schemeClr val="tx1"/>
+                </a:solidFill>
+                <a:latin typeface="Arial" panose="020B0604020202020204" pitchFamily="34" charset="0"/>
+              </a:defRPr>
+            </a:lvl7pPr>
+            <a:lvl8pPr marL="3429000" indent="-228600" defTabSz="4319588" eaLnBrk="0" fontAlgn="base" hangingPunct="0">
+              <a:spcBef>
+                <a:spcPct val="20000"/>
+              </a:spcBef>
+              <a:spcAft>
+                <a:spcPct val="0"/>
+              </a:spcAft>
+              <a:buChar char="»"/>
+              <a:defRPr sz="9500">
+                <a:solidFill>
+                  <a:schemeClr val="tx1"/>
+                </a:solidFill>
+                <a:latin typeface="Arial" panose="020B0604020202020204" pitchFamily="34" charset="0"/>
+              </a:defRPr>
+            </a:lvl8pPr>
+            <a:lvl9pPr marL="3886200" indent="-228600" defTabSz="4319588" eaLnBrk="0" fontAlgn="base" hangingPunct="0">
+              <a:spcBef>
+                <a:spcPct val="20000"/>
+              </a:spcBef>
+              <a:spcAft>
+                <a:spcPct val="0"/>
+              </a:spcAft>
+              <a:buChar char="»"/>
+              <a:defRPr sz="9500">
+                <a:solidFill>
+                  <a:schemeClr val="tx1"/>
+                </a:solidFill>
+                <a:latin typeface="Arial" panose="020B0604020202020204" pitchFamily="34" charset="0"/>
+              </a:defRPr>
+            </a:lvl9pPr>
+          </a:lstStyle>
+          <a:p>
+            <a:pPr algn="just" eaLnBrk="1" hangingPunct="1">
+              <a:spcBef>
+                <a:spcPct val="50000"/>
+              </a:spcBef>
+              <a:buNone/>
+            </a:pPr>
+            <a:r>
+              <a:rPr lang="en-US" altLang="pt-BR" sz="4000" dirty="0">
+                <a:latin typeface="CMU Sans Serif" panose="02000603000000000000" pitchFamily="2" charset="0"/>
+                <a:ea typeface="CMU Sans Serif" panose="02000603000000000000" pitchFamily="2" charset="0"/>
+                <a:cs typeface="CMU Sans Serif" panose="02000603000000000000" pitchFamily="2" charset="0"/>
+              </a:rPr>
+              <a:t>This analysis provides an exploration of model-based Business Strategic Decision aiding under the DMDU framework. Future work might either relax some of the structural assumptions of the model employed on this analysis or turn to new deeply uncertain business problems.</a:t>
+            </a:r>
+          </a:p>
+        </p:txBody>
+      </p:sp>
+      <p:pic>
+        <p:nvPicPr>
+          <p:cNvPr id="4145" name="Imagem 4144">
+            <a:extLst>
+              <a:ext uri="{FF2B5EF4-FFF2-40B4-BE49-F238E27FC236}">
+                <a16:creationId xmlns:a16="http://schemas.microsoft.com/office/drawing/2014/main" id="{881F8A6D-6905-4F30-8450-7DA7D9AD66E5}"/>
+              </a:ext>
+            </a:extLst>
+          </p:cNvPr>
+          <p:cNvPicPr>
+            <a:picLocks noChangeAspect="1"/>
+          </p:cNvPicPr>
+          <p:nvPr/>
+        </p:nvPicPr>
+        <p:blipFill>
+          <a:blip r:embed="rId12" cstate="print">
+            <a:extLst>
+              <a:ext uri="{28A0092B-C50C-407E-A947-70E740481C1C}">
+                <a14:useLocalDpi xmlns:a14="http://schemas.microsoft.com/office/drawing/2010/main" val="0"/>
+              </a:ext>
+            </a:extLst>
+          </a:blip>
+          <a:stretch>
+            <a:fillRect/>
+          </a:stretch>
+        </p:blipFill>
+        <p:spPr>
+          <a:xfrm>
+            <a:off x="1130394" y="1650340"/>
+            <a:ext cx="6896503" cy="1174732"/>
+          </a:xfrm>
+          <a:prstGeom prst="rect">
+            <a:avLst/>
+          </a:prstGeom>
         </p:spPr>
       </p:pic>
+      <p:pic>
+        <p:nvPicPr>
+          <p:cNvPr id="4147" name="Imagem 4146" descr="Uma imagem contendo interior, mesa, parede&#10;&#10;Descrição gerada automaticamente">
+            <a:extLst>
+              <a:ext uri="{FF2B5EF4-FFF2-40B4-BE49-F238E27FC236}">
+                <a16:creationId xmlns:a16="http://schemas.microsoft.com/office/drawing/2014/main" id="{5318B487-9211-4AEE-B321-757ED5CB5012}"/>
+              </a:ext>
+            </a:extLst>
+          </p:cNvPr>
+          <p:cNvPicPr>
+            <a:picLocks noChangeAspect="1"/>
+          </p:cNvPicPr>
+          <p:nvPr/>
+        </p:nvPicPr>
+        <p:blipFill>
+          <a:blip r:embed="rId13">
+            <a:extLst>
+              <a:ext uri="{28A0092B-C50C-407E-A947-70E740481C1C}">
+                <a14:useLocalDpi xmlns:a14="http://schemas.microsoft.com/office/drawing/2010/main" val="0"/>
+              </a:ext>
+            </a:extLst>
+          </a:blip>
+          <a:stretch>
+            <a:fillRect/>
+          </a:stretch>
+        </p:blipFill>
+        <p:spPr>
+          <a:xfrm>
+            <a:off x="11336286" y="12265178"/>
+            <a:ext cx="3271610" cy="3773257"/>
+          </a:xfrm>
+          <a:prstGeom prst="rect">
+            <a:avLst/>
+          </a:prstGeom>
+        </p:spPr>
+      </p:pic>
+      <p:sp>
+        <p:nvSpPr>
+          <p:cNvPr id="225" name="Text Box 8">
+            <a:extLst>
+              <a:ext uri="{FF2B5EF4-FFF2-40B4-BE49-F238E27FC236}">
+                <a16:creationId xmlns:a16="http://schemas.microsoft.com/office/drawing/2014/main" id="{D79657A1-66A3-490C-BF61-9B7B1D66D9A7}"/>
+              </a:ext>
+            </a:extLst>
+          </p:cNvPr>
+          <p:cNvSpPr txBox="1">
+            <a:spLocks noChangeArrowheads="1"/>
+          </p:cNvSpPr>
+          <p:nvPr/>
+        </p:nvSpPr>
+        <p:spPr bwMode="auto">
+          <a:xfrm>
+            <a:off x="11200492" y="16172762"/>
+            <a:ext cx="3261494" cy="572551"/>
+          </a:xfrm>
+          <a:prstGeom prst="rect">
+            <a:avLst/>
+          </a:prstGeom>
+          <a:noFill/>
+          <a:ln>
+            <a:noFill/>
+          </a:ln>
+          <a:extLst>
+            <a:ext uri="{909E8E84-426E-40DD-AFC4-6F175D3DCCD1}">
+              <a14:hiddenFill xmlns:a14="http://schemas.microsoft.com/office/drawing/2010/main">
+                <a:solidFill>
+                  <a:srgbClr val="FFFFFF"/>
+                </a:solidFill>
+              </a14:hiddenFill>
+            </a:ext>
+            <a:ext uri="{91240B29-F687-4F45-9708-019B960494DF}">
+              <a14:hiddenLine xmlns:a14="http://schemas.microsoft.com/office/drawing/2010/main" w="9525">
+                <a:solidFill>
+                  <a:srgbClr val="000000"/>
+                </a:solidFill>
+                <a:miter lim="800000"/>
+                <a:headEnd/>
+                <a:tailEnd/>
+              </a14:hiddenLine>
+            </a:ext>
+          </a:extLst>
+        </p:spPr>
+        <p:txBody>
+          <a:bodyPr wrap="square" lIns="79333" tIns="39667" rIns="79333" bIns="39667">
+            <a:spAutoFit/>
+          </a:bodyPr>
+          <a:lstStyle>
+            <a:lvl1pPr defTabSz="4319588">
+              <a:spcBef>
+                <a:spcPct val="20000"/>
+              </a:spcBef>
+              <a:buChar char="•"/>
+              <a:defRPr sz="15100">
+                <a:solidFill>
+                  <a:schemeClr val="tx1"/>
+                </a:solidFill>
+                <a:latin typeface="Arial" panose="020B0604020202020204" pitchFamily="34" charset="0"/>
+              </a:defRPr>
+            </a:lvl1pPr>
+            <a:lvl2pPr marL="742950" indent="-285750" defTabSz="4319588">
+              <a:spcBef>
+                <a:spcPct val="20000"/>
+              </a:spcBef>
+              <a:buChar char="–"/>
+              <a:defRPr sz="13200">
+                <a:solidFill>
+                  <a:schemeClr val="tx1"/>
+                </a:solidFill>
+                <a:latin typeface="Arial" panose="020B0604020202020204" pitchFamily="34" charset="0"/>
+              </a:defRPr>
+            </a:lvl2pPr>
+            <a:lvl3pPr marL="1143000" indent="-228600" defTabSz="4319588">
+              <a:spcBef>
+                <a:spcPct val="20000"/>
+              </a:spcBef>
+              <a:buChar char="•"/>
+              <a:defRPr sz="11400">
+                <a:solidFill>
+                  <a:schemeClr val="tx1"/>
+                </a:solidFill>
+                <a:latin typeface="Arial" panose="020B0604020202020204" pitchFamily="34" charset="0"/>
+              </a:defRPr>
+            </a:lvl3pPr>
+            <a:lvl4pPr marL="1600200" indent="-228600" defTabSz="4319588">
+              <a:spcBef>
+                <a:spcPct val="20000"/>
+              </a:spcBef>
+              <a:buChar char="–"/>
+              <a:defRPr sz="9500">
+                <a:solidFill>
+                  <a:schemeClr val="tx1"/>
+                </a:solidFill>
+                <a:latin typeface="Arial" panose="020B0604020202020204" pitchFamily="34" charset="0"/>
+              </a:defRPr>
+            </a:lvl4pPr>
+            <a:lvl5pPr marL="2057400" indent="-228600" defTabSz="4319588">
+              <a:spcBef>
+                <a:spcPct val="20000"/>
+              </a:spcBef>
+              <a:buChar char="»"/>
+              <a:defRPr sz="9500">
+                <a:solidFill>
+                  <a:schemeClr val="tx1"/>
+                </a:solidFill>
+                <a:latin typeface="Arial" panose="020B0604020202020204" pitchFamily="34" charset="0"/>
+              </a:defRPr>
+            </a:lvl5pPr>
+            <a:lvl6pPr marL="2514600" indent="-228600" defTabSz="4319588" eaLnBrk="0" fontAlgn="base" hangingPunct="0">
+              <a:spcBef>
+                <a:spcPct val="20000"/>
+              </a:spcBef>
+              <a:spcAft>
+                <a:spcPct val="0"/>
+              </a:spcAft>
+              <a:buChar char="»"/>
+              <a:defRPr sz="9500">
+                <a:solidFill>
+                  <a:schemeClr val="tx1"/>
+                </a:solidFill>
+                <a:latin typeface="Arial" panose="020B0604020202020204" pitchFamily="34" charset="0"/>
+              </a:defRPr>
+            </a:lvl6pPr>
+            <a:lvl7pPr marL="2971800" indent="-228600" defTabSz="4319588" eaLnBrk="0" fontAlgn="base" hangingPunct="0">
+              <a:spcBef>
+                <a:spcPct val="20000"/>
+              </a:spcBef>
+              <a:spcAft>
+                <a:spcPct val="0"/>
+              </a:spcAft>
+              <a:buChar char="»"/>
+              <a:defRPr sz="9500">
+                <a:solidFill>
+                  <a:schemeClr val="tx1"/>
+                </a:solidFill>
+                <a:latin typeface="Arial" panose="020B0604020202020204" pitchFamily="34" charset="0"/>
+              </a:defRPr>
+            </a:lvl7pPr>
+            <a:lvl8pPr marL="3429000" indent="-228600" defTabSz="4319588" eaLnBrk="0" fontAlgn="base" hangingPunct="0">
+              <a:spcBef>
+                <a:spcPct val="20000"/>
+              </a:spcBef>
+              <a:spcAft>
+                <a:spcPct val="0"/>
+              </a:spcAft>
+              <a:buChar char="»"/>
+              <a:defRPr sz="9500">
+                <a:solidFill>
+                  <a:schemeClr val="tx1"/>
+                </a:solidFill>
+                <a:latin typeface="Arial" panose="020B0604020202020204" pitchFamily="34" charset="0"/>
+              </a:defRPr>
+            </a:lvl8pPr>
+            <a:lvl9pPr marL="3886200" indent="-228600" defTabSz="4319588" eaLnBrk="0" fontAlgn="base" hangingPunct="0">
+              <a:spcBef>
+                <a:spcPct val="20000"/>
+              </a:spcBef>
+              <a:spcAft>
+                <a:spcPct val="0"/>
+              </a:spcAft>
+              <a:buChar char="»"/>
+              <a:defRPr sz="9500">
+                <a:solidFill>
+                  <a:schemeClr val="tx1"/>
+                </a:solidFill>
+                <a:latin typeface="Arial" panose="020B0604020202020204" pitchFamily="34" charset="0"/>
+              </a:defRPr>
+            </a:lvl9pPr>
+          </a:lstStyle>
+          <a:p>
+            <a:pPr algn="ctr" eaLnBrk="1" hangingPunct="1">
+              <a:spcBef>
+                <a:spcPct val="50000"/>
+              </a:spcBef>
+              <a:buNone/>
+            </a:pPr>
+            <a:r>
+              <a:rPr lang="en-US" altLang="pt-BR" sz="3200" dirty="0">
+                <a:latin typeface="CMU Sans Serif" panose="02000603000000000000" pitchFamily="2" charset="0"/>
+                <a:ea typeface="CMU Sans Serif" panose="02000603000000000000" pitchFamily="2" charset="0"/>
+                <a:cs typeface="CMU Sans Serif" panose="02000603000000000000" pitchFamily="2" charset="0"/>
+              </a:rPr>
+              <a:t>Conventional vs 3D printed part</a:t>
+            </a:r>
+          </a:p>
+        </p:txBody>
+      </p:sp>
     </p:spTree>
   </p:cSld>
   <p:clrMapOvr>

--- a/models/dissertation-model/modelo-R/dmdu-presentation/poster/Poster_PedroLima_DMDU.pptx
+++ b/models/dissertation-model/modelo-R/dmdu-presentation/poster/Poster_PedroLima_DMDU.pptx
@@ -490,7 +490,7 @@
               <a:pPr>
                 <a:defRPr/>
               </a:pPr>
-              <a:t>07/11/2018</a:t>
+              <a:t>08/11/2018</a:t>
             </a:fld>
             <a:endParaRPr lang="pt-BR" dirty="0"/>
           </a:p>
@@ -7075,81 +7075,6 @@
                 <a:cs typeface="CMU Sans Serif" panose="02000603000000000000" pitchFamily="2" charset="0"/>
               </a:rPr>
               <a:t>Competition and new Entrants. </a:t>
-            </a:r>
-          </a:p>
-        </p:txBody>
-      </p:sp>
-      <p:pic>
-        <p:nvPicPr>
-          <p:cNvPr id="5" name="Imagem 4" descr="Uma imagem contendo interior&#10;&#10;Descrição gerada automaticamente">
-            <a:extLst>
-              <a:ext uri="{FF2B5EF4-FFF2-40B4-BE49-F238E27FC236}">
-                <a16:creationId xmlns:a16="http://schemas.microsoft.com/office/drawing/2014/main" id="{D77CC5B7-196F-4ACF-8154-BB42877BA314}"/>
-              </a:ext>
-            </a:extLst>
-          </p:cNvPr>
-          <p:cNvPicPr>
-            <a:picLocks noChangeAspect="1"/>
-          </p:cNvPicPr>
-          <p:nvPr/>
-        </p:nvPicPr>
-        <p:blipFill>
-          <a:blip r:embed="rId5">
-            <a:extLst>
-              <a:ext uri="{28A0092B-C50C-407E-A947-70E740481C1C}">
-                <a14:useLocalDpi xmlns:a14="http://schemas.microsoft.com/office/drawing/2010/main" val="0"/>
-              </a:ext>
-            </a:extLst>
-          </a:blip>
-          <a:stretch>
-            <a:fillRect/>
-          </a:stretch>
-        </p:blipFill>
-        <p:spPr>
-          <a:xfrm>
-            <a:off x="28314545" y="39216699"/>
-            <a:ext cx="2857500" cy="2857500"/>
-          </a:xfrm>
-          <a:prstGeom prst="rect">
-            <a:avLst/>
-          </a:prstGeom>
-        </p:spPr>
-      </p:pic>
-      <p:sp>
-        <p:nvSpPr>
-          <p:cNvPr id="6" name="Retângulo 5">
-            <a:extLst>
-              <a:ext uri="{FF2B5EF4-FFF2-40B4-BE49-F238E27FC236}">
-                <a16:creationId xmlns:a16="http://schemas.microsoft.com/office/drawing/2014/main" id="{98451078-93AA-4D5F-B69E-E5B9383F991E}"/>
-              </a:ext>
-            </a:extLst>
-          </p:cNvPr>
-          <p:cNvSpPr/>
-          <p:nvPr/>
-        </p:nvSpPr>
-        <p:spPr>
-          <a:xfrm>
-            <a:off x="27841460" y="41958701"/>
-            <a:ext cx="3803670" cy="523220"/>
-          </a:xfrm>
-          <a:prstGeom prst="rect">
-            <a:avLst/>
-          </a:prstGeom>
-        </p:spPr>
-        <p:txBody>
-          <a:bodyPr wrap="none">
-            <a:spAutoFit/>
-          </a:bodyPr>
-          <a:lstStyle/>
-          <a:p>
-            <a:pPr algn="ctr"/>
-            <a:r>
-              <a:rPr lang="pt-BR" sz="2800" u="sng" dirty="0">
-                <a:latin typeface="CMU Sans Serif" panose="02000603000000000000" pitchFamily="2" charset="0"/>
-                <a:ea typeface="CMU Sans Serif" panose="02000603000000000000" pitchFamily="2" charset="0"/>
-                <a:cs typeface="CMU Sans Serif" panose="02000603000000000000" pitchFamily="2" charset="0"/>
-              </a:rPr>
-              <a:t>www.pedronl.com/post</a:t>
             </a:r>
           </a:p>
         </p:txBody>
@@ -8971,45 +8896,141 @@
           </a:p>
         </p:txBody>
       </p:sp>
-      <p:sp>
-        <p:nvSpPr>
-          <p:cNvPr id="123" name="Retângulo 122">
+      <p:grpSp>
+        <p:nvGrpSpPr>
+          <p:cNvPr id="2" name="Agrupar 1">
             <a:extLst>
               <a:ext uri="{FF2B5EF4-FFF2-40B4-BE49-F238E27FC236}">
-                <a16:creationId xmlns:a16="http://schemas.microsoft.com/office/drawing/2014/main" id="{84E4558E-2010-4D95-B9A0-7427682F2203}"/>
+                <a16:creationId xmlns:a16="http://schemas.microsoft.com/office/drawing/2014/main" id="{EBAD102D-5C59-42D8-9F0C-77BA3329AA9D}"/>
               </a:ext>
             </a:extLst>
           </p:cNvPr>
-          <p:cNvSpPr/>
+          <p:cNvGrpSpPr/>
           <p:nvPr/>
-        </p:nvSpPr>
-        <p:spPr>
+        </p:nvGrpSpPr>
+        <p:grpSpPr>
           <a:xfrm>
-            <a:off x="27841650" y="38464081"/>
-            <a:ext cx="3792983" cy="954107"/>
+            <a:off x="27841460" y="38464081"/>
+            <a:ext cx="3803670" cy="4017840"/>
+            <a:chOff x="27841460" y="38464081"/>
+            <a:chExt cx="3803670" cy="4017840"/>
           </a:xfrm>
-          <a:prstGeom prst="rect">
-            <a:avLst/>
-          </a:prstGeom>
-        </p:spPr>
-        <p:txBody>
-          <a:bodyPr wrap="square">
-            <a:spAutoFit/>
-          </a:bodyPr>
-          <a:lstStyle/>
-          <a:p>
-            <a:pPr algn="ctr"/>
-            <a:r>
-              <a:rPr lang="en-US" sz="2800" dirty="0">
-                <a:latin typeface="CMU Sans Serif" panose="02000603000000000000" pitchFamily="2" charset="0"/>
-                <a:ea typeface="CMU Sans Serif" panose="02000603000000000000" pitchFamily="2" charset="0"/>
-                <a:cs typeface="CMU Sans Serif" panose="02000603000000000000" pitchFamily="2" charset="0"/>
-              </a:rPr>
-              <a:t>Slides and full master’s thesis at:</a:t>
-            </a:r>
-          </a:p>
-        </p:txBody>
-      </p:sp>
+        </p:grpSpPr>
+        <p:pic>
+          <p:nvPicPr>
+            <p:cNvPr id="5" name="Imagem 4" descr="Uma imagem contendo interior&#10;&#10;Descrição gerada automaticamente">
+              <a:extLst>
+                <a:ext uri="{FF2B5EF4-FFF2-40B4-BE49-F238E27FC236}">
+                  <a16:creationId xmlns:a16="http://schemas.microsoft.com/office/drawing/2014/main" id="{D77CC5B7-196F-4ACF-8154-BB42877BA314}"/>
+                </a:ext>
+              </a:extLst>
+            </p:cNvPr>
+            <p:cNvPicPr>
+              <a:picLocks noChangeAspect="1"/>
+            </p:cNvPicPr>
+            <p:nvPr/>
+          </p:nvPicPr>
+          <p:blipFill>
+            <a:blip r:embed="rId5">
+              <a:extLst>
+                <a:ext uri="{28A0092B-C50C-407E-A947-70E740481C1C}">
+                  <a14:useLocalDpi xmlns:a14="http://schemas.microsoft.com/office/drawing/2010/main" val="0"/>
+                </a:ext>
+              </a:extLst>
+            </a:blip>
+            <a:stretch>
+              <a:fillRect/>
+            </a:stretch>
+          </p:blipFill>
+          <p:spPr>
+            <a:xfrm>
+              <a:off x="28314545" y="39216699"/>
+              <a:ext cx="2857500" cy="2857500"/>
+            </a:xfrm>
+            <a:prstGeom prst="rect">
+              <a:avLst/>
+            </a:prstGeom>
+          </p:spPr>
+        </p:pic>
+        <p:sp>
+          <p:nvSpPr>
+            <p:cNvPr id="6" name="Retângulo 5">
+              <a:extLst>
+                <a:ext uri="{FF2B5EF4-FFF2-40B4-BE49-F238E27FC236}">
+                  <a16:creationId xmlns:a16="http://schemas.microsoft.com/office/drawing/2014/main" id="{98451078-93AA-4D5F-B69E-E5B9383F991E}"/>
+                </a:ext>
+              </a:extLst>
+            </p:cNvPr>
+            <p:cNvSpPr/>
+            <p:nvPr/>
+          </p:nvSpPr>
+          <p:spPr>
+            <a:xfrm>
+              <a:off x="27841460" y="41958701"/>
+              <a:ext cx="3803670" cy="523220"/>
+            </a:xfrm>
+            <a:prstGeom prst="rect">
+              <a:avLst/>
+            </a:prstGeom>
+          </p:spPr>
+          <p:txBody>
+            <a:bodyPr wrap="none">
+              <a:spAutoFit/>
+            </a:bodyPr>
+            <a:lstStyle/>
+            <a:p>
+              <a:pPr algn="ctr"/>
+              <a:r>
+                <a:rPr lang="pt-BR" sz="2800" u="sng" dirty="0">
+                  <a:latin typeface="CMU Sans Serif" panose="02000603000000000000" pitchFamily="2" charset="0"/>
+                  <a:ea typeface="CMU Sans Serif" panose="02000603000000000000" pitchFamily="2" charset="0"/>
+                  <a:cs typeface="CMU Sans Serif" panose="02000603000000000000" pitchFamily="2" charset="0"/>
+                </a:rPr>
+                <a:t>www.pedronl.com/post</a:t>
+              </a:r>
+            </a:p>
+          </p:txBody>
+        </p:sp>
+        <p:sp>
+          <p:nvSpPr>
+            <p:cNvPr id="123" name="Retângulo 122">
+              <a:extLst>
+                <a:ext uri="{FF2B5EF4-FFF2-40B4-BE49-F238E27FC236}">
+                  <a16:creationId xmlns:a16="http://schemas.microsoft.com/office/drawing/2014/main" id="{84E4558E-2010-4D95-B9A0-7427682F2203}"/>
+                </a:ext>
+              </a:extLst>
+            </p:cNvPr>
+            <p:cNvSpPr/>
+            <p:nvPr/>
+          </p:nvSpPr>
+          <p:spPr>
+            <a:xfrm>
+              <a:off x="27841650" y="38464081"/>
+              <a:ext cx="3792983" cy="954107"/>
+            </a:xfrm>
+            <a:prstGeom prst="rect">
+              <a:avLst/>
+            </a:prstGeom>
+          </p:spPr>
+          <p:txBody>
+            <a:bodyPr wrap="square">
+              <a:spAutoFit/>
+            </a:bodyPr>
+            <a:lstStyle/>
+            <a:p>
+              <a:pPr algn="ctr"/>
+              <a:r>
+                <a:rPr lang="en-US" sz="2800" dirty="0">
+                  <a:latin typeface="CMU Sans Serif" panose="02000603000000000000" pitchFamily="2" charset="0"/>
+                  <a:ea typeface="CMU Sans Serif" panose="02000603000000000000" pitchFamily="2" charset="0"/>
+                  <a:cs typeface="CMU Sans Serif" panose="02000603000000000000" pitchFamily="2" charset="0"/>
+                </a:rPr>
+                <a:t>Slides and full master’s thesis at:</a:t>
+              </a:r>
+            </a:p>
+          </p:txBody>
+        </p:sp>
+      </p:grpSp>
       <p:grpSp>
         <p:nvGrpSpPr>
           <p:cNvPr id="124" name="Agrupar 123">
